--- a/doc/ppt/distribute schedule task architect.pptx
+++ b/doc/ppt/distribute schedule task architect.pptx
@@ -5,7 +5,7 @@
     <p:sldMasterId id="2147483648" r:id="rId1"/>
   </p:sldMasterIdLst>
   <p:notesMasterIdLst>
-    <p:notesMasterId r:id="rId24"/>
+    <p:notesMasterId r:id="rId23"/>
   </p:notesMasterIdLst>
   <p:sldIdLst>
     <p:sldId id="256" r:id="rId2"/>
@@ -29,7 +29,6 @@
     <p:sldId id="274" r:id="rId20"/>
     <p:sldId id="276" r:id="rId21"/>
     <p:sldId id="278" r:id="rId22"/>
-    <p:sldId id="279" r:id="rId23"/>
   </p:sldIdLst>
   <p:sldSz cx="9144000" cy="6858000" type="screen4x3"/>
   <p:notesSz cx="6858000" cy="9144000"/>
@@ -6529,7 +6528,7 @@
           <a:p>
             <a:fld id="{33C1F835-63EE-450F-B330-51232C804ABE}" type="datetimeFigureOut">
               <a:rPr lang="zh-CN" altLang="en-US" smtClean="0"/>
-              <a:t>2016/6/20</a:t>
+              <a:t>2016/6/30</a:t>
             </a:fld>
             <a:endParaRPr lang="zh-CN" altLang="en-US"/>
           </a:p>
@@ -6979,7 +6978,7 @@
             <a:fld id="{1D8BD707-D9CF-40AE-B4C6-C98DA3205C09}" type="datetimeFigureOut">
               <a:rPr lang="en-US" smtClean="0"/>
               <a:pPr/>
-              <a:t>6/20/2016</a:t>
+              <a:t>6/30/2016</a:t>
             </a:fld>
             <a:endParaRPr lang="en-US"/>
           </a:p>
@@ -7146,7 +7145,7 @@
             <a:fld id="{1D8BD707-D9CF-40AE-B4C6-C98DA3205C09}" type="datetimeFigureOut">
               <a:rPr lang="en-US" smtClean="0"/>
               <a:pPr/>
-              <a:t>6/20/2016</a:t>
+              <a:t>6/30/2016</a:t>
             </a:fld>
             <a:endParaRPr lang="en-US"/>
           </a:p>
@@ -7323,7 +7322,7 @@
             <a:fld id="{1D8BD707-D9CF-40AE-B4C6-C98DA3205C09}" type="datetimeFigureOut">
               <a:rPr lang="en-US" smtClean="0"/>
               <a:pPr/>
-              <a:t>6/20/2016</a:t>
+              <a:t>6/30/2016</a:t>
             </a:fld>
             <a:endParaRPr lang="en-US"/>
           </a:p>
@@ -7490,7 +7489,7 @@
             <a:fld id="{1D8BD707-D9CF-40AE-B4C6-C98DA3205C09}" type="datetimeFigureOut">
               <a:rPr lang="en-US" smtClean="0"/>
               <a:pPr/>
-              <a:t>6/20/2016</a:t>
+              <a:t>6/30/2016</a:t>
             </a:fld>
             <a:endParaRPr lang="en-US"/>
           </a:p>
@@ -7733,7 +7732,7 @@
             <a:fld id="{1D8BD707-D9CF-40AE-B4C6-C98DA3205C09}" type="datetimeFigureOut">
               <a:rPr lang="en-US" smtClean="0"/>
               <a:pPr/>
-              <a:t>6/20/2016</a:t>
+              <a:t>6/30/2016</a:t>
             </a:fld>
             <a:endParaRPr lang="en-US"/>
           </a:p>
@@ -8018,7 +8017,7 @@
             <a:fld id="{1D8BD707-D9CF-40AE-B4C6-C98DA3205C09}" type="datetimeFigureOut">
               <a:rPr lang="en-US" smtClean="0"/>
               <a:pPr/>
-              <a:t>6/20/2016</a:t>
+              <a:t>6/30/2016</a:t>
             </a:fld>
             <a:endParaRPr lang="en-US"/>
           </a:p>
@@ -8437,7 +8436,7 @@
             <a:fld id="{1D8BD707-D9CF-40AE-B4C6-C98DA3205C09}" type="datetimeFigureOut">
               <a:rPr lang="en-US" smtClean="0"/>
               <a:pPr/>
-              <a:t>6/20/2016</a:t>
+              <a:t>6/30/2016</a:t>
             </a:fld>
             <a:endParaRPr lang="en-US"/>
           </a:p>
@@ -8552,7 +8551,7 @@
             <a:fld id="{1D8BD707-D9CF-40AE-B4C6-C98DA3205C09}" type="datetimeFigureOut">
               <a:rPr lang="en-US" smtClean="0"/>
               <a:pPr/>
-              <a:t>6/20/2016</a:t>
+              <a:t>6/30/2016</a:t>
             </a:fld>
             <a:endParaRPr lang="en-US"/>
           </a:p>
@@ -8644,7 +8643,7 @@
             <a:fld id="{1D8BD707-D9CF-40AE-B4C6-C98DA3205C09}" type="datetimeFigureOut">
               <a:rPr lang="en-US" smtClean="0"/>
               <a:pPr/>
-              <a:t>6/20/2016</a:t>
+              <a:t>6/30/2016</a:t>
             </a:fld>
             <a:endParaRPr lang="en-US"/>
           </a:p>
@@ -8918,7 +8917,7 @@
             <a:fld id="{1D8BD707-D9CF-40AE-B4C6-C98DA3205C09}" type="datetimeFigureOut">
               <a:rPr lang="en-US" smtClean="0"/>
               <a:pPr/>
-              <a:t>6/20/2016</a:t>
+              <a:t>6/30/2016</a:t>
             </a:fld>
             <a:endParaRPr lang="en-US"/>
           </a:p>
@@ -9168,7 +9167,7 @@
             <a:fld id="{1D8BD707-D9CF-40AE-B4C6-C98DA3205C09}" type="datetimeFigureOut">
               <a:rPr lang="en-US" smtClean="0"/>
               <a:pPr/>
-              <a:t>6/20/2016</a:t>
+              <a:t>6/30/2016</a:t>
             </a:fld>
             <a:endParaRPr lang="en-US"/>
           </a:p>
@@ -9378,7 +9377,7 @@
             <a:fld id="{1D8BD707-D9CF-40AE-B4C6-C98DA3205C09}" type="datetimeFigureOut">
               <a:rPr lang="en-US" smtClean="0"/>
               <a:pPr/>
-              <a:t>6/20/2016</a:t>
+              <a:t>6/30/2016</a:t>
             </a:fld>
             <a:endParaRPr lang="en-US"/>
           </a:p>
@@ -10443,6 +10442,13 @@
   <p:clrMapOvr>
     <a:masterClrMapping/>
   </p:clrMapOvr>
+  <p:timing>
+    <p:tnLst>
+      <p:par>
+        <p:cTn id="1" dur="indefinite" restart="never" nodeType="tmRoot"/>
+      </p:par>
+    </p:tnLst>
+  </p:timing>
 </p:sld>
 </file>
 
@@ -11055,6 +11061,13 @@
   <p:clrMapOvr>
     <a:masterClrMapping/>
   </p:clrMapOvr>
+  <p:timing>
+    <p:tnLst>
+      <p:par>
+        <p:cTn id="1" dur="indefinite" restart="never" nodeType="tmRoot"/>
+      </p:par>
+    </p:tnLst>
+  </p:timing>
 </p:sld>
 </file>
 
@@ -12391,15 +12404,7 @@
                   <a:srgbClr val="FF0000"/>
                 </a:solidFill>
               </a:rPr>
-              <a:t>/</a:t>
-            </a:r>
-            <a:r>
-              <a:rPr lang="en-US" altLang="zh-CN" sz="800" b="1" dirty="0" smtClean="0">
-                <a:solidFill>
-                  <a:srgbClr val="FF0000"/>
-                </a:solidFill>
-              </a:rPr>
-              <a:t>root/status/</a:t>
+              <a:t>/root/status/</a:t>
             </a:r>
             <a:r>
               <a:rPr lang="en-US" altLang="zh-CN" sz="800" b="1" dirty="0" err="1" smtClean="0">
@@ -12482,11 +12487,7 @@
           <a:p>
             <a:r>
               <a:rPr lang="en-US" altLang="zh-CN" sz="800" dirty="0" smtClean="0"/>
-              <a:t>Content for  </a:t>
-            </a:r>
-            <a:r>
-              <a:rPr lang="en-US" altLang="zh-CN" sz="800" dirty="0" smtClean="0"/>
-              <a:t>job</a:t>
+              <a:t>Content for  job</a:t>
             </a:r>
             <a:endParaRPr lang="zh-CN" altLang="en-US" sz="800" dirty="0"/>
           </a:p>
@@ -14115,6 +14116,13 @@
   <p:clrMapOvr>
     <a:masterClrMapping/>
   </p:clrMapOvr>
+  <p:timing>
+    <p:tnLst>
+      <p:par>
+        <p:cTn id="1" dur="indefinite" restart="never" nodeType="tmRoot"/>
+      </p:par>
+    </p:tnLst>
+  </p:timing>
 </p:sld>
 </file>
 
@@ -14336,6 +14344,13 @@
   <p:clrMapOvr>
     <a:masterClrMapping/>
   </p:clrMapOvr>
+  <p:timing>
+    <p:tnLst>
+      <p:par>
+        <p:cTn id="1" dur="indefinite" restart="never" nodeType="tmRoot"/>
+      </p:par>
+    </p:tnLst>
+  </p:timing>
 </p:sld>
 </file>
 
@@ -14680,6 +14695,13 @@
   <p:clrMapOvr>
     <a:masterClrMapping/>
   </p:clrMapOvr>
+  <p:timing>
+    <p:tnLst>
+      <p:par>
+        <p:cTn id="1" dur="indefinite" restart="never" nodeType="tmRoot"/>
+      </p:par>
+    </p:tnLst>
+  </p:timing>
 </p:sld>
 </file>
 
@@ -15002,15 +15024,7 @@
                   <a:srgbClr val="FF0000"/>
                 </a:solidFill>
               </a:rPr>
-              <a:t>/</a:t>
-            </a:r>
-            <a:r>
-              <a:rPr lang="en-US" altLang="zh-CN" sz="800" b="1" dirty="0" smtClean="0">
-                <a:solidFill>
-                  <a:srgbClr val="FF0000"/>
-                </a:solidFill>
-              </a:rPr>
-              <a:t>root/status/</a:t>
+              <a:t>/root/status/</a:t>
             </a:r>
             <a:r>
               <a:rPr lang="en-US" altLang="zh-CN" sz="800" b="1" dirty="0" err="1" smtClean="0">
@@ -15060,11 +15074,7 @@
           <a:p>
             <a:r>
               <a:rPr lang="en-US" altLang="zh-CN" sz="800" dirty="0" smtClean="0"/>
-              <a:t>Content for  </a:t>
-            </a:r>
-            <a:r>
-              <a:rPr lang="en-US" altLang="zh-CN" sz="800" dirty="0" smtClean="0"/>
-              <a:t>job</a:t>
+              <a:t>Content for  job</a:t>
             </a:r>
             <a:endParaRPr lang="zh-CN" altLang="en-US" sz="800" dirty="0"/>
           </a:p>
@@ -15441,6 +15451,13 @@
   <p:clrMapOvr>
     <a:masterClrMapping/>
   </p:clrMapOvr>
+  <p:timing>
+    <p:tnLst>
+      <p:par>
+        <p:cTn id="1" dur="indefinite" restart="never" nodeType="tmRoot"/>
+      </p:par>
+    </p:tnLst>
+  </p:timing>
 </p:sld>
 </file>
 
@@ -15470,7 +15487,7 @@
         <p:spPr>
           <a:xfrm>
             <a:off x="304800" y="304800"/>
-            <a:ext cx="3733800" cy="369332"/>
+            <a:ext cx="4495800" cy="369332"/>
           </a:xfrm>
           <a:prstGeom prst="rect">
             <a:avLst/>
@@ -15484,12 +15501,16 @@
           <a:lstStyle/>
           <a:p>
             <a:r>
+              <a:rPr lang="en-US" altLang="zh-CN" b="1" dirty="0"/>
+              <a:t>check whether updated by guys</a:t>
+            </a:r>
+            <a:r>
+              <a:rPr lang="zh-CN" altLang="en-US" b="1" dirty="0" smtClean="0"/>
+              <a:t>，</a:t>
+            </a:r>
+            <a:r>
               <a:rPr lang="en-US" altLang="zh-CN" b="1" dirty="0" smtClean="0"/>
-              <a:t>Check</a:t>
-            </a:r>
-            <a:r>
-              <a:rPr lang="zh-CN" altLang="en-US" b="1" dirty="0" smtClean="0"/>
-              <a:t>是否有人工修改，不做覆盖</a:t>
+              <a:t>Not Cover</a:t>
             </a:r>
             <a:endParaRPr lang="zh-CN" altLang="en-US" b="1" dirty="0"/>
           </a:p>
@@ -16209,15 +16230,7 @@
                   <a:srgbClr val="FF0000"/>
                 </a:solidFill>
               </a:rPr>
-              <a:t>/</a:t>
-            </a:r>
-            <a:r>
-              <a:rPr lang="en-US" altLang="zh-CN" sz="800" b="1" dirty="0" smtClean="0">
-                <a:solidFill>
-                  <a:srgbClr val="FF0000"/>
-                </a:solidFill>
-              </a:rPr>
-              <a:t>root/</a:t>
+              <a:t>/root/</a:t>
             </a:r>
             <a:r>
               <a:rPr lang="en-US" altLang="zh-CN" sz="800" b="1" dirty="0" err="1" smtClean="0">
@@ -16343,165 +16356,6 @@
     <p:extLst>
       <p:ext uri="{BB962C8B-B14F-4D97-AF65-F5344CB8AC3E}">
         <p14:creationId xmlns:p14="http://schemas.microsoft.com/office/powerpoint/2010/main" val="1500516373"/>
-      </p:ext>
-    </p:extLst>
-  </p:cSld>
-  <p:clrMapOvr>
-    <a:masterClrMapping/>
-  </p:clrMapOvr>
-  <p:timing>
-    <p:tnLst>
-      <p:par>
-        <p:cTn id="1" dur="indefinite" restart="never" nodeType="tmRoot"/>
-      </p:par>
-    </p:tnLst>
-  </p:timing>
-</p:sld>
-</file>
-
-<file path=ppt/slides/slide22.xml><?xml version="1.0" encoding="utf-8"?>
-<p:sld xmlns:a="http://schemas.openxmlformats.org/drawingml/2006/main" xmlns:r="http://schemas.openxmlformats.org/officeDocument/2006/relationships" xmlns:p="http://schemas.openxmlformats.org/presentationml/2006/main">
-  <p:cSld>
-    <p:spTree>
-      <p:nvGrpSpPr>
-        <p:cNvPr id="1" name=""/>
-        <p:cNvGrpSpPr/>
-        <p:nvPr/>
-      </p:nvGrpSpPr>
-      <p:grpSpPr>
-        <a:xfrm>
-          <a:off x="0" y="0"/>
-          <a:ext cx="0" cy="0"/>
-          <a:chOff x="0" y="0"/>
-          <a:chExt cx="0" cy="0"/>
-        </a:xfrm>
-      </p:grpSpPr>
-      <p:sp>
-        <p:nvSpPr>
-          <p:cNvPr id="4" name="TextBox 3"/>
-          <p:cNvSpPr txBox="1"/>
-          <p:nvPr/>
-        </p:nvSpPr>
-        <p:spPr>
-          <a:xfrm>
-            <a:off x="304800" y="304800"/>
-            <a:ext cx="2514600" cy="369332"/>
-          </a:xfrm>
-          <a:prstGeom prst="rect">
-            <a:avLst/>
-          </a:prstGeom>
-          <a:noFill/>
-        </p:spPr>
-        <p:txBody>
-          <a:bodyPr wrap="square" rtlCol="0">
-            <a:spAutoFit/>
-          </a:bodyPr>
-          <a:lstStyle/>
-          <a:p>
-            <a:r>
-              <a:rPr lang="zh-CN" altLang="en-US" b="1" dirty="0" smtClean="0"/>
-              <a:t>全量对比</a:t>
-            </a:r>
-            <a:endParaRPr lang="zh-CN" altLang="en-US" b="1" dirty="0"/>
-          </a:p>
-        </p:txBody>
-      </p:sp>
-      <p:sp>
-        <p:nvSpPr>
-          <p:cNvPr id="5" name="TextBox 4"/>
-          <p:cNvSpPr txBox="1"/>
-          <p:nvPr/>
-        </p:nvSpPr>
-        <p:spPr>
-          <a:xfrm>
-            <a:off x="533400" y="1371600"/>
-            <a:ext cx="3048000" cy="276999"/>
-          </a:xfrm>
-          <a:prstGeom prst="rect">
-            <a:avLst/>
-          </a:prstGeom>
-          <a:noFill/>
-        </p:spPr>
-        <p:txBody>
-          <a:bodyPr wrap="square" rtlCol="0">
-            <a:spAutoFit/>
-          </a:bodyPr>
-          <a:lstStyle/>
-          <a:p>
-            <a:r>
-              <a:rPr lang="zh-CN" altLang="en-US" sz="1200" b="1" dirty="0" smtClean="0"/>
-              <a:t>全量对比，如果有不同则重新跑</a:t>
-            </a:r>
-            <a:r>
-              <a:rPr lang="en-US" altLang="zh-CN" sz="1200" b="1" dirty="0" smtClean="0"/>
-              <a:t>job</a:t>
-            </a:r>
-            <a:endParaRPr lang="zh-CN" altLang="en-US" sz="1200" b="1" dirty="0"/>
-          </a:p>
-        </p:txBody>
-      </p:sp>
-      <p:sp>
-        <p:nvSpPr>
-          <p:cNvPr id="6" name="TextBox 5"/>
-          <p:cNvSpPr txBox="1"/>
-          <p:nvPr/>
-        </p:nvSpPr>
-        <p:spPr>
-          <a:xfrm>
-            <a:off x="838200" y="2438400"/>
-            <a:ext cx="6934200" cy="738664"/>
-          </a:xfrm>
-          <a:prstGeom prst="rect">
-            <a:avLst/>
-          </a:prstGeom>
-          <a:noFill/>
-        </p:spPr>
-        <p:txBody>
-          <a:bodyPr wrap="square" rtlCol="0">
-            <a:spAutoFit/>
-          </a:bodyPr>
-          <a:lstStyle/>
-          <a:p>
-            <a:r>
-              <a:rPr lang="zh-CN" altLang="en-US" sz="1400" dirty="0" smtClean="0"/>
-              <a:t>使用</a:t>
-            </a:r>
-            <a:r>
-              <a:rPr lang="en-US" altLang="zh-CN" sz="1400" dirty="0" err="1" smtClean="0"/>
-              <a:t>BloomFilter</a:t>
-            </a:r>
-            <a:r>
-              <a:rPr lang="zh-CN" altLang="en-US" sz="1400" dirty="0" smtClean="0"/>
-              <a:t>存储已有全量</a:t>
-            </a:r>
-            <a:r>
-              <a:rPr lang="en-US" altLang="zh-CN" sz="1400" dirty="0" err="1" smtClean="0"/>
-              <a:t>Primarykey</a:t>
-            </a:r>
-            <a:r>
-              <a:rPr lang="en-US" altLang="zh-CN" sz="1400" dirty="0" smtClean="0"/>
-              <a:t>,</a:t>
-            </a:r>
-            <a:r>
-              <a:rPr lang="zh-CN" altLang="en-US" sz="1400" dirty="0" smtClean="0"/>
-              <a:t>然后扫描一次巨潮表的主键一遍，再分布式机器上进行对比，如果没有记录说明巨潮有改变，注意主键不能用</a:t>
-            </a:r>
-            <a:r>
-              <a:rPr lang="en-US" altLang="zh-CN" sz="1400" dirty="0" err="1" smtClean="0"/>
-              <a:t>sid</a:t>
-            </a:r>
-            <a:r>
-              <a:rPr lang="zh-CN" altLang="en-US" sz="1400" dirty="0" smtClean="0"/>
-              <a:t>，必须用能唯一标识的字段，如联合主键</a:t>
-            </a:r>
-            <a:endParaRPr lang="zh-CN" altLang="en-US" sz="1400" dirty="0"/>
-          </a:p>
-        </p:txBody>
-      </p:sp>
-    </p:spTree>
-    <p:extLst>
-      <p:ext uri="{BB962C8B-B14F-4D97-AF65-F5344CB8AC3E}">
-        <p14:creationId xmlns:p14="http://schemas.microsoft.com/office/powerpoint/2010/main" val="4047778048"/>
       </p:ext>
     </p:extLst>
   </p:cSld>
@@ -17149,16 +17003,306 @@
           </a:p>
         </p:txBody>
       </p:sp>
-      <p:sp>
-        <p:nvSpPr>
-          <p:cNvPr id="12" name="Rectangle 11"/>
+      <p:cxnSp>
+        <p:nvCxnSpPr>
+          <p:cNvPr id="17" name="Straight Arrow Connector 16"/>
+          <p:cNvCxnSpPr>
+            <a:stCxn id="8" idx="2"/>
+          </p:cNvCxnSpPr>
+          <p:nvPr/>
+        </p:nvCxnSpPr>
+        <p:spPr>
+          <a:xfrm>
+            <a:off x="4038600" y="2300243"/>
+            <a:ext cx="0" cy="366757"/>
+          </a:xfrm>
+          <a:prstGeom prst="straightConnector1">
+            <a:avLst/>
+          </a:prstGeom>
+          <a:ln>
+            <a:tailEnd type="arrow"/>
+          </a:ln>
+        </p:spPr>
+        <p:style>
+          <a:lnRef idx="1">
+            <a:schemeClr val="accent1"/>
+          </a:lnRef>
+          <a:fillRef idx="0">
+            <a:schemeClr val="accent1"/>
+          </a:fillRef>
+          <a:effectRef idx="0">
+            <a:schemeClr val="accent1"/>
+          </a:effectRef>
+          <a:fontRef idx="minor">
+            <a:schemeClr val="tx1"/>
+          </a:fontRef>
+        </p:style>
+      </p:cxnSp>
+      <p:sp>
+        <p:nvSpPr>
+          <p:cNvPr id="18" name="TextBox 17"/>
+          <p:cNvSpPr txBox="1"/>
+          <p:nvPr/>
+        </p:nvSpPr>
+        <p:spPr>
+          <a:xfrm>
+            <a:off x="2819400" y="2819400"/>
+            <a:ext cx="2286000" cy="215444"/>
+          </a:xfrm>
+          <a:prstGeom prst="rect">
+            <a:avLst/>
+          </a:prstGeom>
+          <a:noFill/>
+        </p:spPr>
+        <p:txBody>
+          <a:bodyPr wrap="square" rtlCol="0">
+            <a:spAutoFit/>
+          </a:bodyPr>
+          <a:lstStyle/>
+          <a:p>
+            <a:r>
+              <a:rPr lang="en-US" altLang="zh-CN" sz="800" dirty="0" smtClean="0"/>
+              <a:t>Class or schedule</a:t>
+            </a:r>
+            <a:r>
+              <a:rPr lang="zh-CN" altLang="en-US" sz="800" dirty="0" smtClean="0"/>
+              <a:t>，</a:t>
+            </a:r>
+            <a:r>
+              <a:rPr lang="en-US" altLang="zh-CN" sz="800" dirty="0" smtClean="0"/>
+              <a:t>default </a:t>
+            </a:r>
+            <a:r>
+              <a:rPr lang="en-US" altLang="zh-CN" sz="800" dirty="0" err="1" smtClean="0"/>
+              <a:t>DefaultSchedule</a:t>
+            </a:r>
+            <a:endParaRPr lang="zh-CN" altLang="en-US" sz="800" dirty="0"/>
+          </a:p>
+        </p:txBody>
+      </p:sp>
+      <p:cxnSp>
+        <p:nvCxnSpPr>
+          <p:cNvPr id="19" name="Straight Arrow Connector 18"/>
+          <p:cNvCxnSpPr/>
+          <p:nvPr/>
+        </p:nvCxnSpPr>
+        <p:spPr>
+          <a:xfrm>
+            <a:off x="2743200" y="2300243"/>
+            <a:ext cx="0" cy="1281157"/>
+          </a:xfrm>
+          <a:prstGeom prst="straightConnector1">
+            <a:avLst/>
+          </a:prstGeom>
+          <a:ln>
+            <a:tailEnd type="arrow"/>
+          </a:ln>
+        </p:spPr>
+        <p:style>
+          <a:lnRef idx="1">
+            <a:schemeClr val="accent1"/>
+          </a:lnRef>
+          <a:fillRef idx="0">
+            <a:schemeClr val="accent1"/>
+          </a:fillRef>
+          <a:effectRef idx="0">
+            <a:schemeClr val="accent1"/>
+          </a:effectRef>
+          <a:fontRef idx="minor">
+            <a:schemeClr val="tx1"/>
+          </a:fontRef>
+        </p:style>
+      </p:cxnSp>
+      <p:sp>
+        <p:nvSpPr>
+          <p:cNvPr id="20" name="TextBox 19"/>
+          <p:cNvSpPr txBox="1"/>
+          <p:nvPr/>
+        </p:nvSpPr>
+        <p:spPr>
+          <a:xfrm>
+            <a:off x="2324100" y="3657600"/>
+            <a:ext cx="2628900" cy="215444"/>
+          </a:xfrm>
+          <a:prstGeom prst="rect">
+            <a:avLst/>
+          </a:prstGeom>
+          <a:noFill/>
+        </p:spPr>
+        <p:txBody>
+          <a:bodyPr wrap="square" rtlCol="0">
+            <a:spAutoFit/>
+          </a:bodyPr>
+          <a:lstStyle/>
+          <a:p>
+            <a:r>
+              <a:rPr lang="en-US" altLang="zh-CN" sz="800" dirty="0" smtClean="0"/>
+              <a:t>For split job to task </a:t>
+            </a:r>
+            <a:r>
+              <a:rPr lang="en-US" altLang="zh-CN" sz="800" dirty="0" err="1" smtClean="0"/>
+              <a:t>parttion</a:t>
+            </a:r>
+            <a:r>
+              <a:rPr lang="en-US" altLang="zh-CN" sz="800" dirty="0" smtClean="0"/>
+              <a:t> default </a:t>
+            </a:r>
+            <a:r>
+              <a:rPr lang="en-US" altLang="zh-CN" sz="800" dirty="0" err="1" smtClean="0"/>
+              <a:t>DBRangePartition</a:t>
+            </a:r>
+            <a:endParaRPr lang="zh-CN" altLang="en-US" sz="800" dirty="0"/>
+          </a:p>
+        </p:txBody>
+      </p:sp>
+      <p:cxnSp>
+        <p:nvCxnSpPr>
+          <p:cNvPr id="21" name="Straight Arrow Connector 20"/>
+          <p:cNvCxnSpPr>
+            <a:stCxn id="9" idx="2"/>
+          </p:cNvCxnSpPr>
+          <p:nvPr/>
+        </p:nvCxnSpPr>
+        <p:spPr>
+          <a:xfrm>
+            <a:off x="4953000" y="2300243"/>
+            <a:ext cx="0" cy="1786756"/>
+          </a:xfrm>
+          <a:prstGeom prst="straightConnector1">
+            <a:avLst/>
+          </a:prstGeom>
+          <a:ln>
+            <a:tailEnd type="arrow"/>
+          </a:ln>
+        </p:spPr>
+        <p:style>
+          <a:lnRef idx="1">
+            <a:schemeClr val="accent1"/>
+          </a:lnRef>
+          <a:fillRef idx="0">
+            <a:schemeClr val="accent1"/>
+          </a:fillRef>
+          <a:effectRef idx="0">
+            <a:schemeClr val="accent1"/>
+          </a:effectRef>
+          <a:fontRef idx="minor">
+            <a:schemeClr val="tx1"/>
+          </a:fontRef>
+        </p:style>
+      </p:cxnSp>
+      <p:sp>
+        <p:nvSpPr>
+          <p:cNvPr id="22" name="TextBox 21"/>
+          <p:cNvSpPr txBox="1"/>
+          <p:nvPr/>
+        </p:nvSpPr>
+        <p:spPr>
+          <a:xfrm>
+            <a:off x="4481456" y="4113001"/>
+            <a:ext cx="1106680" cy="215444"/>
+          </a:xfrm>
+          <a:prstGeom prst="rect">
+            <a:avLst/>
+          </a:prstGeom>
+          <a:noFill/>
+        </p:spPr>
+        <p:txBody>
+          <a:bodyPr wrap="square" rtlCol="0">
+            <a:spAutoFit/>
+          </a:bodyPr>
+          <a:lstStyle/>
+          <a:p>
+            <a:r>
+              <a:rPr lang="en-US" altLang="zh-CN" sz="800" dirty="0" err="1" smtClean="0"/>
+              <a:t>Cron</a:t>
+            </a:r>
+            <a:r>
+              <a:rPr lang="en-US" altLang="zh-CN" sz="800" dirty="0" smtClean="0"/>
+              <a:t> expression</a:t>
+            </a:r>
+            <a:endParaRPr lang="zh-CN" altLang="en-US" sz="800" dirty="0"/>
+          </a:p>
+        </p:txBody>
+      </p:sp>
+      <p:cxnSp>
+        <p:nvCxnSpPr>
+          <p:cNvPr id="23" name="Straight Arrow Connector 22"/>
+          <p:cNvCxnSpPr>
+            <a:stCxn id="10" idx="2"/>
+          </p:cNvCxnSpPr>
+          <p:nvPr/>
+        </p:nvCxnSpPr>
+        <p:spPr>
+          <a:xfrm>
+            <a:off x="5867400" y="2300243"/>
+            <a:ext cx="0" cy="2424157"/>
+          </a:xfrm>
+          <a:prstGeom prst="straightConnector1">
+            <a:avLst/>
+          </a:prstGeom>
+          <a:ln>
+            <a:tailEnd type="arrow"/>
+          </a:ln>
+        </p:spPr>
+        <p:style>
+          <a:lnRef idx="1">
+            <a:schemeClr val="accent1"/>
+          </a:lnRef>
+          <a:fillRef idx="0">
+            <a:schemeClr val="accent1"/>
+          </a:fillRef>
+          <a:effectRef idx="0">
+            <a:schemeClr val="accent1"/>
+          </a:effectRef>
+          <a:fontRef idx="minor">
+            <a:schemeClr val="tx1"/>
+          </a:fontRef>
+        </p:style>
+      </p:cxnSp>
+      <p:sp>
+        <p:nvSpPr>
+          <p:cNvPr id="24" name="TextBox 23"/>
+          <p:cNvSpPr txBox="1"/>
+          <p:nvPr/>
+        </p:nvSpPr>
+        <p:spPr>
+          <a:xfrm>
+            <a:off x="4953000" y="4724400"/>
+            <a:ext cx="2362200" cy="215444"/>
+          </a:xfrm>
+          <a:prstGeom prst="rect">
+            <a:avLst/>
+          </a:prstGeom>
+          <a:noFill/>
+        </p:spPr>
+        <p:txBody>
+          <a:bodyPr wrap="square" rtlCol="0">
+            <a:spAutoFit/>
+          </a:bodyPr>
+          <a:lstStyle/>
+          <a:p>
+            <a:r>
+              <a:rPr lang="en-US" altLang="zh-CN" sz="800" dirty="0" err="1" smtClean="0"/>
+              <a:t>Logicail</a:t>
+            </a:r>
+            <a:r>
+              <a:rPr lang="en-US" altLang="zh-CN" sz="800" dirty="0" smtClean="0"/>
+              <a:t> subclass for business</a:t>
+            </a:r>
+            <a:endParaRPr lang="zh-CN" altLang="en-US" sz="800" dirty="0"/>
+          </a:p>
+        </p:txBody>
+      </p:sp>
+      <p:sp>
+        <p:nvSpPr>
+          <p:cNvPr id="25" name="Rectangle 24"/>
           <p:cNvSpPr/>
           <p:nvPr/>
         </p:nvSpPr>
         <p:spPr>
           <a:xfrm>
-            <a:off x="7543800" y="1995443"/>
-            <a:ext cx="1219200" cy="304800"/>
+            <a:off x="2057400" y="1995443"/>
+            <a:ext cx="609600" cy="304800"/>
           </a:xfrm>
           <a:prstGeom prst="rect">
             <a:avLst/>
@@ -17186,7 +17330,7 @@
             <a:pPr algn="ctr"/>
             <a:r>
               <a:rPr lang="en-US" altLang="zh-CN" sz="800" dirty="0" err="1" smtClean="0"/>
-              <a:t>parentJobId</a:t>
+              <a:t>needPartition</a:t>
             </a:r>
             <a:endParaRPr lang="zh-CN" altLang="en-US" sz="800" dirty="0"/>
           </a:p>
@@ -17194,14 +17338,14 @@
       </p:sp>
       <p:sp>
         <p:nvSpPr>
-          <p:cNvPr id="13" name="Rectangle 12"/>
+          <p:cNvPr id="26" name="Rectangle 25"/>
           <p:cNvSpPr/>
           <p:nvPr/>
         </p:nvSpPr>
         <p:spPr>
           <a:xfrm>
-            <a:off x="7543800" y="2362200"/>
-            <a:ext cx="1219200" cy="304800"/>
+            <a:off x="1371600" y="1995443"/>
+            <a:ext cx="685800" cy="304800"/>
           </a:xfrm>
           <a:prstGeom prst="rect">
             <a:avLst/>
@@ -17228,8 +17372,8 @@
           <a:p>
             <a:pPr algn="ctr"/>
             <a:r>
-              <a:rPr lang="en-US" altLang="zh-CN" sz="800" dirty="0" err="1" smtClean="0"/>
-              <a:t>parentJobLogic</a:t>
+              <a:rPr lang="en-US" altLang="zh-CN" sz="800" dirty="0" smtClean="0"/>
+              <a:t>state</a:t>
             </a:r>
             <a:endParaRPr lang="zh-CN" altLang="en-US" sz="800" dirty="0"/>
           </a:p>
@@ -17237,412 +17381,14 @@
       </p:sp>
       <p:sp>
         <p:nvSpPr>
-          <p:cNvPr id="14" name="Oval 13"/>
+          <p:cNvPr id="27" name="Rectangle 26"/>
           <p:cNvSpPr/>
           <p:nvPr/>
         </p:nvSpPr>
         <p:spPr>
           <a:xfrm>
-            <a:off x="6343711" y="1510844"/>
-            <a:ext cx="2819400" cy="1524000"/>
-          </a:xfrm>
-          <a:prstGeom prst="ellipse">
-            <a:avLst/>
-          </a:prstGeom>
-          <a:solidFill>
-            <a:schemeClr val="accent1">
-              <a:alpha val="30000"/>
-            </a:schemeClr>
-          </a:solidFill>
-        </p:spPr>
-        <p:style>
-          <a:lnRef idx="2">
-            <a:schemeClr val="accent1">
-              <a:shade val="50000"/>
-            </a:schemeClr>
-          </a:lnRef>
-          <a:fillRef idx="1">
-            <a:schemeClr val="accent1"/>
-          </a:fillRef>
-          <a:effectRef idx="0">
-            <a:schemeClr val="accent1"/>
-          </a:effectRef>
-          <a:fontRef idx="minor">
-            <a:schemeClr val="lt1"/>
-          </a:fontRef>
-        </p:style>
-        <p:txBody>
-          <a:bodyPr rtlCol="0" anchor="ctr"/>
-          <a:lstStyle/>
-          <a:p>
-            <a:pPr algn="ctr"/>
-            <a:endParaRPr lang="zh-CN" altLang="en-US"/>
-          </a:p>
-        </p:txBody>
-      </p:sp>
-      <p:cxnSp>
-        <p:nvCxnSpPr>
-          <p:cNvPr id="15" name="Straight Arrow Connector 14"/>
-          <p:cNvCxnSpPr/>
-          <p:nvPr/>
-        </p:nvCxnSpPr>
-        <p:spPr>
-          <a:xfrm>
-            <a:off x="7924800" y="3124200"/>
-            <a:ext cx="0" cy="609600"/>
-          </a:xfrm>
-          <a:prstGeom prst="straightConnector1">
-            <a:avLst/>
-          </a:prstGeom>
-          <a:ln>
-            <a:tailEnd type="arrow"/>
-          </a:ln>
-        </p:spPr>
-        <p:style>
-          <a:lnRef idx="1">
-            <a:schemeClr val="accent1"/>
-          </a:lnRef>
-          <a:fillRef idx="0">
-            <a:schemeClr val="accent1"/>
-          </a:fillRef>
-          <a:effectRef idx="0">
-            <a:schemeClr val="accent1"/>
-          </a:effectRef>
-          <a:fontRef idx="minor">
-            <a:schemeClr val="tx1"/>
-          </a:fontRef>
-        </p:style>
-      </p:cxnSp>
-      <p:sp>
-        <p:nvSpPr>
-          <p:cNvPr id="16" name="TextBox 15"/>
-          <p:cNvSpPr txBox="1"/>
-          <p:nvPr/>
-        </p:nvSpPr>
-        <p:spPr>
-          <a:xfrm>
-            <a:off x="7315200" y="3810000"/>
-            <a:ext cx="1371600" cy="276999"/>
-          </a:xfrm>
-          <a:prstGeom prst="rect">
-            <a:avLst/>
-          </a:prstGeom>
-          <a:noFill/>
-        </p:spPr>
-        <p:txBody>
-          <a:bodyPr wrap="square" rtlCol="0">
-            <a:spAutoFit/>
-          </a:bodyPr>
-          <a:lstStyle/>
-          <a:p>
-            <a:r>
-              <a:rPr lang="en-US" altLang="zh-CN" sz="1200" dirty="0" smtClean="0"/>
-              <a:t>Three choose one</a:t>
-            </a:r>
-            <a:endParaRPr lang="zh-CN" altLang="en-US" sz="1200" dirty="0"/>
-          </a:p>
-        </p:txBody>
-      </p:sp>
-      <p:cxnSp>
-        <p:nvCxnSpPr>
-          <p:cNvPr id="17" name="Straight Arrow Connector 16"/>
-          <p:cNvCxnSpPr>
-            <a:stCxn id="8" idx="2"/>
-          </p:cNvCxnSpPr>
-          <p:nvPr/>
-        </p:nvCxnSpPr>
-        <p:spPr>
-          <a:xfrm>
-            <a:off x="4038600" y="2300243"/>
-            <a:ext cx="0" cy="366757"/>
-          </a:xfrm>
-          <a:prstGeom prst="straightConnector1">
-            <a:avLst/>
-          </a:prstGeom>
-          <a:ln>
-            <a:tailEnd type="arrow"/>
-          </a:ln>
-        </p:spPr>
-        <p:style>
-          <a:lnRef idx="1">
-            <a:schemeClr val="accent1"/>
-          </a:lnRef>
-          <a:fillRef idx="0">
-            <a:schemeClr val="accent1"/>
-          </a:fillRef>
-          <a:effectRef idx="0">
-            <a:schemeClr val="accent1"/>
-          </a:effectRef>
-          <a:fontRef idx="minor">
-            <a:schemeClr val="tx1"/>
-          </a:fontRef>
-        </p:style>
-      </p:cxnSp>
-      <p:sp>
-        <p:nvSpPr>
-          <p:cNvPr id="18" name="TextBox 17"/>
-          <p:cNvSpPr txBox="1"/>
-          <p:nvPr/>
-        </p:nvSpPr>
-        <p:spPr>
-          <a:xfrm>
-            <a:off x="2819400" y="2819400"/>
-            <a:ext cx="2286000" cy="215444"/>
-          </a:xfrm>
-          <a:prstGeom prst="rect">
-            <a:avLst/>
-          </a:prstGeom>
-          <a:noFill/>
-        </p:spPr>
-        <p:txBody>
-          <a:bodyPr wrap="square" rtlCol="0">
-            <a:spAutoFit/>
-          </a:bodyPr>
-          <a:lstStyle/>
-          <a:p>
-            <a:r>
-              <a:rPr lang="en-US" altLang="zh-CN" sz="800" dirty="0" smtClean="0"/>
-              <a:t>Class or schedule</a:t>
-            </a:r>
-            <a:r>
-              <a:rPr lang="zh-CN" altLang="en-US" sz="800" dirty="0" smtClean="0"/>
-              <a:t>，</a:t>
-            </a:r>
-            <a:r>
-              <a:rPr lang="en-US" altLang="zh-CN" sz="800" dirty="0" smtClean="0"/>
-              <a:t>default </a:t>
-            </a:r>
-            <a:r>
-              <a:rPr lang="en-US" altLang="zh-CN" sz="800" dirty="0" err="1" smtClean="0"/>
-              <a:t>DefaultSchedule</a:t>
-            </a:r>
-            <a:endParaRPr lang="zh-CN" altLang="en-US" sz="800" dirty="0"/>
-          </a:p>
-        </p:txBody>
-      </p:sp>
-      <p:cxnSp>
-        <p:nvCxnSpPr>
-          <p:cNvPr id="19" name="Straight Arrow Connector 18"/>
-          <p:cNvCxnSpPr/>
-          <p:nvPr/>
-        </p:nvCxnSpPr>
-        <p:spPr>
-          <a:xfrm>
-            <a:off x="2743200" y="2300243"/>
-            <a:ext cx="0" cy="1281157"/>
-          </a:xfrm>
-          <a:prstGeom prst="straightConnector1">
-            <a:avLst/>
-          </a:prstGeom>
-          <a:ln>
-            <a:tailEnd type="arrow"/>
-          </a:ln>
-        </p:spPr>
-        <p:style>
-          <a:lnRef idx="1">
-            <a:schemeClr val="accent1"/>
-          </a:lnRef>
-          <a:fillRef idx="0">
-            <a:schemeClr val="accent1"/>
-          </a:fillRef>
-          <a:effectRef idx="0">
-            <a:schemeClr val="accent1"/>
-          </a:effectRef>
-          <a:fontRef idx="minor">
-            <a:schemeClr val="tx1"/>
-          </a:fontRef>
-        </p:style>
-      </p:cxnSp>
-      <p:sp>
-        <p:nvSpPr>
-          <p:cNvPr id="20" name="TextBox 19"/>
-          <p:cNvSpPr txBox="1"/>
-          <p:nvPr/>
-        </p:nvSpPr>
-        <p:spPr>
-          <a:xfrm>
-            <a:off x="2324100" y="3657600"/>
-            <a:ext cx="2628900" cy="215444"/>
-          </a:xfrm>
-          <a:prstGeom prst="rect">
-            <a:avLst/>
-          </a:prstGeom>
-          <a:noFill/>
-        </p:spPr>
-        <p:txBody>
-          <a:bodyPr wrap="square" rtlCol="0">
-            <a:spAutoFit/>
-          </a:bodyPr>
-          <a:lstStyle/>
-          <a:p>
-            <a:r>
-              <a:rPr lang="en-US" altLang="zh-CN" sz="800" dirty="0" smtClean="0"/>
-              <a:t>For split job to task </a:t>
-            </a:r>
-            <a:r>
-              <a:rPr lang="en-US" altLang="zh-CN" sz="800" dirty="0" err="1" smtClean="0"/>
-              <a:t>parttion</a:t>
-            </a:r>
-            <a:r>
-              <a:rPr lang="en-US" altLang="zh-CN" sz="800" dirty="0" smtClean="0"/>
-              <a:t> default </a:t>
-            </a:r>
-            <a:r>
-              <a:rPr lang="en-US" altLang="zh-CN" sz="800" dirty="0" err="1" smtClean="0"/>
-              <a:t>DBRangePartition</a:t>
-            </a:r>
-            <a:endParaRPr lang="zh-CN" altLang="en-US" sz="800" dirty="0"/>
-          </a:p>
-        </p:txBody>
-      </p:sp>
-      <p:cxnSp>
-        <p:nvCxnSpPr>
-          <p:cNvPr id="21" name="Straight Arrow Connector 20"/>
-          <p:cNvCxnSpPr>
-            <a:stCxn id="9" idx="2"/>
-          </p:cNvCxnSpPr>
-          <p:nvPr/>
-        </p:nvCxnSpPr>
-        <p:spPr>
-          <a:xfrm>
-            <a:off x="4953000" y="2300243"/>
-            <a:ext cx="0" cy="1786756"/>
-          </a:xfrm>
-          <a:prstGeom prst="straightConnector1">
-            <a:avLst/>
-          </a:prstGeom>
-          <a:ln>
-            <a:tailEnd type="arrow"/>
-          </a:ln>
-        </p:spPr>
-        <p:style>
-          <a:lnRef idx="1">
-            <a:schemeClr val="accent1"/>
-          </a:lnRef>
-          <a:fillRef idx="0">
-            <a:schemeClr val="accent1"/>
-          </a:fillRef>
-          <a:effectRef idx="0">
-            <a:schemeClr val="accent1"/>
-          </a:effectRef>
-          <a:fontRef idx="minor">
-            <a:schemeClr val="tx1"/>
-          </a:fontRef>
-        </p:style>
-      </p:cxnSp>
-      <p:sp>
-        <p:nvSpPr>
-          <p:cNvPr id="22" name="TextBox 21"/>
-          <p:cNvSpPr txBox="1"/>
-          <p:nvPr/>
-        </p:nvSpPr>
-        <p:spPr>
-          <a:xfrm>
-            <a:off x="4481456" y="4113001"/>
-            <a:ext cx="1106680" cy="215444"/>
-          </a:xfrm>
-          <a:prstGeom prst="rect">
-            <a:avLst/>
-          </a:prstGeom>
-          <a:noFill/>
-        </p:spPr>
-        <p:txBody>
-          <a:bodyPr wrap="square" rtlCol="0">
-            <a:spAutoFit/>
-          </a:bodyPr>
-          <a:lstStyle/>
-          <a:p>
-            <a:r>
-              <a:rPr lang="en-US" altLang="zh-CN" sz="800" dirty="0" err="1" smtClean="0"/>
-              <a:t>Cron</a:t>
-            </a:r>
-            <a:r>
-              <a:rPr lang="en-US" altLang="zh-CN" sz="800" dirty="0" smtClean="0"/>
-              <a:t> expression</a:t>
-            </a:r>
-            <a:endParaRPr lang="zh-CN" altLang="en-US" sz="800" dirty="0"/>
-          </a:p>
-        </p:txBody>
-      </p:sp>
-      <p:cxnSp>
-        <p:nvCxnSpPr>
-          <p:cNvPr id="23" name="Straight Arrow Connector 22"/>
-          <p:cNvCxnSpPr>
-            <a:stCxn id="10" idx="2"/>
-          </p:cNvCxnSpPr>
-          <p:nvPr/>
-        </p:nvCxnSpPr>
-        <p:spPr>
-          <a:xfrm>
-            <a:off x="5867400" y="2300243"/>
-            <a:ext cx="0" cy="2424157"/>
-          </a:xfrm>
-          <a:prstGeom prst="straightConnector1">
-            <a:avLst/>
-          </a:prstGeom>
-          <a:ln>
-            <a:tailEnd type="arrow"/>
-          </a:ln>
-        </p:spPr>
-        <p:style>
-          <a:lnRef idx="1">
-            <a:schemeClr val="accent1"/>
-          </a:lnRef>
-          <a:fillRef idx="0">
-            <a:schemeClr val="accent1"/>
-          </a:fillRef>
-          <a:effectRef idx="0">
-            <a:schemeClr val="accent1"/>
-          </a:effectRef>
-          <a:fontRef idx="minor">
-            <a:schemeClr val="tx1"/>
-          </a:fontRef>
-        </p:style>
-      </p:cxnSp>
-      <p:sp>
-        <p:nvSpPr>
-          <p:cNvPr id="24" name="TextBox 23"/>
-          <p:cNvSpPr txBox="1"/>
-          <p:nvPr/>
-        </p:nvSpPr>
-        <p:spPr>
-          <a:xfrm>
-            <a:off x="4953000" y="4724400"/>
-            <a:ext cx="2362200" cy="215444"/>
-          </a:xfrm>
-          <a:prstGeom prst="rect">
-            <a:avLst/>
-          </a:prstGeom>
-          <a:noFill/>
-        </p:spPr>
-        <p:txBody>
-          <a:bodyPr wrap="square" rtlCol="0">
-            <a:spAutoFit/>
-          </a:bodyPr>
-          <a:lstStyle/>
-          <a:p>
-            <a:r>
-              <a:rPr lang="en-US" altLang="zh-CN" sz="800" dirty="0" err="1" smtClean="0"/>
-              <a:t>Logicail</a:t>
-            </a:r>
-            <a:r>
-              <a:rPr lang="en-US" altLang="zh-CN" sz="800" dirty="0" smtClean="0"/>
-              <a:t> subclass for business</a:t>
-            </a:r>
-            <a:endParaRPr lang="zh-CN" altLang="en-US" sz="800" dirty="0"/>
-          </a:p>
-        </p:txBody>
-      </p:sp>
-      <p:sp>
-        <p:nvSpPr>
-          <p:cNvPr id="25" name="Rectangle 24"/>
-          <p:cNvSpPr/>
-          <p:nvPr/>
-        </p:nvSpPr>
-        <p:spPr>
-          <a:xfrm>
-            <a:off x="2057400" y="1995443"/>
-            <a:ext cx="609600" cy="304800"/>
+            <a:off x="7546041" y="1995443"/>
+            <a:ext cx="914400" cy="304800"/>
           </a:xfrm>
           <a:prstGeom prst="rect">
             <a:avLst/>
@@ -17669,92 +17415,6 @@
           <a:p>
             <a:pPr algn="ctr"/>
             <a:r>
-              <a:rPr lang="en-US" altLang="zh-CN" sz="800" dirty="0" err="1" smtClean="0"/>
-              <a:t>needPartition</a:t>
-            </a:r>
-            <a:endParaRPr lang="zh-CN" altLang="en-US" sz="800" dirty="0"/>
-          </a:p>
-        </p:txBody>
-      </p:sp>
-      <p:sp>
-        <p:nvSpPr>
-          <p:cNvPr id="26" name="Rectangle 25"/>
-          <p:cNvSpPr/>
-          <p:nvPr/>
-        </p:nvSpPr>
-        <p:spPr>
-          <a:xfrm>
-            <a:off x="1371600" y="1995443"/>
-            <a:ext cx="685800" cy="304800"/>
-          </a:xfrm>
-          <a:prstGeom prst="rect">
-            <a:avLst/>
-          </a:prstGeom>
-          <a:ln w="19050"/>
-        </p:spPr>
-        <p:style>
-          <a:lnRef idx="2">
-            <a:schemeClr val="accent5"/>
-          </a:lnRef>
-          <a:fillRef idx="1">
-            <a:schemeClr val="lt1"/>
-          </a:fillRef>
-          <a:effectRef idx="0">
-            <a:schemeClr val="accent5"/>
-          </a:effectRef>
-          <a:fontRef idx="minor">
-            <a:schemeClr val="dk1"/>
-          </a:fontRef>
-        </p:style>
-        <p:txBody>
-          <a:bodyPr rtlCol="0" anchor="ctr"/>
-          <a:lstStyle/>
-          <a:p>
-            <a:pPr algn="ctr"/>
-            <a:r>
-              <a:rPr lang="en-US" altLang="zh-CN" sz="800" dirty="0" smtClean="0"/>
-              <a:t>state</a:t>
-            </a:r>
-            <a:endParaRPr lang="zh-CN" altLang="en-US" sz="800" dirty="0"/>
-          </a:p>
-        </p:txBody>
-      </p:sp>
-      <p:sp>
-        <p:nvSpPr>
-          <p:cNvPr id="27" name="Rectangle 26"/>
-          <p:cNvSpPr/>
-          <p:nvPr/>
-        </p:nvSpPr>
-        <p:spPr>
-          <a:xfrm>
-            <a:off x="5395245" y="1637944"/>
-            <a:ext cx="914400" cy="304800"/>
-          </a:xfrm>
-          <a:prstGeom prst="rect">
-            <a:avLst/>
-          </a:prstGeom>
-          <a:ln w="19050"/>
-        </p:spPr>
-        <p:style>
-          <a:lnRef idx="2">
-            <a:schemeClr val="accent5"/>
-          </a:lnRef>
-          <a:fillRef idx="1">
-            <a:schemeClr val="lt1"/>
-          </a:fillRef>
-          <a:effectRef idx="0">
-            <a:schemeClr val="accent5"/>
-          </a:effectRef>
-          <a:fontRef idx="minor">
-            <a:schemeClr val="dk1"/>
-          </a:fontRef>
-        </p:style>
-        <p:txBody>
-          <a:bodyPr rtlCol="0" anchor="ctr"/>
-          <a:lstStyle/>
-          <a:p>
-            <a:pPr algn="ctr"/>
-            <a:r>
               <a:rPr lang="en-US" altLang="zh-CN" sz="800" dirty="0" smtClean="0"/>
               <a:t>priority</a:t>
             </a:r>
@@ -18015,7 +17675,7 @@
         </p:nvSpPr>
         <p:spPr>
           <a:xfrm>
-            <a:off x="5395245" y="1260622"/>
+            <a:off x="7546041" y="1690643"/>
             <a:ext cx="914400" cy="304800"/>
           </a:xfrm>
           <a:prstGeom prst="rect">
@@ -21244,6 +20904,13 @@
   <p:clrMapOvr>
     <a:masterClrMapping/>
   </p:clrMapOvr>
+  <p:timing>
+    <p:tnLst>
+      <p:par>
+        <p:cTn id="1" dur="indefinite" restart="never" nodeType="tmRoot"/>
+      </p:par>
+    </p:tnLst>
+  </p:timing>
 </p:sld>
 </file>
 
@@ -22532,6 +22199,13 @@
   <p:clrMapOvr>
     <a:masterClrMapping/>
   </p:clrMapOvr>
+  <p:timing>
+    <p:tnLst>
+      <p:par>
+        <p:cTn id="1" dur="indefinite" restart="never" nodeType="tmRoot"/>
+      </p:par>
+    </p:tnLst>
+  </p:timing>
 </p:sld>
 </file>
 

--- a/doc/ppt/distribute schedule task architect.pptx
+++ b/doc/ppt/distribute schedule task architect.pptx
@@ -5,7 +5,7 @@
     <p:sldMasterId id="2147483648" r:id="rId1"/>
   </p:sldMasterIdLst>
   <p:notesMasterIdLst>
-    <p:notesMasterId r:id="rId23"/>
+    <p:notesMasterId r:id="rId24"/>
   </p:notesMasterIdLst>
   <p:sldIdLst>
     <p:sldId id="256" r:id="rId2"/>
@@ -29,6 +29,7 @@
     <p:sldId id="274" r:id="rId20"/>
     <p:sldId id="276" r:id="rId21"/>
     <p:sldId id="278" r:id="rId22"/>
+    <p:sldId id="279" r:id="rId23"/>
   </p:sldIdLst>
   <p:sldSz cx="9144000" cy="6858000" type="screen4x3"/>
   <p:notesSz cx="6858000" cy="9144000"/>
@@ -16372,6 +16373,131 @@
 </p:sld>
 </file>
 
+<file path=ppt/slides/slide22.xml><?xml version="1.0" encoding="utf-8"?>
+<p:sld xmlns:a="http://schemas.openxmlformats.org/drawingml/2006/main" xmlns:r="http://schemas.openxmlformats.org/officeDocument/2006/relationships" xmlns:p="http://schemas.openxmlformats.org/presentationml/2006/main">
+  <p:cSld>
+    <p:spTree>
+      <p:nvGrpSpPr>
+        <p:cNvPr id="1" name=""/>
+        <p:cNvGrpSpPr/>
+        <p:nvPr/>
+      </p:nvGrpSpPr>
+      <p:grpSpPr>
+        <a:xfrm>
+          <a:off x="0" y="0"/>
+          <a:ext cx="0" cy="0"/>
+          <a:chOff x="0" y="0"/>
+          <a:chExt cx="0" cy="0"/>
+        </a:xfrm>
+      </p:grpSpPr>
+      <p:sp>
+        <p:nvSpPr>
+          <p:cNvPr id="4" name="TextBox 3"/>
+          <p:cNvSpPr txBox="1"/>
+          <p:nvPr/>
+        </p:nvSpPr>
+        <p:spPr>
+          <a:xfrm>
+            <a:off x="1371600" y="762000"/>
+            <a:ext cx="7467600" cy="2031325"/>
+          </a:xfrm>
+          <a:prstGeom prst="rect">
+            <a:avLst/>
+          </a:prstGeom>
+          <a:noFill/>
+        </p:spPr>
+        <p:txBody>
+          <a:bodyPr wrap="square" rtlCol="0">
+            <a:spAutoFit/>
+          </a:bodyPr>
+          <a:lstStyle/>
+          <a:p>
+            <a:r>
+              <a:rPr lang="en-US" altLang="zh-CN" smtClean="0"/>
+              <a:t>1.xml</a:t>
+            </a:r>
+            <a:r>
+              <a:rPr lang="zh-CN" altLang="en-US" smtClean="0"/>
+              <a:t>导</a:t>
+            </a:r>
+            <a:r>
+              <a:rPr lang="zh-CN" altLang="en-US" dirty="0" smtClean="0"/>
+              <a:t>入</a:t>
+            </a:r>
+            <a:r>
+              <a:rPr lang="en-US" altLang="zh-CN" dirty="0" smtClean="0"/>
+              <a:t>job</a:t>
+            </a:r>
+          </a:p>
+          <a:p>
+            <a:r>
+              <a:rPr lang="en-US" altLang="zh-CN" dirty="0" smtClean="0"/>
+              <a:t>2.</a:t>
+            </a:r>
+            <a:r>
+              <a:rPr lang="zh-CN" altLang="en-US" dirty="0" smtClean="0"/>
+              <a:t>日志</a:t>
+            </a:r>
+            <a:endParaRPr lang="en-US" altLang="zh-CN" dirty="0" smtClean="0"/>
+          </a:p>
+          <a:p>
+            <a:r>
+              <a:rPr lang="en-US" altLang="zh-CN" dirty="0" smtClean="0"/>
+              <a:t>3.</a:t>
+            </a:r>
+            <a:r>
+              <a:rPr lang="zh-CN" altLang="en-US" dirty="0" smtClean="0"/>
+              <a:t>命令参数</a:t>
+            </a:r>
+            <a:endParaRPr lang="en-US" altLang="zh-CN" dirty="0" smtClean="0"/>
+          </a:p>
+          <a:p>
+            <a:r>
+              <a:rPr lang="en-US" altLang="zh-CN" dirty="0" smtClean="0"/>
+              <a:t>4.Zookeeper </a:t>
+            </a:r>
+            <a:r>
+              <a:rPr lang="en-US" altLang="zh-CN" dirty="0" err="1" smtClean="0"/>
+              <a:t>config</a:t>
+            </a:r>
+            <a:endParaRPr lang="en-US" altLang="zh-CN" dirty="0" smtClean="0"/>
+          </a:p>
+          <a:p>
+            <a:r>
+              <a:rPr lang="en-US" altLang="zh-CN" dirty="0" smtClean="0"/>
+              <a:t>5.</a:t>
+            </a:r>
+            <a:r>
+              <a:rPr lang="zh-CN" altLang="en-US" dirty="0" smtClean="0"/>
+              <a:t>监控</a:t>
+            </a:r>
+            <a:endParaRPr lang="en-US" altLang="zh-CN" dirty="0" smtClean="0"/>
+          </a:p>
+          <a:p>
+            <a:endParaRPr lang="en-US" altLang="zh-CN" dirty="0"/>
+          </a:p>
+          <a:p>
+            <a:r>
+              <a:rPr lang="en-US" altLang="zh-CN" dirty="0" err="1" smtClean="0"/>
+              <a:t>datagrid</a:t>
+            </a:r>
+            <a:endParaRPr lang="zh-CN" altLang="en-US" dirty="0"/>
+          </a:p>
+        </p:txBody>
+      </p:sp>
+    </p:spTree>
+    <p:extLst>
+      <p:ext uri="{BB962C8B-B14F-4D97-AF65-F5344CB8AC3E}">
+        <p14:creationId xmlns:p14="http://schemas.microsoft.com/office/powerpoint/2010/main" val="3998153400"/>
+      </p:ext>
+    </p:extLst>
+  </p:cSld>
+  <p:clrMapOvr>
+    <a:masterClrMapping/>
+  </p:clrMapOvr>
+</p:sld>
+</file>
+
 <file path=ppt/slides/slide3.xml><?xml version="1.0" encoding="utf-8"?>
 <p:sld xmlns:a="http://schemas.openxmlformats.org/drawingml/2006/main" xmlns:r="http://schemas.openxmlformats.org/officeDocument/2006/relationships" xmlns:p="http://schemas.openxmlformats.org/presentationml/2006/main">
   <p:cSld>

--- a/doc/ppt/distribute schedule task architect.pptx
+++ b/doc/ppt/distribute schedule task architect.pptx
@@ -5,7 +5,7 @@
     <p:sldMasterId id="2147483648" r:id="rId1"/>
   </p:sldMasterIdLst>
   <p:notesMasterIdLst>
-    <p:notesMasterId r:id="rId24"/>
+    <p:notesMasterId r:id="rId26"/>
   </p:notesMasterIdLst>
   <p:sldIdLst>
     <p:sldId id="256" r:id="rId2"/>
@@ -26,10 +26,12 @@
     <p:sldId id="265" r:id="rId17"/>
     <p:sldId id="272" r:id="rId18"/>
     <p:sldId id="273" r:id="rId19"/>
-    <p:sldId id="274" r:id="rId20"/>
-    <p:sldId id="276" r:id="rId21"/>
-    <p:sldId id="278" r:id="rId22"/>
-    <p:sldId id="279" r:id="rId23"/>
+    <p:sldId id="281" r:id="rId20"/>
+    <p:sldId id="280" r:id="rId21"/>
+    <p:sldId id="274" r:id="rId22"/>
+    <p:sldId id="276" r:id="rId23"/>
+    <p:sldId id="278" r:id="rId24"/>
+    <p:sldId id="279" r:id="rId25"/>
   </p:sldIdLst>
   <p:sldSz cx="9144000" cy="6858000" type="screen4x3"/>
   <p:notesSz cx="6858000" cy="9144000"/>
@@ -6529,7 +6531,7 @@
           <a:p>
             <a:fld id="{33C1F835-63EE-450F-B330-51232C804ABE}" type="datetimeFigureOut">
               <a:rPr lang="zh-CN" altLang="en-US" smtClean="0"/>
-              <a:t>2016/6/30</a:t>
+              <a:t>2016/7/6</a:t>
             </a:fld>
             <a:endParaRPr lang="zh-CN" altLang="en-US"/>
           </a:p>
@@ -6979,7 +6981,7 @@
             <a:fld id="{1D8BD707-D9CF-40AE-B4C6-C98DA3205C09}" type="datetimeFigureOut">
               <a:rPr lang="en-US" smtClean="0"/>
               <a:pPr/>
-              <a:t>6/30/2016</a:t>
+              <a:t>7/6/2016</a:t>
             </a:fld>
             <a:endParaRPr lang="en-US"/>
           </a:p>
@@ -7146,7 +7148,7 @@
             <a:fld id="{1D8BD707-D9CF-40AE-B4C6-C98DA3205C09}" type="datetimeFigureOut">
               <a:rPr lang="en-US" smtClean="0"/>
               <a:pPr/>
-              <a:t>6/30/2016</a:t>
+              <a:t>7/6/2016</a:t>
             </a:fld>
             <a:endParaRPr lang="en-US"/>
           </a:p>
@@ -7323,7 +7325,7 @@
             <a:fld id="{1D8BD707-D9CF-40AE-B4C6-C98DA3205C09}" type="datetimeFigureOut">
               <a:rPr lang="en-US" smtClean="0"/>
               <a:pPr/>
-              <a:t>6/30/2016</a:t>
+              <a:t>7/6/2016</a:t>
             </a:fld>
             <a:endParaRPr lang="en-US"/>
           </a:p>
@@ -7490,7 +7492,7 @@
             <a:fld id="{1D8BD707-D9CF-40AE-B4C6-C98DA3205C09}" type="datetimeFigureOut">
               <a:rPr lang="en-US" smtClean="0"/>
               <a:pPr/>
-              <a:t>6/30/2016</a:t>
+              <a:t>7/6/2016</a:t>
             </a:fld>
             <a:endParaRPr lang="en-US"/>
           </a:p>
@@ -7733,7 +7735,7 @@
             <a:fld id="{1D8BD707-D9CF-40AE-B4C6-C98DA3205C09}" type="datetimeFigureOut">
               <a:rPr lang="en-US" smtClean="0"/>
               <a:pPr/>
-              <a:t>6/30/2016</a:t>
+              <a:t>7/6/2016</a:t>
             </a:fld>
             <a:endParaRPr lang="en-US"/>
           </a:p>
@@ -8018,7 +8020,7 @@
             <a:fld id="{1D8BD707-D9CF-40AE-B4C6-C98DA3205C09}" type="datetimeFigureOut">
               <a:rPr lang="en-US" smtClean="0"/>
               <a:pPr/>
-              <a:t>6/30/2016</a:t>
+              <a:t>7/6/2016</a:t>
             </a:fld>
             <a:endParaRPr lang="en-US"/>
           </a:p>
@@ -8437,7 +8439,7 @@
             <a:fld id="{1D8BD707-D9CF-40AE-B4C6-C98DA3205C09}" type="datetimeFigureOut">
               <a:rPr lang="en-US" smtClean="0"/>
               <a:pPr/>
-              <a:t>6/30/2016</a:t>
+              <a:t>7/6/2016</a:t>
             </a:fld>
             <a:endParaRPr lang="en-US"/>
           </a:p>
@@ -8552,7 +8554,7 @@
             <a:fld id="{1D8BD707-D9CF-40AE-B4C6-C98DA3205C09}" type="datetimeFigureOut">
               <a:rPr lang="en-US" smtClean="0"/>
               <a:pPr/>
-              <a:t>6/30/2016</a:t>
+              <a:t>7/6/2016</a:t>
             </a:fld>
             <a:endParaRPr lang="en-US"/>
           </a:p>
@@ -8644,7 +8646,7 @@
             <a:fld id="{1D8BD707-D9CF-40AE-B4C6-C98DA3205C09}" type="datetimeFigureOut">
               <a:rPr lang="en-US" smtClean="0"/>
               <a:pPr/>
-              <a:t>6/30/2016</a:t>
+              <a:t>7/6/2016</a:t>
             </a:fld>
             <a:endParaRPr lang="en-US"/>
           </a:p>
@@ -8918,7 +8920,7 @@
             <a:fld id="{1D8BD707-D9CF-40AE-B4C6-C98DA3205C09}" type="datetimeFigureOut">
               <a:rPr lang="en-US" smtClean="0"/>
               <a:pPr/>
-              <a:t>6/30/2016</a:t>
+              <a:t>7/6/2016</a:t>
             </a:fld>
             <a:endParaRPr lang="en-US"/>
           </a:p>
@@ -9168,7 +9170,7 @@
             <a:fld id="{1D8BD707-D9CF-40AE-B4C6-C98DA3205C09}" type="datetimeFigureOut">
               <a:rPr lang="en-US" smtClean="0"/>
               <a:pPr/>
-              <a:t>6/30/2016</a:t>
+              <a:t>7/6/2016</a:t>
             </a:fld>
             <a:endParaRPr lang="en-US"/>
           </a:p>
@@ -9378,7 +9380,7 @@
             <a:fld id="{1D8BD707-D9CF-40AE-B4C6-C98DA3205C09}" type="datetimeFigureOut">
               <a:rPr lang="en-US" smtClean="0"/>
               <a:pPr/>
-              <a:t>6/30/2016</a:t>
+              <a:t>7/6/2016</a:t>
             </a:fld>
             <a:endParaRPr lang="en-US"/>
           </a:p>
@@ -10246,7 +10248,7 @@
         <p:spPr>
           <a:xfrm>
             <a:off x="381000" y="2057400"/>
-            <a:ext cx="3581400" cy="1754326"/>
+            <a:ext cx="3581400" cy="3693319"/>
           </a:xfrm>
           <a:prstGeom prst="rect">
             <a:avLst/>
@@ -10292,7 +10294,7 @@
           <a:p>
             <a:r>
               <a:rPr lang="en-US" altLang="zh-CN" dirty="0" smtClean="0"/>
-              <a:t>Get all nodes from active node in </a:t>
+              <a:t>@1.Get all nodes from active node in </a:t>
             </a:r>
             <a:r>
               <a:rPr lang="en-US" altLang="zh-CN" dirty="0" err="1" smtClean="0"/>
@@ -10323,8 +10325,25 @@
             </a:r>
             <a:r>
               <a:rPr lang="en-US" altLang="zh-CN" dirty="0" smtClean="0"/>
-              <a:t> dead worker’s partition job</a:t>
-            </a:r>
+              <a:t> dead worker’s partition job,</a:t>
+            </a:r>
+          </a:p>
+          <a:p>
+            <a:r>
+              <a:rPr lang="en-US" altLang="zh-CN" dirty="0" smtClean="0"/>
+              <a:t>@2.move worker in master to /root/</a:t>
+            </a:r>
+            <a:r>
+              <a:rPr lang="en-US" altLang="zh-CN" dirty="0" err="1" smtClean="0"/>
+              <a:t>dead,according</a:t>
+            </a:r>
+            <a:r>
+              <a:rPr lang="en-US" altLang="zh-CN" dirty="0" smtClean="0"/>
+              <a:t> /root/resource/worker-xxx and /root/workers can find which are dead worker</a:t>
+            </a:r>
+            <a:endParaRPr lang="en-US" altLang="zh-CN" dirty="0"/>
+          </a:p>
+          <a:p>
             <a:r>
               <a:rPr lang="zh-CN" altLang="en-US" dirty="0" smtClean="0"/>
               <a:t>）</a:t>
@@ -14374,37 +14393,14 @@
       </p:grpSpPr>
       <p:sp>
         <p:nvSpPr>
-          <p:cNvPr id="2" name="Title 1"/>
-          <p:cNvSpPr>
-            <a:spLocks noGrp="1"/>
-          </p:cNvSpPr>
-          <p:nvPr>
-            <p:ph type="title"/>
-          </p:nvPr>
-        </p:nvSpPr>
-        <p:spPr/>
-        <p:txBody>
-          <a:bodyPr/>
-          <a:lstStyle/>
-          <a:p>
-            <a:r>
-              <a:rPr lang="en-US" altLang="zh-CN" dirty="0" smtClean="0"/>
-              <a:t>Watch</a:t>
-            </a:r>
-            <a:endParaRPr lang="zh-CN" altLang="en-US" dirty="0"/>
-          </a:p>
-        </p:txBody>
-      </p:sp>
-      <p:sp>
-        <p:nvSpPr>
           <p:cNvPr id="4" name="TextBox 3"/>
           <p:cNvSpPr txBox="1"/>
           <p:nvPr/>
         </p:nvSpPr>
         <p:spPr>
           <a:xfrm>
-            <a:off x="1371600" y="1828800"/>
-            <a:ext cx="6705600" cy="646331"/>
+            <a:off x="3200400" y="903642"/>
+            <a:ext cx="4343400" cy="369332"/>
           </a:xfrm>
           <a:prstGeom prst="rect">
             <a:avLst/>
@@ -14418,128 +14414,308 @@
           <a:lstStyle/>
           <a:p>
             <a:r>
-              <a:rPr lang="en-US" altLang="zh-CN" dirty="0" smtClean="0"/>
-              <a:t>Cluster status:</a:t>
-            </a:r>
-          </a:p>
-          <a:p>
-            <a:r>
-              <a:rPr lang="en-US" altLang="zh-CN" dirty="0"/>
-              <a:t>	</a:t>
-            </a:r>
-            <a:r>
-              <a:rPr lang="en-US" altLang="zh-CN" dirty="0" smtClean="0"/>
-              <a:t>id address state cores memory</a:t>
-            </a:r>
-            <a:endParaRPr lang="zh-CN" altLang="en-US" dirty="0"/>
-          </a:p>
-        </p:txBody>
-      </p:sp>
-      <p:sp>
-        <p:nvSpPr>
-          <p:cNvPr id="5" name="TextBox 4"/>
-          <p:cNvSpPr txBox="1"/>
-          <p:nvPr/>
-        </p:nvSpPr>
-        <p:spPr>
-          <a:xfrm>
-            <a:off x="1524000" y="2895600"/>
-            <a:ext cx="6705600" cy="923330"/>
-          </a:xfrm>
-          <a:prstGeom prst="rect">
+              <a:rPr lang="zh-CN" altLang="en-US" b="1" dirty="0" smtClean="0"/>
+              <a:t>基于数据流的调度</a:t>
+            </a:r>
+            <a:endParaRPr lang="zh-CN" altLang="en-US" b="1" dirty="0"/>
+          </a:p>
+        </p:txBody>
+      </p:sp>
+      <p:sp>
+        <p:nvSpPr>
+          <p:cNvPr id="5" name="Rounded Rectangle 4"/>
+          <p:cNvSpPr/>
+          <p:nvPr/>
+        </p:nvSpPr>
+        <p:spPr>
+          <a:xfrm>
+            <a:off x="2209800" y="1905000"/>
+            <a:ext cx="5791200" cy="1981200"/>
+          </a:xfrm>
+          <a:prstGeom prst="roundRect">
             <a:avLst/>
           </a:prstGeom>
         </p:spPr>
         <p:style>
-          <a:lnRef idx="2">
-            <a:schemeClr val="accent5"/>
+          <a:lnRef idx="1">
+            <a:schemeClr val="accent2"/>
           </a:lnRef>
-          <a:fillRef idx="1">
-            <a:schemeClr val="lt1"/>
+          <a:fillRef idx="2">
+            <a:schemeClr val="accent2"/>
           </a:fillRef>
-          <a:effectRef idx="0">
-            <a:schemeClr val="accent5"/>
+          <a:effectRef idx="1">
+            <a:schemeClr val="accent2"/>
           </a:effectRef>
           <a:fontRef idx="minor">
             <a:schemeClr val="dk1"/>
           </a:fontRef>
         </p:style>
         <p:txBody>
+          <a:bodyPr rtlCol="0" anchor="ctr"/>
+          <a:lstStyle/>
+          <a:p>
+            <a:pPr algn="ctr"/>
+            <a:endParaRPr lang="zh-CN" altLang="en-US"/>
+          </a:p>
+        </p:txBody>
+      </p:sp>
+      <p:sp>
+        <p:nvSpPr>
+          <p:cNvPr id="6" name="TextBox 5"/>
+          <p:cNvSpPr txBox="1"/>
+          <p:nvPr/>
+        </p:nvSpPr>
+        <p:spPr>
+          <a:xfrm>
+            <a:off x="4419600" y="4038600"/>
+            <a:ext cx="1524000" cy="369332"/>
+          </a:xfrm>
+          <a:prstGeom prst="rect">
+            <a:avLst/>
+          </a:prstGeom>
+          <a:noFill/>
+        </p:spPr>
+        <p:txBody>
           <a:bodyPr wrap="square" rtlCol="0">
             <a:spAutoFit/>
           </a:bodyPr>
           <a:lstStyle/>
           <a:p>
             <a:r>
-              <a:rPr lang="en-US" altLang="zh-CN" dirty="0" smtClean="0"/>
-              <a:t>Job status:</a:t>
-            </a:r>
-          </a:p>
-          <a:p>
-            <a:r>
-              <a:rPr lang="en-US" altLang="zh-CN" dirty="0"/>
-              <a:t>	</a:t>
-            </a:r>
-            <a:r>
-              <a:rPr lang="en-US" altLang="zh-CN" dirty="0" err="1" smtClean="0"/>
-              <a:t>jobName</a:t>
-            </a:r>
-            <a:r>
-              <a:rPr lang="en-US" altLang="zh-CN" dirty="0" smtClean="0"/>
-              <a:t> cores </a:t>
-            </a:r>
-            <a:r>
-              <a:rPr lang="en-US" altLang="zh-CN" dirty="0" err="1" smtClean="0"/>
-              <a:t>submit_time</a:t>
-            </a:r>
-            <a:r>
-              <a:rPr lang="en-US" altLang="zh-CN" dirty="0" smtClean="0"/>
-              <a:t> user state duration (</a:t>
-            </a:r>
-            <a:r>
-              <a:rPr lang="en-US" altLang="zh-CN" dirty="0"/>
-              <a:t>Task </a:t>
-            </a:r>
-            <a:r>
-              <a:rPr lang="en-US" altLang="zh-CN" dirty="0" err="1"/>
-              <a:t>successed</a:t>
-            </a:r>
-            <a:r>
-              <a:rPr lang="en-US" altLang="zh-CN" dirty="0"/>
-              <a:t>/total</a:t>
-            </a:r>
-            <a:r>
-              <a:rPr lang="en-US" altLang="zh-CN" dirty="0" smtClean="0"/>
-              <a:t>)</a:t>
-            </a:r>
-            <a:endParaRPr lang="zh-CN" altLang="en-US" dirty="0"/>
-          </a:p>
-        </p:txBody>
-      </p:sp>
-      <p:sp>
-        <p:nvSpPr>
-          <p:cNvPr id="9" name="Right Arrow 8"/>
+              <a:rPr lang="zh-CN" altLang="en-US" b="1" dirty="0"/>
+              <a:t>调</a:t>
+            </a:r>
+            <a:r>
+              <a:rPr lang="zh-CN" altLang="en-US" b="1" dirty="0" smtClean="0"/>
+              <a:t>度集群</a:t>
+            </a:r>
+            <a:endParaRPr lang="zh-CN" altLang="en-US" b="1" dirty="0"/>
+          </a:p>
+        </p:txBody>
+      </p:sp>
+      <p:sp>
+        <p:nvSpPr>
+          <p:cNvPr id="7" name="Rectangle 6"/>
           <p:cNvSpPr/>
           <p:nvPr/>
         </p:nvSpPr>
         <p:spPr>
-          <a:xfrm rot="7626905">
-            <a:off x="3600844" y="3696284"/>
-            <a:ext cx="510555" cy="248175"/>
-          </a:xfrm>
-          <a:prstGeom prst="rightArrow">
+          <a:xfrm>
+            <a:off x="2895600" y="2362200"/>
+            <a:ext cx="1143000" cy="1066800"/>
+          </a:xfrm>
+          <a:prstGeom prst="rect">
             <a:avLst/>
           </a:prstGeom>
         </p:spPr>
         <p:style>
           <a:lnRef idx="2">
-            <a:schemeClr val="accent5"/>
+            <a:schemeClr val="accent1">
+              <a:shade val="50000"/>
+            </a:schemeClr>
           </a:lnRef>
           <a:fillRef idx="1">
-            <a:schemeClr val="lt1"/>
+            <a:schemeClr val="accent1"/>
           </a:fillRef>
           <a:effectRef idx="0">
-            <a:schemeClr val="accent5"/>
+            <a:schemeClr val="accent1"/>
+          </a:effectRef>
+          <a:fontRef idx="minor">
+            <a:schemeClr val="lt1"/>
+          </a:fontRef>
+        </p:style>
+        <p:txBody>
+          <a:bodyPr rtlCol="0" anchor="ctr"/>
+          <a:lstStyle/>
+          <a:p>
+            <a:pPr algn="ctr"/>
+            <a:r>
+              <a:rPr lang="en-US" altLang="zh-CN" dirty="0"/>
+              <a:t>worker1</a:t>
+            </a:r>
+            <a:endParaRPr lang="zh-CN" altLang="en-US" dirty="0"/>
+          </a:p>
+          <a:p>
+            <a:pPr algn="ctr"/>
+            <a:endParaRPr lang="zh-CN" altLang="en-US" dirty="0"/>
+          </a:p>
+        </p:txBody>
+      </p:sp>
+      <p:sp>
+        <p:nvSpPr>
+          <p:cNvPr id="8" name="Rectangle 7"/>
+          <p:cNvSpPr/>
+          <p:nvPr/>
+        </p:nvSpPr>
+        <p:spPr>
+          <a:xfrm>
+            <a:off x="4419600" y="2362200"/>
+            <a:ext cx="1143000" cy="1066800"/>
+          </a:xfrm>
+          <a:prstGeom prst="rect">
+            <a:avLst/>
+          </a:prstGeom>
+        </p:spPr>
+        <p:style>
+          <a:lnRef idx="2">
+            <a:schemeClr val="accent1">
+              <a:shade val="50000"/>
+            </a:schemeClr>
+          </a:lnRef>
+          <a:fillRef idx="1">
+            <a:schemeClr val="accent1"/>
+          </a:fillRef>
+          <a:effectRef idx="0">
+            <a:schemeClr val="accent1"/>
+          </a:effectRef>
+          <a:fontRef idx="minor">
+            <a:schemeClr val="lt1"/>
+          </a:fontRef>
+        </p:style>
+        <p:txBody>
+          <a:bodyPr rtlCol="0" anchor="ctr"/>
+          <a:lstStyle/>
+          <a:p>
+            <a:pPr algn="ctr"/>
+            <a:r>
+              <a:rPr lang="en-US" altLang="zh-CN" dirty="0" smtClean="0"/>
+              <a:t>master</a:t>
+            </a:r>
+            <a:endParaRPr lang="zh-CN" altLang="en-US" dirty="0"/>
+          </a:p>
+        </p:txBody>
+      </p:sp>
+      <p:sp>
+        <p:nvSpPr>
+          <p:cNvPr id="9" name="Rectangle 8"/>
+          <p:cNvSpPr/>
+          <p:nvPr/>
+        </p:nvSpPr>
+        <p:spPr>
+          <a:xfrm>
+            <a:off x="6248400" y="2362200"/>
+            <a:ext cx="1143000" cy="1066800"/>
+          </a:xfrm>
+          <a:prstGeom prst="rect">
+            <a:avLst/>
+          </a:prstGeom>
+        </p:spPr>
+        <p:style>
+          <a:lnRef idx="2">
+            <a:schemeClr val="accent1">
+              <a:shade val="50000"/>
+            </a:schemeClr>
+          </a:lnRef>
+          <a:fillRef idx="1">
+            <a:schemeClr val="accent1"/>
+          </a:fillRef>
+          <a:effectRef idx="0">
+            <a:schemeClr val="accent1"/>
+          </a:effectRef>
+          <a:fontRef idx="minor">
+            <a:schemeClr val="lt1"/>
+          </a:fontRef>
+        </p:style>
+        <p:txBody>
+          <a:bodyPr rtlCol="0" anchor="ctr"/>
+          <a:lstStyle/>
+          <a:p>
+            <a:pPr algn="ctr"/>
+            <a:r>
+              <a:rPr lang="en-US" altLang="zh-CN" dirty="0" smtClean="0"/>
+              <a:t>worker2</a:t>
+            </a:r>
+            <a:endParaRPr lang="zh-CN" altLang="en-US" dirty="0"/>
+          </a:p>
+        </p:txBody>
+      </p:sp>
+      <p:cxnSp>
+        <p:nvCxnSpPr>
+          <p:cNvPr id="11" name="Straight Arrow Connector 10"/>
+          <p:cNvCxnSpPr/>
+          <p:nvPr/>
+        </p:nvCxnSpPr>
+        <p:spPr>
+          <a:xfrm flipV="1">
+            <a:off x="533400" y="3048000"/>
+            <a:ext cx="2362200" cy="762000"/>
+          </a:xfrm>
+          <a:prstGeom prst="straightConnector1">
+            <a:avLst/>
+          </a:prstGeom>
+          <a:ln>
+            <a:tailEnd type="arrow"/>
+          </a:ln>
+        </p:spPr>
+        <p:style>
+          <a:lnRef idx="1">
+            <a:schemeClr val="accent1"/>
+          </a:lnRef>
+          <a:fillRef idx="0">
+            <a:schemeClr val="accent1"/>
+          </a:fillRef>
+          <a:effectRef idx="0">
+            <a:schemeClr val="accent1"/>
+          </a:effectRef>
+          <a:fontRef idx="minor">
+            <a:schemeClr val="tx1"/>
+          </a:fontRef>
+        </p:style>
+      </p:cxnSp>
+      <p:sp>
+        <p:nvSpPr>
+          <p:cNvPr id="12" name="TextBox 11"/>
+          <p:cNvSpPr txBox="1"/>
+          <p:nvPr/>
+        </p:nvSpPr>
+        <p:spPr>
+          <a:xfrm>
+            <a:off x="533400" y="3048000"/>
+            <a:ext cx="1676400" cy="369332"/>
+          </a:xfrm>
+          <a:prstGeom prst="rect">
+            <a:avLst/>
+          </a:prstGeom>
+          <a:noFill/>
+        </p:spPr>
+        <p:txBody>
+          <a:bodyPr wrap="square" rtlCol="0">
+            <a:spAutoFit/>
+          </a:bodyPr>
+          <a:lstStyle/>
+          <a:p>
+            <a:r>
+              <a:rPr lang="en-US" altLang="zh-CN" dirty="0" smtClean="0"/>
+              <a:t>Rest (keys)</a:t>
+            </a:r>
+            <a:endParaRPr lang="zh-CN" altLang="en-US" dirty="0"/>
+          </a:p>
+        </p:txBody>
+      </p:sp>
+      <p:sp>
+        <p:nvSpPr>
+          <p:cNvPr id="13" name="Oval 12"/>
+          <p:cNvSpPr/>
+          <p:nvPr/>
+        </p:nvSpPr>
+        <p:spPr>
+          <a:xfrm>
+            <a:off x="1562100" y="4411518"/>
+            <a:ext cx="2476500" cy="1219200"/>
+          </a:xfrm>
+          <a:prstGeom prst="ellipse">
+            <a:avLst/>
+          </a:prstGeom>
+        </p:spPr>
+        <p:style>
+          <a:lnRef idx="1">
+            <a:schemeClr val="accent2"/>
+          </a:lnRef>
+          <a:fillRef idx="2">
+            <a:schemeClr val="accent2"/>
+          </a:fillRef>
+          <a:effectRef idx="1">
+            <a:schemeClr val="accent2"/>
           </a:effectRef>
           <a:fontRef idx="minor">
             <a:schemeClr val="dk1"/>
@@ -14556,28 +14732,288 @@
       </p:sp>
       <p:sp>
         <p:nvSpPr>
-          <p:cNvPr id="10" name="Right Arrow 9"/>
-          <p:cNvSpPr/>
-          <p:nvPr/>
-        </p:nvSpPr>
-        <p:spPr>
-          <a:xfrm rot="4113511">
-            <a:off x="4073655" y="3696283"/>
-            <a:ext cx="510555" cy="248175"/>
-          </a:xfrm>
-          <a:prstGeom prst="rightArrow">
-            <a:avLst/>
-          </a:prstGeom>
+          <p:cNvPr id="14" name="TextBox 13"/>
+          <p:cNvSpPr txBox="1"/>
+          <p:nvPr/>
+        </p:nvSpPr>
+        <p:spPr>
+          <a:xfrm>
+            <a:off x="2533650" y="5773271"/>
+            <a:ext cx="1333500" cy="369332"/>
+          </a:xfrm>
+          <a:prstGeom prst="rect">
+            <a:avLst/>
+          </a:prstGeom>
+          <a:noFill/>
+        </p:spPr>
+        <p:txBody>
+          <a:bodyPr wrap="square" rtlCol="0">
+            <a:spAutoFit/>
+          </a:bodyPr>
+          <a:lstStyle/>
+          <a:p>
+            <a:r>
+              <a:rPr lang="en-US" altLang="zh-CN" b="1" dirty="0" err="1" smtClean="0"/>
+              <a:t>zk</a:t>
+            </a:r>
+            <a:endParaRPr lang="zh-CN" altLang="en-US" b="1" dirty="0"/>
+          </a:p>
+        </p:txBody>
+      </p:sp>
+      <p:cxnSp>
+        <p:nvCxnSpPr>
+          <p:cNvPr id="16" name="Straight Arrow Connector 15"/>
+          <p:cNvCxnSpPr>
+            <a:endCxn id="13" idx="0"/>
+          </p:cNvCxnSpPr>
+          <p:nvPr/>
+        </p:nvCxnSpPr>
+        <p:spPr>
+          <a:xfrm flipH="1">
+            <a:off x="2800350" y="3048000"/>
+            <a:ext cx="95250" cy="1363518"/>
+          </a:xfrm>
+          <a:prstGeom prst="straightConnector1">
+            <a:avLst/>
+          </a:prstGeom>
+          <a:ln>
+            <a:tailEnd type="arrow"/>
+          </a:ln>
         </p:spPr>
         <p:style>
-          <a:lnRef idx="2">
-            <a:schemeClr val="accent5"/>
+          <a:lnRef idx="1">
+            <a:schemeClr val="accent1"/>
           </a:lnRef>
-          <a:fillRef idx="1">
-            <a:schemeClr val="lt1"/>
+          <a:fillRef idx="0">
+            <a:schemeClr val="accent1"/>
           </a:fillRef>
           <a:effectRef idx="0">
-            <a:schemeClr val="accent5"/>
+            <a:schemeClr val="accent1"/>
+          </a:effectRef>
+          <a:fontRef idx="minor">
+            <a:schemeClr val="tx1"/>
+          </a:fontRef>
+        </p:style>
+      </p:cxnSp>
+      <p:cxnSp>
+        <p:nvCxnSpPr>
+          <p:cNvPr id="20" name="Straight Arrow Connector 19"/>
+          <p:cNvCxnSpPr>
+            <a:endCxn id="13" idx="7"/>
+          </p:cNvCxnSpPr>
+          <p:nvPr/>
+        </p:nvCxnSpPr>
+        <p:spPr>
+          <a:xfrm flipH="1">
+            <a:off x="3675925" y="3232666"/>
+            <a:ext cx="1200875" cy="1357400"/>
+          </a:xfrm>
+          <a:prstGeom prst="straightConnector1">
+            <a:avLst/>
+          </a:prstGeom>
+          <a:ln>
+            <a:tailEnd type="arrow"/>
+          </a:ln>
+        </p:spPr>
+        <p:style>
+          <a:lnRef idx="1">
+            <a:schemeClr val="accent1"/>
+          </a:lnRef>
+          <a:fillRef idx="0">
+            <a:schemeClr val="accent1"/>
+          </a:fillRef>
+          <a:effectRef idx="0">
+            <a:schemeClr val="accent1"/>
+          </a:effectRef>
+          <a:fontRef idx="minor">
+            <a:schemeClr val="tx1"/>
+          </a:fontRef>
+        </p:style>
+      </p:cxnSp>
+      <p:sp>
+        <p:nvSpPr>
+          <p:cNvPr id="21" name="TextBox 20"/>
+          <p:cNvSpPr txBox="1"/>
+          <p:nvPr/>
+        </p:nvSpPr>
+        <p:spPr>
+          <a:xfrm>
+            <a:off x="2214282" y="3990492"/>
+            <a:ext cx="742950" cy="246221"/>
+          </a:xfrm>
+          <a:prstGeom prst="rect">
+            <a:avLst/>
+          </a:prstGeom>
+          <a:noFill/>
+        </p:spPr>
+        <p:txBody>
+          <a:bodyPr wrap="square" rtlCol="0">
+            <a:spAutoFit/>
+          </a:bodyPr>
+          <a:lstStyle/>
+          <a:p>
+            <a:r>
+              <a:rPr lang="en-US" altLang="zh-CN" sz="1000" b="1" dirty="0" smtClean="0"/>
+              <a:t>publish</a:t>
+            </a:r>
+            <a:endParaRPr lang="zh-CN" altLang="en-US" sz="1000" b="1" dirty="0"/>
+          </a:p>
+        </p:txBody>
+      </p:sp>
+      <p:sp>
+        <p:nvSpPr>
+          <p:cNvPr id="22" name="TextBox 21"/>
+          <p:cNvSpPr txBox="1"/>
+          <p:nvPr/>
+        </p:nvSpPr>
+        <p:spPr>
+          <a:xfrm>
+            <a:off x="4038600" y="4407932"/>
+            <a:ext cx="1066800" cy="369332"/>
+          </a:xfrm>
+          <a:prstGeom prst="rect">
+            <a:avLst/>
+          </a:prstGeom>
+          <a:noFill/>
+        </p:spPr>
+        <p:txBody>
+          <a:bodyPr wrap="square" rtlCol="0">
+            <a:spAutoFit/>
+          </a:bodyPr>
+          <a:lstStyle/>
+          <a:p>
+            <a:r>
+              <a:rPr lang="en-US" altLang="zh-CN" b="1" dirty="0" smtClean="0"/>
+              <a:t>consume</a:t>
+            </a:r>
+            <a:endParaRPr lang="zh-CN" altLang="en-US" b="1" dirty="0"/>
+          </a:p>
+        </p:txBody>
+      </p:sp>
+      <p:cxnSp>
+        <p:nvCxnSpPr>
+          <p:cNvPr id="26" name="Curved Connector 25"/>
+          <p:cNvCxnSpPr/>
+          <p:nvPr/>
+        </p:nvCxnSpPr>
+        <p:spPr>
+          <a:xfrm>
+            <a:off x="5486400" y="2362200"/>
+            <a:ext cx="838200" cy="381000"/>
+          </a:xfrm>
+          <a:prstGeom prst="curvedConnector3">
+            <a:avLst/>
+          </a:prstGeom>
+          <a:ln>
+            <a:tailEnd type="arrow"/>
+          </a:ln>
+        </p:spPr>
+        <p:style>
+          <a:lnRef idx="1">
+            <a:schemeClr val="accent1"/>
+          </a:lnRef>
+          <a:fillRef idx="0">
+            <a:schemeClr val="accent1"/>
+          </a:fillRef>
+          <a:effectRef idx="0">
+            <a:schemeClr val="accent1"/>
+          </a:effectRef>
+          <a:fontRef idx="minor">
+            <a:schemeClr val="tx1"/>
+          </a:fontRef>
+        </p:style>
+      </p:cxnSp>
+      <p:cxnSp>
+        <p:nvCxnSpPr>
+          <p:cNvPr id="29" name="Curved Connector 28"/>
+          <p:cNvCxnSpPr/>
+          <p:nvPr/>
+        </p:nvCxnSpPr>
+        <p:spPr>
+          <a:xfrm rot="10800000">
+            <a:off x="3987949" y="2408368"/>
+            <a:ext cx="952500" cy="517263"/>
+          </a:xfrm>
+          <a:prstGeom prst="curvedConnector3">
+            <a:avLst/>
+          </a:prstGeom>
+          <a:ln>
+            <a:tailEnd type="arrow"/>
+          </a:ln>
+        </p:spPr>
+        <p:style>
+          <a:lnRef idx="1">
+            <a:schemeClr val="accent1"/>
+          </a:lnRef>
+          <a:fillRef idx="0">
+            <a:schemeClr val="accent1"/>
+          </a:fillRef>
+          <a:effectRef idx="0">
+            <a:schemeClr val="accent1"/>
+          </a:effectRef>
+          <a:fontRef idx="minor">
+            <a:schemeClr val="tx1"/>
+          </a:fontRef>
+        </p:style>
+      </p:cxnSp>
+      <p:sp>
+        <p:nvSpPr>
+          <p:cNvPr id="30" name="TextBox 29"/>
+          <p:cNvSpPr txBox="1"/>
+          <p:nvPr/>
+        </p:nvSpPr>
+        <p:spPr>
+          <a:xfrm>
+            <a:off x="5372100" y="2095132"/>
+            <a:ext cx="647700" cy="246221"/>
+          </a:xfrm>
+          <a:prstGeom prst="rect">
+            <a:avLst/>
+          </a:prstGeom>
+          <a:noFill/>
+        </p:spPr>
+        <p:txBody>
+          <a:bodyPr wrap="square" rtlCol="0">
+            <a:spAutoFit/>
+          </a:bodyPr>
+          <a:lstStyle/>
+          <a:p>
+            <a:r>
+              <a:rPr lang="en-US" altLang="zh-CN" sz="1000" b="1" dirty="0"/>
+              <a:t>p</a:t>
+            </a:r>
+            <a:r>
+              <a:rPr lang="en-US" altLang="zh-CN" sz="1000" b="1" dirty="0" smtClean="0"/>
+              <a:t>artition</a:t>
+            </a:r>
+            <a:endParaRPr lang="zh-CN" altLang="en-US" sz="1000" b="1" dirty="0"/>
+          </a:p>
+        </p:txBody>
+      </p:sp>
+      <p:sp>
+        <p:nvSpPr>
+          <p:cNvPr id="31" name="Rectangle 30"/>
+          <p:cNvSpPr/>
+          <p:nvPr/>
+        </p:nvSpPr>
+        <p:spPr>
+          <a:xfrm>
+            <a:off x="6553200" y="3232666"/>
+            <a:ext cx="1219200" cy="497093"/>
+          </a:xfrm>
+          <a:prstGeom prst="rect">
+            <a:avLst/>
+          </a:prstGeom>
+        </p:spPr>
+        <p:style>
+          <a:lnRef idx="1">
+            <a:schemeClr val="accent1"/>
+          </a:lnRef>
+          <a:fillRef idx="2">
+            <a:schemeClr val="accent1"/>
+          </a:fillRef>
+          <a:effectRef idx="1">
+            <a:schemeClr val="accent1"/>
           </a:effectRef>
           <a:fontRef idx="minor">
             <a:schemeClr val="dk1"/>
@@ -14588,34 +15024,148 @@
           <a:lstStyle/>
           <a:p>
             <a:pPr algn="ctr"/>
-            <a:endParaRPr lang="zh-CN" altLang="en-US"/>
-          </a:p>
-        </p:txBody>
-      </p:sp>
-      <p:sp>
-        <p:nvSpPr>
-          <p:cNvPr id="11" name="Right Arrow 10"/>
-          <p:cNvSpPr/>
-          <p:nvPr/>
-        </p:nvSpPr>
-        <p:spPr>
-          <a:xfrm rot="1522108">
-            <a:off x="4566297" y="3664011"/>
-            <a:ext cx="510555" cy="248175"/>
-          </a:xfrm>
-          <a:prstGeom prst="rightArrow">
-            <a:avLst/>
-          </a:prstGeom>
+            <a:r>
+              <a:rPr lang="en-US" altLang="zh-CN" dirty="0" err="1" smtClean="0"/>
+              <a:t>Excute</a:t>
+            </a:r>
+            <a:endParaRPr lang="zh-CN" altLang="en-US" dirty="0"/>
+          </a:p>
+        </p:txBody>
+      </p:sp>
+      <p:sp>
+        <p:nvSpPr>
+          <p:cNvPr id="32" name="TextBox 31"/>
+          <p:cNvSpPr txBox="1"/>
+          <p:nvPr/>
+        </p:nvSpPr>
+        <p:spPr>
+          <a:xfrm>
+            <a:off x="6743700" y="3883274"/>
+            <a:ext cx="1600200" cy="369332"/>
+          </a:xfrm>
+          <a:prstGeom prst="rect">
+            <a:avLst/>
+          </a:prstGeom>
+          <a:noFill/>
+        </p:spPr>
+        <p:txBody>
+          <a:bodyPr wrap="square" rtlCol="0">
+            <a:spAutoFit/>
+          </a:bodyPr>
+          <a:lstStyle/>
+          <a:p>
+            <a:r>
+              <a:rPr lang="en-US" altLang="zh-CN" dirty="0" smtClean="0"/>
+              <a:t>(List&lt;Object&gt;)</a:t>
+            </a:r>
+            <a:endParaRPr lang="zh-CN" altLang="en-US" dirty="0"/>
+          </a:p>
+        </p:txBody>
+      </p:sp>
+      <p:cxnSp>
+        <p:nvCxnSpPr>
+          <p:cNvPr id="34" name="Curved Connector 33"/>
+          <p:cNvCxnSpPr>
+            <a:stCxn id="32" idx="2"/>
+          </p:cNvCxnSpPr>
+          <p:nvPr/>
+        </p:nvCxnSpPr>
+        <p:spPr>
+          <a:xfrm rot="5400000" flipH="1">
+            <a:off x="6129403" y="2838209"/>
+            <a:ext cx="771394" cy="2057400"/>
+          </a:xfrm>
+          <a:prstGeom prst="curvedConnector4">
+            <a:avLst>
+              <a:gd name="adj1" fmla="val -29635"/>
+              <a:gd name="adj2" fmla="val 69444"/>
+            </a:avLst>
+          </a:prstGeom>
+          <a:ln>
+            <a:tailEnd type="arrow"/>
+          </a:ln>
         </p:spPr>
         <p:style>
-          <a:lnRef idx="2">
-            <a:schemeClr val="accent5"/>
+          <a:lnRef idx="1">
+            <a:schemeClr val="accent1"/>
           </a:lnRef>
-          <a:fillRef idx="1">
-            <a:schemeClr val="lt1"/>
+          <a:fillRef idx="0">
+            <a:schemeClr val="accent1"/>
           </a:fillRef>
           <a:effectRef idx="0">
-            <a:schemeClr val="accent5"/>
+            <a:schemeClr val="accent1"/>
+          </a:effectRef>
+          <a:fontRef idx="minor">
+            <a:schemeClr val="tx1"/>
+          </a:fontRef>
+        </p:style>
+      </p:cxnSp>
+      <p:sp>
+        <p:nvSpPr>
+          <p:cNvPr id="35" name="TextBox 34"/>
+          <p:cNvSpPr txBox="1"/>
+          <p:nvPr/>
+        </p:nvSpPr>
+        <p:spPr>
+          <a:xfrm>
+            <a:off x="6019800" y="4411518"/>
+            <a:ext cx="2209800" cy="646331"/>
+          </a:xfrm>
+          <a:prstGeom prst="rect">
+            <a:avLst/>
+          </a:prstGeom>
+          <a:noFill/>
+        </p:spPr>
+        <p:txBody>
+          <a:bodyPr wrap="square" rtlCol="0">
+            <a:spAutoFit/>
+          </a:bodyPr>
+          <a:lstStyle/>
+          <a:p>
+            <a:r>
+              <a:rPr lang="zh-CN" altLang="en-US" b="1" dirty="0" smtClean="0"/>
+              <a:t>失败反馈</a:t>
+            </a:r>
+            <a:r>
+              <a:rPr lang="en-US" altLang="zh-CN" b="1" dirty="0" smtClean="0"/>
+              <a:t>(</a:t>
+            </a:r>
+            <a:r>
+              <a:rPr lang="en-US" altLang="zh-CN" b="1" dirty="0" err="1" smtClean="0"/>
+              <a:t>status,list</a:t>
+            </a:r>
+            <a:r>
+              <a:rPr lang="en-US" altLang="zh-CN" b="1" dirty="0" smtClean="0"/>
+              <a:t>&lt;Object&gt;)</a:t>
+            </a:r>
+            <a:endParaRPr lang="zh-CN" altLang="en-US" b="1" dirty="0"/>
+          </a:p>
+        </p:txBody>
+      </p:sp>
+      <p:sp>
+        <p:nvSpPr>
+          <p:cNvPr id="36" name="Rectangle 35"/>
+          <p:cNvSpPr/>
+          <p:nvPr/>
+        </p:nvSpPr>
+        <p:spPr>
+          <a:xfrm>
+            <a:off x="4686300" y="3180453"/>
+            <a:ext cx="1219200" cy="497093"/>
+          </a:xfrm>
+          <a:prstGeom prst="rect">
+            <a:avLst/>
+          </a:prstGeom>
+        </p:spPr>
+        <p:style>
+          <a:lnRef idx="1">
+            <a:schemeClr val="accent1"/>
+          </a:lnRef>
+          <a:fillRef idx="2">
+            <a:schemeClr val="accent1"/>
+          </a:fillRef>
+          <a:effectRef idx="1">
+            <a:schemeClr val="accent1"/>
           </a:effectRef>
           <a:fontRef idx="minor">
             <a:schemeClr val="dk1"/>
@@ -14626,20 +15176,66 @@
           <a:lstStyle/>
           <a:p>
             <a:pPr algn="ctr"/>
-            <a:endParaRPr lang="zh-CN" altLang="en-US"/>
-          </a:p>
-        </p:txBody>
-      </p:sp>
-      <p:sp>
-        <p:nvSpPr>
-          <p:cNvPr id="12" name="TextBox 11"/>
+            <a:r>
+              <a:rPr lang="en-US" altLang="zh-CN" dirty="0" err="1" smtClean="0"/>
+              <a:t>Excute</a:t>
+            </a:r>
+            <a:endParaRPr lang="zh-CN" altLang="en-US" dirty="0"/>
+          </a:p>
+        </p:txBody>
+      </p:sp>
+      <p:sp>
+        <p:nvSpPr>
+          <p:cNvPr id="37" name="Rectangle 36"/>
+          <p:cNvSpPr/>
+          <p:nvPr/>
+        </p:nvSpPr>
+        <p:spPr>
+          <a:xfrm>
+            <a:off x="3073074" y="3180453"/>
+            <a:ext cx="1219200" cy="497093"/>
+          </a:xfrm>
+          <a:prstGeom prst="rect">
+            <a:avLst/>
+          </a:prstGeom>
+        </p:spPr>
+        <p:style>
+          <a:lnRef idx="1">
+            <a:schemeClr val="accent1"/>
+          </a:lnRef>
+          <a:fillRef idx="2">
+            <a:schemeClr val="accent1"/>
+          </a:fillRef>
+          <a:effectRef idx="1">
+            <a:schemeClr val="accent1"/>
+          </a:effectRef>
+          <a:fontRef idx="minor">
+            <a:schemeClr val="dk1"/>
+          </a:fontRef>
+        </p:style>
+        <p:txBody>
+          <a:bodyPr rtlCol="0" anchor="ctr"/>
+          <a:lstStyle/>
+          <a:p>
+            <a:pPr algn="ctr"/>
+            <a:r>
+              <a:rPr lang="en-US" altLang="zh-CN" dirty="0" err="1" smtClean="0"/>
+              <a:t>Excute</a:t>
+            </a:r>
+            <a:endParaRPr lang="zh-CN" altLang="en-US" dirty="0"/>
+          </a:p>
+        </p:txBody>
+      </p:sp>
+      <p:sp>
+        <p:nvSpPr>
+          <p:cNvPr id="2" name="TextBox 1"/>
           <p:cNvSpPr txBox="1"/>
           <p:nvPr/>
         </p:nvSpPr>
         <p:spPr>
           <a:xfrm>
-            <a:off x="1676400" y="4191000"/>
-            <a:ext cx="7162800" cy="646331"/>
+            <a:off x="457200" y="1676400"/>
+            <a:ext cx="1600200" cy="415498"/>
           </a:xfrm>
           <a:prstGeom prst="rect">
             <a:avLst/>
@@ -14653,56 +15249,31 @@
           <a:lstStyle/>
           <a:p>
             <a:r>
-              <a:rPr lang="en-US" altLang="zh-CN" dirty="0" err="1" smtClean="0"/>
-              <a:t>Job_partition</a:t>
-            </a:r>
-            <a:r>
-              <a:rPr lang="en-US" altLang="zh-CN" dirty="0" smtClean="0"/>
-              <a:t> status:</a:t>
-            </a:r>
-          </a:p>
-          <a:p>
-            <a:r>
-              <a:rPr lang="en-US" altLang="zh-CN" dirty="0"/>
-              <a:t>	</a:t>
-            </a:r>
-            <a:r>
-              <a:rPr lang="en-US" altLang="zh-CN" dirty="0" err="1" smtClean="0"/>
-              <a:t>partitionName</a:t>
-            </a:r>
-            <a:r>
-              <a:rPr lang="en-US" altLang="zh-CN" dirty="0" smtClean="0"/>
-              <a:t> </a:t>
-            </a:r>
-            <a:r>
-              <a:rPr lang="en-US" altLang="zh-CN" dirty="0" err="1" smtClean="0"/>
-              <a:t>submited_time</a:t>
-            </a:r>
-            <a:r>
-              <a:rPr lang="en-US" altLang="zh-CN" dirty="0" smtClean="0"/>
-              <a:t> Duration</a:t>
-            </a:r>
-            <a:endParaRPr lang="zh-CN" altLang="en-US" dirty="0"/>
+              <a:rPr lang="en-US" altLang="zh-CN" sz="1050" b="1" dirty="0" smtClean="0"/>
+              <a:t>Request need data field and </a:t>
+            </a:r>
+            <a:r>
+              <a:rPr lang="en-US" altLang="zh-CN" sz="1050" b="1" dirty="0" err="1" smtClean="0"/>
+              <a:t>jobname</a:t>
+            </a:r>
+            <a:r>
+              <a:rPr lang="en-US" altLang="zh-CN" sz="1050" b="1" dirty="0" smtClean="0"/>
+              <a:t> field</a:t>
+            </a:r>
+            <a:endParaRPr lang="zh-CN" altLang="en-US" sz="1050" b="1" dirty="0"/>
           </a:p>
         </p:txBody>
       </p:sp>
     </p:spTree>
     <p:extLst>
       <p:ext uri="{BB962C8B-B14F-4D97-AF65-F5344CB8AC3E}">
-        <p14:creationId xmlns:p14="http://schemas.microsoft.com/office/powerpoint/2010/main" val="340810048"/>
+        <p14:creationId xmlns:p14="http://schemas.microsoft.com/office/powerpoint/2010/main" val="1881226064"/>
       </p:ext>
     </p:extLst>
   </p:cSld>
   <p:clrMapOvr>
     <a:masterClrMapping/>
   </p:clrMapOvr>
-  <p:timing>
-    <p:tnLst>
-      <p:par>
-        <p:cTn id="1" dur="indefinite" restart="never" nodeType="tmRoot"/>
-      </p:par>
-    </p:tnLst>
-  </p:timing>
 </p:sld>
 </file>
 
@@ -14916,6 +15487,1290 @@
       </p:grpSpPr>
       <p:sp>
         <p:nvSpPr>
+          <p:cNvPr id="4" name="TextBox 3"/>
+          <p:cNvSpPr txBox="1"/>
+          <p:nvPr/>
+        </p:nvSpPr>
+        <p:spPr>
+          <a:xfrm>
+            <a:off x="3200400" y="903642"/>
+            <a:ext cx="4343400" cy="369332"/>
+          </a:xfrm>
+          <a:prstGeom prst="rect">
+            <a:avLst/>
+          </a:prstGeom>
+          <a:noFill/>
+        </p:spPr>
+        <p:txBody>
+          <a:bodyPr wrap="square" rtlCol="0">
+            <a:spAutoFit/>
+          </a:bodyPr>
+          <a:lstStyle/>
+          <a:p>
+            <a:r>
+              <a:rPr lang="zh-CN" altLang="en-US" b="1" dirty="0" smtClean="0"/>
+              <a:t>基于数据流的调度</a:t>
+            </a:r>
+            <a:endParaRPr lang="zh-CN" altLang="en-US" b="1" dirty="0"/>
+          </a:p>
+        </p:txBody>
+      </p:sp>
+      <p:sp>
+        <p:nvSpPr>
+          <p:cNvPr id="5" name="Rounded Rectangle 4"/>
+          <p:cNvSpPr/>
+          <p:nvPr/>
+        </p:nvSpPr>
+        <p:spPr>
+          <a:xfrm>
+            <a:off x="2209800" y="1905000"/>
+            <a:ext cx="5791200" cy="1981200"/>
+          </a:xfrm>
+          <a:prstGeom prst="roundRect">
+            <a:avLst/>
+          </a:prstGeom>
+        </p:spPr>
+        <p:style>
+          <a:lnRef idx="1">
+            <a:schemeClr val="accent2"/>
+          </a:lnRef>
+          <a:fillRef idx="2">
+            <a:schemeClr val="accent2"/>
+          </a:fillRef>
+          <a:effectRef idx="1">
+            <a:schemeClr val="accent2"/>
+          </a:effectRef>
+          <a:fontRef idx="minor">
+            <a:schemeClr val="dk1"/>
+          </a:fontRef>
+        </p:style>
+        <p:txBody>
+          <a:bodyPr rtlCol="0" anchor="ctr"/>
+          <a:lstStyle/>
+          <a:p>
+            <a:pPr algn="ctr"/>
+            <a:endParaRPr lang="zh-CN" altLang="en-US"/>
+          </a:p>
+        </p:txBody>
+      </p:sp>
+      <p:sp>
+        <p:nvSpPr>
+          <p:cNvPr id="6" name="TextBox 5"/>
+          <p:cNvSpPr txBox="1"/>
+          <p:nvPr/>
+        </p:nvSpPr>
+        <p:spPr>
+          <a:xfrm>
+            <a:off x="4419600" y="4038600"/>
+            <a:ext cx="1524000" cy="369332"/>
+          </a:xfrm>
+          <a:prstGeom prst="rect">
+            <a:avLst/>
+          </a:prstGeom>
+          <a:noFill/>
+        </p:spPr>
+        <p:txBody>
+          <a:bodyPr wrap="square" rtlCol="0">
+            <a:spAutoFit/>
+          </a:bodyPr>
+          <a:lstStyle/>
+          <a:p>
+            <a:r>
+              <a:rPr lang="zh-CN" altLang="en-US" b="1" dirty="0"/>
+              <a:t>调</a:t>
+            </a:r>
+            <a:r>
+              <a:rPr lang="zh-CN" altLang="en-US" b="1" dirty="0" smtClean="0"/>
+              <a:t>度集群</a:t>
+            </a:r>
+            <a:endParaRPr lang="zh-CN" altLang="en-US" b="1" dirty="0"/>
+          </a:p>
+        </p:txBody>
+      </p:sp>
+      <p:sp>
+        <p:nvSpPr>
+          <p:cNvPr id="7" name="Rectangle 6"/>
+          <p:cNvSpPr/>
+          <p:nvPr/>
+        </p:nvSpPr>
+        <p:spPr>
+          <a:xfrm>
+            <a:off x="2895600" y="2362200"/>
+            <a:ext cx="1143000" cy="1066800"/>
+          </a:xfrm>
+          <a:prstGeom prst="rect">
+            <a:avLst/>
+          </a:prstGeom>
+        </p:spPr>
+        <p:style>
+          <a:lnRef idx="2">
+            <a:schemeClr val="accent1">
+              <a:shade val="50000"/>
+            </a:schemeClr>
+          </a:lnRef>
+          <a:fillRef idx="1">
+            <a:schemeClr val="accent1"/>
+          </a:fillRef>
+          <a:effectRef idx="0">
+            <a:schemeClr val="accent1"/>
+          </a:effectRef>
+          <a:fontRef idx="minor">
+            <a:schemeClr val="lt1"/>
+          </a:fontRef>
+        </p:style>
+        <p:txBody>
+          <a:bodyPr rtlCol="0" anchor="ctr"/>
+          <a:lstStyle/>
+          <a:p>
+            <a:pPr algn="ctr"/>
+            <a:r>
+              <a:rPr lang="en-US" altLang="zh-CN" dirty="0"/>
+              <a:t>worker1</a:t>
+            </a:r>
+            <a:endParaRPr lang="zh-CN" altLang="en-US" dirty="0"/>
+          </a:p>
+          <a:p>
+            <a:pPr algn="ctr"/>
+            <a:endParaRPr lang="zh-CN" altLang="en-US" dirty="0"/>
+          </a:p>
+        </p:txBody>
+      </p:sp>
+      <p:sp>
+        <p:nvSpPr>
+          <p:cNvPr id="8" name="Rectangle 7"/>
+          <p:cNvSpPr/>
+          <p:nvPr/>
+        </p:nvSpPr>
+        <p:spPr>
+          <a:xfrm>
+            <a:off x="4419600" y="2362200"/>
+            <a:ext cx="1143000" cy="1066800"/>
+          </a:xfrm>
+          <a:prstGeom prst="rect">
+            <a:avLst/>
+          </a:prstGeom>
+        </p:spPr>
+        <p:style>
+          <a:lnRef idx="2">
+            <a:schemeClr val="accent1">
+              <a:shade val="50000"/>
+            </a:schemeClr>
+          </a:lnRef>
+          <a:fillRef idx="1">
+            <a:schemeClr val="accent1"/>
+          </a:fillRef>
+          <a:effectRef idx="0">
+            <a:schemeClr val="accent1"/>
+          </a:effectRef>
+          <a:fontRef idx="minor">
+            <a:schemeClr val="lt1"/>
+          </a:fontRef>
+        </p:style>
+        <p:txBody>
+          <a:bodyPr rtlCol="0" anchor="ctr"/>
+          <a:lstStyle/>
+          <a:p>
+            <a:pPr algn="ctr"/>
+            <a:r>
+              <a:rPr lang="en-US" altLang="zh-CN" dirty="0" smtClean="0"/>
+              <a:t>master</a:t>
+            </a:r>
+            <a:endParaRPr lang="zh-CN" altLang="en-US" dirty="0"/>
+          </a:p>
+        </p:txBody>
+      </p:sp>
+      <p:sp>
+        <p:nvSpPr>
+          <p:cNvPr id="9" name="Rectangle 8"/>
+          <p:cNvSpPr/>
+          <p:nvPr/>
+        </p:nvSpPr>
+        <p:spPr>
+          <a:xfrm>
+            <a:off x="6248400" y="2362200"/>
+            <a:ext cx="1143000" cy="1066800"/>
+          </a:xfrm>
+          <a:prstGeom prst="rect">
+            <a:avLst/>
+          </a:prstGeom>
+        </p:spPr>
+        <p:style>
+          <a:lnRef idx="2">
+            <a:schemeClr val="accent1">
+              <a:shade val="50000"/>
+            </a:schemeClr>
+          </a:lnRef>
+          <a:fillRef idx="1">
+            <a:schemeClr val="accent1"/>
+          </a:fillRef>
+          <a:effectRef idx="0">
+            <a:schemeClr val="accent1"/>
+          </a:effectRef>
+          <a:fontRef idx="minor">
+            <a:schemeClr val="lt1"/>
+          </a:fontRef>
+        </p:style>
+        <p:txBody>
+          <a:bodyPr rtlCol="0" anchor="ctr"/>
+          <a:lstStyle/>
+          <a:p>
+            <a:pPr algn="ctr"/>
+            <a:r>
+              <a:rPr lang="en-US" altLang="zh-CN" dirty="0" smtClean="0"/>
+              <a:t>worker2</a:t>
+            </a:r>
+            <a:endParaRPr lang="zh-CN" altLang="en-US" dirty="0"/>
+          </a:p>
+        </p:txBody>
+      </p:sp>
+      <p:cxnSp>
+        <p:nvCxnSpPr>
+          <p:cNvPr id="11" name="Straight Arrow Connector 10"/>
+          <p:cNvCxnSpPr/>
+          <p:nvPr/>
+        </p:nvCxnSpPr>
+        <p:spPr>
+          <a:xfrm flipV="1">
+            <a:off x="533400" y="3048000"/>
+            <a:ext cx="2362200" cy="762000"/>
+          </a:xfrm>
+          <a:prstGeom prst="straightConnector1">
+            <a:avLst/>
+          </a:prstGeom>
+          <a:ln>
+            <a:tailEnd type="arrow"/>
+          </a:ln>
+        </p:spPr>
+        <p:style>
+          <a:lnRef idx="1">
+            <a:schemeClr val="accent1"/>
+          </a:lnRef>
+          <a:fillRef idx="0">
+            <a:schemeClr val="accent1"/>
+          </a:fillRef>
+          <a:effectRef idx="0">
+            <a:schemeClr val="accent1"/>
+          </a:effectRef>
+          <a:fontRef idx="minor">
+            <a:schemeClr val="tx1"/>
+          </a:fontRef>
+        </p:style>
+      </p:cxnSp>
+      <p:sp>
+        <p:nvSpPr>
+          <p:cNvPr id="12" name="TextBox 11"/>
+          <p:cNvSpPr txBox="1"/>
+          <p:nvPr/>
+        </p:nvSpPr>
+        <p:spPr>
+          <a:xfrm>
+            <a:off x="533400" y="3048000"/>
+            <a:ext cx="1676400" cy="369332"/>
+          </a:xfrm>
+          <a:prstGeom prst="rect">
+            <a:avLst/>
+          </a:prstGeom>
+          <a:noFill/>
+        </p:spPr>
+        <p:txBody>
+          <a:bodyPr wrap="square" rtlCol="0">
+            <a:spAutoFit/>
+          </a:bodyPr>
+          <a:lstStyle/>
+          <a:p>
+            <a:r>
+              <a:rPr lang="en-US" altLang="zh-CN" dirty="0" smtClean="0"/>
+              <a:t>Rest (keys)</a:t>
+            </a:r>
+            <a:endParaRPr lang="zh-CN" altLang="en-US" dirty="0"/>
+          </a:p>
+        </p:txBody>
+      </p:sp>
+      <p:sp>
+        <p:nvSpPr>
+          <p:cNvPr id="13" name="Oval 12"/>
+          <p:cNvSpPr/>
+          <p:nvPr/>
+        </p:nvSpPr>
+        <p:spPr>
+          <a:xfrm>
+            <a:off x="1562100" y="4411518"/>
+            <a:ext cx="2476500" cy="1219200"/>
+          </a:xfrm>
+          <a:prstGeom prst="ellipse">
+            <a:avLst/>
+          </a:prstGeom>
+        </p:spPr>
+        <p:style>
+          <a:lnRef idx="1">
+            <a:schemeClr val="accent2"/>
+          </a:lnRef>
+          <a:fillRef idx="2">
+            <a:schemeClr val="accent2"/>
+          </a:fillRef>
+          <a:effectRef idx="1">
+            <a:schemeClr val="accent2"/>
+          </a:effectRef>
+          <a:fontRef idx="minor">
+            <a:schemeClr val="dk1"/>
+          </a:fontRef>
+        </p:style>
+        <p:txBody>
+          <a:bodyPr rtlCol="0" anchor="ctr"/>
+          <a:lstStyle/>
+          <a:p>
+            <a:pPr algn="ctr"/>
+            <a:endParaRPr lang="zh-CN" altLang="en-US"/>
+          </a:p>
+        </p:txBody>
+      </p:sp>
+      <p:sp>
+        <p:nvSpPr>
+          <p:cNvPr id="14" name="TextBox 13"/>
+          <p:cNvSpPr txBox="1"/>
+          <p:nvPr/>
+        </p:nvSpPr>
+        <p:spPr>
+          <a:xfrm>
+            <a:off x="2533650" y="5773271"/>
+            <a:ext cx="1333500" cy="369332"/>
+          </a:xfrm>
+          <a:prstGeom prst="rect">
+            <a:avLst/>
+          </a:prstGeom>
+          <a:noFill/>
+        </p:spPr>
+        <p:txBody>
+          <a:bodyPr wrap="square" rtlCol="0">
+            <a:spAutoFit/>
+          </a:bodyPr>
+          <a:lstStyle/>
+          <a:p>
+            <a:r>
+              <a:rPr lang="en-US" altLang="zh-CN" b="1" dirty="0" err="1" smtClean="0"/>
+              <a:t>kafka</a:t>
+            </a:r>
+            <a:endParaRPr lang="zh-CN" altLang="en-US" b="1" dirty="0"/>
+          </a:p>
+        </p:txBody>
+      </p:sp>
+      <p:cxnSp>
+        <p:nvCxnSpPr>
+          <p:cNvPr id="16" name="Straight Arrow Connector 15"/>
+          <p:cNvCxnSpPr>
+            <a:endCxn id="13" idx="0"/>
+          </p:cNvCxnSpPr>
+          <p:nvPr/>
+        </p:nvCxnSpPr>
+        <p:spPr>
+          <a:xfrm flipH="1">
+            <a:off x="2800350" y="3048000"/>
+            <a:ext cx="95250" cy="1363518"/>
+          </a:xfrm>
+          <a:prstGeom prst="straightConnector1">
+            <a:avLst/>
+          </a:prstGeom>
+          <a:ln>
+            <a:tailEnd type="arrow"/>
+          </a:ln>
+        </p:spPr>
+        <p:style>
+          <a:lnRef idx="1">
+            <a:schemeClr val="accent1"/>
+          </a:lnRef>
+          <a:fillRef idx="0">
+            <a:schemeClr val="accent1"/>
+          </a:fillRef>
+          <a:effectRef idx="0">
+            <a:schemeClr val="accent1"/>
+          </a:effectRef>
+          <a:fontRef idx="minor">
+            <a:schemeClr val="tx1"/>
+          </a:fontRef>
+        </p:style>
+      </p:cxnSp>
+      <p:cxnSp>
+        <p:nvCxnSpPr>
+          <p:cNvPr id="20" name="Straight Arrow Connector 19"/>
+          <p:cNvCxnSpPr>
+            <a:endCxn id="13" idx="7"/>
+          </p:cNvCxnSpPr>
+          <p:nvPr/>
+        </p:nvCxnSpPr>
+        <p:spPr>
+          <a:xfrm flipH="1">
+            <a:off x="3675925" y="3232666"/>
+            <a:ext cx="1200875" cy="1357400"/>
+          </a:xfrm>
+          <a:prstGeom prst="straightConnector1">
+            <a:avLst/>
+          </a:prstGeom>
+          <a:ln>
+            <a:tailEnd type="arrow"/>
+          </a:ln>
+        </p:spPr>
+        <p:style>
+          <a:lnRef idx="1">
+            <a:schemeClr val="accent1"/>
+          </a:lnRef>
+          <a:fillRef idx="0">
+            <a:schemeClr val="accent1"/>
+          </a:fillRef>
+          <a:effectRef idx="0">
+            <a:schemeClr val="accent1"/>
+          </a:effectRef>
+          <a:fontRef idx="minor">
+            <a:schemeClr val="tx1"/>
+          </a:fontRef>
+        </p:style>
+      </p:cxnSp>
+      <p:sp>
+        <p:nvSpPr>
+          <p:cNvPr id="21" name="TextBox 20"/>
+          <p:cNvSpPr txBox="1"/>
+          <p:nvPr/>
+        </p:nvSpPr>
+        <p:spPr>
+          <a:xfrm>
+            <a:off x="2214282" y="3990492"/>
+            <a:ext cx="742950" cy="246221"/>
+          </a:xfrm>
+          <a:prstGeom prst="rect">
+            <a:avLst/>
+          </a:prstGeom>
+          <a:noFill/>
+        </p:spPr>
+        <p:txBody>
+          <a:bodyPr wrap="square" rtlCol="0">
+            <a:spAutoFit/>
+          </a:bodyPr>
+          <a:lstStyle/>
+          <a:p>
+            <a:r>
+              <a:rPr lang="en-US" altLang="zh-CN" sz="1000" b="1" dirty="0" smtClean="0"/>
+              <a:t>publish</a:t>
+            </a:r>
+            <a:endParaRPr lang="zh-CN" altLang="en-US" sz="1000" b="1" dirty="0"/>
+          </a:p>
+        </p:txBody>
+      </p:sp>
+      <p:sp>
+        <p:nvSpPr>
+          <p:cNvPr id="22" name="TextBox 21"/>
+          <p:cNvSpPr txBox="1"/>
+          <p:nvPr/>
+        </p:nvSpPr>
+        <p:spPr>
+          <a:xfrm>
+            <a:off x="4038600" y="4407932"/>
+            <a:ext cx="1066800" cy="369332"/>
+          </a:xfrm>
+          <a:prstGeom prst="rect">
+            <a:avLst/>
+          </a:prstGeom>
+          <a:noFill/>
+        </p:spPr>
+        <p:txBody>
+          <a:bodyPr wrap="square" rtlCol="0">
+            <a:spAutoFit/>
+          </a:bodyPr>
+          <a:lstStyle/>
+          <a:p>
+            <a:r>
+              <a:rPr lang="en-US" altLang="zh-CN" b="1" dirty="0" smtClean="0"/>
+              <a:t>consume</a:t>
+            </a:r>
+            <a:endParaRPr lang="zh-CN" altLang="en-US" b="1" dirty="0"/>
+          </a:p>
+        </p:txBody>
+      </p:sp>
+      <p:sp>
+        <p:nvSpPr>
+          <p:cNvPr id="23" name="Oval 22"/>
+          <p:cNvSpPr/>
+          <p:nvPr/>
+        </p:nvSpPr>
+        <p:spPr>
+          <a:xfrm>
+            <a:off x="4419600" y="2209800"/>
+            <a:ext cx="457200" cy="457200"/>
+          </a:xfrm>
+          <a:prstGeom prst="ellipse">
+            <a:avLst/>
+          </a:prstGeom>
+        </p:spPr>
+        <p:style>
+          <a:lnRef idx="3">
+            <a:schemeClr val="lt1"/>
+          </a:lnRef>
+          <a:fillRef idx="1">
+            <a:schemeClr val="accent2"/>
+          </a:fillRef>
+          <a:effectRef idx="1">
+            <a:schemeClr val="accent2"/>
+          </a:effectRef>
+          <a:fontRef idx="minor">
+            <a:schemeClr val="lt1"/>
+          </a:fontRef>
+        </p:style>
+        <p:txBody>
+          <a:bodyPr rtlCol="0" anchor="ctr"/>
+          <a:lstStyle/>
+          <a:p>
+            <a:pPr algn="ctr"/>
+            <a:endParaRPr lang="zh-CN" altLang="en-US"/>
+          </a:p>
+        </p:txBody>
+      </p:sp>
+      <p:sp>
+        <p:nvSpPr>
+          <p:cNvPr id="24" name="TextBox 23"/>
+          <p:cNvSpPr txBox="1"/>
+          <p:nvPr/>
+        </p:nvSpPr>
+        <p:spPr>
+          <a:xfrm>
+            <a:off x="4152900" y="1964327"/>
+            <a:ext cx="952500" cy="261610"/>
+          </a:xfrm>
+          <a:prstGeom prst="rect">
+            <a:avLst/>
+          </a:prstGeom>
+          <a:noFill/>
+        </p:spPr>
+        <p:txBody>
+          <a:bodyPr wrap="square" rtlCol="0">
+            <a:spAutoFit/>
+          </a:bodyPr>
+          <a:lstStyle/>
+          <a:p>
+            <a:r>
+              <a:rPr lang="en-US" altLang="zh-CN" sz="1100" b="1" dirty="0" smtClean="0"/>
+              <a:t>queue</a:t>
+            </a:r>
+            <a:endParaRPr lang="zh-CN" altLang="en-US" sz="1100" b="1" dirty="0"/>
+          </a:p>
+        </p:txBody>
+      </p:sp>
+      <p:cxnSp>
+        <p:nvCxnSpPr>
+          <p:cNvPr id="26" name="Curved Connector 25"/>
+          <p:cNvCxnSpPr/>
+          <p:nvPr/>
+        </p:nvCxnSpPr>
+        <p:spPr>
+          <a:xfrm>
+            <a:off x="5486400" y="2362200"/>
+            <a:ext cx="838200" cy="381000"/>
+          </a:xfrm>
+          <a:prstGeom prst="curvedConnector3">
+            <a:avLst/>
+          </a:prstGeom>
+          <a:ln>
+            <a:tailEnd type="arrow"/>
+          </a:ln>
+        </p:spPr>
+        <p:style>
+          <a:lnRef idx="1">
+            <a:schemeClr val="accent1"/>
+          </a:lnRef>
+          <a:fillRef idx="0">
+            <a:schemeClr val="accent1"/>
+          </a:fillRef>
+          <a:effectRef idx="0">
+            <a:schemeClr val="accent1"/>
+          </a:effectRef>
+          <a:fontRef idx="minor">
+            <a:schemeClr val="tx1"/>
+          </a:fontRef>
+        </p:style>
+      </p:cxnSp>
+      <p:cxnSp>
+        <p:nvCxnSpPr>
+          <p:cNvPr id="29" name="Curved Connector 28"/>
+          <p:cNvCxnSpPr/>
+          <p:nvPr/>
+        </p:nvCxnSpPr>
+        <p:spPr>
+          <a:xfrm rot="10800000">
+            <a:off x="3987949" y="2408368"/>
+            <a:ext cx="952500" cy="517263"/>
+          </a:xfrm>
+          <a:prstGeom prst="curvedConnector3">
+            <a:avLst/>
+          </a:prstGeom>
+          <a:ln>
+            <a:tailEnd type="arrow"/>
+          </a:ln>
+        </p:spPr>
+        <p:style>
+          <a:lnRef idx="1">
+            <a:schemeClr val="accent1"/>
+          </a:lnRef>
+          <a:fillRef idx="0">
+            <a:schemeClr val="accent1"/>
+          </a:fillRef>
+          <a:effectRef idx="0">
+            <a:schemeClr val="accent1"/>
+          </a:effectRef>
+          <a:fontRef idx="minor">
+            <a:schemeClr val="tx1"/>
+          </a:fontRef>
+        </p:style>
+      </p:cxnSp>
+      <p:sp>
+        <p:nvSpPr>
+          <p:cNvPr id="30" name="TextBox 29"/>
+          <p:cNvSpPr txBox="1"/>
+          <p:nvPr/>
+        </p:nvSpPr>
+        <p:spPr>
+          <a:xfrm>
+            <a:off x="5372100" y="2095132"/>
+            <a:ext cx="647700" cy="246221"/>
+          </a:xfrm>
+          <a:prstGeom prst="rect">
+            <a:avLst/>
+          </a:prstGeom>
+          <a:noFill/>
+        </p:spPr>
+        <p:txBody>
+          <a:bodyPr wrap="square" rtlCol="0">
+            <a:spAutoFit/>
+          </a:bodyPr>
+          <a:lstStyle/>
+          <a:p>
+            <a:r>
+              <a:rPr lang="en-US" altLang="zh-CN" sz="1000" b="1" dirty="0"/>
+              <a:t>p</a:t>
+            </a:r>
+            <a:r>
+              <a:rPr lang="en-US" altLang="zh-CN" sz="1000" b="1" dirty="0" smtClean="0"/>
+              <a:t>artition</a:t>
+            </a:r>
+            <a:endParaRPr lang="zh-CN" altLang="en-US" sz="1000" b="1" dirty="0"/>
+          </a:p>
+        </p:txBody>
+      </p:sp>
+      <p:sp>
+        <p:nvSpPr>
+          <p:cNvPr id="31" name="Rectangle 30"/>
+          <p:cNvSpPr/>
+          <p:nvPr/>
+        </p:nvSpPr>
+        <p:spPr>
+          <a:xfrm>
+            <a:off x="6553200" y="3232666"/>
+            <a:ext cx="1219200" cy="497093"/>
+          </a:xfrm>
+          <a:prstGeom prst="rect">
+            <a:avLst/>
+          </a:prstGeom>
+        </p:spPr>
+        <p:style>
+          <a:lnRef idx="1">
+            <a:schemeClr val="accent1"/>
+          </a:lnRef>
+          <a:fillRef idx="2">
+            <a:schemeClr val="accent1"/>
+          </a:fillRef>
+          <a:effectRef idx="1">
+            <a:schemeClr val="accent1"/>
+          </a:effectRef>
+          <a:fontRef idx="minor">
+            <a:schemeClr val="dk1"/>
+          </a:fontRef>
+        </p:style>
+        <p:txBody>
+          <a:bodyPr rtlCol="0" anchor="ctr"/>
+          <a:lstStyle/>
+          <a:p>
+            <a:pPr algn="ctr"/>
+            <a:r>
+              <a:rPr lang="en-US" altLang="zh-CN" dirty="0" err="1" smtClean="0"/>
+              <a:t>Excute</a:t>
+            </a:r>
+            <a:endParaRPr lang="zh-CN" altLang="en-US" dirty="0"/>
+          </a:p>
+        </p:txBody>
+      </p:sp>
+      <p:sp>
+        <p:nvSpPr>
+          <p:cNvPr id="32" name="TextBox 31"/>
+          <p:cNvSpPr txBox="1"/>
+          <p:nvPr/>
+        </p:nvSpPr>
+        <p:spPr>
+          <a:xfrm>
+            <a:off x="6743700" y="3883274"/>
+            <a:ext cx="1600200" cy="369332"/>
+          </a:xfrm>
+          <a:prstGeom prst="rect">
+            <a:avLst/>
+          </a:prstGeom>
+          <a:noFill/>
+        </p:spPr>
+        <p:txBody>
+          <a:bodyPr wrap="square" rtlCol="0">
+            <a:spAutoFit/>
+          </a:bodyPr>
+          <a:lstStyle/>
+          <a:p>
+            <a:r>
+              <a:rPr lang="en-US" altLang="zh-CN" dirty="0" smtClean="0"/>
+              <a:t>(List&lt;Object&gt;)</a:t>
+            </a:r>
+            <a:endParaRPr lang="zh-CN" altLang="en-US" dirty="0"/>
+          </a:p>
+        </p:txBody>
+      </p:sp>
+      <p:cxnSp>
+        <p:nvCxnSpPr>
+          <p:cNvPr id="34" name="Curved Connector 33"/>
+          <p:cNvCxnSpPr>
+            <a:stCxn id="32" idx="2"/>
+          </p:cNvCxnSpPr>
+          <p:nvPr/>
+        </p:nvCxnSpPr>
+        <p:spPr>
+          <a:xfrm rot="5400000" flipH="1">
+            <a:off x="6129403" y="2838209"/>
+            <a:ext cx="771394" cy="2057400"/>
+          </a:xfrm>
+          <a:prstGeom prst="curvedConnector4">
+            <a:avLst>
+              <a:gd name="adj1" fmla="val -29635"/>
+              <a:gd name="adj2" fmla="val 69444"/>
+            </a:avLst>
+          </a:prstGeom>
+          <a:ln>
+            <a:tailEnd type="arrow"/>
+          </a:ln>
+        </p:spPr>
+        <p:style>
+          <a:lnRef idx="1">
+            <a:schemeClr val="accent1"/>
+          </a:lnRef>
+          <a:fillRef idx="0">
+            <a:schemeClr val="accent1"/>
+          </a:fillRef>
+          <a:effectRef idx="0">
+            <a:schemeClr val="accent1"/>
+          </a:effectRef>
+          <a:fontRef idx="minor">
+            <a:schemeClr val="tx1"/>
+          </a:fontRef>
+        </p:style>
+      </p:cxnSp>
+      <p:sp>
+        <p:nvSpPr>
+          <p:cNvPr id="35" name="TextBox 34"/>
+          <p:cNvSpPr txBox="1"/>
+          <p:nvPr/>
+        </p:nvSpPr>
+        <p:spPr>
+          <a:xfrm>
+            <a:off x="6019800" y="4411518"/>
+            <a:ext cx="2209800" cy="646331"/>
+          </a:xfrm>
+          <a:prstGeom prst="rect">
+            <a:avLst/>
+          </a:prstGeom>
+          <a:noFill/>
+        </p:spPr>
+        <p:txBody>
+          <a:bodyPr wrap="square" rtlCol="0">
+            <a:spAutoFit/>
+          </a:bodyPr>
+          <a:lstStyle/>
+          <a:p>
+            <a:r>
+              <a:rPr lang="zh-CN" altLang="en-US" b="1" dirty="0" smtClean="0"/>
+              <a:t>失败反馈</a:t>
+            </a:r>
+            <a:r>
+              <a:rPr lang="en-US" altLang="zh-CN" b="1" dirty="0" smtClean="0"/>
+              <a:t>(</a:t>
+            </a:r>
+            <a:r>
+              <a:rPr lang="en-US" altLang="zh-CN" b="1" dirty="0" err="1" smtClean="0"/>
+              <a:t>status,list</a:t>
+            </a:r>
+            <a:r>
+              <a:rPr lang="en-US" altLang="zh-CN" b="1" dirty="0" smtClean="0"/>
+              <a:t>&lt;Object&gt;)</a:t>
+            </a:r>
+            <a:endParaRPr lang="zh-CN" altLang="en-US" b="1" dirty="0"/>
+          </a:p>
+        </p:txBody>
+      </p:sp>
+      <p:sp>
+        <p:nvSpPr>
+          <p:cNvPr id="36" name="Rectangle 35"/>
+          <p:cNvSpPr/>
+          <p:nvPr/>
+        </p:nvSpPr>
+        <p:spPr>
+          <a:xfrm>
+            <a:off x="4686300" y="3180453"/>
+            <a:ext cx="1219200" cy="497093"/>
+          </a:xfrm>
+          <a:prstGeom prst="rect">
+            <a:avLst/>
+          </a:prstGeom>
+        </p:spPr>
+        <p:style>
+          <a:lnRef idx="1">
+            <a:schemeClr val="accent1"/>
+          </a:lnRef>
+          <a:fillRef idx="2">
+            <a:schemeClr val="accent1"/>
+          </a:fillRef>
+          <a:effectRef idx="1">
+            <a:schemeClr val="accent1"/>
+          </a:effectRef>
+          <a:fontRef idx="minor">
+            <a:schemeClr val="dk1"/>
+          </a:fontRef>
+        </p:style>
+        <p:txBody>
+          <a:bodyPr rtlCol="0" anchor="ctr"/>
+          <a:lstStyle/>
+          <a:p>
+            <a:pPr algn="ctr"/>
+            <a:r>
+              <a:rPr lang="en-US" altLang="zh-CN" dirty="0" err="1" smtClean="0"/>
+              <a:t>Excute</a:t>
+            </a:r>
+            <a:endParaRPr lang="zh-CN" altLang="en-US" dirty="0"/>
+          </a:p>
+        </p:txBody>
+      </p:sp>
+      <p:sp>
+        <p:nvSpPr>
+          <p:cNvPr id="37" name="Rectangle 36"/>
+          <p:cNvSpPr/>
+          <p:nvPr/>
+        </p:nvSpPr>
+        <p:spPr>
+          <a:xfrm>
+            <a:off x="3073074" y="3180453"/>
+            <a:ext cx="1219200" cy="497093"/>
+          </a:xfrm>
+          <a:prstGeom prst="rect">
+            <a:avLst/>
+          </a:prstGeom>
+        </p:spPr>
+        <p:style>
+          <a:lnRef idx="1">
+            <a:schemeClr val="accent1"/>
+          </a:lnRef>
+          <a:fillRef idx="2">
+            <a:schemeClr val="accent1"/>
+          </a:fillRef>
+          <a:effectRef idx="1">
+            <a:schemeClr val="accent1"/>
+          </a:effectRef>
+          <a:fontRef idx="minor">
+            <a:schemeClr val="dk1"/>
+          </a:fontRef>
+        </p:style>
+        <p:txBody>
+          <a:bodyPr rtlCol="0" anchor="ctr"/>
+          <a:lstStyle/>
+          <a:p>
+            <a:pPr algn="ctr"/>
+            <a:r>
+              <a:rPr lang="en-US" altLang="zh-CN" dirty="0" err="1" smtClean="0"/>
+              <a:t>Excute</a:t>
+            </a:r>
+            <a:endParaRPr lang="zh-CN" altLang="en-US" dirty="0"/>
+          </a:p>
+        </p:txBody>
+      </p:sp>
+    </p:spTree>
+    <p:extLst>
+      <p:ext uri="{BB962C8B-B14F-4D97-AF65-F5344CB8AC3E}">
+        <p14:creationId xmlns:p14="http://schemas.microsoft.com/office/powerpoint/2010/main" val="1329886193"/>
+      </p:ext>
+    </p:extLst>
+  </p:cSld>
+  <p:clrMapOvr>
+    <a:masterClrMapping/>
+  </p:clrMapOvr>
+</p:sld>
+</file>
+
+<file path=ppt/slides/slide21.xml><?xml version="1.0" encoding="utf-8"?>
+<p:sld xmlns:a="http://schemas.openxmlformats.org/drawingml/2006/main" xmlns:r="http://schemas.openxmlformats.org/officeDocument/2006/relationships" xmlns:p="http://schemas.openxmlformats.org/presentationml/2006/main">
+  <p:cSld>
+    <p:spTree>
+      <p:nvGrpSpPr>
+        <p:cNvPr id="1" name=""/>
+        <p:cNvGrpSpPr/>
+        <p:nvPr/>
+      </p:nvGrpSpPr>
+      <p:grpSpPr>
+        <a:xfrm>
+          <a:off x="0" y="0"/>
+          <a:ext cx="0" cy="0"/>
+          <a:chOff x="0" y="0"/>
+          <a:chExt cx="0" cy="0"/>
+        </a:xfrm>
+      </p:grpSpPr>
+      <p:sp>
+        <p:nvSpPr>
+          <p:cNvPr id="2" name="Title 1"/>
+          <p:cNvSpPr>
+            <a:spLocks noGrp="1"/>
+          </p:cNvSpPr>
+          <p:nvPr>
+            <p:ph type="title"/>
+          </p:nvPr>
+        </p:nvSpPr>
+        <p:spPr/>
+        <p:txBody>
+          <a:bodyPr/>
+          <a:lstStyle/>
+          <a:p>
+            <a:r>
+              <a:rPr lang="en-US" altLang="zh-CN" dirty="0" smtClean="0"/>
+              <a:t>Watch</a:t>
+            </a:r>
+            <a:endParaRPr lang="zh-CN" altLang="en-US" dirty="0"/>
+          </a:p>
+        </p:txBody>
+      </p:sp>
+      <p:sp>
+        <p:nvSpPr>
+          <p:cNvPr id="4" name="TextBox 3"/>
+          <p:cNvSpPr txBox="1"/>
+          <p:nvPr/>
+        </p:nvSpPr>
+        <p:spPr>
+          <a:xfrm>
+            <a:off x="1371600" y="1828800"/>
+            <a:ext cx="6705600" cy="646331"/>
+          </a:xfrm>
+          <a:prstGeom prst="rect">
+            <a:avLst/>
+          </a:prstGeom>
+          <a:noFill/>
+        </p:spPr>
+        <p:txBody>
+          <a:bodyPr wrap="square" rtlCol="0">
+            <a:spAutoFit/>
+          </a:bodyPr>
+          <a:lstStyle/>
+          <a:p>
+            <a:r>
+              <a:rPr lang="en-US" altLang="zh-CN" dirty="0" smtClean="0"/>
+              <a:t>Cluster status:</a:t>
+            </a:r>
+          </a:p>
+          <a:p>
+            <a:r>
+              <a:rPr lang="en-US" altLang="zh-CN" dirty="0"/>
+              <a:t>	</a:t>
+            </a:r>
+            <a:r>
+              <a:rPr lang="en-US" altLang="zh-CN" dirty="0" smtClean="0"/>
+              <a:t>id address state cores memory</a:t>
+            </a:r>
+            <a:endParaRPr lang="zh-CN" altLang="en-US" dirty="0"/>
+          </a:p>
+        </p:txBody>
+      </p:sp>
+      <p:sp>
+        <p:nvSpPr>
+          <p:cNvPr id="5" name="TextBox 4"/>
+          <p:cNvSpPr txBox="1"/>
+          <p:nvPr/>
+        </p:nvSpPr>
+        <p:spPr>
+          <a:xfrm>
+            <a:off x="1524000" y="2895600"/>
+            <a:ext cx="6705600" cy="923330"/>
+          </a:xfrm>
+          <a:prstGeom prst="rect">
+            <a:avLst/>
+          </a:prstGeom>
+        </p:spPr>
+        <p:style>
+          <a:lnRef idx="2">
+            <a:schemeClr val="accent5"/>
+          </a:lnRef>
+          <a:fillRef idx="1">
+            <a:schemeClr val="lt1"/>
+          </a:fillRef>
+          <a:effectRef idx="0">
+            <a:schemeClr val="accent5"/>
+          </a:effectRef>
+          <a:fontRef idx="minor">
+            <a:schemeClr val="dk1"/>
+          </a:fontRef>
+        </p:style>
+        <p:txBody>
+          <a:bodyPr wrap="square" rtlCol="0">
+            <a:spAutoFit/>
+          </a:bodyPr>
+          <a:lstStyle/>
+          <a:p>
+            <a:r>
+              <a:rPr lang="en-US" altLang="zh-CN" dirty="0" smtClean="0"/>
+              <a:t>Job status:</a:t>
+            </a:r>
+          </a:p>
+          <a:p>
+            <a:r>
+              <a:rPr lang="en-US" altLang="zh-CN" dirty="0"/>
+              <a:t>	</a:t>
+            </a:r>
+            <a:r>
+              <a:rPr lang="en-US" altLang="zh-CN" dirty="0" err="1" smtClean="0"/>
+              <a:t>jobName</a:t>
+            </a:r>
+            <a:r>
+              <a:rPr lang="en-US" altLang="zh-CN" dirty="0" smtClean="0"/>
+              <a:t> cores </a:t>
+            </a:r>
+            <a:r>
+              <a:rPr lang="en-US" altLang="zh-CN" dirty="0" err="1" smtClean="0"/>
+              <a:t>submit_time</a:t>
+            </a:r>
+            <a:r>
+              <a:rPr lang="en-US" altLang="zh-CN" dirty="0" smtClean="0"/>
+              <a:t> user state duration (</a:t>
+            </a:r>
+            <a:r>
+              <a:rPr lang="en-US" altLang="zh-CN" dirty="0"/>
+              <a:t>Task </a:t>
+            </a:r>
+            <a:r>
+              <a:rPr lang="en-US" altLang="zh-CN" dirty="0" err="1"/>
+              <a:t>successed</a:t>
+            </a:r>
+            <a:r>
+              <a:rPr lang="en-US" altLang="zh-CN" dirty="0"/>
+              <a:t>/total</a:t>
+            </a:r>
+            <a:r>
+              <a:rPr lang="en-US" altLang="zh-CN" dirty="0" smtClean="0"/>
+              <a:t>)</a:t>
+            </a:r>
+            <a:endParaRPr lang="zh-CN" altLang="en-US" dirty="0"/>
+          </a:p>
+        </p:txBody>
+      </p:sp>
+      <p:sp>
+        <p:nvSpPr>
+          <p:cNvPr id="9" name="Right Arrow 8"/>
+          <p:cNvSpPr/>
+          <p:nvPr/>
+        </p:nvSpPr>
+        <p:spPr>
+          <a:xfrm rot="7626905">
+            <a:off x="3600844" y="3696284"/>
+            <a:ext cx="510555" cy="248175"/>
+          </a:xfrm>
+          <a:prstGeom prst="rightArrow">
+            <a:avLst/>
+          </a:prstGeom>
+        </p:spPr>
+        <p:style>
+          <a:lnRef idx="2">
+            <a:schemeClr val="accent5"/>
+          </a:lnRef>
+          <a:fillRef idx="1">
+            <a:schemeClr val="lt1"/>
+          </a:fillRef>
+          <a:effectRef idx="0">
+            <a:schemeClr val="accent5"/>
+          </a:effectRef>
+          <a:fontRef idx="minor">
+            <a:schemeClr val="dk1"/>
+          </a:fontRef>
+        </p:style>
+        <p:txBody>
+          <a:bodyPr rtlCol="0" anchor="ctr"/>
+          <a:lstStyle/>
+          <a:p>
+            <a:pPr algn="ctr"/>
+            <a:endParaRPr lang="zh-CN" altLang="en-US"/>
+          </a:p>
+        </p:txBody>
+      </p:sp>
+      <p:sp>
+        <p:nvSpPr>
+          <p:cNvPr id="10" name="Right Arrow 9"/>
+          <p:cNvSpPr/>
+          <p:nvPr/>
+        </p:nvSpPr>
+        <p:spPr>
+          <a:xfrm rot="4113511">
+            <a:off x="4073655" y="3696283"/>
+            <a:ext cx="510555" cy="248175"/>
+          </a:xfrm>
+          <a:prstGeom prst="rightArrow">
+            <a:avLst/>
+          </a:prstGeom>
+        </p:spPr>
+        <p:style>
+          <a:lnRef idx="2">
+            <a:schemeClr val="accent5"/>
+          </a:lnRef>
+          <a:fillRef idx="1">
+            <a:schemeClr val="lt1"/>
+          </a:fillRef>
+          <a:effectRef idx="0">
+            <a:schemeClr val="accent5"/>
+          </a:effectRef>
+          <a:fontRef idx="minor">
+            <a:schemeClr val="dk1"/>
+          </a:fontRef>
+        </p:style>
+        <p:txBody>
+          <a:bodyPr rtlCol="0" anchor="ctr"/>
+          <a:lstStyle/>
+          <a:p>
+            <a:pPr algn="ctr"/>
+            <a:endParaRPr lang="zh-CN" altLang="en-US"/>
+          </a:p>
+        </p:txBody>
+      </p:sp>
+      <p:sp>
+        <p:nvSpPr>
+          <p:cNvPr id="11" name="Right Arrow 10"/>
+          <p:cNvSpPr/>
+          <p:nvPr/>
+        </p:nvSpPr>
+        <p:spPr>
+          <a:xfrm rot="1522108">
+            <a:off x="4566297" y="3664011"/>
+            <a:ext cx="510555" cy="248175"/>
+          </a:xfrm>
+          <a:prstGeom prst="rightArrow">
+            <a:avLst/>
+          </a:prstGeom>
+        </p:spPr>
+        <p:style>
+          <a:lnRef idx="2">
+            <a:schemeClr val="accent5"/>
+          </a:lnRef>
+          <a:fillRef idx="1">
+            <a:schemeClr val="lt1"/>
+          </a:fillRef>
+          <a:effectRef idx="0">
+            <a:schemeClr val="accent5"/>
+          </a:effectRef>
+          <a:fontRef idx="minor">
+            <a:schemeClr val="dk1"/>
+          </a:fontRef>
+        </p:style>
+        <p:txBody>
+          <a:bodyPr rtlCol="0" anchor="ctr"/>
+          <a:lstStyle/>
+          <a:p>
+            <a:pPr algn="ctr"/>
+            <a:endParaRPr lang="zh-CN" altLang="en-US"/>
+          </a:p>
+        </p:txBody>
+      </p:sp>
+      <p:sp>
+        <p:nvSpPr>
+          <p:cNvPr id="12" name="TextBox 11"/>
+          <p:cNvSpPr txBox="1"/>
+          <p:nvPr/>
+        </p:nvSpPr>
+        <p:spPr>
+          <a:xfrm>
+            <a:off x="1676400" y="4191000"/>
+            <a:ext cx="7162800" cy="646331"/>
+          </a:xfrm>
+          <a:prstGeom prst="rect">
+            <a:avLst/>
+          </a:prstGeom>
+          <a:noFill/>
+        </p:spPr>
+        <p:txBody>
+          <a:bodyPr wrap="square" rtlCol="0">
+            <a:spAutoFit/>
+          </a:bodyPr>
+          <a:lstStyle/>
+          <a:p>
+            <a:r>
+              <a:rPr lang="en-US" altLang="zh-CN" dirty="0" err="1" smtClean="0"/>
+              <a:t>Job_partition</a:t>
+            </a:r>
+            <a:r>
+              <a:rPr lang="en-US" altLang="zh-CN" dirty="0" smtClean="0"/>
+              <a:t> status:</a:t>
+            </a:r>
+          </a:p>
+          <a:p>
+            <a:r>
+              <a:rPr lang="en-US" altLang="zh-CN" dirty="0"/>
+              <a:t>	</a:t>
+            </a:r>
+            <a:r>
+              <a:rPr lang="en-US" altLang="zh-CN" dirty="0" err="1" smtClean="0"/>
+              <a:t>partitionName</a:t>
+            </a:r>
+            <a:r>
+              <a:rPr lang="en-US" altLang="zh-CN" dirty="0" smtClean="0"/>
+              <a:t> </a:t>
+            </a:r>
+            <a:r>
+              <a:rPr lang="en-US" altLang="zh-CN" dirty="0" err="1" smtClean="0"/>
+              <a:t>submited_time</a:t>
+            </a:r>
+            <a:r>
+              <a:rPr lang="en-US" altLang="zh-CN" dirty="0" smtClean="0"/>
+              <a:t> Duration</a:t>
+            </a:r>
+            <a:endParaRPr lang="zh-CN" altLang="en-US" dirty="0"/>
+          </a:p>
+        </p:txBody>
+      </p:sp>
+    </p:spTree>
+    <p:extLst>
+      <p:ext uri="{BB962C8B-B14F-4D97-AF65-F5344CB8AC3E}">
+        <p14:creationId xmlns:p14="http://schemas.microsoft.com/office/powerpoint/2010/main" val="340810048"/>
+      </p:ext>
+    </p:extLst>
+  </p:cSld>
+  <p:clrMapOvr>
+    <a:masterClrMapping/>
+  </p:clrMapOvr>
+  <p:timing>
+    <p:tnLst>
+      <p:par>
+        <p:cTn id="1" dur="indefinite" restart="never" nodeType="tmRoot"/>
+      </p:par>
+    </p:tnLst>
+  </p:timing>
+</p:sld>
+</file>
+
+<file path=ppt/slides/slide22.xml><?xml version="1.0" encoding="utf-8"?>
+<p:sld xmlns:a="http://schemas.openxmlformats.org/drawingml/2006/main" xmlns:r="http://schemas.openxmlformats.org/officeDocument/2006/relationships" xmlns:p="http://schemas.openxmlformats.org/presentationml/2006/main">
+  <p:cSld>
+    <p:spTree>
+      <p:nvGrpSpPr>
+        <p:cNvPr id="1" name=""/>
+        <p:cNvGrpSpPr/>
+        <p:nvPr/>
+      </p:nvGrpSpPr>
+      <p:grpSpPr>
+        <a:xfrm>
+          <a:off x="0" y="0"/>
+          <a:ext cx="0" cy="0"/>
+          <a:chOff x="0" y="0"/>
+          <a:chExt cx="0" cy="0"/>
+        </a:xfrm>
+      </p:grpSpPr>
+      <p:sp>
+        <p:nvSpPr>
           <p:cNvPr id="2" name="Title 1"/>
           <p:cNvSpPr>
             <a:spLocks noGrp="1"/>
@@ -15462,7 +17317,7 @@
 </p:sld>
 </file>
 
-<file path=ppt/slides/slide21.xml><?xml version="1.0" encoding="utf-8"?>
+<file path=ppt/slides/slide23.xml><?xml version="1.0" encoding="utf-8"?>
 <p:sld xmlns:a="http://schemas.openxmlformats.org/drawingml/2006/main" xmlns:r="http://schemas.openxmlformats.org/officeDocument/2006/relationships" xmlns:p="http://schemas.openxmlformats.org/presentationml/2006/main">
   <p:cSld>
     <p:spTree>
@@ -16350,6 +18205,66 @@
               <a:t> for per worker</a:t>
             </a:r>
             <a:endParaRPr lang="zh-CN" altLang="en-US" sz="1400" dirty="0"/>
+          </a:p>
+        </p:txBody>
+      </p:sp>
+      <p:sp>
+        <p:nvSpPr>
+          <p:cNvPr id="22" name="Rectangle 21"/>
+          <p:cNvSpPr/>
+          <p:nvPr/>
+        </p:nvSpPr>
+        <p:spPr>
+          <a:xfrm>
+            <a:off x="5791200" y="1533331"/>
+            <a:ext cx="1676400" cy="257369"/>
+          </a:xfrm>
+          <a:prstGeom prst="rect">
+            <a:avLst/>
+          </a:prstGeom>
+          <a:solidFill>
+            <a:srgbClr val="00B050">
+              <a:alpha val="30000"/>
+            </a:srgbClr>
+          </a:solidFill>
+          <a:ln>
+            <a:noFill/>
+          </a:ln>
+        </p:spPr>
+        <p:style>
+          <a:lnRef idx="2">
+            <a:schemeClr val="accent1">
+              <a:shade val="50000"/>
+            </a:schemeClr>
+          </a:lnRef>
+          <a:fillRef idx="1">
+            <a:schemeClr val="accent1"/>
+          </a:fillRef>
+          <a:effectRef idx="0">
+            <a:schemeClr val="accent1"/>
+          </a:effectRef>
+          <a:fontRef idx="minor">
+            <a:schemeClr val="lt1"/>
+          </a:fontRef>
+        </p:style>
+        <p:txBody>
+          <a:bodyPr rtlCol="0" anchor="ctr"/>
+          <a:lstStyle/>
+          <a:p>
+            <a:pPr algn="ctr"/>
+            <a:r>
+              <a:rPr lang="en-US" altLang="zh-CN" sz="800" b="1" dirty="0" smtClean="0">
+                <a:solidFill>
+                  <a:srgbClr val="FF0000"/>
+                </a:solidFill>
+              </a:rPr>
+              <a:t>Tablename_primarykey1</a:t>
+            </a:r>
+            <a:endParaRPr lang="zh-CN" altLang="en-US" sz="800" b="1" dirty="0">
+              <a:solidFill>
+                <a:srgbClr val="FF0000"/>
+              </a:solidFill>
+            </a:endParaRPr>
           </a:p>
         </p:txBody>
       </p:sp>
@@ -16373,7 +18288,7 @@
 </p:sld>
 </file>
 
-<file path=ppt/slides/slide22.xml><?xml version="1.0" encoding="utf-8"?>
+<file path=ppt/slides/slide24.xml><?xml version="1.0" encoding="utf-8"?>
 <p:sld xmlns:a="http://schemas.openxmlformats.org/drawingml/2006/main" xmlns:r="http://schemas.openxmlformats.org/officeDocument/2006/relationships" xmlns:p="http://schemas.openxmlformats.org/presentationml/2006/main">
   <p:cSld>
     <p:spTree>
@@ -16800,6 +18715,44 @@
       </p:grpSpPr>
       <p:sp>
         <p:nvSpPr>
+          <p:cNvPr id="37" name="Rectangle 36"/>
+          <p:cNvSpPr/>
+          <p:nvPr/>
+        </p:nvSpPr>
+        <p:spPr>
+          <a:xfrm>
+            <a:off x="2467087" y="817442"/>
+            <a:ext cx="1371600" cy="955915"/>
+          </a:xfrm>
+          <a:prstGeom prst="rect">
+            <a:avLst/>
+          </a:prstGeom>
+        </p:spPr>
+        <p:style>
+          <a:lnRef idx="1">
+            <a:schemeClr val="accent4"/>
+          </a:lnRef>
+          <a:fillRef idx="2">
+            <a:schemeClr val="accent4"/>
+          </a:fillRef>
+          <a:effectRef idx="1">
+            <a:schemeClr val="accent4"/>
+          </a:effectRef>
+          <a:fontRef idx="minor">
+            <a:schemeClr val="dk1"/>
+          </a:fontRef>
+        </p:style>
+        <p:txBody>
+          <a:bodyPr rtlCol="0" anchor="ctr"/>
+          <a:lstStyle/>
+          <a:p>
+            <a:pPr algn="ctr"/>
+            <a:endParaRPr lang="zh-CN" altLang="en-US"/>
+          </a:p>
+        </p:txBody>
+      </p:sp>
+      <p:sp>
+        <p:nvSpPr>
           <p:cNvPr id="4" name="TextBox 3"/>
           <p:cNvSpPr txBox="1"/>
           <p:nvPr/>
@@ -17833,6 +19786,195 @@
               <a:t>command</a:t>
             </a:r>
             <a:endParaRPr lang="zh-CN" altLang="en-US" sz="800" dirty="0"/>
+          </a:p>
+        </p:txBody>
+      </p:sp>
+      <p:sp>
+        <p:nvSpPr>
+          <p:cNvPr id="35" name="Rectangle 34"/>
+          <p:cNvSpPr/>
+          <p:nvPr/>
+        </p:nvSpPr>
+        <p:spPr>
+          <a:xfrm>
+            <a:off x="2590800" y="914400"/>
+            <a:ext cx="914400" cy="188278"/>
+          </a:xfrm>
+          <a:prstGeom prst="rect">
+            <a:avLst/>
+          </a:prstGeom>
+          <a:solidFill>
+            <a:srgbClr val="00B050">
+              <a:alpha val="30000"/>
+            </a:srgbClr>
+          </a:solidFill>
+          <a:ln>
+            <a:noFill/>
+          </a:ln>
+        </p:spPr>
+        <p:style>
+          <a:lnRef idx="2">
+            <a:schemeClr val="accent1">
+              <a:shade val="50000"/>
+            </a:schemeClr>
+          </a:lnRef>
+          <a:fillRef idx="1">
+            <a:schemeClr val="accent1"/>
+          </a:fillRef>
+          <a:effectRef idx="0">
+            <a:schemeClr val="accent1"/>
+          </a:effectRef>
+          <a:fontRef idx="minor">
+            <a:schemeClr val="lt1"/>
+          </a:fontRef>
+        </p:style>
+        <p:txBody>
+          <a:bodyPr rtlCol="0" anchor="ctr"/>
+          <a:lstStyle/>
+          <a:p>
+            <a:pPr algn="ctr"/>
+            <a:r>
+              <a:rPr lang="en-US" altLang="zh-CN" sz="800" b="1" dirty="0" smtClean="0">
+                <a:solidFill>
+                  <a:srgbClr val="FF0000"/>
+                </a:solidFill>
+              </a:rPr>
+              <a:t>/root/file/</a:t>
+            </a:r>
+            <a:endParaRPr lang="zh-CN" altLang="en-US" sz="800" b="1" dirty="0">
+              <a:solidFill>
+                <a:srgbClr val="FF0000"/>
+              </a:solidFill>
+            </a:endParaRPr>
+          </a:p>
+        </p:txBody>
+      </p:sp>
+      <p:sp>
+        <p:nvSpPr>
+          <p:cNvPr id="36" name="Rectangle 35"/>
+          <p:cNvSpPr/>
+          <p:nvPr/>
+        </p:nvSpPr>
+        <p:spPr>
+          <a:xfrm>
+            <a:off x="2743200" y="1295400"/>
+            <a:ext cx="914400" cy="188278"/>
+          </a:xfrm>
+          <a:prstGeom prst="rect">
+            <a:avLst/>
+          </a:prstGeom>
+          <a:solidFill>
+            <a:srgbClr val="00B050">
+              <a:alpha val="30000"/>
+            </a:srgbClr>
+          </a:solidFill>
+          <a:ln>
+            <a:noFill/>
+          </a:ln>
+        </p:spPr>
+        <p:style>
+          <a:lnRef idx="2">
+            <a:schemeClr val="accent1">
+              <a:shade val="50000"/>
+            </a:schemeClr>
+          </a:lnRef>
+          <a:fillRef idx="1">
+            <a:schemeClr val="accent1"/>
+          </a:fillRef>
+          <a:effectRef idx="0">
+            <a:schemeClr val="accent1"/>
+          </a:effectRef>
+          <a:fontRef idx="minor">
+            <a:schemeClr val="lt1"/>
+          </a:fontRef>
+        </p:style>
+        <p:txBody>
+          <a:bodyPr rtlCol="0" anchor="ctr"/>
+          <a:lstStyle/>
+          <a:p>
+            <a:pPr algn="ctr"/>
+            <a:r>
+              <a:rPr lang="en-US" altLang="zh-CN" sz="800" b="1" dirty="0" smtClean="0">
+                <a:solidFill>
+                  <a:srgbClr val="FF0000"/>
+                </a:solidFill>
+              </a:rPr>
+              <a:t>Jobs.xml</a:t>
+            </a:r>
+            <a:endParaRPr lang="zh-CN" altLang="en-US" sz="800" b="1" dirty="0">
+              <a:solidFill>
+                <a:srgbClr val="FF0000"/>
+              </a:solidFill>
+            </a:endParaRPr>
+          </a:p>
+        </p:txBody>
+      </p:sp>
+      <p:cxnSp>
+        <p:nvCxnSpPr>
+          <p:cNvPr id="3" name="Straight Arrow Connector 2"/>
+          <p:cNvCxnSpPr>
+            <a:stCxn id="37" idx="3"/>
+          </p:cNvCxnSpPr>
+          <p:nvPr/>
+        </p:nvCxnSpPr>
+        <p:spPr>
+          <a:xfrm flipV="1">
+            <a:off x="3838687" y="1295399"/>
+            <a:ext cx="961913" cy="1"/>
+          </a:xfrm>
+          <a:prstGeom prst="straightConnector1">
+            <a:avLst/>
+          </a:prstGeom>
+          <a:ln>
+            <a:tailEnd type="arrow"/>
+          </a:ln>
+        </p:spPr>
+        <p:style>
+          <a:lnRef idx="1">
+            <a:schemeClr val="accent1"/>
+          </a:lnRef>
+          <a:fillRef idx="0">
+            <a:schemeClr val="accent1"/>
+          </a:fillRef>
+          <a:effectRef idx="0">
+            <a:schemeClr val="accent1"/>
+          </a:effectRef>
+          <a:fontRef idx="minor">
+            <a:schemeClr val="tx1"/>
+          </a:fontRef>
+        </p:style>
+      </p:cxnSp>
+      <p:sp>
+        <p:nvSpPr>
+          <p:cNvPr id="12" name="TextBox 11"/>
+          <p:cNvSpPr txBox="1"/>
+          <p:nvPr/>
+        </p:nvSpPr>
+        <p:spPr>
+          <a:xfrm>
+            <a:off x="5069541" y="1172288"/>
+            <a:ext cx="1219200" cy="246221"/>
+          </a:xfrm>
+          <a:prstGeom prst="rect">
+            <a:avLst/>
+          </a:prstGeom>
+          <a:noFill/>
+        </p:spPr>
+        <p:txBody>
+          <a:bodyPr wrap="square" rtlCol="0">
+            <a:spAutoFit/>
+          </a:bodyPr>
+          <a:lstStyle/>
+          <a:p>
+            <a:r>
+              <a:rPr lang="en-US" altLang="zh-CN" sz="1000" dirty="0" smtClean="0"/>
+              <a:t>Save jobs.xml to </a:t>
+            </a:r>
+            <a:r>
+              <a:rPr lang="en-US" altLang="zh-CN" sz="1000" dirty="0" err="1" smtClean="0"/>
+              <a:t>zk</a:t>
+            </a:r>
+            <a:endParaRPr lang="zh-CN" altLang="en-US" sz="1000" dirty="0"/>
           </a:p>
         </p:txBody>
       </p:sp>

--- a/doc/ppt/distribute schedule task architect.pptx
+++ b/doc/ppt/distribute schedule task architect.pptx
@@ -5,7 +5,7 @@
     <p:sldMasterId id="2147483648" r:id="rId1"/>
   </p:sldMasterIdLst>
   <p:notesMasterIdLst>
-    <p:notesMasterId r:id="rId26"/>
+    <p:notesMasterId r:id="rId28"/>
   </p:notesMasterIdLst>
   <p:sldIdLst>
     <p:sldId id="256" r:id="rId2"/>
@@ -31,7 +31,9 @@
     <p:sldId id="274" r:id="rId22"/>
     <p:sldId id="276" r:id="rId23"/>
     <p:sldId id="278" r:id="rId24"/>
-    <p:sldId id="279" r:id="rId25"/>
+    <p:sldId id="282" r:id="rId25"/>
+    <p:sldId id="283" r:id="rId26"/>
+    <p:sldId id="279" r:id="rId27"/>
   </p:sldIdLst>
   <p:sldSz cx="9144000" cy="6858000" type="screen4x3"/>
   <p:notesSz cx="6858000" cy="9144000"/>
@@ -881,6 +883,1500 @@
 </file>
 
 <file path=ppt/diagrams/colors2.xml><?xml version="1.0" encoding="utf-8"?>
+<dgm:colorsDef xmlns:dgm="http://schemas.openxmlformats.org/drawingml/2006/diagram" xmlns:a="http://schemas.openxmlformats.org/drawingml/2006/main" uniqueId="urn:microsoft.com/office/officeart/2005/8/colors/accent1_2">
+  <dgm:title val=""/>
+  <dgm:desc val=""/>
+  <dgm:catLst>
+    <dgm:cat type="accent1" pri="11200"/>
+  </dgm:catLst>
+  <dgm:styleLbl name="node0">
+    <dgm:fillClrLst meth="repeat">
+      <a:schemeClr val="accent1"/>
+    </dgm:fillClrLst>
+    <dgm:linClrLst meth="repeat">
+      <a:schemeClr val="lt1"/>
+    </dgm:linClrLst>
+    <dgm:effectClrLst/>
+    <dgm:txLinClrLst/>
+    <dgm:txFillClrLst/>
+    <dgm:txEffectClrLst/>
+  </dgm:styleLbl>
+  <dgm:styleLbl name="alignNode1">
+    <dgm:fillClrLst meth="repeat">
+      <a:schemeClr val="accent1"/>
+    </dgm:fillClrLst>
+    <dgm:linClrLst meth="repeat">
+      <a:schemeClr val="accent1"/>
+    </dgm:linClrLst>
+    <dgm:effectClrLst/>
+    <dgm:txLinClrLst/>
+    <dgm:txFillClrLst/>
+    <dgm:txEffectClrLst/>
+  </dgm:styleLbl>
+  <dgm:styleLbl name="node1">
+    <dgm:fillClrLst meth="repeat">
+      <a:schemeClr val="accent1"/>
+    </dgm:fillClrLst>
+    <dgm:linClrLst meth="repeat">
+      <a:schemeClr val="lt1"/>
+    </dgm:linClrLst>
+    <dgm:effectClrLst/>
+    <dgm:txLinClrLst/>
+    <dgm:txFillClrLst/>
+    <dgm:txEffectClrLst/>
+  </dgm:styleLbl>
+  <dgm:styleLbl name="lnNode1">
+    <dgm:fillClrLst meth="repeat">
+      <a:schemeClr val="accent1"/>
+    </dgm:fillClrLst>
+    <dgm:linClrLst meth="repeat">
+      <a:schemeClr val="lt1"/>
+    </dgm:linClrLst>
+    <dgm:effectClrLst/>
+    <dgm:txLinClrLst/>
+    <dgm:txFillClrLst/>
+    <dgm:txEffectClrLst/>
+  </dgm:styleLbl>
+  <dgm:styleLbl name="vennNode1">
+    <dgm:fillClrLst meth="repeat">
+      <a:schemeClr val="accent1">
+        <a:alpha val="50000"/>
+      </a:schemeClr>
+    </dgm:fillClrLst>
+    <dgm:linClrLst meth="repeat">
+      <a:schemeClr val="lt1"/>
+    </dgm:linClrLst>
+    <dgm:effectClrLst/>
+    <dgm:txLinClrLst/>
+    <dgm:txFillClrLst/>
+    <dgm:txEffectClrLst/>
+  </dgm:styleLbl>
+  <dgm:styleLbl name="node2">
+    <dgm:fillClrLst meth="repeat">
+      <a:schemeClr val="accent1"/>
+    </dgm:fillClrLst>
+    <dgm:linClrLst meth="repeat">
+      <a:schemeClr val="lt1"/>
+    </dgm:linClrLst>
+    <dgm:effectClrLst/>
+    <dgm:txLinClrLst/>
+    <dgm:txFillClrLst/>
+    <dgm:txEffectClrLst/>
+  </dgm:styleLbl>
+  <dgm:styleLbl name="node3">
+    <dgm:fillClrLst meth="repeat">
+      <a:schemeClr val="accent1"/>
+    </dgm:fillClrLst>
+    <dgm:linClrLst meth="repeat">
+      <a:schemeClr val="lt1"/>
+    </dgm:linClrLst>
+    <dgm:effectClrLst/>
+    <dgm:txLinClrLst/>
+    <dgm:txFillClrLst/>
+    <dgm:txEffectClrLst/>
+  </dgm:styleLbl>
+  <dgm:styleLbl name="node4">
+    <dgm:fillClrLst meth="repeat">
+      <a:schemeClr val="accent1"/>
+    </dgm:fillClrLst>
+    <dgm:linClrLst meth="repeat">
+      <a:schemeClr val="lt1"/>
+    </dgm:linClrLst>
+    <dgm:effectClrLst/>
+    <dgm:txLinClrLst/>
+    <dgm:txFillClrLst/>
+    <dgm:txEffectClrLst/>
+  </dgm:styleLbl>
+  <dgm:styleLbl name="fgImgPlace1">
+    <dgm:fillClrLst meth="repeat">
+      <a:schemeClr val="accent1">
+        <a:tint val="50000"/>
+      </a:schemeClr>
+    </dgm:fillClrLst>
+    <dgm:linClrLst meth="repeat">
+      <a:schemeClr val="lt1"/>
+    </dgm:linClrLst>
+    <dgm:effectClrLst/>
+    <dgm:txLinClrLst/>
+    <dgm:txFillClrLst meth="repeat">
+      <a:schemeClr val="lt1"/>
+    </dgm:txFillClrLst>
+    <dgm:txEffectClrLst/>
+  </dgm:styleLbl>
+  <dgm:styleLbl name="alignImgPlace1">
+    <dgm:fillClrLst meth="repeat">
+      <a:schemeClr val="accent1">
+        <a:tint val="50000"/>
+      </a:schemeClr>
+    </dgm:fillClrLst>
+    <dgm:linClrLst meth="repeat">
+      <a:schemeClr val="lt1"/>
+    </dgm:linClrLst>
+    <dgm:effectClrLst/>
+    <dgm:txLinClrLst/>
+    <dgm:txFillClrLst meth="repeat">
+      <a:schemeClr val="lt1"/>
+    </dgm:txFillClrLst>
+    <dgm:txEffectClrLst/>
+  </dgm:styleLbl>
+  <dgm:styleLbl name="bgImgPlace1">
+    <dgm:fillClrLst meth="repeat">
+      <a:schemeClr val="accent1">
+        <a:tint val="50000"/>
+      </a:schemeClr>
+    </dgm:fillClrLst>
+    <dgm:linClrLst meth="repeat">
+      <a:schemeClr val="lt1"/>
+    </dgm:linClrLst>
+    <dgm:effectClrLst/>
+    <dgm:txLinClrLst/>
+    <dgm:txFillClrLst meth="repeat">
+      <a:schemeClr val="lt1"/>
+    </dgm:txFillClrLst>
+    <dgm:txEffectClrLst/>
+  </dgm:styleLbl>
+  <dgm:styleLbl name="sibTrans2D1">
+    <dgm:fillClrLst meth="repeat">
+      <a:schemeClr val="accent1">
+        <a:tint val="60000"/>
+      </a:schemeClr>
+    </dgm:fillClrLst>
+    <dgm:linClrLst meth="repeat">
+      <a:schemeClr val="accent1">
+        <a:tint val="60000"/>
+      </a:schemeClr>
+    </dgm:linClrLst>
+    <dgm:effectClrLst/>
+    <dgm:txLinClrLst/>
+    <dgm:txFillClrLst/>
+    <dgm:txEffectClrLst/>
+  </dgm:styleLbl>
+  <dgm:styleLbl name="fgSibTrans2D1">
+    <dgm:fillClrLst meth="repeat">
+      <a:schemeClr val="accent1">
+        <a:tint val="60000"/>
+      </a:schemeClr>
+    </dgm:fillClrLst>
+    <dgm:linClrLst meth="repeat">
+      <a:schemeClr val="accent1">
+        <a:tint val="60000"/>
+      </a:schemeClr>
+    </dgm:linClrLst>
+    <dgm:effectClrLst/>
+    <dgm:txLinClrLst/>
+    <dgm:txFillClrLst/>
+    <dgm:txEffectClrLst/>
+  </dgm:styleLbl>
+  <dgm:styleLbl name="bgSibTrans2D1">
+    <dgm:fillClrLst meth="repeat">
+      <a:schemeClr val="accent1">
+        <a:tint val="60000"/>
+      </a:schemeClr>
+    </dgm:fillClrLst>
+    <dgm:linClrLst meth="repeat">
+      <a:schemeClr val="accent1">
+        <a:tint val="60000"/>
+      </a:schemeClr>
+    </dgm:linClrLst>
+    <dgm:effectClrLst/>
+    <dgm:txLinClrLst/>
+    <dgm:txFillClrLst/>
+    <dgm:txEffectClrLst/>
+  </dgm:styleLbl>
+  <dgm:styleLbl name="sibTrans1D1">
+    <dgm:fillClrLst meth="repeat">
+      <a:schemeClr val="accent1"/>
+    </dgm:fillClrLst>
+    <dgm:linClrLst meth="repeat">
+      <a:schemeClr val="accent1"/>
+    </dgm:linClrLst>
+    <dgm:effectClrLst/>
+    <dgm:txLinClrLst/>
+    <dgm:txFillClrLst meth="repeat">
+      <a:schemeClr val="tx1"/>
+    </dgm:txFillClrLst>
+    <dgm:txEffectClrLst/>
+  </dgm:styleLbl>
+  <dgm:styleLbl name="callout">
+    <dgm:fillClrLst meth="repeat">
+      <a:schemeClr val="accent1"/>
+    </dgm:fillClrLst>
+    <dgm:linClrLst meth="repeat">
+      <a:schemeClr val="accent1">
+        <a:tint val="50000"/>
+      </a:schemeClr>
+    </dgm:linClrLst>
+    <dgm:effectClrLst/>
+    <dgm:txLinClrLst/>
+    <dgm:txFillClrLst meth="repeat">
+      <a:schemeClr val="tx1"/>
+    </dgm:txFillClrLst>
+    <dgm:txEffectClrLst/>
+  </dgm:styleLbl>
+  <dgm:styleLbl name="asst0">
+    <dgm:fillClrLst meth="repeat">
+      <a:schemeClr val="accent1"/>
+    </dgm:fillClrLst>
+    <dgm:linClrLst meth="repeat">
+      <a:schemeClr val="lt1"/>
+    </dgm:linClrLst>
+    <dgm:effectClrLst/>
+    <dgm:txLinClrLst/>
+    <dgm:txFillClrLst/>
+    <dgm:txEffectClrLst/>
+  </dgm:styleLbl>
+  <dgm:styleLbl name="asst1">
+    <dgm:fillClrLst meth="repeat">
+      <a:schemeClr val="accent1"/>
+    </dgm:fillClrLst>
+    <dgm:linClrLst meth="repeat">
+      <a:schemeClr val="lt1"/>
+    </dgm:linClrLst>
+    <dgm:effectClrLst/>
+    <dgm:txLinClrLst/>
+    <dgm:txFillClrLst/>
+    <dgm:txEffectClrLst/>
+  </dgm:styleLbl>
+  <dgm:styleLbl name="asst2">
+    <dgm:fillClrLst meth="repeat">
+      <a:schemeClr val="accent1"/>
+    </dgm:fillClrLst>
+    <dgm:linClrLst meth="repeat">
+      <a:schemeClr val="lt1"/>
+    </dgm:linClrLst>
+    <dgm:effectClrLst/>
+    <dgm:txLinClrLst/>
+    <dgm:txFillClrLst/>
+    <dgm:txEffectClrLst/>
+  </dgm:styleLbl>
+  <dgm:styleLbl name="asst3">
+    <dgm:fillClrLst meth="repeat">
+      <a:schemeClr val="accent1"/>
+    </dgm:fillClrLst>
+    <dgm:linClrLst meth="repeat">
+      <a:schemeClr val="lt1"/>
+    </dgm:linClrLst>
+    <dgm:effectClrLst/>
+    <dgm:txLinClrLst/>
+    <dgm:txFillClrLst/>
+    <dgm:txEffectClrLst/>
+  </dgm:styleLbl>
+  <dgm:styleLbl name="asst4">
+    <dgm:fillClrLst meth="repeat">
+      <a:schemeClr val="accent1"/>
+    </dgm:fillClrLst>
+    <dgm:linClrLst meth="repeat">
+      <a:schemeClr val="lt1"/>
+    </dgm:linClrLst>
+    <dgm:effectClrLst/>
+    <dgm:txLinClrLst/>
+    <dgm:txFillClrLst/>
+    <dgm:txEffectClrLst/>
+  </dgm:styleLbl>
+  <dgm:styleLbl name="parChTrans2D1">
+    <dgm:fillClrLst meth="repeat">
+      <a:schemeClr val="accent1">
+        <a:tint val="60000"/>
+      </a:schemeClr>
+    </dgm:fillClrLst>
+    <dgm:linClrLst meth="repeat">
+      <a:schemeClr val="accent1">
+        <a:tint val="60000"/>
+      </a:schemeClr>
+    </dgm:linClrLst>
+    <dgm:effectClrLst/>
+    <dgm:txLinClrLst/>
+    <dgm:txFillClrLst meth="repeat">
+      <a:schemeClr val="lt1"/>
+    </dgm:txFillClrLst>
+    <dgm:txEffectClrLst/>
+  </dgm:styleLbl>
+  <dgm:styleLbl name="parChTrans2D2">
+    <dgm:fillClrLst meth="repeat">
+      <a:schemeClr val="accent1"/>
+    </dgm:fillClrLst>
+    <dgm:linClrLst meth="repeat">
+      <a:schemeClr val="accent1"/>
+    </dgm:linClrLst>
+    <dgm:effectClrLst/>
+    <dgm:txLinClrLst/>
+    <dgm:txFillClrLst meth="repeat">
+      <a:schemeClr val="lt1"/>
+    </dgm:txFillClrLst>
+    <dgm:txEffectClrLst/>
+  </dgm:styleLbl>
+  <dgm:styleLbl name="parChTrans2D3">
+    <dgm:fillClrLst meth="repeat">
+      <a:schemeClr val="accent1"/>
+    </dgm:fillClrLst>
+    <dgm:linClrLst meth="repeat">
+      <a:schemeClr val="accent1"/>
+    </dgm:linClrLst>
+    <dgm:effectClrLst/>
+    <dgm:txLinClrLst/>
+    <dgm:txFillClrLst meth="repeat">
+      <a:schemeClr val="lt1"/>
+    </dgm:txFillClrLst>
+    <dgm:txEffectClrLst/>
+  </dgm:styleLbl>
+  <dgm:styleLbl name="parChTrans2D4">
+    <dgm:fillClrLst meth="repeat">
+      <a:schemeClr val="accent1"/>
+    </dgm:fillClrLst>
+    <dgm:linClrLst meth="repeat">
+      <a:schemeClr val="accent1"/>
+    </dgm:linClrLst>
+    <dgm:effectClrLst/>
+    <dgm:txLinClrLst/>
+    <dgm:txFillClrLst meth="repeat">
+      <a:schemeClr val="lt1"/>
+    </dgm:txFillClrLst>
+    <dgm:txEffectClrLst/>
+  </dgm:styleLbl>
+  <dgm:styleLbl name="parChTrans1D1">
+    <dgm:fillClrLst meth="repeat">
+      <a:schemeClr val="accent1"/>
+    </dgm:fillClrLst>
+    <dgm:linClrLst meth="repeat">
+      <a:schemeClr val="accent1">
+        <a:shade val="60000"/>
+      </a:schemeClr>
+    </dgm:linClrLst>
+    <dgm:effectClrLst/>
+    <dgm:txLinClrLst/>
+    <dgm:txFillClrLst meth="repeat">
+      <a:schemeClr val="tx1"/>
+    </dgm:txFillClrLst>
+    <dgm:txEffectClrLst/>
+  </dgm:styleLbl>
+  <dgm:styleLbl name="parChTrans1D2">
+    <dgm:fillClrLst meth="repeat">
+      <a:schemeClr val="accent1"/>
+    </dgm:fillClrLst>
+    <dgm:linClrLst meth="repeat">
+      <a:schemeClr val="accent1">
+        <a:shade val="60000"/>
+      </a:schemeClr>
+    </dgm:linClrLst>
+    <dgm:effectClrLst/>
+    <dgm:txLinClrLst/>
+    <dgm:txFillClrLst meth="repeat">
+      <a:schemeClr val="tx1"/>
+    </dgm:txFillClrLst>
+    <dgm:txEffectClrLst/>
+  </dgm:styleLbl>
+  <dgm:styleLbl name="parChTrans1D3">
+    <dgm:fillClrLst meth="repeat">
+      <a:schemeClr val="accent1"/>
+    </dgm:fillClrLst>
+    <dgm:linClrLst meth="repeat">
+      <a:schemeClr val="accent1">
+        <a:shade val="80000"/>
+      </a:schemeClr>
+    </dgm:linClrLst>
+    <dgm:effectClrLst/>
+    <dgm:txLinClrLst/>
+    <dgm:txFillClrLst meth="repeat">
+      <a:schemeClr val="tx1"/>
+    </dgm:txFillClrLst>
+    <dgm:txEffectClrLst/>
+  </dgm:styleLbl>
+  <dgm:styleLbl name="parChTrans1D4">
+    <dgm:fillClrLst meth="repeat">
+      <a:schemeClr val="accent1"/>
+    </dgm:fillClrLst>
+    <dgm:linClrLst meth="repeat">
+      <a:schemeClr val="accent1">
+        <a:shade val="80000"/>
+      </a:schemeClr>
+    </dgm:linClrLst>
+    <dgm:effectClrLst/>
+    <dgm:txLinClrLst/>
+    <dgm:txFillClrLst meth="repeat">
+      <a:schemeClr val="tx1"/>
+    </dgm:txFillClrLst>
+    <dgm:txEffectClrLst/>
+  </dgm:styleLbl>
+  <dgm:styleLbl name="fgAcc1">
+    <dgm:fillClrLst meth="repeat">
+      <a:schemeClr val="lt1">
+        <a:alpha val="90000"/>
+      </a:schemeClr>
+    </dgm:fillClrLst>
+    <dgm:linClrLst meth="repeat">
+      <a:schemeClr val="accent1"/>
+    </dgm:linClrLst>
+    <dgm:effectClrLst/>
+    <dgm:txLinClrLst/>
+    <dgm:txFillClrLst meth="repeat">
+      <a:schemeClr val="dk1"/>
+    </dgm:txFillClrLst>
+    <dgm:txEffectClrLst/>
+  </dgm:styleLbl>
+  <dgm:styleLbl name="conFgAcc1">
+    <dgm:fillClrLst meth="repeat">
+      <a:schemeClr val="lt1">
+        <a:alpha val="90000"/>
+      </a:schemeClr>
+    </dgm:fillClrLst>
+    <dgm:linClrLst meth="repeat">
+      <a:schemeClr val="accent1"/>
+    </dgm:linClrLst>
+    <dgm:effectClrLst/>
+    <dgm:txLinClrLst/>
+    <dgm:txFillClrLst meth="repeat">
+      <a:schemeClr val="dk1"/>
+    </dgm:txFillClrLst>
+    <dgm:txEffectClrLst/>
+  </dgm:styleLbl>
+  <dgm:styleLbl name="alignAcc1">
+    <dgm:fillClrLst meth="repeat">
+      <a:schemeClr val="lt1">
+        <a:alpha val="90000"/>
+      </a:schemeClr>
+    </dgm:fillClrLst>
+    <dgm:linClrLst meth="repeat">
+      <a:schemeClr val="accent1"/>
+    </dgm:linClrLst>
+    <dgm:effectClrLst/>
+    <dgm:txLinClrLst/>
+    <dgm:txFillClrLst meth="repeat">
+      <a:schemeClr val="dk1"/>
+    </dgm:txFillClrLst>
+    <dgm:txEffectClrLst/>
+  </dgm:styleLbl>
+  <dgm:styleLbl name="trAlignAcc1">
+    <dgm:fillClrLst meth="repeat">
+      <a:schemeClr val="lt1">
+        <a:alpha val="40000"/>
+      </a:schemeClr>
+    </dgm:fillClrLst>
+    <dgm:linClrLst meth="repeat">
+      <a:schemeClr val="accent1"/>
+    </dgm:linClrLst>
+    <dgm:effectClrLst/>
+    <dgm:txLinClrLst/>
+    <dgm:txFillClrLst meth="repeat">
+      <a:schemeClr val="dk1"/>
+    </dgm:txFillClrLst>
+    <dgm:txEffectClrLst/>
+  </dgm:styleLbl>
+  <dgm:styleLbl name="bgAcc1">
+    <dgm:fillClrLst meth="repeat">
+      <a:schemeClr val="lt1">
+        <a:alpha val="90000"/>
+      </a:schemeClr>
+    </dgm:fillClrLst>
+    <dgm:linClrLst meth="repeat">
+      <a:schemeClr val="accent1"/>
+    </dgm:linClrLst>
+    <dgm:effectClrLst/>
+    <dgm:txLinClrLst/>
+    <dgm:txFillClrLst meth="repeat">
+      <a:schemeClr val="dk1"/>
+    </dgm:txFillClrLst>
+    <dgm:txEffectClrLst/>
+  </dgm:styleLbl>
+  <dgm:styleLbl name="solidFgAcc1">
+    <dgm:fillClrLst meth="repeat">
+      <a:schemeClr val="lt1"/>
+    </dgm:fillClrLst>
+    <dgm:linClrLst meth="repeat">
+      <a:schemeClr val="accent1"/>
+    </dgm:linClrLst>
+    <dgm:effectClrLst/>
+    <dgm:txLinClrLst/>
+    <dgm:txFillClrLst meth="repeat">
+      <a:schemeClr val="dk1"/>
+    </dgm:txFillClrLst>
+    <dgm:txEffectClrLst/>
+  </dgm:styleLbl>
+  <dgm:styleLbl name="solidAlignAcc1">
+    <dgm:fillClrLst meth="repeat">
+      <a:schemeClr val="lt1"/>
+    </dgm:fillClrLst>
+    <dgm:linClrLst meth="repeat">
+      <a:schemeClr val="accent1"/>
+    </dgm:linClrLst>
+    <dgm:effectClrLst/>
+    <dgm:txLinClrLst/>
+    <dgm:txFillClrLst meth="repeat">
+      <a:schemeClr val="dk1"/>
+    </dgm:txFillClrLst>
+    <dgm:txEffectClrLst/>
+  </dgm:styleLbl>
+  <dgm:styleLbl name="solidBgAcc1">
+    <dgm:fillClrLst meth="repeat">
+      <a:schemeClr val="lt1"/>
+    </dgm:fillClrLst>
+    <dgm:linClrLst meth="repeat">
+      <a:schemeClr val="accent1"/>
+    </dgm:linClrLst>
+    <dgm:effectClrLst/>
+    <dgm:txLinClrLst/>
+    <dgm:txFillClrLst meth="repeat">
+      <a:schemeClr val="dk1"/>
+    </dgm:txFillClrLst>
+    <dgm:txEffectClrLst/>
+  </dgm:styleLbl>
+  <dgm:styleLbl name="fgAccFollowNode1">
+    <dgm:fillClrLst meth="repeat">
+      <a:schemeClr val="accent1">
+        <a:alpha val="90000"/>
+        <a:tint val="40000"/>
+      </a:schemeClr>
+    </dgm:fillClrLst>
+    <dgm:linClrLst meth="repeat">
+      <a:schemeClr val="accent1">
+        <a:alpha val="90000"/>
+        <a:tint val="40000"/>
+      </a:schemeClr>
+    </dgm:linClrLst>
+    <dgm:effectClrLst/>
+    <dgm:txLinClrLst/>
+    <dgm:txFillClrLst meth="repeat">
+      <a:schemeClr val="dk1"/>
+    </dgm:txFillClrLst>
+    <dgm:txEffectClrLst/>
+  </dgm:styleLbl>
+  <dgm:styleLbl name="alignAccFollowNode1">
+    <dgm:fillClrLst meth="repeat">
+      <a:schemeClr val="accent1">
+        <a:alpha val="90000"/>
+        <a:tint val="40000"/>
+      </a:schemeClr>
+    </dgm:fillClrLst>
+    <dgm:linClrLst meth="repeat">
+      <a:schemeClr val="accent1">
+        <a:alpha val="90000"/>
+        <a:tint val="40000"/>
+      </a:schemeClr>
+    </dgm:linClrLst>
+    <dgm:effectClrLst/>
+    <dgm:txLinClrLst/>
+    <dgm:txFillClrLst meth="repeat">
+      <a:schemeClr val="dk1"/>
+    </dgm:txFillClrLst>
+    <dgm:txEffectClrLst/>
+  </dgm:styleLbl>
+  <dgm:styleLbl name="bgAccFollowNode1">
+    <dgm:fillClrLst meth="repeat">
+      <a:schemeClr val="accent1">
+        <a:alpha val="90000"/>
+        <a:tint val="40000"/>
+      </a:schemeClr>
+    </dgm:fillClrLst>
+    <dgm:linClrLst meth="repeat">
+      <a:schemeClr val="accent1">
+        <a:alpha val="90000"/>
+        <a:tint val="40000"/>
+      </a:schemeClr>
+    </dgm:linClrLst>
+    <dgm:effectClrLst/>
+    <dgm:txLinClrLst/>
+    <dgm:txFillClrLst meth="repeat">
+      <a:schemeClr val="dk1"/>
+    </dgm:txFillClrLst>
+    <dgm:txEffectClrLst/>
+  </dgm:styleLbl>
+  <dgm:styleLbl name="fgAcc0">
+    <dgm:fillClrLst meth="repeat">
+      <a:schemeClr val="lt1">
+        <a:alpha val="90000"/>
+      </a:schemeClr>
+    </dgm:fillClrLst>
+    <dgm:linClrLst meth="repeat">
+      <a:schemeClr val="accent1"/>
+    </dgm:linClrLst>
+    <dgm:effectClrLst/>
+    <dgm:txLinClrLst/>
+    <dgm:txFillClrLst meth="repeat">
+      <a:schemeClr val="dk1"/>
+    </dgm:txFillClrLst>
+    <dgm:txEffectClrLst/>
+  </dgm:styleLbl>
+  <dgm:styleLbl name="fgAcc2">
+    <dgm:fillClrLst meth="repeat">
+      <a:schemeClr val="lt1">
+        <a:alpha val="90000"/>
+      </a:schemeClr>
+    </dgm:fillClrLst>
+    <dgm:linClrLst meth="repeat">
+      <a:schemeClr val="accent1"/>
+    </dgm:linClrLst>
+    <dgm:effectClrLst/>
+    <dgm:txLinClrLst/>
+    <dgm:txFillClrLst meth="repeat">
+      <a:schemeClr val="dk1"/>
+    </dgm:txFillClrLst>
+    <dgm:txEffectClrLst/>
+  </dgm:styleLbl>
+  <dgm:styleLbl name="fgAcc3">
+    <dgm:fillClrLst meth="repeat">
+      <a:schemeClr val="lt1">
+        <a:alpha val="90000"/>
+      </a:schemeClr>
+    </dgm:fillClrLst>
+    <dgm:linClrLst meth="repeat">
+      <a:schemeClr val="accent1"/>
+    </dgm:linClrLst>
+    <dgm:effectClrLst/>
+    <dgm:txLinClrLst/>
+    <dgm:txFillClrLst meth="repeat">
+      <a:schemeClr val="dk1"/>
+    </dgm:txFillClrLst>
+    <dgm:txEffectClrLst/>
+  </dgm:styleLbl>
+  <dgm:styleLbl name="fgAcc4">
+    <dgm:fillClrLst meth="repeat">
+      <a:schemeClr val="lt1">
+        <a:alpha val="90000"/>
+      </a:schemeClr>
+    </dgm:fillClrLst>
+    <dgm:linClrLst meth="repeat">
+      <a:schemeClr val="accent1"/>
+    </dgm:linClrLst>
+    <dgm:effectClrLst/>
+    <dgm:txLinClrLst/>
+    <dgm:txFillClrLst meth="repeat">
+      <a:schemeClr val="dk1"/>
+    </dgm:txFillClrLst>
+    <dgm:txEffectClrLst/>
+  </dgm:styleLbl>
+  <dgm:styleLbl name="bgShp">
+    <dgm:fillClrLst meth="repeat">
+      <a:schemeClr val="accent1">
+        <a:tint val="40000"/>
+      </a:schemeClr>
+    </dgm:fillClrLst>
+    <dgm:linClrLst meth="repeat">
+      <a:schemeClr val="accent1"/>
+    </dgm:linClrLst>
+    <dgm:effectClrLst/>
+    <dgm:txLinClrLst/>
+    <dgm:txFillClrLst meth="repeat">
+      <a:schemeClr val="dk1"/>
+    </dgm:txFillClrLst>
+    <dgm:txEffectClrLst/>
+  </dgm:styleLbl>
+  <dgm:styleLbl name="dkBgShp">
+    <dgm:fillClrLst meth="repeat">
+      <a:schemeClr val="accent1">
+        <a:shade val="80000"/>
+      </a:schemeClr>
+    </dgm:fillClrLst>
+    <dgm:linClrLst meth="repeat">
+      <a:schemeClr val="accent1"/>
+    </dgm:linClrLst>
+    <dgm:effectClrLst/>
+    <dgm:txLinClrLst/>
+    <dgm:txFillClrLst meth="repeat">
+      <a:schemeClr val="lt1"/>
+    </dgm:txFillClrLst>
+    <dgm:txEffectClrLst/>
+  </dgm:styleLbl>
+  <dgm:styleLbl name="trBgShp">
+    <dgm:fillClrLst meth="repeat">
+      <a:schemeClr val="accent1">
+        <a:tint val="50000"/>
+        <a:alpha val="40000"/>
+      </a:schemeClr>
+    </dgm:fillClrLst>
+    <dgm:linClrLst meth="repeat">
+      <a:schemeClr val="accent1"/>
+    </dgm:linClrLst>
+    <dgm:effectClrLst/>
+    <dgm:txLinClrLst/>
+    <dgm:txFillClrLst meth="repeat">
+      <a:schemeClr val="lt1"/>
+    </dgm:txFillClrLst>
+    <dgm:txEffectClrLst/>
+  </dgm:styleLbl>
+  <dgm:styleLbl name="fgShp">
+    <dgm:fillClrLst meth="repeat">
+      <a:schemeClr val="accent1">
+        <a:tint val="60000"/>
+      </a:schemeClr>
+    </dgm:fillClrLst>
+    <dgm:linClrLst meth="repeat">
+      <a:schemeClr val="lt1"/>
+    </dgm:linClrLst>
+    <dgm:effectClrLst/>
+    <dgm:txLinClrLst/>
+    <dgm:txFillClrLst meth="repeat">
+      <a:schemeClr val="dk1"/>
+    </dgm:txFillClrLst>
+    <dgm:txEffectClrLst/>
+  </dgm:styleLbl>
+  <dgm:styleLbl name="revTx">
+    <dgm:fillClrLst meth="repeat">
+      <a:schemeClr val="lt1">
+        <a:alpha val="0"/>
+      </a:schemeClr>
+    </dgm:fillClrLst>
+    <dgm:linClrLst meth="repeat">
+      <a:schemeClr val="dk1">
+        <a:alpha val="0"/>
+      </a:schemeClr>
+    </dgm:linClrLst>
+    <dgm:effectClrLst/>
+    <dgm:txLinClrLst/>
+    <dgm:txFillClrLst meth="repeat">
+      <a:schemeClr val="tx1"/>
+    </dgm:txFillClrLst>
+    <dgm:txEffectClrLst/>
+  </dgm:styleLbl>
+</dgm:colorsDef>
+</file>
+
+<file path=ppt/diagrams/colors3.xml><?xml version="1.0" encoding="utf-8"?>
+<dgm:colorsDef xmlns:dgm="http://schemas.openxmlformats.org/drawingml/2006/diagram" xmlns:a="http://schemas.openxmlformats.org/drawingml/2006/main" uniqueId="urn:microsoft.com/office/officeart/2005/8/colors/accent1_2">
+  <dgm:title val=""/>
+  <dgm:desc val=""/>
+  <dgm:catLst>
+    <dgm:cat type="accent1" pri="11200"/>
+  </dgm:catLst>
+  <dgm:styleLbl name="node0">
+    <dgm:fillClrLst meth="repeat">
+      <a:schemeClr val="accent1"/>
+    </dgm:fillClrLst>
+    <dgm:linClrLst meth="repeat">
+      <a:schemeClr val="lt1"/>
+    </dgm:linClrLst>
+    <dgm:effectClrLst/>
+    <dgm:txLinClrLst/>
+    <dgm:txFillClrLst/>
+    <dgm:txEffectClrLst/>
+  </dgm:styleLbl>
+  <dgm:styleLbl name="alignNode1">
+    <dgm:fillClrLst meth="repeat">
+      <a:schemeClr val="accent1"/>
+    </dgm:fillClrLst>
+    <dgm:linClrLst meth="repeat">
+      <a:schemeClr val="accent1"/>
+    </dgm:linClrLst>
+    <dgm:effectClrLst/>
+    <dgm:txLinClrLst/>
+    <dgm:txFillClrLst/>
+    <dgm:txEffectClrLst/>
+  </dgm:styleLbl>
+  <dgm:styleLbl name="node1">
+    <dgm:fillClrLst meth="repeat">
+      <a:schemeClr val="accent1"/>
+    </dgm:fillClrLst>
+    <dgm:linClrLst meth="repeat">
+      <a:schemeClr val="lt1"/>
+    </dgm:linClrLst>
+    <dgm:effectClrLst/>
+    <dgm:txLinClrLst/>
+    <dgm:txFillClrLst/>
+    <dgm:txEffectClrLst/>
+  </dgm:styleLbl>
+  <dgm:styleLbl name="lnNode1">
+    <dgm:fillClrLst meth="repeat">
+      <a:schemeClr val="accent1"/>
+    </dgm:fillClrLst>
+    <dgm:linClrLst meth="repeat">
+      <a:schemeClr val="lt1"/>
+    </dgm:linClrLst>
+    <dgm:effectClrLst/>
+    <dgm:txLinClrLst/>
+    <dgm:txFillClrLst/>
+    <dgm:txEffectClrLst/>
+  </dgm:styleLbl>
+  <dgm:styleLbl name="vennNode1">
+    <dgm:fillClrLst meth="repeat">
+      <a:schemeClr val="accent1">
+        <a:alpha val="50000"/>
+      </a:schemeClr>
+    </dgm:fillClrLst>
+    <dgm:linClrLst meth="repeat">
+      <a:schemeClr val="lt1"/>
+    </dgm:linClrLst>
+    <dgm:effectClrLst/>
+    <dgm:txLinClrLst/>
+    <dgm:txFillClrLst/>
+    <dgm:txEffectClrLst/>
+  </dgm:styleLbl>
+  <dgm:styleLbl name="node2">
+    <dgm:fillClrLst meth="repeat">
+      <a:schemeClr val="accent1"/>
+    </dgm:fillClrLst>
+    <dgm:linClrLst meth="repeat">
+      <a:schemeClr val="lt1"/>
+    </dgm:linClrLst>
+    <dgm:effectClrLst/>
+    <dgm:txLinClrLst/>
+    <dgm:txFillClrLst/>
+    <dgm:txEffectClrLst/>
+  </dgm:styleLbl>
+  <dgm:styleLbl name="node3">
+    <dgm:fillClrLst meth="repeat">
+      <a:schemeClr val="accent1"/>
+    </dgm:fillClrLst>
+    <dgm:linClrLst meth="repeat">
+      <a:schemeClr val="lt1"/>
+    </dgm:linClrLst>
+    <dgm:effectClrLst/>
+    <dgm:txLinClrLst/>
+    <dgm:txFillClrLst/>
+    <dgm:txEffectClrLst/>
+  </dgm:styleLbl>
+  <dgm:styleLbl name="node4">
+    <dgm:fillClrLst meth="repeat">
+      <a:schemeClr val="accent1"/>
+    </dgm:fillClrLst>
+    <dgm:linClrLst meth="repeat">
+      <a:schemeClr val="lt1"/>
+    </dgm:linClrLst>
+    <dgm:effectClrLst/>
+    <dgm:txLinClrLst/>
+    <dgm:txFillClrLst/>
+    <dgm:txEffectClrLst/>
+  </dgm:styleLbl>
+  <dgm:styleLbl name="fgImgPlace1">
+    <dgm:fillClrLst meth="repeat">
+      <a:schemeClr val="accent1">
+        <a:tint val="50000"/>
+      </a:schemeClr>
+    </dgm:fillClrLst>
+    <dgm:linClrLst meth="repeat">
+      <a:schemeClr val="lt1"/>
+    </dgm:linClrLst>
+    <dgm:effectClrLst/>
+    <dgm:txLinClrLst/>
+    <dgm:txFillClrLst meth="repeat">
+      <a:schemeClr val="lt1"/>
+    </dgm:txFillClrLst>
+    <dgm:txEffectClrLst/>
+  </dgm:styleLbl>
+  <dgm:styleLbl name="alignImgPlace1">
+    <dgm:fillClrLst meth="repeat">
+      <a:schemeClr val="accent1">
+        <a:tint val="50000"/>
+      </a:schemeClr>
+    </dgm:fillClrLst>
+    <dgm:linClrLst meth="repeat">
+      <a:schemeClr val="lt1"/>
+    </dgm:linClrLst>
+    <dgm:effectClrLst/>
+    <dgm:txLinClrLst/>
+    <dgm:txFillClrLst meth="repeat">
+      <a:schemeClr val="lt1"/>
+    </dgm:txFillClrLst>
+    <dgm:txEffectClrLst/>
+  </dgm:styleLbl>
+  <dgm:styleLbl name="bgImgPlace1">
+    <dgm:fillClrLst meth="repeat">
+      <a:schemeClr val="accent1">
+        <a:tint val="50000"/>
+      </a:schemeClr>
+    </dgm:fillClrLst>
+    <dgm:linClrLst meth="repeat">
+      <a:schemeClr val="lt1"/>
+    </dgm:linClrLst>
+    <dgm:effectClrLst/>
+    <dgm:txLinClrLst/>
+    <dgm:txFillClrLst meth="repeat">
+      <a:schemeClr val="lt1"/>
+    </dgm:txFillClrLst>
+    <dgm:txEffectClrLst/>
+  </dgm:styleLbl>
+  <dgm:styleLbl name="sibTrans2D1">
+    <dgm:fillClrLst meth="repeat">
+      <a:schemeClr val="accent1">
+        <a:tint val="60000"/>
+      </a:schemeClr>
+    </dgm:fillClrLst>
+    <dgm:linClrLst meth="repeat">
+      <a:schemeClr val="accent1">
+        <a:tint val="60000"/>
+      </a:schemeClr>
+    </dgm:linClrLst>
+    <dgm:effectClrLst/>
+    <dgm:txLinClrLst/>
+    <dgm:txFillClrLst/>
+    <dgm:txEffectClrLst/>
+  </dgm:styleLbl>
+  <dgm:styleLbl name="fgSibTrans2D1">
+    <dgm:fillClrLst meth="repeat">
+      <a:schemeClr val="accent1">
+        <a:tint val="60000"/>
+      </a:schemeClr>
+    </dgm:fillClrLst>
+    <dgm:linClrLst meth="repeat">
+      <a:schemeClr val="accent1">
+        <a:tint val="60000"/>
+      </a:schemeClr>
+    </dgm:linClrLst>
+    <dgm:effectClrLst/>
+    <dgm:txLinClrLst/>
+    <dgm:txFillClrLst/>
+    <dgm:txEffectClrLst/>
+  </dgm:styleLbl>
+  <dgm:styleLbl name="bgSibTrans2D1">
+    <dgm:fillClrLst meth="repeat">
+      <a:schemeClr val="accent1">
+        <a:tint val="60000"/>
+      </a:schemeClr>
+    </dgm:fillClrLst>
+    <dgm:linClrLst meth="repeat">
+      <a:schemeClr val="accent1">
+        <a:tint val="60000"/>
+      </a:schemeClr>
+    </dgm:linClrLst>
+    <dgm:effectClrLst/>
+    <dgm:txLinClrLst/>
+    <dgm:txFillClrLst/>
+    <dgm:txEffectClrLst/>
+  </dgm:styleLbl>
+  <dgm:styleLbl name="sibTrans1D1">
+    <dgm:fillClrLst meth="repeat">
+      <a:schemeClr val="accent1"/>
+    </dgm:fillClrLst>
+    <dgm:linClrLst meth="repeat">
+      <a:schemeClr val="accent1"/>
+    </dgm:linClrLst>
+    <dgm:effectClrLst/>
+    <dgm:txLinClrLst/>
+    <dgm:txFillClrLst meth="repeat">
+      <a:schemeClr val="tx1"/>
+    </dgm:txFillClrLst>
+    <dgm:txEffectClrLst/>
+  </dgm:styleLbl>
+  <dgm:styleLbl name="callout">
+    <dgm:fillClrLst meth="repeat">
+      <a:schemeClr val="accent1"/>
+    </dgm:fillClrLst>
+    <dgm:linClrLst meth="repeat">
+      <a:schemeClr val="accent1">
+        <a:tint val="50000"/>
+      </a:schemeClr>
+    </dgm:linClrLst>
+    <dgm:effectClrLst/>
+    <dgm:txLinClrLst/>
+    <dgm:txFillClrLst meth="repeat">
+      <a:schemeClr val="tx1"/>
+    </dgm:txFillClrLst>
+    <dgm:txEffectClrLst/>
+  </dgm:styleLbl>
+  <dgm:styleLbl name="asst0">
+    <dgm:fillClrLst meth="repeat">
+      <a:schemeClr val="accent1"/>
+    </dgm:fillClrLst>
+    <dgm:linClrLst meth="repeat">
+      <a:schemeClr val="lt1"/>
+    </dgm:linClrLst>
+    <dgm:effectClrLst/>
+    <dgm:txLinClrLst/>
+    <dgm:txFillClrLst/>
+    <dgm:txEffectClrLst/>
+  </dgm:styleLbl>
+  <dgm:styleLbl name="asst1">
+    <dgm:fillClrLst meth="repeat">
+      <a:schemeClr val="accent1"/>
+    </dgm:fillClrLst>
+    <dgm:linClrLst meth="repeat">
+      <a:schemeClr val="lt1"/>
+    </dgm:linClrLst>
+    <dgm:effectClrLst/>
+    <dgm:txLinClrLst/>
+    <dgm:txFillClrLst/>
+    <dgm:txEffectClrLst/>
+  </dgm:styleLbl>
+  <dgm:styleLbl name="asst2">
+    <dgm:fillClrLst meth="repeat">
+      <a:schemeClr val="accent1"/>
+    </dgm:fillClrLst>
+    <dgm:linClrLst meth="repeat">
+      <a:schemeClr val="lt1"/>
+    </dgm:linClrLst>
+    <dgm:effectClrLst/>
+    <dgm:txLinClrLst/>
+    <dgm:txFillClrLst/>
+    <dgm:txEffectClrLst/>
+  </dgm:styleLbl>
+  <dgm:styleLbl name="asst3">
+    <dgm:fillClrLst meth="repeat">
+      <a:schemeClr val="accent1"/>
+    </dgm:fillClrLst>
+    <dgm:linClrLst meth="repeat">
+      <a:schemeClr val="lt1"/>
+    </dgm:linClrLst>
+    <dgm:effectClrLst/>
+    <dgm:txLinClrLst/>
+    <dgm:txFillClrLst/>
+    <dgm:txEffectClrLst/>
+  </dgm:styleLbl>
+  <dgm:styleLbl name="asst4">
+    <dgm:fillClrLst meth="repeat">
+      <a:schemeClr val="accent1"/>
+    </dgm:fillClrLst>
+    <dgm:linClrLst meth="repeat">
+      <a:schemeClr val="lt1"/>
+    </dgm:linClrLst>
+    <dgm:effectClrLst/>
+    <dgm:txLinClrLst/>
+    <dgm:txFillClrLst/>
+    <dgm:txEffectClrLst/>
+  </dgm:styleLbl>
+  <dgm:styleLbl name="parChTrans2D1">
+    <dgm:fillClrLst meth="repeat">
+      <a:schemeClr val="accent1">
+        <a:tint val="60000"/>
+      </a:schemeClr>
+    </dgm:fillClrLst>
+    <dgm:linClrLst meth="repeat">
+      <a:schemeClr val="accent1">
+        <a:tint val="60000"/>
+      </a:schemeClr>
+    </dgm:linClrLst>
+    <dgm:effectClrLst/>
+    <dgm:txLinClrLst/>
+    <dgm:txFillClrLst meth="repeat">
+      <a:schemeClr val="lt1"/>
+    </dgm:txFillClrLst>
+    <dgm:txEffectClrLst/>
+  </dgm:styleLbl>
+  <dgm:styleLbl name="parChTrans2D2">
+    <dgm:fillClrLst meth="repeat">
+      <a:schemeClr val="accent1"/>
+    </dgm:fillClrLst>
+    <dgm:linClrLst meth="repeat">
+      <a:schemeClr val="accent1"/>
+    </dgm:linClrLst>
+    <dgm:effectClrLst/>
+    <dgm:txLinClrLst/>
+    <dgm:txFillClrLst meth="repeat">
+      <a:schemeClr val="lt1"/>
+    </dgm:txFillClrLst>
+    <dgm:txEffectClrLst/>
+  </dgm:styleLbl>
+  <dgm:styleLbl name="parChTrans2D3">
+    <dgm:fillClrLst meth="repeat">
+      <a:schemeClr val="accent1"/>
+    </dgm:fillClrLst>
+    <dgm:linClrLst meth="repeat">
+      <a:schemeClr val="accent1"/>
+    </dgm:linClrLst>
+    <dgm:effectClrLst/>
+    <dgm:txLinClrLst/>
+    <dgm:txFillClrLst meth="repeat">
+      <a:schemeClr val="lt1"/>
+    </dgm:txFillClrLst>
+    <dgm:txEffectClrLst/>
+  </dgm:styleLbl>
+  <dgm:styleLbl name="parChTrans2D4">
+    <dgm:fillClrLst meth="repeat">
+      <a:schemeClr val="accent1"/>
+    </dgm:fillClrLst>
+    <dgm:linClrLst meth="repeat">
+      <a:schemeClr val="accent1"/>
+    </dgm:linClrLst>
+    <dgm:effectClrLst/>
+    <dgm:txLinClrLst/>
+    <dgm:txFillClrLst meth="repeat">
+      <a:schemeClr val="lt1"/>
+    </dgm:txFillClrLst>
+    <dgm:txEffectClrLst/>
+  </dgm:styleLbl>
+  <dgm:styleLbl name="parChTrans1D1">
+    <dgm:fillClrLst meth="repeat">
+      <a:schemeClr val="accent1"/>
+    </dgm:fillClrLst>
+    <dgm:linClrLst meth="repeat">
+      <a:schemeClr val="accent1">
+        <a:shade val="60000"/>
+      </a:schemeClr>
+    </dgm:linClrLst>
+    <dgm:effectClrLst/>
+    <dgm:txLinClrLst/>
+    <dgm:txFillClrLst meth="repeat">
+      <a:schemeClr val="tx1"/>
+    </dgm:txFillClrLst>
+    <dgm:txEffectClrLst/>
+  </dgm:styleLbl>
+  <dgm:styleLbl name="parChTrans1D2">
+    <dgm:fillClrLst meth="repeat">
+      <a:schemeClr val="accent1"/>
+    </dgm:fillClrLst>
+    <dgm:linClrLst meth="repeat">
+      <a:schemeClr val="accent1">
+        <a:shade val="60000"/>
+      </a:schemeClr>
+    </dgm:linClrLst>
+    <dgm:effectClrLst/>
+    <dgm:txLinClrLst/>
+    <dgm:txFillClrLst meth="repeat">
+      <a:schemeClr val="tx1"/>
+    </dgm:txFillClrLst>
+    <dgm:txEffectClrLst/>
+  </dgm:styleLbl>
+  <dgm:styleLbl name="parChTrans1D3">
+    <dgm:fillClrLst meth="repeat">
+      <a:schemeClr val="accent1"/>
+    </dgm:fillClrLst>
+    <dgm:linClrLst meth="repeat">
+      <a:schemeClr val="accent1">
+        <a:shade val="80000"/>
+      </a:schemeClr>
+    </dgm:linClrLst>
+    <dgm:effectClrLst/>
+    <dgm:txLinClrLst/>
+    <dgm:txFillClrLst meth="repeat">
+      <a:schemeClr val="tx1"/>
+    </dgm:txFillClrLst>
+    <dgm:txEffectClrLst/>
+  </dgm:styleLbl>
+  <dgm:styleLbl name="parChTrans1D4">
+    <dgm:fillClrLst meth="repeat">
+      <a:schemeClr val="accent1"/>
+    </dgm:fillClrLst>
+    <dgm:linClrLst meth="repeat">
+      <a:schemeClr val="accent1">
+        <a:shade val="80000"/>
+      </a:schemeClr>
+    </dgm:linClrLst>
+    <dgm:effectClrLst/>
+    <dgm:txLinClrLst/>
+    <dgm:txFillClrLst meth="repeat">
+      <a:schemeClr val="tx1"/>
+    </dgm:txFillClrLst>
+    <dgm:txEffectClrLst/>
+  </dgm:styleLbl>
+  <dgm:styleLbl name="fgAcc1">
+    <dgm:fillClrLst meth="repeat">
+      <a:schemeClr val="lt1">
+        <a:alpha val="90000"/>
+      </a:schemeClr>
+    </dgm:fillClrLst>
+    <dgm:linClrLst meth="repeat">
+      <a:schemeClr val="accent1"/>
+    </dgm:linClrLst>
+    <dgm:effectClrLst/>
+    <dgm:txLinClrLst/>
+    <dgm:txFillClrLst meth="repeat">
+      <a:schemeClr val="dk1"/>
+    </dgm:txFillClrLst>
+    <dgm:txEffectClrLst/>
+  </dgm:styleLbl>
+  <dgm:styleLbl name="conFgAcc1">
+    <dgm:fillClrLst meth="repeat">
+      <a:schemeClr val="lt1">
+        <a:alpha val="90000"/>
+      </a:schemeClr>
+    </dgm:fillClrLst>
+    <dgm:linClrLst meth="repeat">
+      <a:schemeClr val="accent1"/>
+    </dgm:linClrLst>
+    <dgm:effectClrLst/>
+    <dgm:txLinClrLst/>
+    <dgm:txFillClrLst meth="repeat">
+      <a:schemeClr val="dk1"/>
+    </dgm:txFillClrLst>
+    <dgm:txEffectClrLst/>
+  </dgm:styleLbl>
+  <dgm:styleLbl name="alignAcc1">
+    <dgm:fillClrLst meth="repeat">
+      <a:schemeClr val="lt1">
+        <a:alpha val="90000"/>
+      </a:schemeClr>
+    </dgm:fillClrLst>
+    <dgm:linClrLst meth="repeat">
+      <a:schemeClr val="accent1"/>
+    </dgm:linClrLst>
+    <dgm:effectClrLst/>
+    <dgm:txLinClrLst/>
+    <dgm:txFillClrLst meth="repeat">
+      <a:schemeClr val="dk1"/>
+    </dgm:txFillClrLst>
+    <dgm:txEffectClrLst/>
+  </dgm:styleLbl>
+  <dgm:styleLbl name="trAlignAcc1">
+    <dgm:fillClrLst meth="repeat">
+      <a:schemeClr val="lt1">
+        <a:alpha val="40000"/>
+      </a:schemeClr>
+    </dgm:fillClrLst>
+    <dgm:linClrLst meth="repeat">
+      <a:schemeClr val="accent1"/>
+    </dgm:linClrLst>
+    <dgm:effectClrLst/>
+    <dgm:txLinClrLst/>
+    <dgm:txFillClrLst meth="repeat">
+      <a:schemeClr val="dk1"/>
+    </dgm:txFillClrLst>
+    <dgm:txEffectClrLst/>
+  </dgm:styleLbl>
+  <dgm:styleLbl name="bgAcc1">
+    <dgm:fillClrLst meth="repeat">
+      <a:schemeClr val="lt1">
+        <a:alpha val="90000"/>
+      </a:schemeClr>
+    </dgm:fillClrLst>
+    <dgm:linClrLst meth="repeat">
+      <a:schemeClr val="accent1"/>
+    </dgm:linClrLst>
+    <dgm:effectClrLst/>
+    <dgm:txLinClrLst/>
+    <dgm:txFillClrLst meth="repeat">
+      <a:schemeClr val="dk1"/>
+    </dgm:txFillClrLst>
+    <dgm:txEffectClrLst/>
+  </dgm:styleLbl>
+  <dgm:styleLbl name="solidFgAcc1">
+    <dgm:fillClrLst meth="repeat">
+      <a:schemeClr val="lt1"/>
+    </dgm:fillClrLst>
+    <dgm:linClrLst meth="repeat">
+      <a:schemeClr val="accent1"/>
+    </dgm:linClrLst>
+    <dgm:effectClrLst/>
+    <dgm:txLinClrLst/>
+    <dgm:txFillClrLst meth="repeat">
+      <a:schemeClr val="dk1"/>
+    </dgm:txFillClrLst>
+    <dgm:txEffectClrLst/>
+  </dgm:styleLbl>
+  <dgm:styleLbl name="solidAlignAcc1">
+    <dgm:fillClrLst meth="repeat">
+      <a:schemeClr val="lt1"/>
+    </dgm:fillClrLst>
+    <dgm:linClrLst meth="repeat">
+      <a:schemeClr val="accent1"/>
+    </dgm:linClrLst>
+    <dgm:effectClrLst/>
+    <dgm:txLinClrLst/>
+    <dgm:txFillClrLst meth="repeat">
+      <a:schemeClr val="dk1"/>
+    </dgm:txFillClrLst>
+    <dgm:txEffectClrLst/>
+  </dgm:styleLbl>
+  <dgm:styleLbl name="solidBgAcc1">
+    <dgm:fillClrLst meth="repeat">
+      <a:schemeClr val="lt1"/>
+    </dgm:fillClrLst>
+    <dgm:linClrLst meth="repeat">
+      <a:schemeClr val="accent1"/>
+    </dgm:linClrLst>
+    <dgm:effectClrLst/>
+    <dgm:txLinClrLst/>
+    <dgm:txFillClrLst meth="repeat">
+      <a:schemeClr val="dk1"/>
+    </dgm:txFillClrLst>
+    <dgm:txEffectClrLst/>
+  </dgm:styleLbl>
+  <dgm:styleLbl name="fgAccFollowNode1">
+    <dgm:fillClrLst meth="repeat">
+      <a:schemeClr val="accent1">
+        <a:alpha val="90000"/>
+        <a:tint val="40000"/>
+      </a:schemeClr>
+    </dgm:fillClrLst>
+    <dgm:linClrLst meth="repeat">
+      <a:schemeClr val="accent1">
+        <a:alpha val="90000"/>
+        <a:tint val="40000"/>
+      </a:schemeClr>
+    </dgm:linClrLst>
+    <dgm:effectClrLst/>
+    <dgm:txLinClrLst/>
+    <dgm:txFillClrLst meth="repeat">
+      <a:schemeClr val="dk1"/>
+    </dgm:txFillClrLst>
+    <dgm:txEffectClrLst/>
+  </dgm:styleLbl>
+  <dgm:styleLbl name="alignAccFollowNode1">
+    <dgm:fillClrLst meth="repeat">
+      <a:schemeClr val="accent1">
+        <a:alpha val="90000"/>
+        <a:tint val="40000"/>
+      </a:schemeClr>
+    </dgm:fillClrLst>
+    <dgm:linClrLst meth="repeat">
+      <a:schemeClr val="accent1">
+        <a:alpha val="90000"/>
+        <a:tint val="40000"/>
+      </a:schemeClr>
+    </dgm:linClrLst>
+    <dgm:effectClrLst/>
+    <dgm:txLinClrLst/>
+    <dgm:txFillClrLst meth="repeat">
+      <a:schemeClr val="dk1"/>
+    </dgm:txFillClrLst>
+    <dgm:txEffectClrLst/>
+  </dgm:styleLbl>
+  <dgm:styleLbl name="bgAccFollowNode1">
+    <dgm:fillClrLst meth="repeat">
+      <a:schemeClr val="accent1">
+        <a:alpha val="90000"/>
+        <a:tint val="40000"/>
+      </a:schemeClr>
+    </dgm:fillClrLst>
+    <dgm:linClrLst meth="repeat">
+      <a:schemeClr val="accent1">
+        <a:alpha val="90000"/>
+        <a:tint val="40000"/>
+      </a:schemeClr>
+    </dgm:linClrLst>
+    <dgm:effectClrLst/>
+    <dgm:txLinClrLst/>
+    <dgm:txFillClrLst meth="repeat">
+      <a:schemeClr val="dk1"/>
+    </dgm:txFillClrLst>
+    <dgm:txEffectClrLst/>
+  </dgm:styleLbl>
+  <dgm:styleLbl name="fgAcc0">
+    <dgm:fillClrLst meth="repeat">
+      <a:schemeClr val="lt1">
+        <a:alpha val="90000"/>
+      </a:schemeClr>
+    </dgm:fillClrLst>
+    <dgm:linClrLst meth="repeat">
+      <a:schemeClr val="accent1"/>
+    </dgm:linClrLst>
+    <dgm:effectClrLst/>
+    <dgm:txLinClrLst/>
+    <dgm:txFillClrLst meth="repeat">
+      <a:schemeClr val="dk1"/>
+    </dgm:txFillClrLst>
+    <dgm:txEffectClrLst/>
+  </dgm:styleLbl>
+  <dgm:styleLbl name="fgAcc2">
+    <dgm:fillClrLst meth="repeat">
+      <a:schemeClr val="lt1">
+        <a:alpha val="90000"/>
+      </a:schemeClr>
+    </dgm:fillClrLst>
+    <dgm:linClrLst meth="repeat">
+      <a:schemeClr val="accent1"/>
+    </dgm:linClrLst>
+    <dgm:effectClrLst/>
+    <dgm:txLinClrLst/>
+    <dgm:txFillClrLst meth="repeat">
+      <a:schemeClr val="dk1"/>
+    </dgm:txFillClrLst>
+    <dgm:txEffectClrLst/>
+  </dgm:styleLbl>
+  <dgm:styleLbl name="fgAcc3">
+    <dgm:fillClrLst meth="repeat">
+      <a:schemeClr val="lt1">
+        <a:alpha val="90000"/>
+      </a:schemeClr>
+    </dgm:fillClrLst>
+    <dgm:linClrLst meth="repeat">
+      <a:schemeClr val="accent1"/>
+    </dgm:linClrLst>
+    <dgm:effectClrLst/>
+    <dgm:txLinClrLst/>
+    <dgm:txFillClrLst meth="repeat">
+      <a:schemeClr val="dk1"/>
+    </dgm:txFillClrLst>
+    <dgm:txEffectClrLst/>
+  </dgm:styleLbl>
+  <dgm:styleLbl name="fgAcc4">
+    <dgm:fillClrLst meth="repeat">
+      <a:schemeClr val="lt1">
+        <a:alpha val="90000"/>
+      </a:schemeClr>
+    </dgm:fillClrLst>
+    <dgm:linClrLst meth="repeat">
+      <a:schemeClr val="accent1"/>
+    </dgm:linClrLst>
+    <dgm:effectClrLst/>
+    <dgm:txLinClrLst/>
+    <dgm:txFillClrLst meth="repeat">
+      <a:schemeClr val="dk1"/>
+    </dgm:txFillClrLst>
+    <dgm:txEffectClrLst/>
+  </dgm:styleLbl>
+  <dgm:styleLbl name="bgShp">
+    <dgm:fillClrLst meth="repeat">
+      <a:schemeClr val="accent1">
+        <a:tint val="40000"/>
+      </a:schemeClr>
+    </dgm:fillClrLst>
+    <dgm:linClrLst meth="repeat">
+      <a:schemeClr val="accent1"/>
+    </dgm:linClrLst>
+    <dgm:effectClrLst/>
+    <dgm:txLinClrLst/>
+    <dgm:txFillClrLst meth="repeat">
+      <a:schemeClr val="dk1"/>
+    </dgm:txFillClrLst>
+    <dgm:txEffectClrLst/>
+  </dgm:styleLbl>
+  <dgm:styleLbl name="dkBgShp">
+    <dgm:fillClrLst meth="repeat">
+      <a:schemeClr val="accent1">
+        <a:shade val="80000"/>
+      </a:schemeClr>
+    </dgm:fillClrLst>
+    <dgm:linClrLst meth="repeat">
+      <a:schemeClr val="accent1"/>
+    </dgm:linClrLst>
+    <dgm:effectClrLst/>
+    <dgm:txLinClrLst/>
+    <dgm:txFillClrLst meth="repeat">
+      <a:schemeClr val="lt1"/>
+    </dgm:txFillClrLst>
+    <dgm:txEffectClrLst/>
+  </dgm:styleLbl>
+  <dgm:styleLbl name="trBgShp">
+    <dgm:fillClrLst meth="repeat">
+      <a:schemeClr val="accent1">
+        <a:tint val="50000"/>
+        <a:alpha val="40000"/>
+      </a:schemeClr>
+    </dgm:fillClrLst>
+    <dgm:linClrLst meth="repeat">
+      <a:schemeClr val="accent1"/>
+    </dgm:linClrLst>
+    <dgm:effectClrLst/>
+    <dgm:txLinClrLst/>
+    <dgm:txFillClrLst meth="repeat">
+      <a:schemeClr val="lt1"/>
+    </dgm:txFillClrLst>
+    <dgm:txEffectClrLst/>
+  </dgm:styleLbl>
+  <dgm:styleLbl name="fgShp">
+    <dgm:fillClrLst meth="repeat">
+      <a:schemeClr val="accent1">
+        <a:tint val="60000"/>
+      </a:schemeClr>
+    </dgm:fillClrLst>
+    <dgm:linClrLst meth="repeat">
+      <a:schemeClr val="lt1"/>
+    </dgm:linClrLst>
+    <dgm:effectClrLst/>
+    <dgm:txLinClrLst/>
+    <dgm:txFillClrLst meth="repeat">
+      <a:schemeClr val="dk1"/>
+    </dgm:txFillClrLst>
+    <dgm:txEffectClrLst/>
+  </dgm:styleLbl>
+  <dgm:styleLbl name="revTx">
+    <dgm:fillClrLst meth="repeat">
+      <a:schemeClr val="lt1">
+        <a:alpha val="0"/>
+      </a:schemeClr>
+    </dgm:fillClrLst>
+    <dgm:linClrLst meth="repeat">
+      <a:schemeClr val="dk1">
+        <a:alpha val="0"/>
+      </a:schemeClr>
+    </dgm:linClrLst>
+    <dgm:effectClrLst/>
+    <dgm:txLinClrLst/>
+    <dgm:txFillClrLst meth="repeat">
+      <a:schemeClr val="tx1"/>
+    </dgm:txFillClrLst>
+    <dgm:txEffectClrLst/>
+  </dgm:styleLbl>
+</dgm:colorsDef>
+</file>
+
+<file path=ppt/diagrams/colors4.xml><?xml version="1.0" encoding="utf-8"?>
 <dgm:colorsDef xmlns:dgm="http://schemas.openxmlformats.org/drawingml/2006/diagram" xmlns:a="http://schemas.openxmlformats.org/drawingml/2006/main" uniqueId="urn:microsoft.com/office/officeart/2005/8/colors/accent1_2">
   <dgm:title val=""/>
   <dgm:desc val=""/>
@@ -2400,6 +3896,784 @@
   <dgm:extLst>
     <a:ext uri="http://schemas.microsoft.com/office/drawing/2008/diagram">
       <dsp:dataModelExt xmlns:dsp="http://schemas.microsoft.com/office/drawing/2008/diagram" relId="rId6" minVer="http://schemas.openxmlformats.org/drawingml/2006/diagram"/>
+    </a:ext>
+  </dgm:extLst>
+</dgm:dataModel>
+</file>
+
+<file path=ppt/diagrams/data3.xml><?xml version="1.0" encoding="utf-8"?>
+<dgm:dataModel xmlns:dgm="http://schemas.openxmlformats.org/drawingml/2006/diagram" xmlns:a="http://schemas.openxmlformats.org/drawingml/2006/main">
+  <dgm:ptLst>
+    <dgm:pt modelId="{BAE027D1-D0F7-4121-BFB5-B442AED2F54E}" type="doc">
+      <dgm:prSet loTypeId="urn:microsoft.com/office/officeart/2005/8/layout/radial6" loCatId="relationship" qsTypeId="urn:microsoft.com/office/officeart/2005/8/quickstyle/simple1" qsCatId="simple" csTypeId="urn:microsoft.com/office/officeart/2005/8/colors/accent1_2" csCatId="accent1" phldr="1"/>
+      <dgm:spPr/>
+      <dgm:t>
+        <a:bodyPr/>
+        <a:lstStyle/>
+        <a:p>
+          <a:endParaRPr lang="zh-CN" altLang="en-US"/>
+        </a:p>
+      </dgm:t>
+    </dgm:pt>
+    <dgm:pt modelId="{FC9597B3-5D10-46C2-AA0D-E6D5FB531692}">
+      <dgm:prSet phldrT="[Text]"/>
+      <dgm:spPr/>
+      <dgm:t>
+        <a:bodyPr/>
+        <a:lstStyle/>
+        <a:p>
+          <a:r>
+            <a:rPr lang="en-US" altLang="zh-CN" dirty="0" smtClean="0"/>
+            <a:t>zookeeper</a:t>
+          </a:r>
+          <a:endParaRPr lang="zh-CN" altLang="en-US" dirty="0"/>
+        </a:p>
+      </dgm:t>
+    </dgm:pt>
+    <dgm:pt modelId="{594DAB78-EFA0-4244-B029-06418B8207DC}" type="parTrans" cxnId="{EF37043E-5C15-4A9F-A1B3-F64F36F92AC5}">
+      <dgm:prSet/>
+      <dgm:spPr/>
+      <dgm:t>
+        <a:bodyPr/>
+        <a:lstStyle/>
+        <a:p>
+          <a:endParaRPr lang="zh-CN" altLang="en-US"/>
+        </a:p>
+      </dgm:t>
+    </dgm:pt>
+    <dgm:pt modelId="{7AE3C06B-4963-40F9-BB3F-0733581C36D0}" type="sibTrans" cxnId="{EF37043E-5C15-4A9F-A1B3-F64F36F92AC5}">
+      <dgm:prSet/>
+      <dgm:spPr/>
+      <dgm:t>
+        <a:bodyPr/>
+        <a:lstStyle/>
+        <a:p>
+          <a:endParaRPr lang="zh-CN" altLang="en-US"/>
+        </a:p>
+      </dgm:t>
+    </dgm:pt>
+    <dgm:pt modelId="{1D3D4CF6-794D-42EB-A635-83678A430A5D}">
+      <dgm:prSet phldrT="[Text]"/>
+      <dgm:spPr/>
+      <dgm:t>
+        <a:bodyPr/>
+        <a:lstStyle/>
+        <a:p>
+          <a:r>
+            <a:rPr lang="en-US" altLang="zh-CN" dirty="0" smtClean="0"/>
+            <a:t>node</a:t>
+          </a:r>
+          <a:endParaRPr lang="zh-CN" altLang="en-US" dirty="0"/>
+        </a:p>
+      </dgm:t>
+    </dgm:pt>
+    <dgm:pt modelId="{8B408EA1-8B8C-4AB1-850D-8EC76C325C81}" type="parTrans" cxnId="{0502282A-0850-42C8-9181-54B57D1709BA}">
+      <dgm:prSet/>
+      <dgm:spPr/>
+      <dgm:t>
+        <a:bodyPr/>
+        <a:lstStyle/>
+        <a:p>
+          <a:endParaRPr lang="zh-CN" altLang="en-US"/>
+        </a:p>
+      </dgm:t>
+    </dgm:pt>
+    <dgm:pt modelId="{94A3AC47-0464-4E49-A496-0F2873A3EA3A}" type="sibTrans" cxnId="{0502282A-0850-42C8-9181-54B57D1709BA}">
+      <dgm:prSet/>
+      <dgm:spPr/>
+      <dgm:t>
+        <a:bodyPr/>
+        <a:lstStyle/>
+        <a:p>
+          <a:endParaRPr lang="zh-CN" altLang="en-US"/>
+        </a:p>
+      </dgm:t>
+    </dgm:pt>
+    <dgm:pt modelId="{CB023526-40FF-4358-B2DF-C07517FDCCAD}">
+      <dgm:prSet phldrT="[Text]"/>
+      <dgm:spPr/>
+      <dgm:t>
+        <a:bodyPr/>
+        <a:lstStyle/>
+        <a:p>
+          <a:r>
+            <a:rPr lang="en-US" altLang="zh-CN" dirty="0" smtClean="0"/>
+            <a:t>node</a:t>
+          </a:r>
+          <a:endParaRPr lang="zh-CN" altLang="en-US" dirty="0"/>
+        </a:p>
+      </dgm:t>
+    </dgm:pt>
+    <dgm:pt modelId="{3A46552D-8BD0-4398-884A-A5F464B1BE54}" type="parTrans" cxnId="{76AF5A3D-6709-4452-8CF2-C5DC59329AE2}">
+      <dgm:prSet/>
+      <dgm:spPr/>
+      <dgm:t>
+        <a:bodyPr/>
+        <a:lstStyle/>
+        <a:p>
+          <a:endParaRPr lang="zh-CN" altLang="en-US"/>
+        </a:p>
+      </dgm:t>
+    </dgm:pt>
+    <dgm:pt modelId="{88274FBF-4817-4860-A6A7-0909AF593123}" type="sibTrans" cxnId="{76AF5A3D-6709-4452-8CF2-C5DC59329AE2}">
+      <dgm:prSet/>
+      <dgm:spPr/>
+      <dgm:t>
+        <a:bodyPr/>
+        <a:lstStyle/>
+        <a:p>
+          <a:endParaRPr lang="zh-CN" altLang="en-US"/>
+        </a:p>
+      </dgm:t>
+    </dgm:pt>
+    <dgm:pt modelId="{4F9D371F-9851-404D-9F51-29B67E26FB75}">
+      <dgm:prSet phldrT="[Text]"/>
+      <dgm:spPr/>
+      <dgm:t>
+        <a:bodyPr/>
+        <a:lstStyle/>
+        <a:p>
+          <a:r>
+            <a:rPr lang="en-US" altLang="zh-CN" dirty="0" smtClean="0"/>
+            <a:t>node</a:t>
+          </a:r>
+          <a:endParaRPr lang="zh-CN" altLang="en-US" dirty="0"/>
+        </a:p>
+      </dgm:t>
+    </dgm:pt>
+    <dgm:pt modelId="{BB5DA02C-8606-497E-A24F-E6D5A2E4F1DF}" type="parTrans" cxnId="{D015E747-D6F9-424D-AC39-605400E61C26}">
+      <dgm:prSet/>
+      <dgm:spPr/>
+      <dgm:t>
+        <a:bodyPr/>
+        <a:lstStyle/>
+        <a:p>
+          <a:endParaRPr lang="zh-CN" altLang="en-US"/>
+        </a:p>
+      </dgm:t>
+    </dgm:pt>
+    <dgm:pt modelId="{D2A4E899-43A5-4319-8D6E-8310D1693D80}" type="sibTrans" cxnId="{D015E747-D6F9-424D-AC39-605400E61C26}">
+      <dgm:prSet/>
+      <dgm:spPr/>
+      <dgm:t>
+        <a:bodyPr/>
+        <a:lstStyle/>
+        <a:p>
+          <a:endParaRPr lang="zh-CN" altLang="en-US"/>
+        </a:p>
+      </dgm:t>
+    </dgm:pt>
+    <dgm:pt modelId="{9C64517A-FC0C-4865-9C2C-E31A95B0D9A5}">
+      <dgm:prSet phldrT="[Text]"/>
+      <dgm:spPr/>
+      <dgm:t>
+        <a:bodyPr/>
+        <a:lstStyle/>
+        <a:p>
+          <a:r>
+            <a:rPr lang="en-US" altLang="zh-CN" dirty="0" smtClean="0"/>
+            <a:t>node</a:t>
+          </a:r>
+          <a:endParaRPr lang="zh-CN" altLang="en-US" dirty="0"/>
+        </a:p>
+      </dgm:t>
+    </dgm:pt>
+    <dgm:pt modelId="{4E38066B-EE49-4D7F-B201-2EE961B92971}" type="parTrans" cxnId="{4DF9AA58-03CB-4CF5-80DB-42A383E0E102}">
+      <dgm:prSet/>
+      <dgm:spPr/>
+      <dgm:t>
+        <a:bodyPr/>
+        <a:lstStyle/>
+        <a:p>
+          <a:endParaRPr lang="zh-CN" altLang="en-US"/>
+        </a:p>
+      </dgm:t>
+    </dgm:pt>
+    <dgm:pt modelId="{F35823C7-AB76-40D3-9A52-427DF777B107}" type="sibTrans" cxnId="{4DF9AA58-03CB-4CF5-80DB-42A383E0E102}">
+      <dgm:prSet/>
+      <dgm:spPr/>
+      <dgm:t>
+        <a:bodyPr/>
+        <a:lstStyle/>
+        <a:p>
+          <a:endParaRPr lang="zh-CN" altLang="en-US"/>
+        </a:p>
+      </dgm:t>
+    </dgm:pt>
+    <dgm:pt modelId="{7187DBAC-EFFD-47A9-93DB-F8D36221933A}" type="pres">
+      <dgm:prSet presAssocID="{BAE027D1-D0F7-4121-BFB5-B442AED2F54E}" presName="Name0" presStyleCnt="0">
+        <dgm:presLayoutVars>
+          <dgm:chMax val="1"/>
+          <dgm:dir/>
+          <dgm:animLvl val="ctr"/>
+          <dgm:resizeHandles val="exact"/>
+        </dgm:presLayoutVars>
+      </dgm:prSet>
+      <dgm:spPr/>
+      <dgm:t>
+        <a:bodyPr/>
+        <a:lstStyle/>
+        <a:p>
+          <a:endParaRPr lang="zh-CN" altLang="en-US"/>
+        </a:p>
+      </dgm:t>
+    </dgm:pt>
+    <dgm:pt modelId="{9B4F63D3-AED5-4523-989A-5A241FA965E7}" type="pres">
+      <dgm:prSet presAssocID="{FC9597B3-5D10-46C2-AA0D-E6D5FB531692}" presName="centerShape" presStyleLbl="node0" presStyleIdx="0" presStyleCnt="1"/>
+      <dgm:spPr/>
+      <dgm:t>
+        <a:bodyPr/>
+        <a:lstStyle/>
+        <a:p>
+          <a:endParaRPr lang="zh-CN" altLang="en-US"/>
+        </a:p>
+      </dgm:t>
+    </dgm:pt>
+    <dgm:pt modelId="{51C2037F-0742-4BA5-83C1-019C61695775}" type="pres">
+      <dgm:prSet presAssocID="{1D3D4CF6-794D-42EB-A635-83678A430A5D}" presName="node" presStyleLbl="node1" presStyleIdx="0" presStyleCnt="4">
+        <dgm:presLayoutVars>
+          <dgm:bulletEnabled val="1"/>
+        </dgm:presLayoutVars>
+      </dgm:prSet>
+      <dgm:spPr/>
+      <dgm:t>
+        <a:bodyPr/>
+        <a:lstStyle/>
+        <a:p>
+          <a:endParaRPr lang="zh-CN" altLang="en-US"/>
+        </a:p>
+      </dgm:t>
+    </dgm:pt>
+    <dgm:pt modelId="{EE24DB42-DF39-4FB8-9723-E00074622C58}" type="pres">
+      <dgm:prSet presAssocID="{1D3D4CF6-794D-42EB-A635-83678A430A5D}" presName="dummy" presStyleCnt="0"/>
+      <dgm:spPr/>
+    </dgm:pt>
+    <dgm:pt modelId="{C579270D-3773-48B5-AB8D-5FFD07E97341}" type="pres">
+      <dgm:prSet presAssocID="{94A3AC47-0464-4E49-A496-0F2873A3EA3A}" presName="sibTrans" presStyleLbl="sibTrans2D1" presStyleIdx="0" presStyleCnt="4"/>
+      <dgm:spPr/>
+      <dgm:t>
+        <a:bodyPr/>
+        <a:lstStyle/>
+        <a:p>
+          <a:endParaRPr lang="zh-CN" altLang="en-US"/>
+        </a:p>
+      </dgm:t>
+    </dgm:pt>
+    <dgm:pt modelId="{CCE41C61-0BB6-4199-99CD-6192C0C97DDF}" type="pres">
+      <dgm:prSet presAssocID="{CB023526-40FF-4358-B2DF-C07517FDCCAD}" presName="node" presStyleLbl="node1" presStyleIdx="1" presStyleCnt="4">
+        <dgm:presLayoutVars>
+          <dgm:bulletEnabled val="1"/>
+        </dgm:presLayoutVars>
+      </dgm:prSet>
+      <dgm:spPr/>
+      <dgm:t>
+        <a:bodyPr/>
+        <a:lstStyle/>
+        <a:p>
+          <a:endParaRPr lang="zh-CN" altLang="en-US"/>
+        </a:p>
+      </dgm:t>
+    </dgm:pt>
+    <dgm:pt modelId="{A481D043-AA72-4E99-B6A9-0A412B0AD58F}" type="pres">
+      <dgm:prSet presAssocID="{CB023526-40FF-4358-B2DF-C07517FDCCAD}" presName="dummy" presStyleCnt="0"/>
+      <dgm:spPr/>
+    </dgm:pt>
+    <dgm:pt modelId="{8F750C20-7C07-4C2B-A182-158796648051}" type="pres">
+      <dgm:prSet presAssocID="{88274FBF-4817-4860-A6A7-0909AF593123}" presName="sibTrans" presStyleLbl="sibTrans2D1" presStyleIdx="1" presStyleCnt="4"/>
+      <dgm:spPr/>
+      <dgm:t>
+        <a:bodyPr/>
+        <a:lstStyle/>
+        <a:p>
+          <a:endParaRPr lang="zh-CN" altLang="en-US"/>
+        </a:p>
+      </dgm:t>
+    </dgm:pt>
+    <dgm:pt modelId="{BA58AA36-A177-40C0-8906-88599249BD07}" type="pres">
+      <dgm:prSet presAssocID="{4F9D371F-9851-404D-9F51-29B67E26FB75}" presName="node" presStyleLbl="node1" presStyleIdx="2" presStyleCnt="4">
+        <dgm:presLayoutVars>
+          <dgm:bulletEnabled val="1"/>
+        </dgm:presLayoutVars>
+      </dgm:prSet>
+      <dgm:spPr/>
+      <dgm:t>
+        <a:bodyPr/>
+        <a:lstStyle/>
+        <a:p>
+          <a:endParaRPr lang="zh-CN" altLang="en-US"/>
+        </a:p>
+      </dgm:t>
+    </dgm:pt>
+    <dgm:pt modelId="{ED47B2C3-0940-4AEB-8C79-DB1C9583E32E}" type="pres">
+      <dgm:prSet presAssocID="{4F9D371F-9851-404D-9F51-29B67E26FB75}" presName="dummy" presStyleCnt="0"/>
+      <dgm:spPr/>
+    </dgm:pt>
+    <dgm:pt modelId="{73B61B08-C7FB-494D-B7CA-2D7B8EC608AE}" type="pres">
+      <dgm:prSet presAssocID="{D2A4E899-43A5-4319-8D6E-8310D1693D80}" presName="sibTrans" presStyleLbl="sibTrans2D1" presStyleIdx="2" presStyleCnt="4"/>
+      <dgm:spPr/>
+      <dgm:t>
+        <a:bodyPr/>
+        <a:lstStyle/>
+        <a:p>
+          <a:endParaRPr lang="zh-CN" altLang="en-US"/>
+        </a:p>
+      </dgm:t>
+    </dgm:pt>
+    <dgm:pt modelId="{AA6F1BFF-8580-44FB-8917-18590AB27716}" type="pres">
+      <dgm:prSet presAssocID="{9C64517A-FC0C-4865-9C2C-E31A95B0D9A5}" presName="node" presStyleLbl="node1" presStyleIdx="3" presStyleCnt="4">
+        <dgm:presLayoutVars>
+          <dgm:bulletEnabled val="1"/>
+        </dgm:presLayoutVars>
+      </dgm:prSet>
+      <dgm:spPr/>
+      <dgm:t>
+        <a:bodyPr/>
+        <a:lstStyle/>
+        <a:p>
+          <a:endParaRPr lang="zh-CN" altLang="en-US"/>
+        </a:p>
+      </dgm:t>
+    </dgm:pt>
+    <dgm:pt modelId="{F1F46088-D1FC-454D-A6AE-3A4B605A331F}" type="pres">
+      <dgm:prSet presAssocID="{9C64517A-FC0C-4865-9C2C-E31A95B0D9A5}" presName="dummy" presStyleCnt="0"/>
+      <dgm:spPr/>
+    </dgm:pt>
+    <dgm:pt modelId="{C5D311EF-68DF-41FB-89DB-A454A59443D9}" type="pres">
+      <dgm:prSet presAssocID="{F35823C7-AB76-40D3-9A52-427DF777B107}" presName="sibTrans" presStyleLbl="sibTrans2D1" presStyleIdx="3" presStyleCnt="4"/>
+      <dgm:spPr/>
+      <dgm:t>
+        <a:bodyPr/>
+        <a:lstStyle/>
+        <a:p>
+          <a:endParaRPr lang="zh-CN" altLang="en-US"/>
+        </a:p>
+      </dgm:t>
+    </dgm:pt>
+  </dgm:ptLst>
+  <dgm:cxnLst>
+    <dgm:cxn modelId="{090D2D9B-3D0C-4C8F-B974-F85C36A91859}" type="presOf" srcId="{FC9597B3-5D10-46C2-AA0D-E6D5FB531692}" destId="{9B4F63D3-AED5-4523-989A-5A241FA965E7}" srcOrd="0" destOrd="0" presId="urn:microsoft.com/office/officeart/2005/8/layout/radial6"/>
+    <dgm:cxn modelId="{8E893A6C-2D09-4C40-A729-5788485E8E0B}" type="presOf" srcId="{1D3D4CF6-794D-42EB-A635-83678A430A5D}" destId="{51C2037F-0742-4BA5-83C1-019C61695775}" srcOrd="0" destOrd="0" presId="urn:microsoft.com/office/officeart/2005/8/layout/radial6"/>
+    <dgm:cxn modelId="{D015E747-D6F9-424D-AC39-605400E61C26}" srcId="{FC9597B3-5D10-46C2-AA0D-E6D5FB531692}" destId="{4F9D371F-9851-404D-9F51-29B67E26FB75}" srcOrd="2" destOrd="0" parTransId="{BB5DA02C-8606-497E-A24F-E6D5A2E4F1DF}" sibTransId="{D2A4E899-43A5-4319-8D6E-8310D1693D80}"/>
+    <dgm:cxn modelId="{1C798437-F328-4B66-B7EA-BFAFBD3940FE}" type="presOf" srcId="{4F9D371F-9851-404D-9F51-29B67E26FB75}" destId="{BA58AA36-A177-40C0-8906-88599249BD07}" srcOrd="0" destOrd="0" presId="urn:microsoft.com/office/officeart/2005/8/layout/radial6"/>
+    <dgm:cxn modelId="{3F2D5D5E-ADDF-4CD3-85B9-8682F91C970C}" type="presOf" srcId="{F35823C7-AB76-40D3-9A52-427DF777B107}" destId="{C5D311EF-68DF-41FB-89DB-A454A59443D9}" srcOrd="0" destOrd="0" presId="urn:microsoft.com/office/officeart/2005/8/layout/radial6"/>
+    <dgm:cxn modelId="{0502282A-0850-42C8-9181-54B57D1709BA}" srcId="{FC9597B3-5D10-46C2-AA0D-E6D5FB531692}" destId="{1D3D4CF6-794D-42EB-A635-83678A430A5D}" srcOrd="0" destOrd="0" parTransId="{8B408EA1-8B8C-4AB1-850D-8EC76C325C81}" sibTransId="{94A3AC47-0464-4E49-A496-0F2873A3EA3A}"/>
+    <dgm:cxn modelId="{45862B7B-E880-48DD-92D2-B02F92CDE6DC}" type="presOf" srcId="{9C64517A-FC0C-4865-9C2C-E31A95B0D9A5}" destId="{AA6F1BFF-8580-44FB-8917-18590AB27716}" srcOrd="0" destOrd="0" presId="urn:microsoft.com/office/officeart/2005/8/layout/radial6"/>
+    <dgm:cxn modelId="{76AF5A3D-6709-4452-8CF2-C5DC59329AE2}" srcId="{FC9597B3-5D10-46C2-AA0D-E6D5FB531692}" destId="{CB023526-40FF-4358-B2DF-C07517FDCCAD}" srcOrd="1" destOrd="0" parTransId="{3A46552D-8BD0-4398-884A-A5F464B1BE54}" sibTransId="{88274FBF-4817-4860-A6A7-0909AF593123}"/>
+    <dgm:cxn modelId="{EE50E384-91EA-4557-A6A1-B40846A599FF}" type="presOf" srcId="{94A3AC47-0464-4E49-A496-0F2873A3EA3A}" destId="{C579270D-3773-48B5-AB8D-5FFD07E97341}" srcOrd="0" destOrd="0" presId="urn:microsoft.com/office/officeart/2005/8/layout/radial6"/>
+    <dgm:cxn modelId="{6A9D2FAC-CF88-4550-8913-DFE445EB78AB}" type="presOf" srcId="{CB023526-40FF-4358-B2DF-C07517FDCCAD}" destId="{CCE41C61-0BB6-4199-99CD-6192C0C97DDF}" srcOrd="0" destOrd="0" presId="urn:microsoft.com/office/officeart/2005/8/layout/radial6"/>
+    <dgm:cxn modelId="{7DCB4BC4-44FC-4DAF-81D2-C54B4116AE34}" type="presOf" srcId="{D2A4E899-43A5-4319-8D6E-8310D1693D80}" destId="{73B61B08-C7FB-494D-B7CA-2D7B8EC608AE}" srcOrd="0" destOrd="0" presId="urn:microsoft.com/office/officeart/2005/8/layout/radial6"/>
+    <dgm:cxn modelId="{56703A05-F86B-4DCD-AF82-CC14F8F5DAEF}" type="presOf" srcId="{BAE027D1-D0F7-4121-BFB5-B442AED2F54E}" destId="{7187DBAC-EFFD-47A9-93DB-F8D36221933A}" srcOrd="0" destOrd="0" presId="urn:microsoft.com/office/officeart/2005/8/layout/radial6"/>
+    <dgm:cxn modelId="{E193C739-0EC8-4956-B1C4-35CDF51AF26F}" type="presOf" srcId="{88274FBF-4817-4860-A6A7-0909AF593123}" destId="{8F750C20-7C07-4C2B-A182-158796648051}" srcOrd="0" destOrd="0" presId="urn:microsoft.com/office/officeart/2005/8/layout/radial6"/>
+    <dgm:cxn modelId="{EF37043E-5C15-4A9F-A1B3-F64F36F92AC5}" srcId="{BAE027D1-D0F7-4121-BFB5-B442AED2F54E}" destId="{FC9597B3-5D10-46C2-AA0D-E6D5FB531692}" srcOrd="0" destOrd="0" parTransId="{594DAB78-EFA0-4244-B029-06418B8207DC}" sibTransId="{7AE3C06B-4963-40F9-BB3F-0733581C36D0}"/>
+    <dgm:cxn modelId="{4DF9AA58-03CB-4CF5-80DB-42A383E0E102}" srcId="{FC9597B3-5D10-46C2-AA0D-E6D5FB531692}" destId="{9C64517A-FC0C-4865-9C2C-E31A95B0D9A5}" srcOrd="3" destOrd="0" parTransId="{4E38066B-EE49-4D7F-B201-2EE961B92971}" sibTransId="{F35823C7-AB76-40D3-9A52-427DF777B107}"/>
+    <dgm:cxn modelId="{96E1492B-F6A0-4787-9425-D6BD0D1BEBC6}" type="presParOf" srcId="{7187DBAC-EFFD-47A9-93DB-F8D36221933A}" destId="{9B4F63D3-AED5-4523-989A-5A241FA965E7}" srcOrd="0" destOrd="0" presId="urn:microsoft.com/office/officeart/2005/8/layout/radial6"/>
+    <dgm:cxn modelId="{C7C30530-AC2F-49A7-AD71-05F3398B0AF4}" type="presParOf" srcId="{7187DBAC-EFFD-47A9-93DB-F8D36221933A}" destId="{51C2037F-0742-4BA5-83C1-019C61695775}" srcOrd="1" destOrd="0" presId="urn:microsoft.com/office/officeart/2005/8/layout/radial6"/>
+    <dgm:cxn modelId="{94739639-A837-4C78-8D69-E403E9D87613}" type="presParOf" srcId="{7187DBAC-EFFD-47A9-93DB-F8D36221933A}" destId="{EE24DB42-DF39-4FB8-9723-E00074622C58}" srcOrd="2" destOrd="0" presId="urn:microsoft.com/office/officeart/2005/8/layout/radial6"/>
+    <dgm:cxn modelId="{75443890-45F0-43D5-A9C1-3CC67F3860F6}" type="presParOf" srcId="{7187DBAC-EFFD-47A9-93DB-F8D36221933A}" destId="{C579270D-3773-48B5-AB8D-5FFD07E97341}" srcOrd="3" destOrd="0" presId="urn:microsoft.com/office/officeart/2005/8/layout/radial6"/>
+    <dgm:cxn modelId="{E81C15B2-4868-4E36-B868-E22F84F7AD57}" type="presParOf" srcId="{7187DBAC-EFFD-47A9-93DB-F8D36221933A}" destId="{CCE41C61-0BB6-4199-99CD-6192C0C97DDF}" srcOrd="4" destOrd="0" presId="urn:microsoft.com/office/officeart/2005/8/layout/radial6"/>
+    <dgm:cxn modelId="{6E3663CD-A855-4C08-ACB8-F511FFC9D9E8}" type="presParOf" srcId="{7187DBAC-EFFD-47A9-93DB-F8D36221933A}" destId="{A481D043-AA72-4E99-B6A9-0A412B0AD58F}" srcOrd="5" destOrd="0" presId="urn:microsoft.com/office/officeart/2005/8/layout/radial6"/>
+    <dgm:cxn modelId="{81DE76C8-55DD-4544-AD8E-32C2FFB4182E}" type="presParOf" srcId="{7187DBAC-EFFD-47A9-93DB-F8D36221933A}" destId="{8F750C20-7C07-4C2B-A182-158796648051}" srcOrd="6" destOrd="0" presId="urn:microsoft.com/office/officeart/2005/8/layout/radial6"/>
+    <dgm:cxn modelId="{F540DE3D-88E1-4325-B347-DBFBC3E1FA3C}" type="presParOf" srcId="{7187DBAC-EFFD-47A9-93DB-F8D36221933A}" destId="{BA58AA36-A177-40C0-8906-88599249BD07}" srcOrd="7" destOrd="0" presId="urn:microsoft.com/office/officeart/2005/8/layout/radial6"/>
+    <dgm:cxn modelId="{309E492D-6D69-4E7C-BBED-2195C105F40B}" type="presParOf" srcId="{7187DBAC-EFFD-47A9-93DB-F8D36221933A}" destId="{ED47B2C3-0940-4AEB-8C79-DB1C9583E32E}" srcOrd="8" destOrd="0" presId="urn:microsoft.com/office/officeart/2005/8/layout/radial6"/>
+    <dgm:cxn modelId="{79418F85-0E6B-427C-95B8-F3CC33F4034E}" type="presParOf" srcId="{7187DBAC-EFFD-47A9-93DB-F8D36221933A}" destId="{73B61B08-C7FB-494D-B7CA-2D7B8EC608AE}" srcOrd="9" destOrd="0" presId="urn:microsoft.com/office/officeart/2005/8/layout/radial6"/>
+    <dgm:cxn modelId="{8072911A-58F0-4873-B223-CA60AFAF502E}" type="presParOf" srcId="{7187DBAC-EFFD-47A9-93DB-F8D36221933A}" destId="{AA6F1BFF-8580-44FB-8917-18590AB27716}" srcOrd="10" destOrd="0" presId="urn:microsoft.com/office/officeart/2005/8/layout/radial6"/>
+    <dgm:cxn modelId="{E367FA51-3DCF-41FC-9994-6FDB97F74315}" type="presParOf" srcId="{7187DBAC-EFFD-47A9-93DB-F8D36221933A}" destId="{F1F46088-D1FC-454D-A6AE-3A4B605A331F}" srcOrd="11" destOrd="0" presId="urn:microsoft.com/office/officeart/2005/8/layout/radial6"/>
+    <dgm:cxn modelId="{E1600487-7EAB-4146-849A-F629059C870B}" type="presParOf" srcId="{7187DBAC-EFFD-47A9-93DB-F8D36221933A}" destId="{C5D311EF-68DF-41FB-89DB-A454A59443D9}" srcOrd="12" destOrd="0" presId="urn:microsoft.com/office/officeart/2005/8/layout/radial6"/>
+  </dgm:cxnLst>
+  <dgm:bg/>
+  <dgm:whole/>
+  <dgm:extLst>
+    <a:ext uri="http://schemas.microsoft.com/office/drawing/2008/diagram">
+      <dsp:dataModelExt xmlns:dsp="http://schemas.microsoft.com/office/drawing/2008/diagram" relId="rId7" minVer="http://schemas.openxmlformats.org/drawingml/2006/diagram"/>
+    </a:ext>
+  </dgm:extLst>
+</dgm:dataModel>
+</file>
+
+<file path=ppt/diagrams/data4.xml><?xml version="1.0" encoding="utf-8"?>
+<dgm:dataModel xmlns:dgm="http://schemas.openxmlformats.org/drawingml/2006/diagram" xmlns:a="http://schemas.openxmlformats.org/drawingml/2006/main">
+  <dgm:ptLst>
+    <dgm:pt modelId="{BAE027D1-D0F7-4121-BFB5-B442AED2F54E}" type="doc">
+      <dgm:prSet loTypeId="urn:microsoft.com/office/officeart/2005/8/layout/radial6" loCatId="relationship" qsTypeId="urn:microsoft.com/office/officeart/2005/8/quickstyle/simple1" qsCatId="simple" csTypeId="urn:microsoft.com/office/officeart/2005/8/colors/accent1_2" csCatId="accent1" phldr="1"/>
+      <dgm:spPr/>
+      <dgm:t>
+        <a:bodyPr/>
+        <a:lstStyle/>
+        <a:p>
+          <a:endParaRPr lang="zh-CN" altLang="en-US"/>
+        </a:p>
+      </dgm:t>
+    </dgm:pt>
+    <dgm:pt modelId="{FC9597B3-5D10-46C2-AA0D-E6D5FB531692}">
+      <dgm:prSet phldrT="[Text]"/>
+      <dgm:spPr/>
+      <dgm:t>
+        <a:bodyPr/>
+        <a:lstStyle/>
+        <a:p>
+          <a:r>
+            <a:rPr lang="en-US" altLang="zh-CN" dirty="0" smtClean="0"/>
+            <a:t>zookeeper</a:t>
+          </a:r>
+          <a:endParaRPr lang="zh-CN" altLang="en-US" dirty="0"/>
+        </a:p>
+      </dgm:t>
+    </dgm:pt>
+    <dgm:pt modelId="{594DAB78-EFA0-4244-B029-06418B8207DC}" type="parTrans" cxnId="{EF37043E-5C15-4A9F-A1B3-F64F36F92AC5}">
+      <dgm:prSet/>
+      <dgm:spPr/>
+      <dgm:t>
+        <a:bodyPr/>
+        <a:lstStyle/>
+        <a:p>
+          <a:endParaRPr lang="zh-CN" altLang="en-US"/>
+        </a:p>
+      </dgm:t>
+    </dgm:pt>
+    <dgm:pt modelId="{7AE3C06B-4963-40F9-BB3F-0733581C36D0}" type="sibTrans" cxnId="{EF37043E-5C15-4A9F-A1B3-F64F36F92AC5}">
+      <dgm:prSet/>
+      <dgm:spPr/>
+      <dgm:t>
+        <a:bodyPr/>
+        <a:lstStyle/>
+        <a:p>
+          <a:endParaRPr lang="zh-CN" altLang="en-US"/>
+        </a:p>
+      </dgm:t>
+    </dgm:pt>
+    <dgm:pt modelId="{1D3D4CF6-794D-42EB-A635-83678A430A5D}">
+      <dgm:prSet phldrT="[Text]"/>
+      <dgm:spPr/>
+      <dgm:t>
+        <a:bodyPr/>
+        <a:lstStyle/>
+        <a:p>
+          <a:r>
+            <a:rPr lang="en-US" altLang="zh-CN" dirty="0" smtClean="0"/>
+            <a:t>node</a:t>
+          </a:r>
+          <a:endParaRPr lang="zh-CN" altLang="en-US" dirty="0"/>
+        </a:p>
+      </dgm:t>
+    </dgm:pt>
+    <dgm:pt modelId="{8B408EA1-8B8C-4AB1-850D-8EC76C325C81}" type="parTrans" cxnId="{0502282A-0850-42C8-9181-54B57D1709BA}">
+      <dgm:prSet/>
+      <dgm:spPr/>
+      <dgm:t>
+        <a:bodyPr/>
+        <a:lstStyle/>
+        <a:p>
+          <a:endParaRPr lang="zh-CN" altLang="en-US"/>
+        </a:p>
+      </dgm:t>
+    </dgm:pt>
+    <dgm:pt modelId="{94A3AC47-0464-4E49-A496-0F2873A3EA3A}" type="sibTrans" cxnId="{0502282A-0850-42C8-9181-54B57D1709BA}">
+      <dgm:prSet/>
+      <dgm:spPr/>
+      <dgm:t>
+        <a:bodyPr/>
+        <a:lstStyle/>
+        <a:p>
+          <a:endParaRPr lang="zh-CN" altLang="en-US"/>
+        </a:p>
+      </dgm:t>
+    </dgm:pt>
+    <dgm:pt modelId="{CB023526-40FF-4358-B2DF-C07517FDCCAD}">
+      <dgm:prSet phldrT="[Text]"/>
+      <dgm:spPr/>
+      <dgm:t>
+        <a:bodyPr/>
+        <a:lstStyle/>
+        <a:p>
+          <a:r>
+            <a:rPr lang="en-US" altLang="zh-CN" dirty="0" smtClean="0"/>
+            <a:t>node</a:t>
+          </a:r>
+          <a:endParaRPr lang="zh-CN" altLang="en-US" dirty="0"/>
+        </a:p>
+      </dgm:t>
+    </dgm:pt>
+    <dgm:pt modelId="{3A46552D-8BD0-4398-884A-A5F464B1BE54}" type="parTrans" cxnId="{76AF5A3D-6709-4452-8CF2-C5DC59329AE2}">
+      <dgm:prSet/>
+      <dgm:spPr/>
+      <dgm:t>
+        <a:bodyPr/>
+        <a:lstStyle/>
+        <a:p>
+          <a:endParaRPr lang="zh-CN" altLang="en-US"/>
+        </a:p>
+      </dgm:t>
+    </dgm:pt>
+    <dgm:pt modelId="{88274FBF-4817-4860-A6A7-0909AF593123}" type="sibTrans" cxnId="{76AF5A3D-6709-4452-8CF2-C5DC59329AE2}">
+      <dgm:prSet/>
+      <dgm:spPr/>
+      <dgm:t>
+        <a:bodyPr/>
+        <a:lstStyle/>
+        <a:p>
+          <a:endParaRPr lang="zh-CN" altLang="en-US"/>
+        </a:p>
+      </dgm:t>
+    </dgm:pt>
+    <dgm:pt modelId="{4F9D371F-9851-404D-9F51-29B67E26FB75}">
+      <dgm:prSet phldrT="[Text]"/>
+      <dgm:spPr/>
+      <dgm:t>
+        <a:bodyPr/>
+        <a:lstStyle/>
+        <a:p>
+          <a:r>
+            <a:rPr lang="en-US" altLang="zh-CN" dirty="0" smtClean="0"/>
+            <a:t>node</a:t>
+          </a:r>
+          <a:endParaRPr lang="zh-CN" altLang="en-US" dirty="0"/>
+        </a:p>
+      </dgm:t>
+    </dgm:pt>
+    <dgm:pt modelId="{BB5DA02C-8606-497E-A24F-E6D5A2E4F1DF}" type="parTrans" cxnId="{D015E747-D6F9-424D-AC39-605400E61C26}">
+      <dgm:prSet/>
+      <dgm:spPr/>
+      <dgm:t>
+        <a:bodyPr/>
+        <a:lstStyle/>
+        <a:p>
+          <a:endParaRPr lang="zh-CN" altLang="en-US"/>
+        </a:p>
+      </dgm:t>
+    </dgm:pt>
+    <dgm:pt modelId="{D2A4E899-43A5-4319-8D6E-8310D1693D80}" type="sibTrans" cxnId="{D015E747-D6F9-424D-AC39-605400E61C26}">
+      <dgm:prSet/>
+      <dgm:spPr/>
+      <dgm:t>
+        <a:bodyPr/>
+        <a:lstStyle/>
+        <a:p>
+          <a:endParaRPr lang="zh-CN" altLang="en-US"/>
+        </a:p>
+      </dgm:t>
+    </dgm:pt>
+    <dgm:pt modelId="{9C64517A-FC0C-4865-9C2C-E31A95B0D9A5}">
+      <dgm:prSet phldrT="[Text]"/>
+      <dgm:spPr/>
+      <dgm:t>
+        <a:bodyPr/>
+        <a:lstStyle/>
+        <a:p>
+          <a:r>
+            <a:rPr lang="en-US" altLang="zh-CN" dirty="0" smtClean="0"/>
+            <a:t>node</a:t>
+          </a:r>
+          <a:endParaRPr lang="zh-CN" altLang="en-US" dirty="0"/>
+        </a:p>
+      </dgm:t>
+    </dgm:pt>
+    <dgm:pt modelId="{4E38066B-EE49-4D7F-B201-2EE961B92971}" type="parTrans" cxnId="{4DF9AA58-03CB-4CF5-80DB-42A383E0E102}">
+      <dgm:prSet/>
+      <dgm:spPr/>
+      <dgm:t>
+        <a:bodyPr/>
+        <a:lstStyle/>
+        <a:p>
+          <a:endParaRPr lang="zh-CN" altLang="en-US"/>
+        </a:p>
+      </dgm:t>
+    </dgm:pt>
+    <dgm:pt modelId="{F35823C7-AB76-40D3-9A52-427DF777B107}" type="sibTrans" cxnId="{4DF9AA58-03CB-4CF5-80DB-42A383E0E102}">
+      <dgm:prSet/>
+      <dgm:spPr/>
+      <dgm:t>
+        <a:bodyPr/>
+        <a:lstStyle/>
+        <a:p>
+          <a:endParaRPr lang="zh-CN" altLang="en-US"/>
+        </a:p>
+      </dgm:t>
+    </dgm:pt>
+    <dgm:pt modelId="{7187DBAC-EFFD-47A9-93DB-F8D36221933A}" type="pres">
+      <dgm:prSet presAssocID="{BAE027D1-D0F7-4121-BFB5-B442AED2F54E}" presName="Name0" presStyleCnt="0">
+        <dgm:presLayoutVars>
+          <dgm:chMax val="1"/>
+          <dgm:dir/>
+          <dgm:animLvl val="ctr"/>
+          <dgm:resizeHandles val="exact"/>
+        </dgm:presLayoutVars>
+      </dgm:prSet>
+      <dgm:spPr/>
+      <dgm:t>
+        <a:bodyPr/>
+        <a:lstStyle/>
+        <a:p>
+          <a:endParaRPr lang="zh-CN" altLang="en-US"/>
+        </a:p>
+      </dgm:t>
+    </dgm:pt>
+    <dgm:pt modelId="{9B4F63D3-AED5-4523-989A-5A241FA965E7}" type="pres">
+      <dgm:prSet presAssocID="{FC9597B3-5D10-46C2-AA0D-E6D5FB531692}" presName="centerShape" presStyleLbl="node0" presStyleIdx="0" presStyleCnt="1"/>
+      <dgm:spPr/>
+      <dgm:t>
+        <a:bodyPr/>
+        <a:lstStyle/>
+        <a:p>
+          <a:endParaRPr lang="zh-CN" altLang="en-US"/>
+        </a:p>
+      </dgm:t>
+    </dgm:pt>
+    <dgm:pt modelId="{51C2037F-0742-4BA5-83C1-019C61695775}" type="pres">
+      <dgm:prSet presAssocID="{1D3D4CF6-794D-42EB-A635-83678A430A5D}" presName="node" presStyleLbl="node1" presStyleIdx="0" presStyleCnt="4">
+        <dgm:presLayoutVars>
+          <dgm:bulletEnabled val="1"/>
+        </dgm:presLayoutVars>
+      </dgm:prSet>
+      <dgm:spPr/>
+      <dgm:t>
+        <a:bodyPr/>
+        <a:lstStyle/>
+        <a:p>
+          <a:endParaRPr lang="zh-CN" altLang="en-US"/>
+        </a:p>
+      </dgm:t>
+    </dgm:pt>
+    <dgm:pt modelId="{EE24DB42-DF39-4FB8-9723-E00074622C58}" type="pres">
+      <dgm:prSet presAssocID="{1D3D4CF6-794D-42EB-A635-83678A430A5D}" presName="dummy" presStyleCnt="0"/>
+      <dgm:spPr/>
+    </dgm:pt>
+    <dgm:pt modelId="{C579270D-3773-48B5-AB8D-5FFD07E97341}" type="pres">
+      <dgm:prSet presAssocID="{94A3AC47-0464-4E49-A496-0F2873A3EA3A}" presName="sibTrans" presStyleLbl="sibTrans2D1" presStyleIdx="0" presStyleCnt="4"/>
+      <dgm:spPr/>
+      <dgm:t>
+        <a:bodyPr/>
+        <a:lstStyle/>
+        <a:p>
+          <a:endParaRPr lang="zh-CN" altLang="en-US"/>
+        </a:p>
+      </dgm:t>
+    </dgm:pt>
+    <dgm:pt modelId="{CCE41C61-0BB6-4199-99CD-6192C0C97DDF}" type="pres">
+      <dgm:prSet presAssocID="{CB023526-40FF-4358-B2DF-C07517FDCCAD}" presName="node" presStyleLbl="node1" presStyleIdx="1" presStyleCnt="4">
+        <dgm:presLayoutVars>
+          <dgm:bulletEnabled val="1"/>
+        </dgm:presLayoutVars>
+      </dgm:prSet>
+      <dgm:spPr/>
+      <dgm:t>
+        <a:bodyPr/>
+        <a:lstStyle/>
+        <a:p>
+          <a:endParaRPr lang="zh-CN" altLang="en-US"/>
+        </a:p>
+      </dgm:t>
+    </dgm:pt>
+    <dgm:pt modelId="{A481D043-AA72-4E99-B6A9-0A412B0AD58F}" type="pres">
+      <dgm:prSet presAssocID="{CB023526-40FF-4358-B2DF-C07517FDCCAD}" presName="dummy" presStyleCnt="0"/>
+      <dgm:spPr/>
+    </dgm:pt>
+    <dgm:pt modelId="{8F750C20-7C07-4C2B-A182-158796648051}" type="pres">
+      <dgm:prSet presAssocID="{88274FBF-4817-4860-A6A7-0909AF593123}" presName="sibTrans" presStyleLbl="sibTrans2D1" presStyleIdx="1" presStyleCnt="4"/>
+      <dgm:spPr/>
+      <dgm:t>
+        <a:bodyPr/>
+        <a:lstStyle/>
+        <a:p>
+          <a:endParaRPr lang="zh-CN" altLang="en-US"/>
+        </a:p>
+      </dgm:t>
+    </dgm:pt>
+    <dgm:pt modelId="{BA58AA36-A177-40C0-8906-88599249BD07}" type="pres">
+      <dgm:prSet presAssocID="{4F9D371F-9851-404D-9F51-29B67E26FB75}" presName="node" presStyleLbl="node1" presStyleIdx="2" presStyleCnt="4">
+        <dgm:presLayoutVars>
+          <dgm:bulletEnabled val="1"/>
+        </dgm:presLayoutVars>
+      </dgm:prSet>
+      <dgm:spPr/>
+      <dgm:t>
+        <a:bodyPr/>
+        <a:lstStyle/>
+        <a:p>
+          <a:endParaRPr lang="zh-CN" altLang="en-US"/>
+        </a:p>
+      </dgm:t>
+    </dgm:pt>
+    <dgm:pt modelId="{ED47B2C3-0940-4AEB-8C79-DB1C9583E32E}" type="pres">
+      <dgm:prSet presAssocID="{4F9D371F-9851-404D-9F51-29B67E26FB75}" presName="dummy" presStyleCnt="0"/>
+      <dgm:spPr/>
+    </dgm:pt>
+    <dgm:pt modelId="{73B61B08-C7FB-494D-B7CA-2D7B8EC608AE}" type="pres">
+      <dgm:prSet presAssocID="{D2A4E899-43A5-4319-8D6E-8310D1693D80}" presName="sibTrans" presStyleLbl="sibTrans2D1" presStyleIdx="2" presStyleCnt="4"/>
+      <dgm:spPr/>
+      <dgm:t>
+        <a:bodyPr/>
+        <a:lstStyle/>
+        <a:p>
+          <a:endParaRPr lang="zh-CN" altLang="en-US"/>
+        </a:p>
+      </dgm:t>
+    </dgm:pt>
+    <dgm:pt modelId="{AA6F1BFF-8580-44FB-8917-18590AB27716}" type="pres">
+      <dgm:prSet presAssocID="{9C64517A-FC0C-4865-9C2C-E31A95B0D9A5}" presName="node" presStyleLbl="node1" presStyleIdx="3" presStyleCnt="4">
+        <dgm:presLayoutVars>
+          <dgm:bulletEnabled val="1"/>
+        </dgm:presLayoutVars>
+      </dgm:prSet>
+      <dgm:spPr/>
+      <dgm:t>
+        <a:bodyPr/>
+        <a:lstStyle/>
+        <a:p>
+          <a:endParaRPr lang="zh-CN" altLang="en-US"/>
+        </a:p>
+      </dgm:t>
+    </dgm:pt>
+    <dgm:pt modelId="{F1F46088-D1FC-454D-A6AE-3A4B605A331F}" type="pres">
+      <dgm:prSet presAssocID="{9C64517A-FC0C-4865-9C2C-E31A95B0D9A5}" presName="dummy" presStyleCnt="0"/>
+      <dgm:spPr/>
+    </dgm:pt>
+    <dgm:pt modelId="{C5D311EF-68DF-41FB-89DB-A454A59443D9}" type="pres">
+      <dgm:prSet presAssocID="{F35823C7-AB76-40D3-9A52-427DF777B107}" presName="sibTrans" presStyleLbl="sibTrans2D1" presStyleIdx="3" presStyleCnt="4"/>
+      <dgm:spPr/>
+      <dgm:t>
+        <a:bodyPr/>
+        <a:lstStyle/>
+        <a:p>
+          <a:endParaRPr lang="zh-CN" altLang="en-US"/>
+        </a:p>
+      </dgm:t>
+    </dgm:pt>
+  </dgm:ptLst>
+  <dgm:cxnLst>
+    <dgm:cxn modelId="{D3756A94-8B2A-4A4A-A6F9-FE6C78DDEEEB}" type="presOf" srcId="{F35823C7-AB76-40D3-9A52-427DF777B107}" destId="{C5D311EF-68DF-41FB-89DB-A454A59443D9}" srcOrd="0" destOrd="0" presId="urn:microsoft.com/office/officeart/2005/8/layout/radial6"/>
+    <dgm:cxn modelId="{D015E747-D6F9-424D-AC39-605400E61C26}" srcId="{FC9597B3-5D10-46C2-AA0D-E6D5FB531692}" destId="{4F9D371F-9851-404D-9F51-29B67E26FB75}" srcOrd="2" destOrd="0" parTransId="{BB5DA02C-8606-497E-A24F-E6D5A2E4F1DF}" sibTransId="{D2A4E899-43A5-4319-8D6E-8310D1693D80}"/>
+    <dgm:cxn modelId="{0E8E8E88-25D1-428C-91A4-20CA195B25B5}" type="presOf" srcId="{1D3D4CF6-794D-42EB-A635-83678A430A5D}" destId="{51C2037F-0742-4BA5-83C1-019C61695775}" srcOrd="0" destOrd="0" presId="urn:microsoft.com/office/officeart/2005/8/layout/radial6"/>
+    <dgm:cxn modelId="{061203D1-C68C-4F6E-BC2C-4C93D4AC449B}" type="presOf" srcId="{88274FBF-4817-4860-A6A7-0909AF593123}" destId="{8F750C20-7C07-4C2B-A182-158796648051}" srcOrd="0" destOrd="0" presId="urn:microsoft.com/office/officeart/2005/8/layout/radial6"/>
+    <dgm:cxn modelId="{0502282A-0850-42C8-9181-54B57D1709BA}" srcId="{FC9597B3-5D10-46C2-AA0D-E6D5FB531692}" destId="{1D3D4CF6-794D-42EB-A635-83678A430A5D}" srcOrd="0" destOrd="0" parTransId="{8B408EA1-8B8C-4AB1-850D-8EC76C325C81}" sibTransId="{94A3AC47-0464-4E49-A496-0F2873A3EA3A}"/>
+    <dgm:cxn modelId="{76AF5A3D-6709-4452-8CF2-C5DC59329AE2}" srcId="{FC9597B3-5D10-46C2-AA0D-E6D5FB531692}" destId="{CB023526-40FF-4358-B2DF-C07517FDCCAD}" srcOrd="1" destOrd="0" parTransId="{3A46552D-8BD0-4398-884A-A5F464B1BE54}" sibTransId="{88274FBF-4817-4860-A6A7-0909AF593123}"/>
+    <dgm:cxn modelId="{0039D78D-F500-4693-A388-97FB605496C1}" type="presOf" srcId="{4F9D371F-9851-404D-9F51-29B67E26FB75}" destId="{BA58AA36-A177-40C0-8906-88599249BD07}" srcOrd="0" destOrd="0" presId="urn:microsoft.com/office/officeart/2005/8/layout/radial6"/>
+    <dgm:cxn modelId="{A6D41C58-A283-499F-8188-FE9200538BF1}" type="presOf" srcId="{D2A4E899-43A5-4319-8D6E-8310D1693D80}" destId="{73B61B08-C7FB-494D-B7CA-2D7B8EC608AE}" srcOrd="0" destOrd="0" presId="urn:microsoft.com/office/officeart/2005/8/layout/radial6"/>
+    <dgm:cxn modelId="{91D5E264-E95E-4BBB-8717-F01170900471}" type="presOf" srcId="{94A3AC47-0464-4E49-A496-0F2873A3EA3A}" destId="{C579270D-3773-48B5-AB8D-5FFD07E97341}" srcOrd="0" destOrd="0" presId="urn:microsoft.com/office/officeart/2005/8/layout/radial6"/>
+    <dgm:cxn modelId="{0E556457-3309-4933-A188-9DD4846C613D}" type="presOf" srcId="{9C64517A-FC0C-4865-9C2C-E31A95B0D9A5}" destId="{AA6F1BFF-8580-44FB-8917-18590AB27716}" srcOrd="0" destOrd="0" presId="urn:microsoft.com/office/officeart/2005/8/layout/radial6"/>
+    <dgm:cxn modelId="{E57B9C30-DE3D-4792-98B2-7F85EB0515F9}" type="presOf" srcId="{CB023526-40FF-4358-B2DF-C07517FDCCAD}" destId="{CCE41C61-0BB6-4199-99CD-6192C0C97DDF}" srcOrd="0" destOrd="0" presId="urn:microsoft.com/office/officeart/2005/8/layout/radial6"/>
+    <dgm:cxn modelId="{37B042F5-53F9-4BDC-B6A3-9FB63F41016B}" type="presOf" srcId="{BAE027D1-D0F7-4121-BFB5-B442AED2F54E}" destId="{7187DBAC-EFFD-47A9-93DB-F8D36221933A}" srcOrd="0" destOrd="0" presId="urn:microsoft.com/office/officeart/2005/8/layout/radial6"/>
+    <dgm:cxn modelId="{E43E72A5-4325-4DCA-9417-6BA7164F0020}" type="presOf" srcId="{FC9597B3-5D10-46C2-AA0D-E6D5FB531692}" destId="{9B4F63D3-AED5-4523-989A-5A241FA965E7}" srcOrd="0" destOrd="0" presId="urn:microsoft.com/office/officeart/2005/8/layout/radial6"/>
+    <dgm:cxn modelId="{EF37043E-5C15-4A9F-A1B3-F64F36F92AC5}" srcId="{BAE027D1-D0F7-4121-BFB5-B442AED2F54E}" destId="{FC9597B3-5D10-46C2-AA0D-E6D5FB531692}" srcOrd="0" destOrd="0" parTransId="{594DAB78-EFA0-4244-B029-06418B8207DC}" sibTransId="{7AE3C06B-4963-40F9-BB3F-0733581C36D0}"/>
+    <dgm:cxn modelId="{4DF9AA58-03CB-4CF5-80DB-42A383E0E102}" srcId="{FC9597B3-5D10-46C2-AA0D-E6D5FB531692}" destId="{9C64517A-FC0C-4865-9C2C-E31A95B0D9A5}" srcOrd="3" destOrd="0" parTransId="{4E38066B-EE49-4D7F-B201-2EE961B92971}" sibTransId="{F35823C7-AB76-40D3-9A52-427DF777B107}"/>
+    <dgm:cxn modelId="{63B319D4-6C40-48B2-85B7-0A3CE1BEF7EA}" type="presParOf" srcId="{7187DBAC-EFFD-47A9-93DB-F8D36221933A}" destId="{9B4F63D3-AED5-4523-989A-5A241FA965E7}" srcOrd="0" destOrd="0" presId="urn:microsoft.com/office/officeart/2005/8/layout/radial6"/>
+    <dgm:cxn modelId="{0A1A9FB7-1B1F-4F6C-8D05-31732CDB9653}" type="presParOf" srcId="{7187DBAC-EFFD-47A9-93DB-F8D36221933A}" destId="{51C2037F-0742-4BA5-83C1-019C61695775}" srcOrd="1" destOrd="0" presId="urn:microsoft.com/office/officeart/2005/8/layout/radial6"/>
+    <dgm:cxn modelId="{C87B25DE-A09F-4116-A762-EBC90E36A295}" type="presParOf" srcId="{7187DBAC-EFFD-47A9-93DB-F8D36221933A}" destId="{EE24DB42-DF39-4FB8-9723-E00074622C58}" srcOrd="2" destOrd="0" presId="urn:microsoft.com/office/officeart/2005/8/layout/radial6"/>
+    <dgm:cxn modelId="{276FD365-8347-4BE2-837D-1E03CADC7234}" type="presParOf" srcId="{7187DBAC-EFFD-47A9-93DB-F8D36221933A}" destId="{C579270D-3773-48B5-AB8D-5FFD07E97341}" srcOrd="3" destOrd="0" presId="urn:microsoft.com/office/officeart/2005/8/layout/radial6"/>
+    <dgm:cxn modelId="{7EA546D5-858B-47BF-BAD8-A7756EB0AADF}" type="presParOf" srcId="{7187DBAC-EFFD-47A9-93DB-F8D36221933A}" destId="{CCE41C61-0BB6-4199-99CD-6192C0C97DDF}" srcOrd="4" destOrd="0" presId="urn:microsoft.com/office/officeart/2005/8/layout/radial6"/>
+    <dgm:cxn modelId="{6DA104EB-7C22-41FE-ACBE-EAADDEA5C833}" type="presParOf" srcId="{7187DBAC-EFFD-47A9-93DB-F8D36221933A}" destId="{A481D043-AA72-4E99-B6A9-0A412B0AD58F}" srcOrd="5" destOrd="0" presId="urn:microsoft.com/office/officeart/2005/8/layout/radial6"/>
+    <dgm:cxn modelId="{6A4350E0-440D-43F5-8C1C-E24853B8D9AF}" type="presParOf" srcId="{7187DBAC-EFFD-47A9-93DB-F8D36221933A}" destId="{8F750C20-7C07-4C2B-A182-158796648051}" srcOrd="6" destOrd="0" presId="urn:microsoft.com/office/officeart/2005/8/layout/radial6"/>
+    <dgm:cxn modelId="{4B971BAE-5534-4687-9B03-F09430643621}" type="presParOf" srcId="{7187DBAC-EFFD-47A9-93DB-F8D36221933A}" destId="{BA58AA36-A177-40C0-8906-88599249BD07}" srcOrd="7" destOrd="0" presId="urn:microsoft.com/office/officeart/2005/8/layout/radial6"/>
+    <dgm:cxn modelId="{86561858-8BB5-4BCD-A033-86FC33294BF2}" type="presParOf" srcId="{7187DBAC-EFFD-47A9-93DB-F8D36221933A}" destId="{ED47B2C3-0940-4AEB-8C79-DB1C9583E32E}" srcOrd="8" destOrd="0" presId="urn:microsoft.com/office/officeart/2005/8/layout/radial6"/>
+    <dgm:cxn modelId="{71C2D7DC-EEF6-4E38-BA67-CA5AB4A56FF7}" type="presParOf" srcId="{7187DBAC-EFFD-47A9-93DB-F8D36221933A}" destId="{73B61B08-C7FB-494D-B7CA-2D7B8EC608AE}" srcOrd="9" destOrd="0" presId="urn:microsoft.com/office/officeart/2005/8/layout/radial6"/>
+    <dgm:cxn modelId="{48BE4C3A-FDAC-421B-BD69-7028D05B3531}" type="presParOf" srcId="{7187DBAC-EFFD-47A9-93DB-F8D36221933A}" destId="{AA6F1BFF-8580-44FB-8917-18590AB27716}" srcOrd="10" destOrd="0" presId="urn:microsoft.com/office/officeart/2005/8/layout/radial6"/>
+    <dgm:cxn modelId="{29437DF8-59A8-460E-B304-85700069B8ED}" type="presParOf" srcId="{7187DBAC-EFFD-47A9-93DB-F8D36221933A}" destId="{F1F46088-D1FC-454D-A6AE-3A4B605A331F}" srcOrd="11" destOrd="0" presId="urn:microsoft.com/office/officeart/2005/8/layout/radial6"/>
+    <dgm:cxn modelId="{A3F08F17-0CFB-4CB3-8053-B2F78FF4D719}" type="presParOf" srcId="{7187DBAC-EFFD-47A9-93DB-F8D36221933A}" destId="{C5D311EF-68DF-41FB-89DB-A454A59443D9}" srcOrd="12" destOrd="0" presId="urn:microsoft.com/office/officeart/2005/8/layout/radial6"/>
+  </dgm:cxnLst>
+  <dgm:bg/>
+  <dgm:whole/>
+  <dgm:extLst>
+    <a:ext uri="http://schemas.microsoft.com/office/drawing/2008/diagram">
+      <dsp:dataModelExt xmlns:dsp="http://schemas.microsoft.com/office/drawing/2008/diagram" relId="rId7" minVer="http://schemas.openxmlformats.org/drawingml/2006/diagram"/>
     </a:ext>
   </dgm:extLst>
 </dgm:dataModel>
@@ -3567,6 +5841,1168 @@
 </dsp:drawing>
 </file>
 
+<file path=ppt/diagrams/drawing3.xml><?xml version="1.0" encoding="utf-8"?>
+<dsp:drawing xmlns:dgm="http://schemas.openxmlformats.org/drawingml/2006/diagram" xmlns:dsp="http://schemas.microsoft.com/office/drawing/2008/diagram" xmlns:a="http://schemas.openxmlformats.org/drawingml/2006/main">
+  <dsp:spTree>
+    <dsp:nvGrpSpPr>
+      <dsp:cNvPr id="0" name=""/>
+      <dsp:cNvGrpSpPr/>
+    </dsp:nvGrpSpPr>
+    <dsp:grpSpPr/>
+    <dsp:sp modelId="{C5D311EF-68DF-41FB-89DB-A454A59443D9}">
+      <dsp:nvSpPr>
+        <dsp:cNvPr id="0" name=""/>
+        <dsp:cNvSpPr/>
+      </dsp:nvSpPr>
+      <dsp:spPr>
+        <a:xfrm>
+          <a:off x="360616" y="348185"/>
+          <a:ext cx="2326767" cy="2326767"/>
+        </a:xfrm>
+        <a:prstGeom prst="blockArc">
+          <a:avLst>
+            <a:gd name="adj1" fmla="val 10800000"/>
+            <a:gd name="adj2" fmla="val 16200000"/>
+            <a:gd name="adj3" fmla="val 4642"/>
+          </a:avLst>
+        </a:prstGeom>
+        <a:solidFill>
+          <a:schemeClr val="accent1">
+            <a:tint val="60000"/>
+            <a:hueOff val="0"/>
+            <a:satOff val="0"/>
+            <a:lumOff val="0"/>
+            <a:alphaOff val="0"/>
+          </a:schemeClr>
+        </a:solidFill>
+        <a:ln>
+          <a:noFill/>
+        </a:ln>
+        <a:effectLst/>
+      </dsp:spPr>
+      <dsp:style>
+        <a:lnRef idx="0">
+          <a:scrgbClr r="0" g="0" b="0"/>
+        </a:lnRef>
+        <a:fillRef idx="1">
+          <a:scrgbClr r="0" g="0" b="0"/>
+        </a:fillRef>
+        <a:effectRef idx="0">
+          <a:scrgbClr r="0" g="0" b="0"/>
+        </a:effectRef>
+        <a:fontRef idx="minor">
+          <a:schemeClr val="lt1"/>
+        </a:fontRef>
+      </dsp:style>
+    </dsp:sp>
+    <dsp:sp modelId="{73B61B08-C7FB-494D-B7CA-2D7B8EC608AE}">
+      <dsp:nvSpPr>
+        <dsp:cNvPr id="0" name=""/>
+        <dsp:cNvSpPr/>
+      </dsp:nvSpPr>
+      <dsp:spPr>
+        <a:xfrm>
+          <a:off x="360616" y="348185"/>
+          <a:ext cx="2326767" cy="2326767"/>
+        </a:xfrm>
+        <a:prstGeom prst="blockArc">
+          <a:avLst>
+            <a:gd name="adj1" fmla="val 5400000"/>
+            <a:gd name="adj2" fmla="val 10800000"/>
+            <a:gd name="adj3" fmla="val 4642"/>
+          </a:avLst>
+        </a:prstGeom>
+        <a:solidFill>
+          <a:schemeClr val="accent1">
+            <a:tint val="60000"/>
+            <a:hueOff val="0"/>
+            <a:satOff val="0"/>
+            <a:lumOff val="0"/>
+            <a:alphaOff val="0"/>
+          </a:schemeClr>
+        </a:solidFill>
+        <a:ln>
+          <a:noFill/>
+        </a:ln>
+        <a:effectLst/>
+      </dsp:spPr>
+      <dsp:style>
+        <a:lnRef idx="0">
+          <a:scrgbClr r="0" g="0" b="0"/>
+        </a:lnRef>
+        <a:fillRef idx="1">
+          <a:scrgbClr r="0" g="0" b="0"/>
+        </a:fillRef>
+        <a:effectRef idx="0">
+          <a:scrgbClr r="0" g="0" b="0"/>
+        </a:effectRef>
+        <a:fontRef idx="minor">
+          <a:schemeClr val="lt1"/>
+        </a:fontRef>
+      </dsp:style>
+    </dsp:sp>
+    <dsp:sp modelId="{8F750C20-7C07-4C2B-A182-158796648051}">
+      <dsp:nvSpPr>
+        <dsp:cNvPr id="0" name=""/>
+        <dsp:cNvSpPr/>
+      </dsp:nvSpPr>
+      <dsp:spPr>
+        <a:xfrm>
+          <a:off x="360616" y="348185"/>
+          <a:ext cx="2326767" cy="2326767"/>
+        </a:xfrm>
+        <a:prstGeom prst="blockArc">
+          <a:avLst>
+            <a:gd name="adj1" fmla="val 0"/>
+            <a:gd name="adj2" fmla="val 5400000"/>
+            <a:gd name="adj3" fmla="val 4642"/>
+          </a:avLst>
+        </a:prstGeom>
+        <a:solidFill>
+          <a:schemeClr val="accent1">
+            <a:tint val="60000"/>
+            <a:hueOff val="0"/>
+            <a:satOff val="0"/>
+            <a:lumOff val="0"/>
+            <a:alphaOff val="0"/>
+          </a:schemeClr>
+        </a:solidFill>
+        <a:ln>
+          <a:noFill/>
+        </a:ln>
+        <a:effectLst/>
+      </dsp:spPr>
+      <dsp:style>
+        <a:lnRef idx="0">
+          <a:scrgbClr r="0" g="0" b="0"/>
+        </a:lnRef>
+        <a:fillRef idx="1">
+          <a:scrgbClr r="0" g="0" b="0"/>
+        </a:fillRef>
+        <a:effectRef idx="0">
+          <a:scrgbClr r="0" g="0" b="0"/>
+        </a:effectRef>
+        <a:fontRef idx="minor">
+          <a:schemeClr val="lt1"/>
+        </a:fontRef>
+      </dsp:style>
+    </dsp:sp>
+    <dsp:sp modelId="{C579270D-3773-48B5-AB8D-5FFD07E97341}">
+      <dsp:nvSpPr>
+        <dsp:cNvPr id="0" name=""/>
+        <dsp:cNvSpPr/>
+      </dsp:nvSpPr>
+      <dsp:spPr>
+        <a:xfrm>
+          <a:off x="360616" y="348185"/>
+          <a:ext cx="2326767" cy="2326767"/>
+        </a:xfrm>
+        <a:prstGeom prst="blockArc">
+          <a:avLst>
+            <a:gd name="adj1" fmla="val 16200000"/>
+            <a:gd name="adj2" fmla="val 0"/>
+            <a:gd name="adj3" fmla="val 4642"/>
+          </a:avLst>
+        </a:prstGeom>
+        <a:solidFill>
+          <a:schemeClr val="accent1">
+            <a:tint val="60000"/>
+            <a:hueOff val="0"/>
+            <a:satOff val="0"/>
+            <a:lumOff val="0"/>
+            <a:alphaOff val="0"/>
+          </a:schemeClr>
+        </a:solidFill>
+        <a:ln>
+          <a:noFill/>
+        </a:ln>
+        <a:effectLst/>
+      </dsp:spPr>
+      <dsp:style>
+        <a:lnRef idx="0">
+          <a:scrgbClr r="0" g="0" b="0"/>
+        </a:lnRef>
+        <a:fillRef idx="1">
+          <a:scrgbClr r="0" g="0" b="0"/>
+        </a:fillRef>
+        <a:effectRef idx="0">
+          <a:scrgbClr r="0" g="0" b="0"/>
+        </a:effectRef>
+        <a:fontRef idx="minor">
+          <a:schemeClr val="lt1"/>
+        </a:fontRef>
+      </dsp:style>
+    </dsp:sp>
+    <dsp:sp modelId="{9B4F63D3-AED5-4523-989A-5A241FA965E7}">
+      <dsp:nvSpPr>
+        <dsp:cNvPr id="0" name=""/>
+        <dsp:cNvSpPr/>
+      </dsp:nvSpPr>
+      <dsp:spPr>
+        <a:xfrm>
+          <a:off x="988218" y="975788"/>
+          <a:ext cx="1071562" cy="1071562"/>
+        </a:xfrm>
+        <a:prstGeom prst="ellipse">
+          <a:avLst/>
+        </a:prstGeom>
+        <a:solidFill>
+          <a:schemeClr val="accent1">
+            <a:hueOff val="0"/>
+            <a:satOff val="0"/>
+            <a:lumOff val="0"/>
+            <a:alphaOff val="0"/>
+          </a:schemeClr>
+        </a:solidFill>
+        <a:ln w="25400" cap="flat" cmpd="sng" algn="ctr">
+          <a:solidFill>
+            <a:schemeClr val="lt1">
+              <a:hueOff val="0"/>
+              <a:satOff val="0"/>
+              <a:lumOff val="0"/>
+              <a:alphaOff val="0"/>
+            </a:schemeClr>
+          </a:solidFill>
+          <a:prstDash val="solid"/>
+        </a:ln>
+        <a:effectLst/>
+      </dsp:spPr>
+      <dsp:style>
+        <a:lnRef idx="2">
+          <a:scrgbClr r="0" g="0" b="0"/>
+        </a:lnRef>
+        <a:fillRef idx="1">
+          <a:scrgbClr r="0" g="0" b="0"/>
+        </a:fillRef>
+        <a:effectRef idx="0">
+          <a:scrgbClr r="0" g="0" b="0"/>
+        </a:effectRef>
+        <a:fontRef idx="minor">
+          <a:schemeClr val="lt1"/>
+        </a:fontRef>
+      </dsp:style>
+      <dsp:txBody>
+        <a:bodyPr spcFirstLastPara="0" vert="horz" wrap="square" lIns="16510" tIns="16510" rIns="16510" bIns="16510" numCol="1" spcCol="1270" anchor="ctr" anchorCtr="0">
+          <a:noAutofit/>
+        </a:bodyPr>
+        <a:lstStyle/>
+        <a:p>
+          <a:pPr lvl="0" algn="ctr" defTabSz="577850">
+            <a:lnSpc>
+              <a:spcPct val="90000"/>
+            </a:lnSpc>
+            <a:spcBef>
+              <a:spcPct val="0"/>
+            </a:spcBef>
+            <a:spcAft>
+              <a:spcPct val="35000"/>
+            </a:spcAft>
+          </a:pPr>
+          <a:r>
+            <a:rPr lang="en-US" altLang="zh-CN" sz="1300" kern="1200" dirty="0" smtClean="0"/>
+            <a:t>zookeeper</a:t>
+          </a:r>
+          <a:endParaRPr lang="zh-CN" altLang="en-US" sz="1300" kern="1200" dirty="0"/>
+        </a:p>
+      </dsp:txBody>
+      <dsp:txXfrm>
+        <a:off x="1145145" y="1132715"/>
+        <a:ext cx="757708" cy="757708"/>
+      </dsp:txXfrm>
+    </dsp:sp>
+    <dsp:sp modelId="{51C2037F-0742-4BA5-83C1-019C61695775}">
+      <dsp:nvSpPr>
+        <dsp:cNvPr id="0" name=""/>
+        <dsp:cNvSpPr/>
+      </dsp:nvSpPr>
+      <dsp:spPr>
+        <a:xfrm>
+          <a:off x="1148953" y="142"/>
+          <a:ext cx="750093" cy="750093"/>
+        </a:xfrm>
+        <a:prstGeom prst="ellipse">
+          <a:avLst/>
+        </a:prstGeom>
+        <a:solidFill>
+          <a:schemeClr val="accent1">
+            <a:hueOff val="0"/>
+            <a:satOff val="0"/>
+            <a:lumOff val="0"/>
+            <a:alphaOff val="0"/>
+          </a:schemeClr>
+        </a:solidFill>
+        <a:ln w="25400" cap="flat" cmpd="sng" algn="ctr">
+          <a:solidFill>
+            <a:schemeClr val="lt1">
+              <a:hueOff val="0"/>
+              <a:satOff val="0"/>
+              <a:lumOff val="0"/>
+              <a:alphaOff val="0"/>
+            </a:schemeClr>
+          </a:solidFill>
+          <a:prstDash val="solid"/>
+        </a:ln>
+        <a:effectLst/>
+      </dsp:spPr>
+      <dsp:style>
+        <a:lnRef idx="2">
+          <a:scrgbClr r="0" g="0" b="0"/>
+        </a:lnRef>
+        <a:fillRef idx="1">
+          <a:scrgbClr r="0" g="0" b="0"/>
+        </a:fillRef>
+        <a:effectRef idx="0">
+          <a:scrgbClr r="0" g="0" b="0"/>
+        </a:effectRef>
+        <a:fontRef idx="minor">
+          <a:schemeClr val="lt1"/>
+        </a:fontRef>
+      </dsp:style>
+      <dsp:txBody>
+        <a:bodyPr spcFirstLastPara="0" vert="horz" wrap="square" lIns="16510" tIns="16510" rIns="16510" bIns="16510" numCol="1" spcCol="1270" anchor="ctr" anchorCtr="0">
+          <a:noAutofit/>
+        </a:bodyPr>
+        <a:lstStyle/>
+        <a:p>
+          <a:pPr lvl="0" algn="ctr" defTabSz="577850">
+            <a:lnSpc>
+              <a:spcPct val="90000"/>
+            </a:lnSpc>
+            <a:spcBef>
+              <a:spcPct val="0"/>
+            </a:spcBef>
+            <a:spcAft>
+              <a:spcPct val="35000"/>
+            </a:spcAft>
+          </a:pPr>
+          <a:r>
+            <a:rPr lang="en-US" altLang="zh-CN" sz="1300" kern="1200" dirty="0" smtClean="0"/>
+            <a:t>node</a:t>
+          </a:r>
+          <a:endParaRPr lang="zh-CN" altLang="en-US" sz="1300" kern="1200" dirty="0"/>
+        </a:p>
+      </dsp:txBody>
+      <dsp:txXfrm>
+        <a:off x="1258802" y="109991"/>
+        <a:ext cx="530395" cy="530395"/>
+      </dsp:txXfrm>
+    </dsp:sp>
+    <dsp:sp modelId="{CCE41C61-0BB6-4199-99CD-6192C0C97DDF}">
+      <dsp:nvSpPr>
+        <dsp:cNvPr id="0" name=""/>
+        <dsp:cNvSpPr/>
+      </dsp:nvSpPr>
+      <dsp:spPr>
+        <a:xfrm>
+          <a:off x="2285333" y="1136522"/>
+          <a:ext cx="750093" cy="750093"/>
+        </a:xfrm>
+        <a:prstGeom prst="ellipse">
+          <a:avLst/>
+        </a:prstGeom>
+        <a:solidFill>
+          <a:schemeClr val="accent1">
+            <a:hueOff val="0"/>
+            <a:satOff val="0"/>
+            <a:lumOff val="0"/>
+            <a:alphaOff val="0"/>
+          </a:schemeClr>
+        </a:solidFill>
+        <a:ln w="25400" cap="flat" cmpd="sng" algn="ctr">
+          <a:solidFill>
+            <a:schemeClr val="lt1">
+              <a:hueOff val="0"/>
+              <a:satOff val="0"/>
+              <a:lumOff val="0"/>
+              <a:alphaOff val="0"/>
+            </a:schemeClr>
+          </a:solidFill>
+          <a:prstDash val="solid"/>
+        </a:ln>
+        <a:effectLst/>
+      </dsp:spPr>
+      <dsp:style>
+        <a:lnRef idx="2">
+          <a:scrgbClr r="0" g="0" b="0"/>
+        </a:lnRef>
+        <a:fillRef idx="1">
+          <a:scrgbClr r="0" g="0" b="0"/>
+        </a:fillRef>
+        <a:effectRef idx="0">
+          <a:scrgbClr r="0" g="0" b="0"/>
+        </a:effectRef>
+        <a:fontRef idx="minor">
+          <a:schemeClr val="lt1"/>
+        </a:fontRef>
+      </dsp:style>
+      <dsp:txBody>
+        <a:bodyPr spcFirstLastPara="0" vert="horz" wrap="square" lIns="16510" tIns="16510" rIns="16510" bIns="16510" numCol="1" spcCol="1270" anchor="ctr" anchorCtr="0">
+          <a:noAutofit/>
+        </a:bodyPr>
+        <a:lstStyle/>
+        <a:p>
+          <a:pPr lvl="0" algn="ctr" defTabSz="577850">
+            <a:lnSpc>
+              <a:spcPct val="90000"/>
+            </a:lnSpc>
+            <a:spcBef>
+              <a:spcPct val="0"/>
+            </a:spcBef>
+            <a:spcAft>
+              <a:spcPct val="35000"/>
+            </a:spcAft>
+          </a:pPr>
+          <a:r>
+            <a:rPr lang="en-US" altLang="zh-CN" sz="1300" kern="1200" dirty="0" smtClean="0"/>
+            <a:t>node</a:t>
+          </a:r>
+          <a:endParaRPr lang="zh-CN" altLang="en-US" sz="1300" kern="1200" dirty="0"/>
+        </a:p>
+      </dsp:txBody>
+      <dsp:txXfrm>
+        <a:off x="2395182" y="1246371"/>
+        <a:ext cx="530395" cy="530395"/>
+      </dsp:txXfrm>
+    </dsp:sp>
+    <dsp:sp modelId="{BA58AA36-A177-40C0-8906-88599249BD07}">
+      <dsp:nvSpPr>
+        <dsp:cNvPr id="0" name=""/>
+        <dsp:cNvSpPr/>
+      </dsp:nvSpPr>
+      <dsp:spPr>
+        <a:xfrm>
+          <a:off x="1148953" y="2272902"/>
+          <a:ext cx="750093" cy="750093"/>
+        </a:xfrm>
+        <a:prstGeom prst="ellipse">
+          <a:avLst/>
+        </a:prstGeom>
+        <a:solidFill>
+          <a:schemeClr val="accent1">
+            <a:hueOff val="0"/>
+            <a:satOff val="0"/>
+            <a:lumOff val="0"/>
+            <a:alphaOff val="0"/>
+          </a:schemeClr>
+        </a:solidFill>
+        <a:ln w="25400" cap="flat" cmpd="sng" algn="ctr">
+          <a:solidFill>
+            <a:schemeClr val="lt1">
+              <a:hueOff val="0"/>
+              <a:satOff val="0"/>
+              <a:lumOff val="0"/>
+              <a:alphaOff val="0"/>
+            </a:schemeClr>
+          </a:solidFill>
+          <a:prstDash val="solid"/>
+        </a:ln>
+        <a:effectLst/>
+      </dsp:spPr>
+      <dsp:style>
+        <a:lnRef idx="2">
+          <a:scrgbClr r="0" g="0" b="0"/>
+        </a:lnRef>
+        <a:fillRef idx="1">
+          <a:scrgbClr r="0" g="0" b="0"/>
+        </a:fillRef>
+        <a:effectRef idx="0">
+          <a:scrgbClr r="0" g="0" b="0"/>
+        </a:effectRef>
+        <a:fontRef idx="minor">
+          <a:schemeClr val="lt1"/>
+        </a:fontRef>
+      </dsp:style>
+      <dsp:txBody>
+        <a:bodyPr spcFirstLastPara="0" vert="horz" wrap="square" lIns="16510" tIns="16510" rIns="16510" bIns="16510" numCol="1" spcCol="1270" anchor="ctr" anchorCtr="0">
+          <a:noAutofit/>
+        </a:bodyPr>
+        <a:lstStyle/>
+        <a:p>
+          <a:pPr lvl="0" algn="ctr" defTabSz="577850">
+            <a:lnSpc>
+              <a:spcPct val="90000"/>
+            </a:lnSpc>
+            <a:spcBef>
+              <a:spcPct val="0"/>
+            </a:spcBef>
+            <a:spcAft>
+              <a:spcPct val="35000"/>
+            </a:spcAft>
+          </a:pPr>
+          <a:r>
+            <a:rPr lang="en-US" altLang="zh-CN" sz="1300" kern="1200" dirty="0" smtClean="0"/>
+            <a:t>node</a:t>
+          </a:r>
+          <a:endParaRPr lang="zh-CN" altLang="en-US" sz="1300" kern="1200" dirty="0"/>
+        </a:p>
+      </dsp:txBody>
+      <dsp:txXfrm>
+        <a:off x="1258802" y="2382751"/>
+        <a:ext cx="530395" cy="530395"/>
+      </dsp:txXfrm>
+    </dsp:sp>
+    <dsp:sp modelId="{AA6F1BFF-8580-44FB-8917-18590AB27716}">
+      <dsp:nvSpPr>
+        <dsp:cNvPr id="0" name=""/>
+        <dsp:cNvSpPr/>
+      </dsp:nvSpPr>
+      <dsp:spPr>
+        <a:xfrm>
+          <a:off x="12572" y="1136522"/>
+          <a:ext cx="750093" cy="750093"/>
+        </a:xfrm>
+        <a:prstGeom prst="ellipse">
+          <a:avLst/>
+        </a:prstGeom>
+        <a:solidFill>
+          <a:schemeClr val="accent1">
+            <a:hueOff val="0"/>
+            <a:satOff val="0"/>
+            <a:lumOff val="0"/>
+            <a:alphaOff val="0"/>
+          </a:schemeClr>
+        </a:solidFill>
+        <a:ln w="25400" cap="flat" cmpd="sng" algn="ctr">
+          <a:solidFill>
+            <a:schemeClr val="lt1">
+              <a:hueOff val="0"/>
+              <a:satOff val="0"/>
+              <a:lumOff val="0"/>
+              <a:alphaOff val="0"/>
+            </a:schemeClr>
+          </a:solidFill>
+          <a:prstDash val="solid"/>
+        </a:ln>
+        <a:effectLst/>
+      </dsp:spPr>
+      <dsp:style>
+        <a:lnRef idx="2">
+          <a:scrgbClr r="0" g="0" b="0"/>
+        </a:lnRef>
+        <a:fillRef idx="1">
+          <a:scrgbClr r="0" g="0" b="0"/>
+        </a:fillRef>
+        <a:effectRef idx="0">
+          <a:scrgbClr r="0" g="0" b="0"/>
+        </a:effectRef>
+        <a:fontRef idx="minor">
+          <a:schemeClr val="lt1"/>
+        </a:fontRef>
+      </dsp:style>
+      <dsp:txBody>
+        <a:bodyPr spcFirstLastPara="0" vert="horz" wrap="square" lIns="16510" tIns="16510" rIns="16510" bIns="16510" numCol="1" spcCol="1270" anchor="ctr" anchorCtr="0">
+          <a:noAutofit/>
+        </a:bodyPr>
+        <a:lstStyle/>
+        <a:p>
+          <a:pPr lvl="0" algn="ctr" defTabSz="577850">
+            <a:lnSpc>
+              <a:spcPct val="90000"/>
+            </a:lnSpc>
+            <a:spcBef>
+              <a:spcPct val="0"/>
+            </a:spcBef>
+            <a:spcAft>
+              <a:spcPct val="35000"/>
+            </a:spcAft>
+          </a:pPr>
+          <a:r>
+            <a:rPr lang="en-US" altLang="zh-CN" sz="1300" kern="1200" dirty="0" smtClean="0"/>
+            <a:t>node</a:t>
+          </a:r>
+          <a:endParaRPr lang="zh-CN" altLang="en-US" sz="1300" kern="1200" dirty="0"/>
+        </a:p>
+      </dsp:txBody>
+      <dsp:txXfrm>
+        <a:off x="122421" y="1246371"/>
+        <a:ext cx="530395" cy="530395"/>
+      </dsp:txXfrm>
+    </dsp:sp>
+  </dsp:spTree>
+</dsp:drawing>
+</file>
+
+<file path=ppt/diagrams/drawing4.xml><?xml version="1.0" encoding="utf-8"?>
+<dsp:drawing xmlns:dgm="http://schemas.openxmlformats.org/drawingml/2006/diagram" xmlns:dsp="http://schemas.microsoft.com/office/drawing/2008/diagram" xmlns:a="http://schemas.openxmlformats.org/drawingml/2006/main">
+  <dsp:spTree>
+    <dsp:nvGrpSpPr>
+      <dsp:cNvPr id="0" name=""/>
+      <dsp:cNvGrpSpPr/>
+    </dsp:nvGrpSpPr>
+    <dsp:grpSpPr/>
+    <dsp:sp modelId="{C5D311EF-68DF-41FB-89DB-A454A59443D9}">
+      <dsp:nvSpPr>
+        <dsp:cNvPr id="0" name=""/>
+        <dsp:cNvSpPr/>
+      </dsp:nvSpPr>
+      <dsp:spPr>
+        <a:xfrm>
+          <a:off x="360616" y="348185"/>
+          <a:ext cx="2326767" cy="2326767"/>
+        </a:xfrm>
+        <a:prstGeom prst="blockArc">
+          <a:avLst>
+            <a:gd name="adj1" fmla="val 10800000"/>
+            <a:gd name="adj2" fmla="val 16200000"/>
+            <a:gd name="adj3" fmla="val 4642"/>
+          </a:avLst>
+        </a:prstGeom>
+        <a:solidFill>
+          <a:schemeClr val="accent1">
+            <a:tint val="60000"/>
+            <a:hueOff val="0"/>
+            <a:satOff val="0"/>
+            <a:lumOff val="0"/>
+            <a:alphaOff val="0"/>
+          </a:schemeClr>
+        </a:solidFill>
+        <a:ln>
+          <a:noFill/>
+        </a:ln>
+        <a:effectLst/>
+      </dsp:spPr>
+      <dsp:style>
+        <a:lnRef idx="0">
+          <a:scrgbClr r="0" g="0" b="0"/>
+        </a:lnRef>
+        <a:fillRef idx="1">
+          <a:scrgbClr r="0" g="0" b="0"/>
+        </a:fillRef>
+        <a:effectRef idx="0">
+          <a:scrgbClr r="0" g="0" b="0"/>
+        </a:effectRef>
+        <a:fontRef idx="minor">
+          <a:schemeClr val="lt1"/>
+        </a:fontRef>
+      </dsp:style>
+    </dsp:sp>
+    <dsp:sp modelId="{73B61B08-C7FB-494D-B7CA-2D7B8EC608AE}">
+      <dsp:nvSpPr>
+        <dsp:cNvPr id="0" name=""/>
+        <dsp:cNvSpPr/>
+      </dsp:nvSpPr>
+      <dsp:spPr>
+        <a:xfrm>
+          <a:off x="360616" y="348185"/>
+          <a:ext cx="2326767" cy="2326767"/>
+        </a:xfrm>
+        <a:prstGeom prst="blockArc">
+          <a:avLst>
+            <a:gd name="adj1" fmla="val 5400000"/>
+            <a:gd name="adj2" fmla="val 10800000"/>
+            <a:gd name="adj3" fmla="val 4642"/>
+          </a:avLst>
+        </a:prstGeom>
+        <a:solidFill>
+          <a:schemeClr val="accent1">
+            <a:tint val="60000"/>
+            <a:hueOff val="0"/>
+            <a:satOff val="0"/>
+            <a:lumOff val="0"/>
+            <a:alphaOff val="0"/>
+          </a:schemeClr>
+        </a:solidFill>
+        <a:ln>
+          <a:noFill/>
+        </a:ln>
+        <a:effectLst/>
+      </dsp:spPr>
+      <dsp:style>
+        <a:lnRef idx="0">
+          <a:scrgbClr r="0" g="0" b="0"/>
+        </a:lnRef>
+        <a:fillRef idx="1">
+          <a:scrgbClr r="0" g="0" b="0"/>
+        </a:fillRef>
+        <a:effectRef idx="0">
+          <a:scrgbClr r="0" g="0" b="0"/>
+        </a:effectRef>
+        <a:fontRef idx="minor">
+          <a:schemeClr val="lt1"/>
+        </a:fontRef>
+      </dsp:style>
+    </dsp:sp>
+    <dsp:sp modelId="{8F750C20-7C07-4C2B-A182-158796648051}">
+      <dsp:nvSpPr>
+        <dsp:cNvPr id="0" name=""/>
+        <dsp:cNvSpPr/>
+      </dsp:nvSpPr>
+      <dsp:spPr>
+        <a:xfrm>
+          <a:off x="360616" y="348185"/>
+          <a:ext cx="2326767" cy="2326767"/>
+        </a:xfrm>
+        <a:prstGeom prst="blockArc">
+          <a:avLst>
+            <a:gd name="adj1" fmla="val 0"/>
+            <a:gd name="adj2" fmla="val 5400000"/>
+            <a:gd name="adj3" fmla="val 4642"/>
+          </a:avLst>
+        </a:prstGeom>
+        <a:solidFill>
+          <a:schemeClr val="accent1">
+            <a:tint val="60000"/>
+            <a:hueOff val="0"/>
+            <a:satOff val="0"/>
+            <a:lumOff val="0"/>
+            <a:alphaOff val="0"/>
+          </a:schemeClr>
+        </a:solidFill>
+        <a:ln>
+          <a:noFill/>
+        </a:ln>
+        <a:effectLst/>
+      </dsp:spPr>
+      <dsp:style>
+        <a:lnRef idx="0">
+          <a:scrgbClr r="0" g="0" b="0"/>
+        </a:lnRef>
+        <a:fillRef idx="1">
+          <a:scrgbClr r="0" g="0" b="0"/>
+        </a:fillRef>
+        <a:effectRef idx="0">
+          <a:scrgbClr r="0" g="0" b="0"/>
+        </a:effectRef>
+        <a:fontRef idx="minor">
+          <a:schemeClr val="lt1"/>
+        </a:fontRef>
+      </dsp:style>
+    </dsp:sp>
+    <dsp:sp modelId="{C579270D-3773-48B5-AB8D-5FFD07E97341}">
+      <dsp:nvSpPr>
+        <dsp:cNvPr id="0" name=""/>
+        <dsp:cNvSpPr/>
+      </dsp:nvSpPr>
+      <dsp:spPr>
+        <a:xfrm>
+          <a:off x="360616" y="348185"/>
+          <a:ext cx="2326767" cy="2326767"/>
+        </a:xfrm>
+        <a:prstGeom prst="blockArc">
+          <a:avLst>
+            <a:gd name="adj1" fmla="val 16200000"/>
+            <a:gd name="adj2" fmla="val 0"/>
+            <a:gd name="adj3" fmla="val 4642"/>
+          </a:avLst>
+        </a:prstGeom>
+        <a:solidFill>
+          <a:schemeClr val="accent1">
+            <a:tint val="60000"/>
+            <a:hueOff val="0"/>
+            <a:satOff val="0"/>
+            <a:lumOff val="0"/>
+            <a:alphaOff val="0"/>
+          </a:schemeClr>
+        </a:solidFill>
+        <a:ln>
+          <a:noFill/>
+        </a:ln>
+        <a:effectLst/>
+      </dsp:spPr>
+      <dsp:style>
+        <a:lnRef idx="0">
+          <a:scrgbClr r="0" g="0" b="0"/>
+        </a:lnRef>
+        <a:fillRef idx="1">
+          <a:scrgbClr r="0" g="0" b="0"/>
+        </a:fillRef>
+        <a:effectRef idx="0">
+          <a:scrgbClr r="0" g="0" b="0"/>
+        </a:effectRef>
+        <a:fontRef idx="minor">
+          <a:schemeClr val="lt1"/>
+        </a:fontRef>
+      </dsp:style>
+    </dsp:sp>
+    <dsp:sp modelId="{9B4F63D3-AED5-4523-989A-5A241FA965E7}">
+      <dsp:nvSpPr>
+        <dsp:cNvPr id="0" name=""/>
+        <dsp:cNvSpPr/>
+      </dsp:nvSpPr>
+      <dsp:spPr>
+        <a:xfrm>
+          <a:off x="988218" y="975788"/>
+          <a:ext cx="1071562" cy="1071562"/>
+        </a:xfrm>
+        <a:prstGeom prst="ellipse">
+          <a:avLst/>
+        </a:prstGeom>
+        <a:solidFill>
+          <a:schemeClr val="accent1">
+            <a:hueOff val="0"/>
+            <a:satOff val="0"/>
+            <a:lumOff val="0"/>
+            <a:alphaOff val="0"/>
+          </a:schemeClr>
+        </a:solidFill>
+        <a:ln w="25400" cap="flat" cmpd="sng" algn="ctr">
+          <a:solidFill>
+            <a:schemeClr val="lt1">
+              <a:hueOff val="0"/>
+              <a:satOff val="0"/>
+              <a:lumOff val="0"/>
+              <a:alphaOff val="0"/>
+            </a:schemeClr>
+          </a:solidFill>
+          <a:prstDash val="solid"/>
+        </a:ln>
+        <a:effectLst/>
+      </dsp:spPr>
+      <dsp:style>
+        <a:lnRef idx="2">
+          <a:scrgbClr r="0" g="0" b="0"/>
+        </a:lnRef>
+        <a:fillRef idx="1">
+          <a:scrgbClr r="0" g="0" b="0"/>
+        </a:fillRef>
+        <a:effectRef idx="0">
+          <a:scrgbClr r="0" g="0" b="0"/>
+        </a:effectRef>
+        <a:fontRef idx="minor">
+          <a:schemeClr val="lt1"/>
+        </a:fontRef>
+      </dsp:style>
+      <dsp:txBody>
+        <a:bodyPr spcFirstLastPara="0" vert="horz" wrap="square" lIns="16510" tIns="16510" rIns="16510" bIns="16510" numCol="1" spcCol="1270" anchor="ctr" anchorCtr="0">
+          <a:noAutofit/>
+        </a:bodyPr>
+        <a:lstStyle/>
+        <a:p>
+          <a:pPr lvl="0" algn="ctr" defTabSz="577850">
+            <a:lnSpc>
+              <a:spcPct val="90000"/>
+            </a:lnSpc>
+            <a:spcBef>
+              <a:spcPct val="0"/>
+            </a:spcBef>
+            <a:spcAft>
+              <a:spcPct val="35000"/>
+            </a:spcAft>
+          </a:pPr>
+          <a:r>
+            <a:rPr lang="en-US" altLang="zh-CN" sz="1300" kern="1200" dirty="0" smtClean="0"/>
+            <a:t>zookeeper</a:t>
+          </a:r>
+          <a:endParaRPr lang="zh-CN" altLang="en-US" sz="1300" kern="1200" dirty="0"/>
+        </a:p>
+      </dsp:txBody>
+      <dsp:txXfrm>
+        <a:off x="1145145" y="1132715"/>
+        <a:ext cx="757708" cy="757708"/>
+      </dsp:txXfrm>
+    </dsp:sp>
+    <dsp:sp modelId="{51C2037F-0742-4BA5-83C1-019C61695775}">
+      <dsp:nvSpPr>
+        <dsp:cNvPr id="0" name=""/>
+        <dsp:cNvSpPr/>
+      </dsp:nvSpPr>
+      <dsp:spPr>
+        <a:xfrm>
+          <a:off x="1148953" y="142"/>
+          <a:ext cx="750093" cy="750093"/>
+        </a:xfrm>
+        <a:prstGeom prst="ellipse">
+          <a:avLst/>
+        </a:prstGeom>
+        <a:solidFill>
+          <a:schemeClr val="accent1">
+            <a:hueOff val="0"/>
+            <a:satOff val="0"/>
+            <a:lumOff val="0"/>
+            <a:alphaOff val="0"/>
+          </a:schemeClr>
+        </a:solidFill>
+        <a:ln w="25400" cap="flat" cmpd="sng" algn="ctr">
+          <a:solidFill>
+            <a:schemeClr val="lt1">
+              <a:hueOff val="0"/>
+              <a:satOff val="0"/>
+              <a:lumOff val="0"/>
+              <a:alphaOff val="0"/>
+            </a:schemeClr>
+          </a:solidFill>
+          <a:prstDash val="solid"/>
+        </a:ln>
+        <a:effectLst/>
+      </dsp:spPr>
+      <dsp:style>
+        <a:lnRef idx="2">
+          <a:scrgbClr r="0" g="0" b="0"/>
+        </a:lnRef>
+        <a:fillRef idx="1">
+          <a:scrgbClr r="0" g="0" b="0"/>
+        </a:fillRef>
+        <a:effectRef idx="0">
+          <a:scrgbClr r="0" g="0" b="0"/>
+        </a:effectRef>
+        <a:fontRef idx="minor">
+          <a:schemeClr val="lt1"/>
+        </a:fontRef>
+      </dsp:style>
+      <dsp:txBody>
+        <a:bodyPr spcFirstLastPara="0" vert="horz" wrap="square" lIns="16510" tIns="16510" rIns="16510" bIns="16510" numCol="1" spcCol="1270" anchor="ctr" anchorCtr="0">
+          <a:noAutofit/>
+        </a:bodyPr>
+        <a:lstStyle/>
+        <a:p>
+          <a:pPr lvl="0" algn="ctr" defTabSz="577850">
+            <a:lnSpc>
+              <a:spcPct val="90000"/>
+            </a:lnSpc>
+            <a:spcBef>
+              <a:spcPct val="0"/>
+            </a:spcBef>
+            <a:spcAft>
+              <a:spcPct val="35000"/>
+            </a:spcAft>
+          </a:pPr>
+          <a:r>
+            <a:rPr lang="en-US" altLang="zh-CN" sz="1300" kern="1200" dirty="0" smtClean="0"/>
+            <a:t>node</a:t>
+          </a:r>
+          <a:endParaRPr lang="zh-CN" altLang="en-US" sz="1300" kern="1200" dirty="0"/>
+        </a:p>
+      </dsp:txBody>
+      <dsp:txXfrm>
+        <a:off x="1258802" y="109991"/>
+        <a:ext cx="530395" cy="530395"/>
+      </dsp:txXfrm>
+    </dsp:sp>
+    <dsp:sp modelId="{CCE41C61-0BB6-4199-99CD-6192C0C97DDF}">
+      <dsp:nvSpPr>
+        <dsp:cNvPr id="0" name=""/>
+        <dsp:cNvSpPr/>
+      </dsp:nvSpPr>
+      <dsp:spPr>
+        <a:xfrm>
+          <a:off x="2285333" y="1136522"/>
+          <a:ext cx="750093" cy="750093"/>
+        </a:xfrm>
+        <a:prstGeom prst="ellipse">
+          <a:avLst/>
+        </a:prstGeom>
+        <a:solidFill>
+          <a:schemeClr val="accent1">
+            <a:hueOff val="0"/>
+            <a:satOff val="0"/>
+            <a:lumOff val="0"/>
+            <a:alphaOff val="0"/>
+          </a:schemeClr>
+        </a:solidFill>
+        <a:ln w="25400" cap="flat" cmpd="sng" algn="ctr">
+          <a:solidFill>
+            <a:schemeClr val="lt1">
+              <a:hueOff val="0"/>
+              <a:satOff val="0"/>
+              <a:lumOff val="0"/>
+              <a:alphaOff val="0"/>
+            </a:schemeClr>
+          </a:solidFill>
+          <a:prstDash val="solid"/>
+        </a:ln>
+        <a:effectLst/>
+      </dsp:spPr>
+      <dsp:style>
+        <a:lnRef idx="2">
+          <a:scrgbClr r="0" g="0" b="0"/>
+        </a:lnRef>
+        <a:fillRef idx="1">
+          <a:scrgbClr r="0" g="0" b="0"/>
+        </a:fillRef>
+        <a:effectRef idx="0">
+          <a:scrgbClr r="0" g="0" b="0"/>
+        </a:effectRef>
+        <a:fontRef idx="minor">
+          <a:schemeClr val="lt1"/>
+        </a:fontRef>
+      </dsp:style>
+      <dsp:txBody>
+        <a:bodyPr spcFirstLastPara="0" vert="horz" wrap="square" lIns="16510" tIns="16510" rIns="16510" bIns="16510" numCol="1" spcCol="1270" anchor="ctr" anchorCtr="0">
+          <a:noAutofit/>
+        </a:bodyPr>
+        <a:lstStyle/>
+        <a:p>
+          <a:pPr lvl="0" algn="ctr" defTabSz="577850">
+            <a:lnSpc>
+              <a:spcPct val="90000"/>
+            </a:lnSpc>
+            <a:spcBef>
+              <a:spcPct val="0"/>
+            </a:spcBef>
+            <a:spcAft>
+              <a:spcPct val="35000"/>
+            </a:spcAft>
+          </a:pPr>
+          <a:r>
+            <a:rPr lang="en-US" altLang="zh-CN" sz="1300" kern="1200" dirty="0" smtClean="0"/>
+            <a:t>node</a:t>
+          </a:r>
+          <a:endParaRPr lang="zh-CN" altLang="en-US" sz="1300" kern="1200" dirty="0"/>
+        </a:p>
+      </dsp:txBody>
+      <dsp:txXfrm>
+        <a:off x="2395182" y="1246371"/>
+        <a:ext cx="530395" cy="530395"/>
+      </dsp:txXfrm>
+    </dsp:sp>
+    <dsp:sp modelId="{BA58AA36-A177-40C0-8906-88599249BD07}">
+      <dsp:nvSpPr>
+        <dsp:cNvPr id="0" name=""/>
+        <dsp:cNvSpPr/>
+      </dsp:nvSpPr>
+      <dsp:spPr>
+        <a:xfrm>
+          <a:off x="1148953" y="2272902"/>
+          <a:ext cx="750093" cy="750093"/>
+        </a:xfrm>
+        <a:prstGeom prst="ellipse">
+          <a:avLst/>
+        </a:prstGeom>
+        <a:solidFill>
+          <a:schemeClr val="accent1">
+            <a:hueOff val="0"/>
+            <a:satOff val="0"/>
+            <a:lumOff val="0"/>
+            <a:alphaOff val="0"/>
+          </a:schemeClr>
+        </a:solidFill>
+        <a:ln w="25400" cap="flat" cmpd="sng" algn="ctr">
+          <a:solidFill>
+            <a:schemeClr val="lt1">
+              <a:hueOff val="0"/>
+              <a:satOff val="0"/>
+              <a:lumOff val="0"/>
+              <a:alphaOff val="0"/>
+            </a:schemeClr>
+          </a:solidFill>
+          <a:prstDash val="solid"/>
+        </a:ln>
+        <a:effectLst/>
+      </dsp:spPr>
+      <dsp:style>
+        <a:lnRef idx="2">
+          <a:scrgbClr r="0" g="0" b="0"/>
+        </a:lnRef>
+        <a:fillRef idx="1">
+          <a:scrgbClr r="0" g="0" b="0"/>
+        </a:fillRef>
+        <a:effectRef idx="0">
+          <a:scrgbClr r="0" g="0" b="0"/>
+        </a:effectRef>
+        <a:fontRef idx="minor">
+          <a:schemeClr val="lt1"/>
+        </a:fontRef>
+      </dsp:style>
+      <dsp:txBody>
+        <a:bodyPr spcFirstLastPara="0" vert="horz" wrap="square" lIns="16510" tIns="16510" rIns="16510" bIns="16510" numCol="1" spcCol="1270" anchor="ctr" anchorCtr="0">
+          <a:noAutofit/>
+        </a:bodyPr>
+        <a:lstStyle/>
+        <a:p>
+          <a:pPr lvl="0" algn="ctr" defTabSz="577850">
+            <a:lnSpc>
+              <a:spcPct val="90000"/>
+            </a:lnSpc>
+            <a:spcBef>
+              <a:spcPct val="0"/>
+            </a:spcBef>
+            <a:spcAft>
+              <a:spcPct val="35000"/>
+            </a:spcAft>
+          </a:pPr>
+          <a:r>
+            <a:rPr lang="en-US" altLang="zh-CN" sz="1300" kern="1200" dirty="0" smtClean="0"/>
+            <a:t>node</a:t>
+          </a:r>
+          <a:endParaRPr lang="zh-CN" altLang="en-US" sz="1300" kern="1200" dirty="0"/>
+        </a:p>
+      </dsp:txBody>
+      <dsp:txXfrm>
+        <a:off x="1258802" y="2382751"/>
+        <a:ext cx="530395" cy="530395"/>
+      </dsp:txXfrm>
+    </dsp:sp>
+    <dsp:sp modelId="{AA6F1BFF-8580-44FB-8917-18590AB27716}">
+      <dsp:nvSpPr>
+        <dsp:cNvPr id="0" name=""/>
+        <dsp:cNvSpPr/>
+      </dsp:nvSpPr>
+      <dsp:spPr>
+        <a:xfrm>
+          <a:off x="12572" y="1136522"/>
+          <a:ext cx="750093" cy="750093"/>
+        </a:xfrm>
+        <a:prstGeom prst="ellipse">
+          <a:avLst/>
+        </a:prstGeom>
+        <a:solidFill>
+          <a:schemeClr val="accent1">
+            <a:hueOff val="0"/>
+            <a:satOff val="0"/>
+            <a:lumOff val="0"/>
+            <a:alphaOff val="0"/>
+          </a:schemeClr>
+        </a:solidFill>
+        <a:ln w="25400" cap="flat" cmpd="sng" algn="ctr">
+          <a:solidFill>
+            <a:schemeClr val="lt1">
+              <a:hueOff val="0"/>
+              <a:satOff val="0"/>
+              <a:lumOff val="0"/>
+              <a:alphaOff val="0"/>
+            </a:schemeClr>
+          </a:solidFill>
+          <a:prstDash val="solid"/>
+        </a:ln>
+        <a:effectLst/>
+      </dsp:spPr>
+      <dsp:style>
+        <a:lnRef idx="2">
+          <a:scrgbClr r="0" g="0" b="0"/>
+        </a:lnRef>
+        <a:fillRef idx="1">
+          <a:scrgbClr r="0" g="0" b="0"/>
+        </a:fillRef>
+        <a:effectRef idx="0">
+          <a:scrgbClr r="0" g="0" b="0"/>
+        </a:effectRef>
+        <a:fontRef idx="minor">
+          <a:schemeClr val="lt1"/>
+        </a:fontRef>
+      </dsp:style>
+      <dsp:txBody>
+        <a:bodyPr spcFirstLastPara="0" vert="horz" wrap="square" lIns="16510" tIns="16510" rIns="16510" bIns="16510" numCol="1" spcCol="1270" anchor="ctr" anchorCtr="0">
+          <a:noAutofit/>
+        </a:bodyPr>
+        <a:lstStyle/>
+        <a:p>
+          <a:pPr lvl="0" algn="ctr" defTabSz="577850">
+            <a:lnSpc>
+              <a:spcPct val="90000"/>
+            </a:lnSpc>
+            <a:spcBef>
+              <a:spcPct val="0"/>
+            </a:spcBef>
+            <a:spcAft>
+              <a:spcPct val="35000"/>
+            </a:spcAft>
+          </a:pPr>
+          <a:r>
+            <a:rPr lang="en-US" altLang="zh-CN" sz="1300" kern="1200" dirty="0" smtClean="0"/>
+            <a:t>node</a:t>
+          </a:r>
+          <a:endParaRPr lang="zh-CN" altLang="en-US" sz="1300" kern="1200" dirty="0"/>
+        </a:p>
+      </dsp:txBody>
+      <dsp:txXfrm>
+        <a:off x="122421" y="1246371"/>
+        <a:ext cx="530395" cy="530395"/>
+      </dsp:txXfrm>
+    </dsp:sp>
+  </dsp:spTree>
+</dsp:drawing>
+</file>
+
 <file path=ppt/diagrams/layout1.xml><?xml version="1.0" encoding="utf-8"?>
 <dgm:layoutDef xmlns:dgm="http://schemas.openxmlformats.org/drawingml/2006/diagram" xmlns:a="http://schemas.openxmlformats.org/drawingml/2006/main" uniqueId="urn:microsoft.com/office/officeart/2005/8/layout/radial6">
   <dgm:title val=""/>
@@ -4381,6 +7817,820 @@
 </dgm:layoutDef>
 </file>
 
+<file path=ppt/diagrams/layout3.xml><?xml version="1.0" encoding="utf-8"?>
+<dgm:layoutDef xmlns:dgm="http://schemas.openxmlformats.org/drawingml/2006/diagram" xmlns:a="http://schemas.openxmlformats.org/drawingml/2006/main" uniqueId="urn:microsoft.com/office/officeart/2005/8/layout/radial6">
+  <dgm:title val=""/>
+  <dgm:desc val=""/>
+  <dgm:catLst>
+    <dgm:cat type="cycle" pri="9000"/>
+    <dgm:cat type="relationship" pri="21000"/>
+  </dgm:catLst>
+  <dgm:sampData>
+    <dgm:dataModel>
+      <dgm:ptLst>
+        <dgm:pt modelId="0" type="doc"/>
+        <dgm:pt modelId="1">
+          <dgm:prSet phldr="1"/>
+        </dgm:pt>
+        <dgm:pt modelId="11">
+          <dgm:prSet phldr="1"/>
+        </dgm:pt>
+        <dgm:pt modelId="12">
+          <dgm:prSet phldr="1"/>
+        </dgm:pt>
+        <dgm:pt modelId="13">
+          <dgm:prSet phldr="1"/>
+        </dgm:pt>
+        <dgm:pt modelId="14">
+          <dgm:prSet phldr="1"/>
+        </dgm:pt>
+      </dgm:ptLst>
+      <dgm:cxnLst>
+        <dgm:cxn modelId="2" srcId="0" destId="1" srcOrd="0" destOrd="0"/>
+        <dgm:cxn modelId="3" srcId="1" destId="11" srcOrd="0" destOrd="0"/>
+        <dgm:cxn modelId="4" srcId="1" destId="12" srcOrd="1" destOrd="0"/>
+        <dgm:cxn modelId="5" srcId="1" destId="13" srcOrd="2" destOrd="0"/>
+        <dgm:cxn modelId="6" srcId="1" destId="14" srcOrd="3" destOrd="0"/>
+      </dgm:cxnLst>
+      <dgm:bg/>
+      <dgm:whole/>
+    </dgm:dataModel>
+  </dgm:sampData>
+  <dgm:styleData>
+    <dgm:dataModel>
+      <dgm:ptLst>
+        <dgm:pt modelId="0" type="doc"/>
+        <dgm:pt modelId="1"/>
+        <dgm:pt modelId="11"/>
+        <dgm:pt modelId="12"/>
+        <dgm:pt modelId="13"/>
+      </dgm:ptLst>
+      <dgm:cxnLst>
+        <dgm:cxn modelId="2" srcId="0" destId="1" srcOrd="0" destOrd="0"/>
+        <dgm:cxn modelId="15" srcId="1" destId="11" srcOrd="0" destOrd="0"/>
+        <dgm:cxn modelId="16" srcId="1" destId="12" srcOrd="1" destOrd="0"/>
+        <dgm:cxn modelId="17" srcId="1" destId="13" srcOrd="2" destOrd="0"/>
+      </dgm:cxnLst>
+      <dgm:bg/>
+      <dgm:whole/>
+    </dgm:dataModel>
+  </dgm:styleData>
+  <dgm:clrData>
+    <dgm:dataModel>
+      <dgm:ptLst>
+        <dgm:pt modelId="0" type="doc"/>
+        <dgm:pt modelId="1"/>
+        <dgm:pt modelId="11"/>
+        <dgm:pt modelId="12"/>
+        <dgm:pt modelId="13"/>
+        <dgm:pt modelId="14"/>
+        <dgm:pt modelId="15"/>
+        <dgm:pt modelId="16"/>
+      </dgm:ptLst>
+      <dgm:cxnLst>
+        <dgm:cxn modelId="2" srcId="0" destId="1" srcOrd="0" destOrd="0"/>
+        <dgm:cxn modelId="16" srcId="1" destId="11" srcOrd="0" destOrd="0"/>
+        <dgm:cxn modelId="17" srcId="1" destId="12" srcOrd="1" destOrd="0"/>
+        <dgm:cxn modelId="18" srcId="1" destId="13" srcOrd="2" destOrd="0"/>
+        <dgm:cxn modelId="19" srcId="1" destId="14" srcOrd="3" destOrd="0"/>
+        <dgm:cxn modelId="20" srcId="1" destId="15" srcOrd="4" destOrd="0"/>
+        <dgm:cxn modelId="21" srcId="1" destId="16" srcOrd="5" destOrd="0"/>
+      </dgm:cxnLst>
+      <dgm:bg/>
+      <dgm:whole/>
+    </dgm:dataModel>
+  </dgm:clrData>
+  <dgm:layoutNode name="Name0">
+    <dgm:varLst>
+      <dgm:chMax val="1"/>
+      <dgm:dir/>
+      <dgm:animLvl val="ctr"/>
+      <dgm:resizeHandles val="exact"/>
+    </dgm:varLst>
+    <dgm:choose name="Name1">
+      <dgm:if name="Name2" func="var" arg="dir" op="equ" val="norm">
+        <dgm:choose name="Name3">
+          <dgm:if name="Name4" axis="ch ch" ptType="node node" st="1 1" cnt="1 0" func="cnt" op="lte" val="1">
+            <dgm:alg type="cycle">
+              <dgm:param type="stAng" val="90"/>
+              <dgm:param type="spanAng" val="360"/>
+              <dgm:param type="ctrShpMap" val="fNode"/>
+            </dgm:alg>
+          </dgm:if>
+          <dgm:else name="Name5">
+            <dgm:alg type="cycle">
+              <dgm:param type="stAng" val="0"/>
+              <dgm:param type="spanAng" val="360"/>
+              <dgm:param type="ctrShpMap" val="fNode"/>
+            </dgm:alg>
+          </dgm:else>
+        </dgm:choose>
+      </dgm:if>
+      <dgm:else name="Name6">
+        <dgm:choose name="Name7">
+          <dgm:if name="Name8" axis="ch ch" ptType="node node" st="1 1" cnt="1 0" func="cnt" op="lte" val="1">
+            <dgm:alg type="cycle">
+              <dgm:param type="stAng" val="-90"/>
+              <dgm:param type="spanAng" val="360"/>
+              <dgm:param type="ctrShpMap" val="fNode"/>
+            </dgm:alg>
+          </dgm:if>
+          <dgm:else name="Name9">
+            <dgm:alg type="cycle">
+              <dgm:param type="stAng" val="0"/>
+              <dgm:param type="spanAng" val="-360"/>
+              <dgm:param type="ctrShpMap" val="fNode"/>
+            </dgm:alg>
+          </dgm:else>
+        </dgm:choose>
+      </dgm:else>
+    </dgm:choose>
+    <dgm:shape xmlns:r="http://schemas.openxmlformats.org/officeDocument/2006/relationships" r:blip="">
+      <dgm:adjLst/>
+    </dgm:shape>
+    <dgm:presOf/>
+    <dgm:choose name="Name10">
+      <dgm:if name="Name11" func="var" arg="dir" op="equ" val="norm">
+        <dgm:choose name="Name12">
+          <dgm:if name="Name13" axis="ch ch" ptType="node node" st="1 1" cnt="1 0" func="cnt" op="equ" val="1">
+            <dgm:constrLst>
+              <dgm:constr type="diam" val="170"/>
+              <dgm:constr type="w" for="ch" forName="centerShape" refType="w"/>
+              <dgm:constr type="w" for="ch" forName="oneComp" refType="w" refFor="ch" refForName="centerShape" op="equ" fact="0.7"/>
+              <dgm:constr type="sp" refType="w" refFor="ch" refForName="oneComp" fact="0.3"/>
+              <dgm:constr type="sibSp" refType="w" refFor="ch" refForName="oneComp" fact="0.3"/>
+              <dgm:constr type="primFontSz" for="ch" forName="centerShape" val="65"/>
+              <dgm:constr type="primFontSz" for="des" forName="oneNode" refType="primFontSz" refFor="ch" refForName="centerShape" fact="0.95"/>
+              <dgm:constr type="primFontSz" for="des" forName="oneNode" refType="primFontSz" refFor="ch" refForName="centerShape" op="lte" fact="0.95"/>
+              <dgm:constr type="diam" for="ch" forName="singleconn" refType="diam" op="equ" fact="-1"/>
+              <dgm:constr type="h" for="ch" forName="singleconn" refType="w" refFor="ch" refForName="oneComp" fact="0.24"/>
+              <dgm:constr type="w" for="ch" forName="dummya" refType="w" refFor="ch" refForName="oneComp" op="equ"/>
+              <dgm:constr type="w" for="ch" forName="dummyb" refType="w" refFor="ch" refForName="oneComp" op="equ"/>
+              <dgm:constr type="w" for="ch" forName="dummyc" refType="w" refFor="ch" refForName="oneComp" op="equ"/>
+            </dgm:constrLst>
+          </dgm:if>
+          <dgm:else name="Name14">
+            <dgm:constrLst>
+              <dgm:constr type="diam" val="170"/>
+              <dgm:constr type="w" for="ch" forName="centerShape" refType="w"/>
+              <dgm:constr type="w" for="ch" forName="node" refType="w" refFor="ch" refForName="centerShape" op="equ" fact="0.7"/>
+              <dgm:constr type="sp" refType="w" refFor="ch" refForName="node" fact="0.3"/>
+              <dgm:constr type="sibSp" refType="w" refFor="ch" refForName="node" fact="0.3"/>
+              <dgm:constr type="primFontSz" for="ch" forName="centerShape" val="65"/>
+              <dgm:constr type="primFontSz" for="des" forName="node" refType="primFontSz" refFor="ch" refForName="centerShape" fact="0.78"/>
+              <dgm:constr type="primFontSz" for="ch" forName="node" refType="primFontSz" refFor="ch" refForName="centerShape" op="lte" fact="0.95"/>
+              <dgm:constr type="diam" for="ch" forName="sibTrans" refType="diam" op="equ"/>
+              <dgm:constr type="h" for="ch" forName="sibTrans" refType="w" refFor="ch" refForName="node" fact="0.24"/>
+              <dgm:constr type="w" for="ch" forName="dummy" val="1"/>
+            </dgm:constrLst>
+          </dgm:else>
+        </dgm:choose>
+      </dgm:if>
+      <dgm:else name="Name15">
+        <dgm:choose name="Name16">
+          <dgm:if name="Name17" axis="ch ch" ptType="node node" st="1 1" cnt="1 0" func="cnt" op="equ" val="1">
+            <dgm:constrLst>
+              <dgm:constr type="diam" val="170"/>
+              <dgm:constr type="w" for="ch" forName="centerShape" refType="w"/>
+              <dgm:constr type="w" for="ch" forName="oneComp" refType="w" refFor="ch" refForName="centerShape" op="equ" fact="0.7"/>
+              <dgm:constr type="sp" refType="w" refFor="ch" refForName="oneComp" fact="0.3"/>
+              <dgm:constr type="sibSp" refType="w" refFor="ch" refForName="oneComp" fact="0.3"/>
+              <dgm:constr type="primFontSz" for="ch" forName="centerShape" val="65"/>
+              <dgm:constr type="primFontSz" for="des" forName="oneNode" refType="primFontSz" refFor="ch" refForName="centerShape" fact="0.95"/>
+              <dgm:constr type="primFontSz" for="ch" forName="oneNode" refType="primFontSz" refFor="ch" refForName="centerShape" op="lte" fact="0.95"/>
+              <dgm:constr type="diam" for="ch" forName="singleconn" refType="diam"/>
+              <dgm:constr type="h" for="ch" forName="singleconn" refType="w" refFor="ch" refForName="oneComp" fact="0.24"/>
+              <dgm:constr type="diam" for="ch" refType="diam" op="equ"/>
+              <dgm:constr type="w" for="ch" forName="dummya" refType="w" refFor="ch" refForName="oneComp" op="equ"/>
+              <dgm:constr type="w" for="ch" forName="dummyb" refType="w" refFor="ch" refForName="oneComp" op="equ"/>
+              <dgm:constr type="w" for="ch" forName="dummyc" refType="w" refFor="ch" refForName="oneComp" op="equ"/>
+            </dgm:constrLst>
+          </dgm:if>
+          <dgm:else name="Name18">
+            <dgm:constrLst>
+              <dgm:constr type="diam" val="170"/>
+              <dgm:constr type="w" for="ch" forName="centerShape" refType="w"/>
+              <dgm:constr type="w" for="ch" forName="node" refType="w" refFor="ch" refForName="centerShape" op="equ" fact="0.7"/>
+              <dgm:constr type="sp" refType="w" refFor="ch" refForName="node" fact="0.3"/>
+              <dgm:constr type="sibSp" refType="w" refFor="ch" refForName="node" fact="0.3"/>
+              <dgm:constr type="primFontSz" for="ch" forName="centerShape" val="65"/>
+              <dgm:constr type="primFontSz" for="des" forName="node" refType="primFontSz" refFor="ch" refForName="centerShape" fact="0.78"/>
+              <dgm:constr type="primFontSz" for="ch" forName="node" refType="primFontSz" refFor="ch" refForName="centerShape" op="lte" fact="0.95"/>
+              <dgm:constr type="diam" for="ch" ptType="sibTrans" refType="diam" fact="-1"/>
+              <dgm:constr type="h" for="ch" forName="sibTrans" refType="w" refFor="ch" refForName="node" fact="0.24"/>
+              <dgm:constr type="diam" for="ch" refType="diam" op="equ" fact="-1"/>
+              <dgm:constr type="w" for="ch" forName="dummy" val="1"/>
+            </dgm:constrLst>
+          </dgm:else>
+        </dgm:choose>
+      </dgm:else>
+    </dgm:choose>
+    <dgm:ruleLst>
+      <dgm:rule type="diam" val="INF" fact="NaN" max="NaN"/>
+    </dgm:ruleLst>
+    <dgm:forEach name="Name19" axis="ch" ptType="node" cnt="1">
+      <dgm:layoutNode name="centerShape" styleLbl="node0">
+        <dgm:alg type="tx"/>
+        <dgm:shape xmlns:r="http://schemas.openxmlformats.org/officeDocument/2006/relationships" type="ellipse" r:blip="">
+          <dgm:adjLst/>
+        </dgm:shape>
+        <dgm:presOf axis="self"/>
+        <dgm:constrLst>
+          <dgm:constr type="h" refType="w"/>
+          <dgm:constr type="tMarg" refType="primFontSz" fact="0.1"/>
+          <dgm:constr type="bMarg" refType="primFontSz" fact="0.1"/>
+          <dgm:constr type="lMarg" refType="primFontSz" fact="0.1"/>
+          <dgm:constr type="rMarg" refType="primFontSz" fact="0.1"/>
+        </dgm:constrLst>
+        <dgm:ruleLst>
+          <dgm:rule type="primFontSz" val="5" fact="NaN" max="NaN"/>
+        </dgm:ruleLst>
+      </dgm:layoutNode>
+      <dgm:forEach name="Name20" axis="ch">
+        <dgm:forEach name="Name21" axis="self" ptType="node">
+          <dgm:choose name="Name22">
+            <dgm:if name="Name23" axis="par ch" ptType="node node" func="cnt" op="gt" val="1">
+              <dgm:layoutNode name="node" styleLbl="node1">
+                <dgm:varLst>
+                  <dgm:bulletEnabled val="1"/>
+                </dgm:varLst>
+                <dgm:alg type="tx">
+                  <dgm:param type="txAnchorVertCh" val="mid"/>
+                </dgm:alg>
+                <dgm:shape xmlns:r="http://schemas.openxmlformats.org/officeDocument/2006/relationships" type="ellipse" r:blip="">
+                  <dgm:adjLst/>
+                </dgm:shape>
+                <dgm:presOf axis="desOrSelf" ptType="node"/>
+                <dgm:constrLst>
+                  <dgm:constr type="h" refType="w"/>
+                  <dgm:constr type="tMarg" refType="primFontSz" fact="0.1"/>
+                  <dgm:constr type="bMarg" refType="primFontSz" fact="0.1"/>
+                  <dgm:constr type="lMarg" refType="primFontSz" fact="0.1"/>
+                  <dgm:constr type="rMarg" refType="primFontSz" fact="0.1"/>
+                </dgm:constrLst>
+                <dgm:ruleLst>
+                  <dgm:rule type="primFontSz" val="5" fact="NaN" max="NaN"/>
+                </dgm:ruleLst>
+              </dgm:layoutNode>
+              <dgm:layoutNode name="dummy">
+                <dgm:alg type="sp"/>
+                <dgm:shape xmlns:r="http://schemas.openxmlformats.org/officeDocument/2006/relationships" r:blip="">
+                  <dgm:adjLst/>
+                </dgm:shape>
+                <dgm:presOf/>
+                <dgm:constrLst>
+                  <dgm:constr type="h" refType="w"/>
+                </dgm:constrLst>
+                <dgm:ruleLst/>
+              </dgm:layoutNode>
+              <dgm:forEach name="sibTransForEach" axis="followSib" ptType="sibTrans" hideLastTrans="0" cnt="1">
+                <dgm:layoutNode name="sibTrans" styleLbl="sibTrans2D1">
+                  <dgm:alg type="conn">
+                    <dgm:param type="connRout" val="curve"/>
+                    <dgm:param type="begPts" val="ctr"/>
+                    <dgm:param type="endPts" val="ctr"/>
+                    <dgm:param type="begSty" val="noArr"/>
+                    <dgm:param type="endSty" val="noArr"/>
+                    <dgm:param type="dstNode" val="node"/>
+                  </dgm:alg>
+                  <dgm:shape xmlns:r="http://schemas.openxmlformats.org/officeDocument/2006/relationships" type="conn" r:blip="" zOrderOff="-999">
+                    <dgm:adjLst/>
+                  </dgm:shape>
+                  <dgm:presOf axis="self"/>
+                  <dgm:constrLst>
+                    <dgm:constr type="begPad"/>
+                    <dgm:constr type="endPad"/>
+                  </dgm:constrLst>
+                  <dgm:ruleLst/>
+                </dgm:layoutNode>
+              </dgm:forEach>
+            </dgm:if>
+            <dgm:if name="Name24" axis="par ch" ptType="node node" func="cnt" op="equ" val="1">
+              <dgm:layoutNode name="oneComp">
+                <dgm:alg type="composite">
+                  <dgm:param type="ar" val="1"/>
+                </dgm:alg>
+                <dgm:shape xmlns:r="http://schemas.openxmlformats.org/officeDocument/2006/relationships" r:blip="">
+                  <dgm:adjLst/>
+                </dgm:shape>
+                <dgm:presOf/>
+                <dgm:constrLst>
+                  <dgm:constr type="h" refType="w"/>
+                  <dgm:constr type="l" for="ch" forName="dummyConnPt" refType="w" fact="0.5"/>
+                  <dgm:constr type="t" for="ch" forName="dummyConnPt" refType="w" fact="0.5"/>
+                  <dgm:constr type="l" for="ch" forName="oneNode"/>
+                  <dgm:constr type="t" for="ch" forName="oneNode"/>
+                  <dgm:constr type="h" for="ch" forName="oneNode" refType="h"/>
+                  <dgm:constr type="w" for="ch" forName="oneNode" refType="w"/>
+                </dgm:constrLst>
+                <dgm:ruleLst/>
+                <dgm:layoutNode name="dummyConnPt" styleLbl="node1">
+                  <dgm:alg type="sp"/>
+                  <dgm:shape xmlns:r="http://schemas.openxmlformats.org/officeDocument/2006/relationships" r:blip="">
+                    <dgm:adjLst/>
+                  </dgm:shape>
+                  <dgm:presOf/>
+                  <dgm:constrLst>
+                    <dgm:constr type="w" val="1"/>
+                    <dgm:constr type="h" val="1"/>
+                  </dgm:constrLst>
+                  <dgm:ruleLst/>
+                </dgm:layoutNode>
+                <dgm:layoutNode name="oneNode" styleLbl="node1">
+                  <dgm:varLst>
+                    <dgm:bulletEnabled val="1"/>
+                  </dgm:varLst>
+                  <dgm:alg type="tx">
+                    <dgm:param type="txAnchorVertCh" val="mid"/>
+                  </dgm:alg>
+                  <dgm:shape xmlns:r="http://schemas.openxmlformats.org/officeDocument/2006/relationships" type="ellipse" r:blip="">
+                    <dgm:adjLst/>
+                  </dgm:shape>
+                  <dgm:presOf axis="desOrSelf" ptType="node"/>
+                  <dgm:constrLst>
+                    <dgm:constr type="h" refType="w"/>
+                    <dgm:constr type="tMarg" refType="primFontSz" fact="0.1"/>
+                    <dgm:constr type="bMarg" refType="primFontSz" fact="0.1"/>
+                    <dgm:constr type="lMarg" refType="primFontSz" fact="0.1"/>
+                    <dgm:constr type="rMarg" refType="primFontSz" fact="0.1"/>
+                  </dgm:constrLst>
+                  <dgm:ruleLst>
+                    <dgm:rule type="primFontSz" val="5" fact="NaN" max="NaN"/>
+                  </dgm:ruleLst>
+                </dgm:layoutNode>
+              </dgm:layoutNode>
+              <dgm:layoutNode name="dummya">
+                <dgm:alg type="sp"/>
+                <dgm:shape xmlns:r="http://schemas.openxmlformats.org/officeDocument/2006/relationships" r:blip="">
+                  <dgm:adjLst/>
+                </dgm:shape>
+                <dgm:presOf/>
+                <dgm:constrLst>
+                  <dgm:constr type="h" refType="w"/>
+                </dgm:constrLst>
+                <dgm:ruleLst/>
+              </dgm:layoutNode>
+              <dgm:layoutNode name="dummyb">
+                <dgm:alg type="sp"/>
+                <dgm:shape xmlns:r="http://schemas.openxmlformats.org/officeDocument/2006/relationships" r:blip="">
+                  <dgm:adjLst/>
+                </dgm:shape>
+                <dgm:presOf/>
+                <dgm:constrLst>
+                  <dgm:constr type="h" refType="w"/>
+                </dgm:constrLst>
+                <dgm:ruleLst/>
+              </dgm:layoutNode>
+              <dgm:layoutNode name="dummyc">
+                <dgm:alg type="sp"/>
+                <dgm:shape xmlns:r="http://schemas.openxmlformats.org/officeDocument/2006/relationships" r:blip="">
+                  <dgm:adjLst/>
+                </dgm:shape>
+                <dgm:presOf/>
+                <dgm:constrLst>
+                  <dgm:constr type="h" refType="w"/>
+                </dgm:constrLst>
+                <dgm:ruleLst/>
+              </dgm:layoutNode>
+              <dgm:forEach name="sibTransForEach1" axis="followSib" ptType="sibTrans" hideLastTrans="0" cnt="1">
+                <dgm:layoutNode name="singleconn" styleLbl="sibTrans2D1">
+                  <dgm:alg type="conn">
+                    <dgm:param type="connRout" val="longCurve"/>
+                    <dgm:param type="begPts" val="bCtr"/>
+                    <dgm:param type="endPts" val="tCtr"/>
+                    <dgm:param type="begSty" val="noArr"/>
+                    <dgm:param type="endSty" val="noArr"/>
+                    <dgm:param type="srcNode" val="dummyConnPt"/>
+                    <dgm:param type="dstNode" val="dummyConnPt"/>
+                  </dgm:alg>
+                  <dgm:shape xmlns:r="http://schemas.openxmlformats.org/officeDocument/2006/relationships" type="conn" r:blip="" zOrderOff="-999">
+                    <dgm:adjLst/>
+                  </dgm:shape>
+                  <dgm:presOf axis="self"/>
+                  <dgm:constrLst>
+                    <dgm:constr type="begPad"/>
+                    <dgm:constr type="endPad"/>
+                  </dgm:constrLst>
+                  <dgm:ruleLst/>
+                </dgm:layoutNode>
+              </dgm:forEach>
+            </dgm:if>
+            <dgm:else name="Name25"/>
+          </dgm:choose>
+        </dgm:forEach>
+      </dgm:forEach>
+    </dgm:forEach>
+  </dgm:layoutNode>
+</dgm:layoutDef>
+</file>
+
+<file path=ppt/diagrams/layout4.xml><?xml version="1.0" encoding="utf-8"?>
+<dgm:layoutDef xmlns:dgm="http://schemas.openxmlformats.org/drawingml/2006/diagram" xmlns:a="http://schemas.openxmlformats.org/drawingml/2006/main" uniqueId="urn:microsoft.com/office/officeart/2005/8/layout/radial6">
+  <dgm:title val=""/>
+  <dgm:desc val=""/>
+  <dgm:catLst>
+    <dgm:cat type="cycle" pri="9000"/>
+    <dgm:cat type="relationship" pri="21000"/>
+  </dgm:catLst>
+  <dgm:sampData>
+    <dgm:dataModel>
+      <dgm:ptLst>
+        <dgm:pt modelId="0" type="doc"/>
+        <dgm:pt modelId="1">
+          <dgm:prSet phldr="1"/>
+        </dgm:pt>
+        <dgm:pt modelId="11">
+          <dgm:prSet phldr="1"/>
+        </dgm:pt>
+        <dgm:pt modelId="12">
+          <dgm:prSet phldr="1"/>
+        </dgm:pt>
+        <dgm:pt modelId="13">
+          <dgm:prSet phldr="1"/>
+        </dgm:pt>
+        <dgm:pt modelId="14">
+          <dgm:prSet phldr="1"/>
+        </dgm:pt>
+      </dgm:ptLst>
+      <dgm:cxnLst>
+        <dgm:cxn modelId="2" srcId="0" destId="1" srcOrd="0" destOrd="0"/>
+        <dgm:cxn modelId="3" srcId="1" destId="11" srcOrd="0" destOrd="0"/>
+        <dgm:cxn modelId="4" srcId="1" destId="12" srcOrd="1" destOrd="0"/>
+        <dgm:cxn modelId="5" srcId="1" destId="13" srcOrd="2" destOrd="0"/>
+        <dgm:cxn modelId="6" srcId="1" destId="14" srcOrd="3" destOrd="0"/>
+      </dgm:cxnLst>
+      <dgm:bg/>
+      <dgm:whole/>
+    </dgm:dataModel>
+  </dgm:sampData>
+  <dgm:styleData>
+    <dgm:dataModel>
+      <dgm:ptLst>
+        <dgm:pt modelId="0" type="doc"/>
+        <dgm:pt modelId="1"/>
+        <dgm:pt modelId="11"/>
+        <dgm:pt modelId="12"/>
+        <dgm:pt modelId="13"/>
+      </dgm:ptLst>
+      <dgm:cxnLst>
+        <dgm:cxn modelId="2" srcId="0" destId="1" srcOrd="0" destOrd="0"/>
+        <dgm:cxn modelId="15" srcId="1" destId="11" srcOrd="0" destOrd="0"/>
+        <dgm:cxn modelId="16" srcId="1" destId="12" srcOrd="1" destOrd="0"/>
+        <dgm:cxn modelId="17" srcId="1" destId="13" srcOrd="2" destOrd="0"/>
+      </dgm:cxnLst>
+      <dgm:bg/>
+      <dgm:whole/>
+    </dgm:dataModel>
+  </dgm:styleData>
+  <dgm:clrData>
+    <dgm:dataModel>
+      <dgm:ptLst>
+        <dgm:pt modelId="0" type="doc"/>
+        <dgm:pt modelId="1"/>
+        <dgm:pt modelId="11"/>
+        <dgm:pt modelId="12"/>
+        <dgm:pt modelId="13"/>
+        <dgm:pt modelId="14"/>
+        <dgm:pt modelId="15"/>
+        <dgm:pt modelId="16"/>
+      </dgm:ptLst>
+      <dgm:cxnLst>
+        <dgm:cxn modelId="2" srcId="0" destId="1" srcOrd="0" destOrd="0"/>
+        <dgm:cxn modelId="16" srcId="1" destId="11" srcOrd="0" destOrd="0"/>
+        <dgm:cxn modelId="17" srcId="1" destId="12" srcOrd="1" destOrd="0"/>
+        <dgm:cxn modelId="18" srcId="1" destId="13" srcOrd="2" destOrd="0"/>
+        <dgm:cxn modelId="19" srcId="1" destId="14" srcOrd="3" destOrd="0"/>
+        <dgm:cxn modelId="20" srcId="1" destId="15" srcOrd="4" destOrd="0"/>
+        <dgm:cxn modelId="21" srcId="1" destId="16" srcOrd="5" destOrd="0"/>
+      </dgm:cxnLst>
+      <dgm:bg/>
+      <dgm:whole/>
+    </dgm:dataModel>
+  </dgm:clrData>
+  <dgm:layoutNode name="Name0">
+    <dgm:varLst>
+      <dgm:chMax val="1"/>
+      <dgm:dir/>
+      <dgm:animLvl val="ctr"/>
+      <dgm:resizeHandles val="exact"/>
+    </dgm:varLst>
+    <dgm:choose name="Name1">
+      <dgm:if name="Name2" func="var" arg="dir" op="equ" val="norm">
+        <dgm:choose name="Name3">
+          <dgm:if name="Name4" axis="ch ch" ptType="node node" st="1 1" cnt="1 0" func="cnt" op="lte" val="1">
+            <dgm:alg type="cycle">
+              <dgm:param type="stAng" val="90"/>
+              <dgm:param type="spanAng" val="360"/>
+              <dgm:param type="ctrShpMap" val="fNode"/>
+            </dgm:alg>
+          </dgm:if>
+          <dgm:else name="Name5">
+            <dgm:alg type="cycle">
+              <dgm:param type="stAng" val="0"/>
+              <dgm:param type="spanAng" val="360"/>
+              <dgm:param type="ctrShpMap" val="fNode"/>
+            </dgm:alg>
+          </dgm:else>
+        </dgm:choose>
+      </dgm:if>
+      <dgm:else name="Name6">
+        <dgm:choose name="Name7">
+          <dgm:if name="Name8" axis="ch ch" ptType="node node" st="1 1" cnt="1 0" func="cnt" op="lte" val="1">
+            <dgm:alg type="cycle">
+              <dgm:param type="stAng" val="-90"/>
+              <dgm:param type="spanAng" val="360"/>
+              <dgm:param type="ctrShpMap" val="fNode"/>
+            </dgm:alg>
+          </dgm:if>
+          <dgm:else name="Name9">
+            <dgm:alg type="cycle">
+              <dgm:param type="stAng" val="0"/>
+              <dgm:param type="spanAng" val="-360"/>
+              <dgm:param type="ctrShpMap" val="fNode"/>
+            </dgm:alg>
+          </dgm:else>
+        </dgm:choose>
+      </dgm:else>
+    </dgm:choose>
+    <dgm:shape xmlns:r="http://schemas.openxmlformats.org/officeDocument/2006/relationships" r:blip="">
+      <dgm:adjLst/>
+    </dgm:shape>
+    <dgm:presOf/>
+    <dgm:choose name="Name10">
+      <dgm:if name="Name11" func="var" arg="dir" op="equ" val="norm">
+        <dgm:choose name="Name12">
+          <dgm:if name="Name13" axis="ch ch" ptType="node node" st="1 1" cnt="1 0" func="cnt" op="equ" val="1">
+            <dgm:constrLst>
+              <dgm:constr type="diam" val="170"/>
+              <dgm:constr type="w" for="ch" forName="centerShape" refType="w"/>
+              <dgm:constr type="w" for="ch" forName="oneComp" refType="w" refFor="ch" refForName="centerShape" op="equ" fact="0.7"/>
+              <dgm:constr type="sp" refType="w" refFor="ch" refForName="oneComp" fact="0.3"/>
+              <dgm:constr type="sibSp" refType="w" refFor="ch" refForName="oneComp" fact="0.3"/>
+              <dgm:constr type="primFontSz" for="ch" forName="centerShape" val="65"/>
+              <dgm:constr type="primFontSz" for="des" forName="oneNode" refType="primFontSz" refFor="ch" refForName="centerShape" fact="0.95"/>
+              <dgm:constr type="primFontSz" for="des" forName="oneNode" refType="primFontSz" refFor="ch" refForName="centerShape" op="lte" fact="0.95"/>
+              <dgm:constr type="diam" for="ch" forName="singleconn" refType="diam" op="equ" fact="-1"/>
+              <dgm:constr type="h" for="ch" forName="singleconn" refType="w" refFor="ch" refForName="oneComp" fact="0.24"/>
+              <dgm:constr type="w" for="ch" forName="dummya" refType="w" refFor="ch" refForName="oneComp" op="equ"/>
+              <dgm:constr type="w" for="ch" forName="dummyb" refType="w" refFor="ch" refForName="oneComp" op="equ"/>
+              <dgm:constr type="w" for="ch" forName="dummyc" refType="w" refFor="ch" refForName="oneComp" op="equ"/>
+            </dgm:constrLst>
+          </dgm:if>
+          <dgm:else name="Name14">
+            <dgm:constrLst>
+              <dgm:constr type="diam" val="170"/>
+              <dgm:constr type="w" for="ch" forName="centerShape" refType="w"/>
+              <dgm:constr type="w" for="ch" forName="node" refType="w" refFor="ch" refForName="centerShape" op="equ" fact="0.7"/>
+              <dgm:constr type="sp" refType="w" refFor="ch" refForName="node" fact="0.3"/>
+              <dgm:constr type="sibSp" refType="w" refFor="ch" refForName="node" fact="0.3"/>
+              <dgm:constr type="primFontSz" for="ch" forName="centerShape" val="65"/>
+              <dgm:constr type="primFontSz" for="des" forName="node" refType="primFontSz" refFor="ch" refForName="centerShape" fact="0.78"/>
+              <dgm:constr type="primFontSz" for="ch" forName="node" refType="primFontSz" refFor="ch" refForName="centerShape" op="lte" fact="0.95"/>
+              <dgm:constr type="diam" for="ch" forName="sibTrans" refType="diam" op="equ"/>
+              <dgm:constr type="h" for="ch" forName="sibTrans" refType="w" refFor="ch" refForName="node" fact="0.24"/>
+              <dgm:constr type="w" for="ch" forName="dummy" val="1"/>
+            </dgm:constrLst>
+          </dgm:else>
+        </dgm:choose>
+      </dgm:if>
+      <dgm:else name="Name15">
+        <dgm:choose name="Name16">
+          <dgm:if name="Name17" axis="ch ch" ptType="node node" st="1 1" cnt="1 0" func="cnt" op="equ" val="1">
+            <dgm:constrLst>
+              <dgm:constr type="diam" val="170"/>
+              <dgm:constr type="w" for="ch" forName="centerShape" refType="w"/>
+              <dgm:constr type="w" for="ch" forName="oneComp" refType="w" refFor="ch" refForName="centerShape" op="equ" fact="0.7"/>
+              <dgm:constr type="sp" refType="w" refFor="ch" refForName="oneComp" fact="0.3"/>
+              <dgm:constr type="sibSp" refType="w" refFor="ch" refForName="oneComp" fact="0.3"/>
+              <dgm:constr type="primFontSz" for="ch" forName="centerShape" val="65"/>
+              <dgm:constr type="primFontSz" for="des" forName="oneNode" refType="primFontSz" refFor="ch" refForName="centerShape" fact="0.95"/>
+              <dgm:constr type="primFontSz" for="ch" forName="oneNode" refType="primFontSz" refFor="ch" refForName="centerShape" op="lte" fact="0.95"/>
+              <dgm:constr type="diam" for="ch" forName="singleconn" refType="diam"/>
+              <dgm:constr type="h" for="ch" forName="singleconn" refType="w" refFor="ch" refForName="oneComp" fact="0.24"/>
+              <dgm:constr type="diam" for="ch" refType="diam" op="equ"/>
+              <dgm:constr type="w" for="ch" forName="dummya" refType="w" refFor="ch" refForName="oneComp" op="equ"/>
+              <dgm:constr type="w" for="ch" forName="dummyb" refType="w" refFor="ch" refForName="oneComp" op="equ"/>
+              <dgm:constr type="w" for="ch" forName="dummyc" refType="w" refFor="ch" refForName="oneComp" op="equ"/>
+            </dgm:constrLst>
+          </dgm:if>
+          <dgm:else name="Name18">
+            <dgm:constrLst>
+              <dgm:constr type="diam" val="170"/>
+              <dgm:constr type="w" for="ch" forName="centerShape" refType="w"/>
+              <dgm:constr type="w" for="ch" forName="node" refType="w" refFor="ch" refForName="centerShape" op="equ" fact="0.7"/>
+              <dgm:constr type="sp" refType="w" refFor="ch" refForName="node" fact="0.3"/>
+              <dgm:constr type="sibSp" refType="w" refFor="ch" refForName="node" fact="0.3"/>
+              <dgm:constr type="primFontSz" for="ch" forName="centerShape" val="65"/>
+              <dgm:constr type="primFontSz" for="des" forName="node" refType="primFontSz" refFor="ch" refForName="centerShape" fact="0.78"/>
+              <dgm:constr type="primFontSz" for="ch" forName="node" refType="primFontSz" refFor="ch" refForName="centerShape" op="lte" fact="0.95"/>
+              <dgm:constr type="diam" for="ch" ptType="sibTrans" refType="diam" fact="-1"/>
+              <dgm:constr type="h" for="ch" forName="sibTrans" refType="w" refFor="ch" refForName="node" fact="0.24"/>
+              <dgm:constr type="diam" for="ch" refType="diam" op="equ" fact="-1"/>
+              <dgm:constr type="w" for="ch" forName="dummy" val="1"/>
+            </dgm:constrLst>
+          </dgm:else>
+        </dgm:choose>
+      </dgm:else>
+    </dgm:choose>
+    <dgm:ruleLst>
+      <dgm:rule type="diam" val="INF" fact="NaN" max="NaN"/>
+    </dgm:ruleLst>
+    <dgm:forEach name="Name19" axis="ch" ptType="node" cnt="1">
+      <dgm:layoutNode name="centerShape" styleLbl="node0">
+        <dgm:alg type="tx"/>
+        <dgm:shape xmlns:r="http://schemas.openxmlformats.org/officeDocument/2006/relationships" type="ellipse" r:blip="">
+          <dgm:adjLst/>
+        </dgm:shape>
+        <dgm:presOf axis="self"/>
+        <dgm:constrLst>
+          <dgm:constr type="h" refType="w"/>
+          <dgm:constr type="tMarg" refType="primFontSz" fact="0.1"/>
+          <dgm:constr type="bMarg" refType="primFontSz" fact="0.1"/>
+          <dgm:constr type="lMarg" refType="primFontSz" fact="0.1"/>
+          <dgm:constr type="rMarg" refType="primFontSz" fact="0.1"/>
+        </dgm:constrLst>
+        <dgm:ruleLst>
+          <dgm:rule type="primFontSz" val="5" fact="NaN" max="NaN"/>
+        </dgm:ruleLst>
+      </dgm:layoutNode>
+      <dgm:forEach name="Name20" axis="ch">
+        <dgm:forEach name="Name21" axis="self" ptType="node">
+          <dgm:choose name="Name22">
+            <dgm:if name="Name23" axis="par ch" ptType="node node" func="cnt" op="gt" val="1">
+              <dgm:layoutNode name="node" styleLbl="node1">
+                <dgm:varLst>
+                  <dgm:bulletEnabled val="1"/>
+                </dgm:varLst>
+                <dgm:alg type="tx">
+                  <dgm:param type="txAnchorVertCh" val="mid"/>
+                </dgm:alg>
+                <dgm:shape xmlns:r="http://schemas.openxmlformats.org/officeDocument/2006/relationships" type="ellipse" r:blip="">
+                  <dgm:adjLst/>
+                </dgm:shape>
+                <dgm:presOf axis="desOrSelf" ptType="node"/>
+                <dgm:constrLst>
+                  <dgm:constr type="h" refType="w"/>
+                  <dgm:constr type="tMarg" refType="primFontSz" fact="0.1"/>
+                  <dgm:constr type="bMarg" refType="primFontSz" fact="0.1"/>
+                  <dgm:constr type="lMarg" refType="primFontSz" fact="0.1"/>
+                  <dgm:constr type="rMarg" refType="primFontSz" fact="0.1"/>
+                </dgm:constrLst>
+                <dgm:ruleLst>
+                  <dgm:rule type="primFontSz" val="5" fact="NaN" max="NaN"/>
+                </dgm:ruleLst>
+              </dgm:layoutNode>
+              <dgm:layoutNode name="dummy">
+                <dgm:alg type="sp"/>
+                <dgm:shape xmlns:r="http://schemas.openxmlformats.org/officeDocument/2006/relationships" r:blip="">
+                  <dgm:adjLst/>
+                </dgm:shape>
+                <dgm:presOf/>
+                <dgm:constrLst>
+                  <dgm:constr type="h" refType="w"/>
+                </dgm:constrLst>
+                <dgm:ruleLst/>
+              </dgm:layoutNode>
+              <dgm:forEach name="sibTransForEach" axis="followSib" ptType="sibTrans" hideLastTrans="0" cnt="1">
+                <dgm:layoutNode name="sibTrans" styleLbl="sibTrans2D1">
+                  <dgm:alg type="conn">
+                    <dgm:param type="connRout" val="curve"/>
+                    <dgm:param type="begPts" val="ctr"/>
+                    <dgm:param type="endPts" val="ctr"/>
+                    <dgm:param type="begSty" val="noArr"/>
+                    <dgm:param type="endSty" val="noArr"/>
+                    <dgm:param type="dstNode" val="node"/>
+                  </dgm:alg>
+                  <dgm:shape xmlns:r="http://schemas.openxmlformats.org/officeDocument/2006/relationships" type="conn" r:blip="" zOrderOff="-999">
+                    <dgm:adjLst/>
+                  </dgm:shape>
+                  <dgm:presOf axis="self"/>
+                  <dgm:constrLst>
+                    <dgm:constr type="begPad"/>
+                    <dgm:constr type="endPad"/>
+                  </dgm:constrLst>
+                  <dgm:ruleLst/>
+                </dgm:layoutNode>
+              </dgm:forEach>
+            </dgm:if>
+            <dgm:if name="Name24" axis="par ch" ptType="node node" func="cnt" op="equ" val="1">
+              <dgm:layoutNode name="oneComp">
+                <dgm:alg type="composite">
+                  <dgm:param type="ar" val="1"/>
+                </dgm:alg>
+                <dgm:shape xmlns:r="http://schemas.openxmlformats.org/officeDocument/2006/relationships" r:blip="">
+                  <dgm:adjLst/>
+                </dgm:shape>
+                <dgm:presOf/>
+                <dgm:constrLst>
+                  <dgm:constr type="h" refType="w"/>
+                  <dgm:constr type="l" for="ch" forName="dummyConnPt" refType="w" fact="0.5"/>
+                  <dgm:constr type="t" for="ch" forName="dummyConnPt" refType="w" fact="0.5"/>
+                  <dgm:constr type="l" for="ch" forName="oneNode"/>
+                  <dgm:constr type="t" for="ch" forName="oneNode"/>
+                  <dgm:constr type="h" for="ch" forName="oneNode" refType="h"/>
+                  <dgm:constr type="w" for="ch" forName="oneNode" refType="w"/>
+                </dgm:constrLst>
+                <dgm:ruleLst/>
+                <dgm:layoutNode name="dummyConnPt" styleLbl="node1">
+                  <dgm:alg type="sp"/>
+                  <dgm:shape xmlns:r="http://schemas.openxmlformats.org/officeDocument/2006/relationships" r:blip="">
+                    <dgm:adjLst/>
+                  </dgm:shape>
+                  <dgm:presOf/>
+                  <dgm:constrLst>
+                    <dgm:constr type="w" val="1"/>
+                    <dgm:constr type="h" val="1"/>
+                  </dgm:constrLst>
+                  <dgm:ruleLst/>
+                </dgm:layoutNode>
+                <dgm:layoutNode name="oneNode" styleLbl="node1">
+                  <dgm:varLst>
+                    <dgm:bulletEnabled val="1"/>
+                  </dgm:varLst>
+                  <dgm:alg type="tx">
+                    <dgm:param type="txAnchorVertCh" val="mid"/>
+                  </dgm:alg>
+                  <dgm:shape xmlns:r="http://schemas.openxmlformats.org/officeDocument/2006/relationships" type="ellipse" r:blip="">
+                    <dgm:adjLst/>
+                  </dgm:shape>
+                  <dgm:presOf axis="desOrSelf" ptType="node"/>
+                  <dgm:constrLst>
+                    <dgm:constr type="h" refType="w"/>
+                    <dgm:constr type="tMarg" refType="primFontSz" fact="0.1"/>
+                    <dgm:constr type="bMarg" refType="primFontSz" fact="0.1"/>
+                    <dgm:constr type="lMarg" refType="primFontSz" fact="0.1"/>
+                    <dgm:constr type="rMarg" refType="primFontSz" fact="0.1"/>
+                  </dgm:constrLst>
+                  <dgm:ruleLst>
+                    <dgm:rule type="primFontSz" val="5" fact="NaN" max="NaN"/>
+                  </dgm:ruleLst>
+                </dgm:layoutNode>
+              </dgm:layoutNode>
+              <dgm:layoutNode name="dummya">
+                <dgm:alg type="sp"/>
+                <dgm:shape xmlns:r="http://schemas.openxmlformats.org/officeDocument/2006/relationships" r:blip="">
+                  <dgm:adjLst/>
+                </dgm:shape>
+                <dgm:presOf/>
+                <dgm:constrLst>
+                  <dgm:constr type="h" refType="w"/>
+                </dgm:constrLst>
+                <dgm:ruleLst/>
+              </dgm:layoutNode>
+              <dgm:layoutNode name="dummyb">
+                <dgm:alg type="sp"/>
+                <dgm:shape xmlns:r="http://schemas.openxmlformats.org/officeDocument/2006/relationships" r:blip="">
+                  <dgm:adjLst/>
+                </dgm:shape>
+                <dgm:presOf/>
+                <dgm:constrLst>
+                  <dgm:constr type="h" refType="w"/>
+                </dgm:constrLst>
+                <dgm:ruleLst/>
+              </dgm:layoutNode>
+              <dgm:layoutNode name="dummyc">
+                <dgm:alg type="sp"/>
+                <dgm:shape xmlns:r="http://schemas.openxmlformats.org/officeDocument/2006/relationships" r:blip="">
+                  <dgm:adjLst/>
+                </dgm:shape>
+                <dgm:presOf/>
+                <dgm:constrLst>
+                  <dgm:constr type="h" refType="w"/>
+                </dgm:constrLst>
+                <dgm:ruleLst/>
+              </dgm:layoutNode>
+              <dgm:forEach name="sibTransForEach1" axis="followSib" ptType="sibTrans" hideLastTrans="0" cnt="1">
+                <dgm:layoutNode name="singleconn" styleLbl="sibTrans2D1">
+                  <dgm:alg type="conn">
+                    <dgm:param type="connRout" val="longCurve"/>
+                    <dgm:param type="begPts" val="bCtr"/>
+                    <dgm:param type="endPts" val="tCtr"/>
+                    <dgm:param type="begSty" val="noArr"/>
+                    <dgm:param type="endSty" val="noArr"/>
+                    <dgm:param type="srcNode" val="dummyConnPt"/>
+                    <dgm:param type="dstNode" val="dummyConnPt"/>
+                  </dgm:alg>
+                  <dgm:shape xmlns:r="http://schemas.openxmlformats.org/officeDocument/2006/relationships" type="conn" r:blip="" zOrderOff="-999">
+                    <dgm:adjLst/>
+                  </dgm:shape>
+                  <dgm:presOf axis="self"/>
+                  <dgm:constrLst>
+                    <dgm:constr type="begPad"/>
+                    <dgm:constr type="endPad"/>
+                  </dgm:constrLst>
+                  <dgm:ruleLst/>
+                </dgm:layoutNode>
+              </dgm:forEach>
+            </dgm:if>
+            <dgm:else name="Name25"/>
+          </dgm:choose>
+        </dgm:forEach>
+      </dgm:forEach>
+    </dgm:forEach>
+  </dgm:layoutNode>
+</dgm:layoutDef>
+</file>
+
 <file path=ppt/diagrams/quickStyle1.xml><?xml version="1.0" encoding="utf-8"?>
 <dgm:styleDef xmlns:dgm="http://schemas.openxmlformats.org/drawingml/2006/diagram" xmlns:a="http://schemas.openxmlformats.org/drawingml/2006/main" uniqueId="urn:microsoft.com/office/officeart/2005/8/quickstyle/simple1">
   <dgm:title val=""/>
@@ -5416,6 +9666,2074 @@
 </file>
 
 <file path=ppt/diagrams/quickStyle2.xml><?xml version="1.0" encoding="utf-8"?>
+<dgm:styleDef xmlns:dgm="http://schemas.openxmlformats.org/drawingml/2006/diagram" xmlns:a="http://schemas.openxmlformats.org/drawingml/2006/main" uniqueId="urn:microsoft.com/office/officeart/2005/8/quickstyle/simple1">
+  <dgm:title val=""/>
+  <dgm:desc val=""/>
+  <dgm:catLst>
+    <dgm:cat type="simple" pri="10100"/>
+  </dgm:catLst>
+  <dgm:scene3d>
+    <a:camera prst="orthographicFront"/>
+    <a:lightRig rig="threePt" dir="t"/>
+  </dgm:scene3d>
+  <dgm:styleLbl name="node0">
+    <dgm:scene3d>
+      <a:camera prst="orthographicFront"/>
+      <a:lightRig rig="threePt" dir="t"/>
+    </dgm:scene3d>
+    <dgm:sp3d/>
+    <dgm:txPr/>
+    <dgm:style>
+      <a:lnRef idx="2">
+        <a:scrgbClr r="0" g="0" b="0"/>
+      </a:lnRef>
+      <a:fillRef idx="1">
+        <a:scrgbClr r="0" g="0" b="0"/>
+      </a:fillRef>
+      <a:effectRef idx="0">
+        <a:scrgbClr r="0" g="0" b="0"/>
+      </a:effectRef>
+      <a:fontRef idx="minor">
+        <a:schemeClr val="lt1"/>
+      </a:fontRef>
+    </dgm:style>
+  </dgm:styleLbl>
+  <dgm:styleLbl name="lnNode1">
+    <dgm:scene3d>
+      <a:camera prst="orthographicFront"/>
+      <a:lightRig rig="threePt" dir="t"/>
+    </dgm:scene3d>
+    <dgm:sp3d/>
+    <dgm:txPr/>
+    <dgm:style>
+      <a:lnRef idx="2">
+        <a:scrgbClr r="0" g="0" b="0"/>
+      </a:lnRef>
+      <a:fillRef idx="1">
+        <a:scrgbClr r="0" g="0" b="0"/>
+      </a:fillRef>
+      <a:effectRef idx="0">
+        <a:scrgbClr r="0" g="0" b="0"/>
+      </a:effectRef>
+      <a:fontRef idx="minor">
+        <a:schemeClr val="lt1"/>
+      </a:fontRef>
+    </dgm:style>
+  </dgm:styleLbl>
+  <dgm:styleLbl name="vennNode1">
+    <dgm:scene3d>
+      <a:camera prst="orthographicFront"/>
+      <a:lightRig rig="threePt" dir="t"/>
+    </dgm:scene3d>
+    <dgm:sp3d/>
+    <dgm:txPr/>
+    <dgm:style>
+      <a:lnRef idx="2">
+        <a:scrgbClr r="0" g="0" b="0"/>
+      </a:lnRef>
+      <a:fillRef idx="1">
+        <a:scrgbClr r="0" g="0" b="0"/>
+      </a:fillRef>
+      <a:effectRef idx="0">
+        <a:scrgbClr r="0" g="0" b="0"/>
+      </a:effectRef>
+      <a:fontRef idx="minor">
+        <a:schemeClr val="tx1"/>
+      </a:fontRef>
+    </dgm:style>
+  </dgm:styleLbl>
+  <dgm:styleLbl name="alignNode1">
+    <dgm:scene3d>
+      <a:camera prst="orthographicFront"/>
+      <a:lightRig rig="threePt" dir="t"/>
+    </dgm:scene3d>
+    <dgm:sp3d/>
+    <dgm:txPr/>
+    <dgm:style>
+      <a:lnRef idx="2">
+        <a:scrgbClr r="0" g="0" b="0"/>
+      </a:lnRef>
+      <a:fillRef idx="1">
+        <a:scrgbClr r="0" g="0" b="0"/>
+      </a:fillRef>
+      <a:effectRef idx="0">
+        <a:scrgbClr r="0" g="0" b="0"/>
+      </a:effectRef>
+      <a:fontRef idx="minor">
+        <a:schemeClr val="lt1"/>
+      </a:fontRef>
+    </dgm:style>
+  </dgm:styleLbl>
+  <dgm:styleLbl name="node1">
+    <dgm:scene3d>
+      <a:camera prst="orthographicFront"/>
+      <a:lightRig rig="threePt" dir="t"/>
+    </dgm:scene3d>
+    <dgm:sp3d/>
+    <dgm:txPr/>
+    <dgm:style>
+      <a:lnRef idx="2">
+        <a:scrgbClr r="0" g="0" b="0"/>
+      </a:lnRef>
+      <a:fillRef idx="1">
+        <a:scrgbClr r="0" g="0" b="0"/>
+      </a:fillRef>
+      <a:effectRef idx="0">
+        <a:scrgbClr r="0" g="0" b="0"/>
+      </a:effectRef>
+      <a:fontRef idx="minor">
+        <a:schemeClr val="lt1"/>
+      </a:fontRef>
+    </dgm:style>
+  </dgm:styleLbl>
+  <dgm:styleLbl name="node2">
+    <dgm:scene3d>
+      <a:camera prst="orthographicFront"/>
+      <a:lightRig rig="threePt" dir="t"/>
+    </dgm:scene3d>
+    <dgm:sp3d/>
+    <dgm:txPr/>
+    <dgm:style>
+      <a:lnRef idx="2">
+        <a:scrgbClr r="0" g="0" b="0"/>
+      </a:lnRef>
+      <a:fillRef idx="1">
+        <a:scrgbClr r="0" g="0" b="0"/>
+      </a:fillRef>
+      <a:effectRef idx="0">
+        <a:scrgbClr r="0" g="0" b="0"/>
+      </a:effectRef>
+      <a:fontRef idx="minor">
+        <a:schemeClr val="lt1"/>
+      </a:fontRef>
+    </dgm:style>
+  </dgm:styleLbl>
+  <dgm:styleLbl name="node3">
+    <dgm:scene3d>
+      <a:camera prst="orthographicFront"/>
+      <a:lightRig rig="threePt" dir="t"/>
+    </dgm:scene3d>
+    <dgm:sp3d/>
+    <dgm:txPr/>
+    <dgm:style>
+      <a:lnRef idx="2">
+        <a:scrgbClr r="0" g="0" b="0"/>
+      </a:lnRef>
+      <a:fillRef idx="1">
+        <a:scrgbClr r="0" g="0" b="0"/>
+      </a:fillRef>
+      <a:effectRef idx="0">
+        <a:scrgbClr r="0" g="0" b="0"/>
+      </a:effectRef>
+      <a:fontRef idx="minor">
+        <a:schemeClr val="lt1"/>
+      </a:fontRef>
+    </dgm:style>
+  </dgm:styleLbl>
+  <dgm:styleLbl name="node4">
+    <dgm:scene3d>
+      <a:camera prst="orthographicFront"/>
+      <a:lightRig rig="threePt" dir="t"/>
+    </dgm:scene3d>
+    <dgm:sp3d/>
+    <dgm:txPr/>
+    <dgm:style>
+      <a:lnRef idx="2">
+        <a:scrgbClr r="0" g="0" b="0"/>
+      </a:lnRef>
+      <a:fillRef idx="1">
+        <a:scrgbClr r="0" g="0" b="0"/>
+      </a:fillRef>
+      <a:effectRef idx="0">
+        <a:scrgbClr r="0" g="0" b="0"/>
+      </a:effectRef>
+      <a:fontRef idx="minor">
+        <a:schemeClr val="lt1"/>
+      </a:fontRef>
+    </dgm:style>
+  </dgm:styleLbl>
+  <dgm:styleLbl name="fgImgPlace1">
+    <dgm:scene3d>
+      <a:camera prst="orthographicFront"/>
+      <a:lightRig rig="threePt" dir="t"/>
+    </dgm:scene3d>
+    <dgm:sp3d/>
+    <dgm:txPr/>
+    <dgm:style>
+      <a:lnRef idx="2">
+        <a:scrgbClr r="0" g="0" b="0"/>
+      </a:lnRef>
+      <a:fillRef idx="1">
+        <a:scrgbClr r="0" g="0" b="0"/>
+      </a:fillRef>
+      <a:effectRef idx="0">
+        <a:scrgbClr r="0" g="0" b="0"/>
+      </a:effectRef>
+      <a:fontRef idx="minor"/>
+    </dgm:style>
+  </dgm:styleLbl>
+  <dgm:styleLbl name="alignImgPlace1">
+    <dgm:scene3d>
+      <a:camera prst="orthographicFront"/>
+      <a:lightRig rig="threePt" dir="t"/>
+    </dgm:scene3d>
+    <dgm:sp3d/>
+    <dgm:txPr/>
+    <dgm:style>
+      <a:lnRef idx="2">
+        <a:scrgbClr r="0" g="0" b="0"/>
+      </a:lnRef>
+      <a:fillRef idx="1">
+        <a:scrgbClr r="0" g="0" b="0"/>
+      </a:fillRef>
+      <a:effectRef idx="0">
+        <a:scrgbClr r="0" g="0" b="0"/>
+      </a:effectRef>
+      <a:fontRef idx="minor"/>
+    </dgm:style>
+  </dgm:styleLbl>
+  <dgm:styleLbl name="bgImgPlace1">
+    <dgm:scene3d>
+      <a:camera prst="orthographicFront"/>
+      <a:lightRig rig="threePt" dir="t"/>
+    </dgm:scene3d>
+    <dgm:sp3d/>
+    <dgm:txPr/>
+    <dgm:style>
+      <a:lnRef idx="2">
+        <a:scrgbClr r="0" g="0" b="0"/>
+      </a:lnRef>
+      <a:fillRef idx="1">
+        <a:scrgbClr r="0" g="0" b="0"/>
+      </a:fillRef>
+      <a:effectRef idx="0">
+        <a:scrgbClr r="0" g="0" b="0"/>
+      </a:effectRef>
+      <a:fontRef idx="minor"/>
+    </dgm:style>
+  </dgm:styleLbl>
+  <dgm:styleLbl name="sibTrans2D1">
+    <dgm:scene3d>
+      <a:camera prst="orthographicFront"/>
+      <a:lightRig rig="threePt" dir="t"/>
+    </dgm:scene3d>
+    <dgm:sp3d/>
+    <dgm:txPr/>
+    <dgm:style>
+      <a:lnRef idx="0">
+        <a:scrgbClr r="0" g="0" b="0"/>
+      </a:lnRef>
+      <a:fillRef idx="1">
+        <a:scrgbClr r="0" g="0" b="0"/>
+      </a:fillRef>
+      <a:effectRef idx="0">
+        <a:scrgbClr r="0" g="0" b="0"/>
+      </a:effectRef>
+      <a:fontRef idx="minor">
+        <a:schemeClr val="lt1"/>
+      </a:fontRef>
+    </dgm:style>
+  </dgm:styleLbl>
+  <dgm:styleLbl name="fgSibTrans2D1">
+    <dgm:scene3d>
+      <a:camera prst="orthographicFront"/>
+      <a:lightRig rig="threePt" dir="t"/>
+    </dgm:scene3d>
+    <dgm:sp3d/>
+    <dgm:txPr/>
+    <dgm:style>
+      <a:lnRef idx="0">
+        <a:scrgbClr r="0" g="0" b="0"/>
+      </a:lnRef>
+      <a:fillRef idx="1">
+        <a:scrgbClr r="0" g="0" b="0"/>
+      </a:fillRef>
+      <a:effectRef idx="0">
+        <a:scrgbClr r="0" g="0" b="0"/>
+      </a:effectRef>
+      <a:fontRef idx="minor">
+        <a:schemeClr val="lt1"/>
+      </a:fontRef>
+    </dgm:style>
+  </dgm:styleLbl>
+  <dgm:styleLbl name="bgSibTrans2D1">
+    <dgm:scene3d>
+      <a:camera prst="orthographicFront"/>
+      <a:lightRig rig="threePt" dir="t"/>
+    </dgm:scene3d>
+    <dgm:sp3d/>
+    <dgm:txPr/>
+    <dgm:style>
+      <a:lnRef idx="0">
+        <a:scrgbClr r="0" g="0" b="0"/>
+      </a:lnRef>
+      <a:fillRef idx="1">
+        <a:scrgbClr r="0" g="0" b="0"/>
+      </a:fillRef>
+      <a:effectRef idx="0">
+        <a:scrgbClr r="0" g="0" b="0"/>
+      </a:effectRef>
+      <a:fontRef idx="minor">
+        <a:schemeClr val="lt1"/>
+      </a:fontRef>
+    </dgm:style>
+  </dgm:styleLbl>
+  <dgm:styleLbl name="sibTrans1D1">
+    <dgm:scene3d>
+      <a:camera prst="orthographicFront"/>
+      <a:lightRig rig="threePt" dir="t"/>
+    </dgm:scene3d>
+    <dgm:sp3d/>
+    <dgm:txPr/>
+    <dgm:style>
+      <a:lnRef idx="1">
+        <a:scrgbClr r="0" g="0" b="0"/>
+      </a:lnRef>
+      <a:fillRef idx="0">
+        <a:scrgbClr r="0" g="0" b="0"/>
+      </a:fillRef>
+      <a:effectRef idx="0">
+        <a:scrgbClr r="0" g="0" b="0"/>
+      </a:effectRef>
+      <a:fontRef idx="minor"/>
+    </dgm:style>
+  </dgm:styleLbl>
+  <dgm:styleLbl name="callout">
+    <dgm:scene3d>
+      <a:camera prst="orthographicFront"/>
+      <a:lightRig rig="threePt" dir="t"/>
+    </dgm:scene3d>
+    <dgm:sp3d/>
+    <dgm:txPr/>
+    <dgm:style>
+      <a:lnRef idx="2">
+        <a:scrgbClr r="0" g="0" b="0"/>
+      </a:lnRef>
+      <a:fillRef idx="1">
+        <a:scrgbClr r="0" g="0" b="0"/>
+      </a:fillRef>
+      <a:effectRef idx="0">
+        <a:scrgbClr r="0" g="0" b="0"/>
+      </a:effectRef>
+      <a:fontRef idx="minor"/>
+    </dgm:style>
+  </dgm:styleLbl>
+  <dgm:styleLbl name="asst0">
+    <dgm:scene3d>
+      <a:camera prst="orthographicFront"/>
+      <a:lightRig rig="threePt" dir="t"/>
+    </dgm:scene3d>
+    <dgm:sp3d/>
+    <dgm:txPr/>
+    <dgm:style>
+      <a:lnRef idx="2">
+        <a:scrgbClr r="0" g="0" b="0"/>
+      </a:lnRef>
+      <a:fillRef idx="1">
+        <a:scrgbClr r="0" g="0" b="0"/>
+      </a:fillRef>
+      <a:effectRef idx="0">
+        <a:scrgbClr r="0" g="0" b="0"/>
+      </a:effectRef>
+      <a:fontRef idx="minor">
+        <a:schemeClr val="lt1"/>
+      </a:fontRef>
+    </dgm:style>
+  </dgm:styleLbl>
+  <dgm:styleLbl name="asst1">
+    <dgm:scene3d>
+      <a:camera prst="orthographicFront"/>
+      <a:lightRig rig="threePt" dir="t"/>
+    </dgm:scene3d>
+    <dgm:sp3d/>
+    <dgm:txPr/>
+    <dgm:style>
+      <a:lnRef idx="2">
+        <a:scrgbClr r="0" g="0" b="0"/>
+      </a:lnRef>
+      <a:fillRef idx="1">
+        <a:scrgbClr r="0" g="0" b="0"/>
+      </a:fillRef>
+      <a:effectRef idx="0">
+        <a:scrgbClr r="0" g="0" b="0"/>
+      </a:effectRef>
+      <a:fontRef idx="minor">
+        <a:schemeClr val="lt1"/>
+      </a:fontRef>
+    </dgm:style>
+  </dgm:styleLbl>
+  <dgm:styleLbl name="asst2">
+    <dgm:scene3d>
+      <a:camera prst="orthographicFront"/>
+      <a:lightRig rig="threePt" dir="t"/>
+    </dgm:scene3d>
+    <dgm:sp3d/>
+    <dgm:txPr/>
+    <dgm:style>
+      <a:lnRef idx="2">
+        <a:scrgbClr r="0" g="0" b="0"/>
+      </a:lnRef>
+      <a:fillRef idx="1">
+        <a:scrgbClr r="0" g="0" b="0"/>
+      </a:fillRef>
+      <a:effectRef idx="0">
+        <a:scrgbClr r="0" g="0" b="0"/>
+      </a:effectRef>
+      <a:fontRef idx="minor">
+        <a:schemeClr val="lt1"/>
+      </a:fontRef>
+    </dgm:style>
+  </dgm:styleLbl>
+  <dgm:styleLbl name="asst3">
+    <dgm:scene3d>
+      <a:camera prst="orthographicFront"/>
+      <a:lightRig rig="threePt" dir="t"/>
+    </dgm:scene3d>
+    <dgm:sp3d/>
+    <dgm:txPr/>
+    <dgm:style>
+      <a:lnRef idx="2">
+        <a:scrgbClr r="0" g="0" b="0"/>
+      </a:lnRef>
+      <a:fillRef idx="1">
+        <a:scrgbClr r="0" g="0" b="0"/>
+      </a:fillRef>
+      <a:effectRef idx="0">
+        <a:scrgbClr r="0" g="0" b="0"/>
+      </a:effectRef>
+      <a:fontRef idx="minor">
+        <a:schemeClr val="lt1"/>
+      </a:fontRef>
+    </dgm:style>
+  </dgm:styleLbl>
+  <dgm:styleLbl name="asst4">
+    <dgm:scene3d>
+      <a:camera prst="orthographicFront"/>
+      <a:lightRig rig="threePt" dir="t"/>
+    </dgm:scene3d>
+    <dgm:sp3d/>
+    <dgm:txPr/>
+    <dgm:style>
+      <a:lnRef idx="2">
+        <a:scrgbClr r="0" g="0" b="0"/>
+      </a:lnRef>
+      <a:fillRef idx="1">
+        <a:scrgbClr r="0" g="0" b="0"/>
+      </a:fillRef>
+      <a:effectRef idx="0">
+        <a:scrgbClr r="0" g="0" b="0"/>
+      </a:effectRef>
+      <a:fontRef idx="minor">
+        <a:schemeClr val="lt1"/>
+      </a:fontRef>
+    </dgm:style>
+  </dgm:styleLbl>
+  <dgm:styleLbl name="parChTrans2D1">
+    <dgm:scene3d>
+      <a:camera prst="orthographicFront"/>
+      <a:lightRig rig="threePt" dir="t"/>
+    </dgm:scene3d>
+    <dgm:sp3d/>
+    <dgm:txPr/>
+    <dgm:style>
+      <a:lnRef idx="2">
+        <a:scrgbClr r="0" g="0" b="0"/>
+      </a:lnRef>
+      <a:fillRef idx="1">
+        <a:scrgbClr r="0" g="0" b="0"/>
+      </a:fillRef>
+      <a:effectRef idx="0">
+        <a:scrgbClr r="0" g="0" b="0"/>
+      </a:effectRef>
+      <a:fontRef idx="minor">
+        <a:schemeClr val="lt1"/>
+      </a:fontRef>
+    </dgm:style>
+  </dgm:styleLbl>
+  <dgm:styleLbl name="parChTrans2D2">
+    <dgm:scene3d>
+      <a:camera prst="orthographicFront"/>
+      <a:lightRig rig="threePt" dir="t"/>
+    </dgm:scene3d>
+    <dgm:sp3d/>
+    <dgm:txPr/>
+    <dgm:style>
+      <a:lnRef idx="2">
+        <a:scrgbClr r="0" g="0" b="0"/>
+      </a:lnRef>
+      <a:fillRef idx="1">
+        <a:scrgbClr r="0" g="0" b="0"/>
+      </a:fillRef>
+      <a:effectRef idx="0">
+        <a:scrgbClr r="0" g="0" b="0"/>
+      </a:effectRef>
+      <a:fontRef idx="minor">
+        <a:schemeClr val="lt1"/>
+      </a:fontRef>
+    </dgm:style>
+  </dgm:styleLbl>
+  <dgm:styleLbl name="parChTrans2D3">
+    <dgm:scene3d>
+      <a:camera prst="orthographicFront"/>
+      <a:lightRig rig="threePt" dir="t"/>
+    </dgm:scene3d>
+    <dgm:sp3d/>
+    <dgm:txPr/>
+    <dgm:style>
+      <a:lnRef idx="2">
+        <a:scrgbClr r="0" g="0" b="0"/>
+      </a:lnRef>
+      <a:fillRef idx="1">
+        <a:scrgbClr r="0" g="0" b="0"/>
+      </a:fillRef>
+      <a:effectRef idx="0">
+        <a:scrgbClr r="0" g="0" b="0"/>
+      </a:effectRef>
+      <a:fontRef idx="minor">
+        <a:schemeClr val="lt1"/>
+      </a:fontRef>
+    </dgm:style>
+  </dgm:styleLbl>
+  <dgm:styleLbl name="parChTrans2D4">
+    <dgm:scene3d>
+      <a:camera prst="orthographicFront"/>
+      <a:lightRig rig="threePt" dir="t"/>
+    </dgm:scene3d>
+    <dgm:sp3d/>
+    <dgm:txPr/>
+    <dgm:style>
+      <a:lnRef idx="2">
+        <a:scrgbClr r="0" g="0" b="0"/>
+      </a:lnRef>
+      <a:fillRef idx="1">
+        <a:scrgbClr r="0" g="0" b="0"/>
+      </a:fillRef>
+      <a:effectRef idx="0">
+        <a:scrgbClr r="0" g="0" b="0"/>
+      </a:effectRef>
+      <a:fontRef idx="minor">
+        <a:schemeClr val="lt1"/>
+      </a:fontRef>
+    </dgm:style>
+  </dgm:styleLbl>
+  <dgm:styleLbl name="parChTrans1D1">
+    <dgm:scene3d>
+      <a:camera prst="orthographicFront"/>
+      <a:lightRig rig="threePt" dir="t"/>
+    </dgm:scene3d>
+    <dgm:sp3d/>
+    <dgm:txPr/>
+    <dgm:style>
+      <a:lnRef idx="2">
+        <a:scrgbClr r="0" g="0" b="0"/>
+      </a:lnRef>
+      <a:fillRef idx="0">
+        <a:scrgbClr r="0" g="0" b="0"/>
+      </a:fillRef>
+      <a:effectRef idx="0">
+        <a:scrgbClr r="0" g="0" b="0"/>
+      </a:effectRef>
+      <a:fontRef idx="minor"/>
+    </dgm:style>
+  </dgm:styleLbl>
+  <dgm:styleLbl name="parChTrans1D2">
+    <dgm:scene3d>
+      <a:camera prst="orthographicFront"/>
+      <a:lightRig rig="threePt" dir="t"/>
+    </dgm:scene3d>
+    <dgm:sp3d/>
+    <dgm:txPr/>
+    <dgm:style>
+      <a:lnRef idx="2">
+        <a:scrgbClr r="0" g="0" b="0"/>
+      </a:lnRef>
+      <a:fillRef idx="0">
+        <a:scrgbClr r="0" g="0" b="0"/>
+      </a:fillRef>
+      <a:effectRef idx="0">
+        <a:scrgbClr r="0" g="0" b="0"/>
+      </a:effectRef>
+      <a:fontRef idx="minor"/>
+    </dgm:style>
+  </dgm:styleLbl>
+  <dgm:styleLbl name="parChTrans1D3">
+    <dgm:scene3d>
+      <a:camera prst="orthographicFront"/>
+      <a:lightRig rig="threePt" dir="t"/>
+    </dgm:scene3d>
+    <dgm:sp3d/>
+    <dgm:txPr/>
+    <dgm:style>
+      <a:lnRef idx="2">
+        <a:scrgbClr r="0" g="0" b="0"/>
+      </a:lnRef>
+      <a:fillRef idx="0">
+        <a:scrgbClr r="0" g="0" b="0"/>
+      </a:fillRef>
+      <a:effectRef idx="0">
+        <a:scrgbClr r="0" g="0" b="0"/>
+      </a:effectRef>
+      <a:fontRef idx="minor"/>
+    </dgm:style>
+  </dgm:styleLbl>
+  <dgm:styleLbl name="parChTrans1D4">
+    <dgm:scene3d>
+      <a:camera prst="orthographicFront"/>
+      <a:lightRig rig="threePt" dir="t"/>
+    </dgm:scene3d>
+    <dgm:sp3d/>
+    <dgm:txPr/>
+    <dgm:style>
+      <a:lnRef idx="2">
+        <a:scrgbClr r="0" g="0" b="0"/>
+      </a:lnRef>
+      <a:fillRef idx="0">
+        <a:scrgbClr r="0" g="0" b="0"/>
+      </a:fillRef>
+      <a:effectRef idx="0">
+        <a:scrgbClr r="0" g="0" b="0"/>
+      </a:effectRef>
+      <a:fontRef idx="minor"/>
+    </dgm:style>
+  </dgm:styleLbl>
+  <dgm:styleLbl name="fgAcc1">
+    <dgm:scene3d>
+      <a:camera prst="orthographicFront"/>
+      <a:lightRig rig="threePt" dir="t"/>
+    </dgm:scene3d>
+    <dgm:sp3d/>
+    <dgm:txPr/>
+    <dgm:style>
+      <a:lnRef idx="2">
+        <a:scrgbClr r="0" g="0" b="0"/>
+      </a:lnRef>
+      <a:fillRef idx="1">
+        <a:scrgbClr r="0" g="0" b="0"/>
+      </a:fillRef>
+      <a:effectRef idx="0">
+        <a:scrgbClr r="0" g="0" b="0"/>
+      </a:effectRef>
+      <a:fontRef idx="minor"/>
+    </dgm:style>
+  </dgm:styleLbl>
+  <dgm:styleLbl name="conFgAcc1">
+    <dgm:scene3d>
+      <a:camera prst="orthographicFront"/>
+      <a:lightRig rig="threePt" dir="t"/>
+    </dgm:scene3d>
+    <dgm:sp3d/>
+    <dgm:txPr/>
+    <dgm:style>
+      <a:lnRef idx="2">
+        <a:scrgbClr r="0" g="0" b="0"/>
+      </a:lnRef>
+      <a:fillRef idx="1">
+        <a:scrgbClr r="0" g="0" b="0"/>
+      </a:fillRef>
+      <a:effectRef idx="0">
+        <a:scrgbClr r="0" g="0" b="0"/>
+      </a:effectRef>
+      <a:fontRef idx="minor"/>
+    </dgm:style>
+  </dgm:styleLbl>
+  <dgm:styleLbl name="alignAcc1">
+    <dgm:scene3d>
+      <a:camera prst="orthographicFront"/>
+      <a:lightRig rig="threePt" dir="t"/>
+    </dgm:scene3d>
+    <dgm:sp3d/>
+    <dgm:txPr/>
+    <dgm:style>
+      <a:lnRef idx="2">
+        <a:scrgbClr r="0" g="0" b="0"/>
+      </a:lnRef>
+      <a:fillRef idx="1">
+        <a:scrgbClr r="0" g="0" b="0"/>
+      </a:fillRef>
+      <a:effectRef idx="0">
+        <a:scrgbClr r="0" g="0" b="0"/>
+      </a:effectRef>
+      <a:fontRef idx="minor"/>
+    </dgm:style>
+  </dgm:styleLbl>
+  <dgm:styleLbl name="trAlignAcc1">
+    <dgm:scene3d>
+      <a:camera prst="orthographicFront"/>
+      <a:lightRig rig="threePt" dir="t"/>
+    </dgm:scene3d>
+    <dgm:sp3d/>
+    <dgm:txPr/>
+    <dgm:style>
+      <a:lnRef idx="1">
+        <a:scrgbClr r="0" g="0" b="0"/>
+      </a:lnRef>
+      <a:fillRef idx="1">
+        <a:scrgbClr r="0" g="0" b="0"/>
+      </a:fillRef>
+      <a:effectRef idx="0">
+        <a:scrgbClr r="0" g="0" b="0"/>
+      </a:effectRef>
+      <a:fontRef idx="minor"/>
+    </dgm:style>
+  </dgm:styleLbl>
+  <dgm:styleLbl name="bgAcc1">
+    <dgm:scene3d>
+      <a:camera prst="orthographicFront"/>
+      <a:lightRig rig="threePt" dir="t"/>
+    </dgm:scene3d>
+    <dgm:sp3d/>
+    <dgm:txPr/>
+    <dgm:style>
+      <a:lnRef idx="2">
+        <a:scrgbClr r="0" g="0" b="0"/>
+      </a:lnRef>
+      <a:fillRef idx="1">
+        <a:scrgbClr r="0" g="0" b="0"/>
+      </a:fillRef>
+      <a:effectRef idx="0">
+        <a:scrgbClr r="0" g="0" b="0"/>
+      </a:effectRef>
+      <a:fontRef idx="minor"/>
+    </dgm:style>
+  </dgm:styleLbl>
+  <dgm:styleLbl name="solidFgAcc1">
+    <dgm:scene3d>
+      <a:camera prst="orthographicFront"/>
+      <a:lightRig rig="threePt" dir="t"/>
+    </dgm:scene3d>
+    <dgm:sp3d/>
+    <dgm:txPr/>
+    <dgm:style>
+      <a:lnRef idx="2">
+        <a:scrgbClr r="0" g="0" b="0"/>
+      </a:lnRef>
+      <a:fillRef idx="1">
+        <a:scrgbClr r="0" g="0" b="0"/>
+      </a:fillRef>
+      <a:effectRef idx="0">
+        <a:scrgbClr r="0" g="0" b="0"/>
+      </a:effectRef>
+      <a:fontRef idx="minor"/>
+    </dgm:style>
+  </dgm:styleLbl>
+  <dgm:styleLbl name="solidAlignAcc1">
+    <dgm:scene3d>
+      <a:camera prst="orthographicFront"/>
+      <a:lightRig rig="threePt" dir="t"/>
+    </dgm:scene3d>
+    <dgm:sp3d/>
+    <dgm:txPr/>
+    <dgm:style>
+      <a:lnRef idx="2">
+        <a:scrgbClr r="0" g="0" b="0"/>
+      </a:lnRef>
+      <a:fillRef idx="1">
+        <a:scrgbClr r="0" g="0" b="0"/>
+      </a:fillRef>
+      <a:effectRef idx="0">
+        <a:scrgbClr r="0" g="0" b="0"/>
+      </a:effectRef>
+      <a:fontRef idx="minor"/>
+    </dgm:style>
+  </dgm:styleLbl>
+  <dgm:styleLbl name="solidBgAcc1">
+    <dgm:scene3d>
+      <a:camera prst="orthographicFront"/>
+      <a:lightRig rig="threePt" dir="t"/>
+    </dgm:scene3d>
+    <dgm:sp3d/>
+    <dgm:txPr/>
+    <dgm:style>
+      <a:lnRef idx="2">
+        <a:scrgbClr r="0" g="0" b="0"/>
+      </a:lnRef>
+      <a:fillRef idx="1">
+        <a:scrgbClr r="0" g="0" b="0"/>
+      </a:fillRef>
+      <a:effectRef idx="0">
+        <a:scrgbClr r="0" g="0" b="0"/>
+      </a:effectRef>
+      <a:fontRef idx="minor"/>
+    </dgm:style>
+  </dgm:styleLbl>
+  <dgm:styleLbl name="fgAccFollowNode1">
+    <dgm:scene3d>
+      <a:camera prst="orthographicFront"/>
+      <a:lightRig rig="threePt" dir="t"/>
+    </dgm:scene3d>
+    <dgm:sp3d/>
+    <dgm:txPr/>
+    <dgm:style>
+      <a:lnRef idx="2">
+        <a:scrgbClr r="0" g="0" b="0"/>
+      </a:lnRef>
+      <a:fillRef idx="1">
+        <a:scrgbClr r="0" g="0" b="0"/>
+      </a:fillRef>
+      <a:effectRef idx="0">
+        <a:scrgbClr r="0" g="0" b="0"/>
+      </a:effectRef>
+      <a:fontRef idx="minor"/>
+    </dgm:style>
+  </dgm:styleLbl>
+  <dgm:styleLbl name="alignAccFollowNode1">
+    <dgm:scene3d>
+      <a:camera prst="orthographicFront"/>
+      <a:lightRig rig="threePt" dir="t"/>
+    </dgm:scene3d>
+    <dgm:sp3d/>
+    <dgm:txPr/>
+    <dgm:style>
+      <a:lnRef idx="2">
+        <a:scrgbClr r="0" g="0" b="0"/>
+      </a:lnRef>
+      <a:fillRef idx="1">
+        <a:scrgbClr r="0" g="0" b="0"/>
+      </a:fillRef>
+      <a:effectRef idx="0">
+        <a:scrgbClr r="0" g="0" b="0"/>
+      </a:effectRef>
+      <a:fontRef idx="minor"/>
+    </dgm:style>
+  </dgm:styleLbl>
+  <dgm:styleLbl name="bgAccFollowNode1">
+    <dgm:scene3d>
+      <a:camera prst="orthographicFront"/>
+      <a:lightRig rig="threePt" dir="t"/>
+    </dgm:scene3d>
+    <dgm:sp3d/>
+    <dgm:txPr/>
+    <dgm:style>
+      <a:lnRef idx="2">
+        <a:scrgbClr r="0" g="0" b="0"/>
+      </a:lnRef>
+      <a:fillRef idx="1">
+        <a:scrgbClr r="0" g="0" b="0"/>
+      </a:fillRef>
+      <a:effectRef idx="0">
+        <a:scrgbClr r="0" g="0" b="0"/>
+      </a:effectRef>
+      <a:fontRef idx="minor"/>
+    </dgm:style>
+  </dgm:styleLbl>
+  <dgm:styleLbl name="fgAcc0">
+    <dgm:scene3d>
+      <a:camera prst="orthographicFront"/>
+      <a:lightRig rig="threePt" dir="t"/>
+    </dgm:scene3d>
+    <dgm:sp3d/>
+    <dgm:txPr/>
+    <dgm:style>
+      <a:lnRef idx="2">
+        <a:scrgbClr r="0" g="0" b="0"/>
+      </a:lnRef>
+      <a:fillRef idx="1">
+        <a:scrgbClr r="0" g="0" b="0"/>
+      </a:fillRef>
+      <a:effectRef idx="0">
+        <a:scrgbClr r="0" g="0" b="0"/>
+      </a:effectRef>
+      <a:fontRef idx="minor"/>
+    </dgm:style>
+  </dgm:styleLbl>
+  <dgm:styleLbl name="fgAcc2">
+    <dgm:scene3d>
+      <a:camera prst="orthographicFront"/>
+      <a:lightRig rig="threePt" dir="t"/>
+    </dgm:scene3d>
+    <dgm:sp3d/>
+    <dgm:txPr/>
+    <dgm:style>
+      <a:lnRef idx="2">
+        <a:scrgbClr r="0" g="0" b="0"/>
+      </a:lnRef>
+      <a:fillRef idx="1">
+        <a:scrgbClr r="0" g="0" b="0"/>
+      </a:fillRef>
+      <a:effectRef idx="0">
+        <a:scrgbClr r="0" g="0" b="0"/>
+      </a:effectRef>
+      <a:fontRef idx="minor"/>
+    </dgm:style>
+  </dgm:styleLbl>
+  <dgm:styleLbl name="fgAcc3">
+    <dgm:scene3d>
+      <a:camera prst="orthographicFront"/>
+      <a:lightRig rig="threePt" dir="t"/>
+    </dgm:scene3d>
+    <dgm:sp3d/>
+    <dgm:txPr/>
+    <dgm:style>
+      <a:lnRef idx="2">
+        <a:scrgbClr r="0" g="0" b="0"/>
+      </a:lnRef>
+      <a:fillRef idx="1">
+        <a:scrgbClr r="0" g="0" b="0"/>
+      </a:fillRef>
+      <a:effectRef idx="0">
+        <a:scrgbClr r="0" g="0" b="0"/>
+      </a:effectRef>
+      <a:fontRef idx="minor"/>
+    </dgm:style>
+  </dgm:styleLbl>
+  <dgm:styleLbl name="fgAcc4">
+    <dgm:scene3d>
+      <a:camera prst="orthographicFront"/>
+      <a:lightRig rig="threePt" dir="t"/>
+    </dgm:scene3d>
+    <dgm:sp3d/>
+    <dgm:txPr/>
+    <dgm:style>
+      <a:lnRef idx="2">
+        <a:scrgbClr r="0" g="0" b="0"/>
+      </a:lnRef>
+      <a:fillRef idx="1">
+        <a:scrgbClr r="0" g="0" b="0"/>
+      </a:fillRef>
+      <a:effectRef idx="0">
+        <a:scrgbClr r="0" g="0" b="0"/>
+      </a:effectRef>
+      <a:fontRef idx="minor"/>
+    </dgm:style>
+  </dgm:styleLbl>
+  <dgm:styleLbl name="bgShp">
+    <dgm:scene3d>
+      <a:camera prst="orthographicFront"/>
+      <a:lightRig rig="threePt" dir="t"/>
+    </dgm:scene3d>
+    <dgm:sp3d/>
+    <dgm:txPr/>
+    <dgm:style>
+      <a:lnRef idx="0">
+        <a:scrgbClr r="0" g="0" b="0"/>
+      </a:lnRef>
+      <a:fillRef idx="1">
+        <a:scrgbClr r="0" g="0" b="0"/>
+      </a:fillRef>
+      <a:effectRef idx="0">
+        <a:scrgbClr r="0" g="0" b="0"/>
+      </a:effectRef>
+      <a:fontRef idx="minor"/>
+    </dgm:style>
+  </dgm:styleLbl>
+  <dgm:styleLbl name="dkBgShp">
+    <dgm:scene3d>
+      <a:camera prst="orthographicFront"/>
+      <a:lightRig rig="threePt" dir="t"/>
+    </dgm:scene3d>
+    <dgm:sp3d/>
+    <dgm:txPr/>
+    <dgm:style>
+      <a:lnRef idx="0">
+        <a:scrgbClr r="0" g="0" b="0"/>
+      </a:lnRef>
+      <a:fillRef idx="1">
+        <a:scrgbClr r="0" g="0" b="0"/>
+      </a:fillRef>
+      <a:effectRef idx="0">
+        <a:scrgbClr r="0" g="0" b="0"/>
+      </a:effectRef>
+      <a:fontRef idx="minor"/>
+    </dgm:style>
+  </dgm:styleLbl>
+  <dgm:styleLbl name="trBgShp">
+    <dgm:scene3d>
+      <a:camera prst="orthographicFront"/>
+      <a:lightRig rig="threePt" dir="t"/>
+    </dgm:scene3d>
+    <dgm:sp3d/>
+    <dgm:txPr/>
+    <dgm:style>
+      <a:lnRef idx="0">
+        <a:scrgbClr r="0" g="0" b="0"/>
+      </a:lnRef>
+      <a:fillRef idx="1">
+        <a:scrgbClr r="0" g="0" b="0"/>
+      </a:fillRef>
+      <a:effectRef idx="0">
+        <a:scrgbClr r="0" g="0" b="0"/>
+      </a:effectRef>
+      <a:fontRef idx="minor"/>
+    </dgm:style>
+  </dgm:styleLbl>
+  <dgm:styleLbl name="fgShp">
+    <dgm:scene3d>
+      <a:camera prst="orthographicFront"/>
+      <a:lightRig rig="threePt" dir="t"/>
+    </dgm:scene3d>
+    <dgm:sp3d/>
+    <dgm:txPr/>
+    <dgm:style>
+      <a:lnRef idx="2">
+        <a:scrgbClr r="0" g="0" b="0"/>
+      </a:lnRef>
+      <a:fillRef idx="1">
+        <a:scrgbClr r="0" g="0" b="0"/>
+      </a:fillRef>
+      <a:effectRef idx="0">
+        <a:scrgbClr r="0" g="0" b="0"/>
+      </a:effectRef>
+      <a:fontRef idx="minor"/>
+    </dgm:style>
+  </dgm:styleLbl>
+  <dgm:styleLbl name="revTx">
+    <dgm:scene3d>
+      <a:camera prst="orthographicFront"/>
+      <a:lightRig rig="threePt" dir="t"/>
+    </dgm:scene3d>
+    <dgm:sp3d/>
+    <dgm:txPr/>
+    <dgm:style>
+      <a:lnRef idx="0">
+        <a:scrgbClr r="0" g="0" b="0"/>
+      </a:lnRef>
+      <a:fillRef idx="0">
+        <a:scrgbClr r="0" g="0" b="0"/>
+      </a:fillRef>
+      <a:effectRef idx="0">
+        <a:scrgbClr r="0" g="0" b="0"/>
+      </a:effectRef>
+      <a:fontRef idx="minor"/>
+    </dgm:style>
+  </dgm:styleLbl>
+</dgm:styleDef>
+</file>
+
+<file path=ppt/diagrams/quickStyle3.xml><?xml version="1.0" encoding="utf-8"?>
+<dgm:styleDef xmlns:dgm="http://schemas.openxmlformats.org/drawingml/2006/diagram" xmlns:a="http://schemas.openxmlformats.org/drawingml/2006/main" uniqueId="urn:microsoft.com/office/officeart/2005/8/quickstyle/simple1">
+  <dgm:title val=""/>
+  <dgm:desc val=""/>
+  <dgm:catLst>
+    <dgm:cat type="simple" pri="10100"/>
+  </dgm:catLst>
+  <dgm:scene3d>
+    <a:camera prst="orthographicFront"/>
+    <a:lightRig rig="threePt" dir="t"/>
+  </dgm:scene3d>
+  <dgm:styleLbl name="node0">
+    <dgm:scene3d>
+      <a:camera prst="orthographicFront"/>
+      <a:lightRig rig="threePt" dir="t"/>
+    </dgm:scene3d>
+    <dgm:sp3d/>
+    <dgm:txPr/>
+    <dgm:style>
+      <a:lnRef idx="2">
+        <a:scrgbClr r="0" g="0" b="0"/>
+      </a:lnRef>
+      <a:fillRef idx="1">
+        <a:scrgbClr r="0" g="0" b="0"/>
+      </a:fillRef>
+      <a:effectRef idx="0">
+        <a:scrgbClr r="0" g="0" b="0"/>
+      </a:effectRef>
+      <a:fontRef idx="minor">
+        <a:schemeClr val="lt1"/>
+      </a:fontRef>
+    </dgm:style>
+  </dgm:styleLbl>
+  <dgm:styleLbl name="lnNode1">
+    <dgm:scene3d>
+      <a:camera prst="orthographicFront"/>
+      <a:lightRig rig="threePt" dir="t"/>
+    </dgm:scene3d>
+    <dgm:sp3d/>
+    <dgm:txPr/>
+    <dgm:style>
+      <a:lnRef idx="2">
+        <a:scrgbClr r="0" g="0" b="0"/>
+      </a:lnRef>
+      <a:fillRef idx="1">
+        <a:scrgbClr r="0" g="0" b="0"/>
+      </a:fillRef>
+      <a:effectRef idx="0">
+        <a:scrgbClr r="0" g="0" b="0"/>
+      </a:effectRef>
+      <a:fontRef idx="minor">
+        <a:schemeClr val="lt1"/>
+      </a:fontRef>
+    </dgm:style>
+  </dgm:styleLbl>
+  <dgm:styleLbl name="vennNode1">
+    <dgm:scene3d>
+      <a:camera prst="orthographicFront"/>
+      <a:lightRig rig="threePt" dir="t"/>
+    </dgm:scene3d>
+    <dgm:sp3d/>
+    <dgm:txPr/>
+    <dgm:style>
+      <a:lnRef idx="2">
+        <a:scrgbClr r="0" g="0" b="0"/>
+      </a:lnRef>
+      <a:fillRef idx="1">
+        <a:scrgbClr r="0" g="0" b="0"/>
+      </a:fillRef>
+      <a:effectRef idx="0">
+        <a:scrgbClr r="0" g="0" b="0"/>
+      </a:effectRef>
+      <a:fontRef idx="minor">
+        <a:schemeClr val="tx1"/>
+      </a:fontRef>
+    </dgm:style>
+  </dgm:styleLbl>
+  <dgm:styleLbl name="alignNode1">
+    <dgm:scene3d>
+      <a:camera prst="orthographicFront"/>
+      <a:lightRig rig="threePt" dir="t"/>
+    </dgm:scene3d>
+    <dgm:sp3d/>
+    <dgm:txPr/>
+    <dgm:style>
+      <a:lnRef idx="2">
+        <a:scrgbClr r="0" g="0" b="0"/>
+      </a:lnRef>
+      <a:fillRef idx="1">
+        <a:scrgbClr r="0" g="0" b="0"/>
+      </a:fillRef>
+      <a:effectRef idx="0">
+        <a:scrgbClr r="0" g="0" b="0"/>
+      </a:effectRef>
+      <a:fontRef idx="minor">
+        <a:schemeClr val="lt1"/>
+      </a:fontRef>
+    </dgm:style>
+  </dgm:styleLbl>
+  <dgm:styleLbl name="node1">
+    <dgm:scene3d>
+      <a:camera prst="orthographicFront"/>
+      <a:lightRig rig="threePt" dir="t"/>
+    </dgm:scene3d>
+    <dgm:sp3d/>
+    <dgm:txPr/>
+    <dgm:style>
+      <a:lnRef idx="2">
+        <a:scrgbClr r="0" g="0" b="0"/>
+      </a:lnRef>
+      <a:fillRef idx="1">
+        <a:scrgbClr r="0" g="0" b="0"/>
+      </a:fillRef>
+      <a:effectRef idx="0">
+        <a:scrgbClr r="0" g="0" b="0"/>
+      </a:effectRef>
+      <a:fontRef idx="minor">
+        <a:schemeClr val="lt1"/>
+      </a:fontRef>
+    </dgm:style>
+  </dgm:styleLbl>
+  <dgm:styleLbl name="node2">
+    <dgm:scene3d>
+      <a:camera prst="orthographicFront"/>
+      <a:lightRig rig="threePt" dir="t"/>
+    </dgm:scene3d>
+    <dgm:sp3d/>
+    <dgm:txPr/>
+    <dgm:style>
+      <a:lnRef idx="2">
+        <a:scrgbClr r="0" g="0" b="0"/>
+      </a:lnRef>
+      <a:fillRef idx="1">
+        <a:scrgbClr r="0" g="0" b="0"/>
+      </a:fillRef>
+      <a:effectRef idx="0">
+        <a:scrgbClr r="0" g="0" b="0"/>
+      </a:effectRef>
+      <a:fontRef idx="minor">
+        <a:schemeClr val="lt1"/>
+      </a:fontRef>
+    </dgm:style>
+  </dgm:styleLbl>
+  <dgm:styleLbl name="node3">
+    <dgm:scene3d>
+      <a:camera prst="orthographicFront"/>
+      <a:lightRig rig="threePt" dir="t"/>
+    </dgm:scene3d>
+    <dgm:sp3d/>
+    <dgm:txPr/>
+    <dgm:style>
+      <a:lnRef idx="2">
+        <a:scrgbClr r="0" g="0" b="0"/>
+      </a:lnRef>
+      <a:fillRef idx="1">
+        <a:scrgbClr r="0" g="0" b="0"/>
+      </a:fillRef>
+      <a:effectRef idx="0">
+        <a:scrgbClr r="0" g="0" b="0"/>
+      </a:effectRef>
+      <a:fontRef idx="minor">
+        <a:schemeClr val="lt1"/>
+      </a:fontRef>
+    </dgm:style>
+  </dgm:styleLbl>
+  <dgm:styleLbl name="node4">
+    <dgm:scene3d>
+      <a:camera prst="orthographicFront"/>
+      <a:lightRig rig="threePt" dir="t"/>
+    </dgm:scene3d>
+    <dgm:sp3d/>
+    <dgm:txPr/>
+    <dgm:style>
+      <a:lnRef idx="2">
+        <a:scrgbClr r="0" g="0" b="0"/>
+      </a:lnRef>
+      <a:fillRef idx="1">
+        <a:scrgbClr r="0" g="0" b="0"/>
+      </a:fillRef>
+      <a:effectRef idx="0">
+        <a:scrgbClr r="0" g="0" b="0"/>
+      </a:effectRef>
+      <a:fontRef idx="minor">
+        <a:schemeClr val="lt1"/>
+      </a:fontRef>
+    </dgm:style>
+  </dgm:styleLbl>
+  <dgm:styleLbl name="fgImgPlace1">
+    <dgm:scene3d>
+      <a:camera prst="orthographicFront"/>
+      <a:lightRig rig="threePt" dir="t"/>
+    </dgm:scene3d>
+    <dgm:sp3d/>
+    <dgm:txPr/>
+    <dgm:style>
+      <a:lnRef idx="2">
+        <a:scrgbClr r="0" g="0" b="0"/>
+      </a:lnRef>
+      <a:fillRef idx="1">
+        <a:scrgbClr r="0" g="0" b="0"/>
+      </a:fillRef>
+      <a:effectRef idx="0">
+        <a:scrgbClr r="0" g="0" b="0"/>
+      </a:effectRef>
+      <a:fontRef idx="minor"/>
+    </dgm:style>
+  </dgm:styleLbl>
+  <dgm:styleLbl name="alignImgPlace1">
+    <dgm:scene3d>
+      <a:camera prst="orthographicFront"/>
+      <a:lightRig rig="threePt" dir="t"/>
+    </dgm:scene3d>
+    <dgm:sp3d/>
+    <dgm:txPr/>
+    <dgm:style>
+      <a:lnRef idx="2">
+        <a:scrgbClr r="0" g="0" b="0"/>
+      </a:lnRef>
+      <a:fillRef idx="1">
+        <a:scrgbClr r="0" g="0" b="0"/>
+      </a:fillRef>
+      <a:effectRef idx="0">
+        <a:scrgbClr r="0" g="0" b="0"/>
+      </a:effectRef>
+      <a:fontRef idx="minor"/>
+    </dgm:style>
+  </dgm:styleLbl>
+  <dgm:styleLbl name="bgImgPlace1">
+    <dgm:scene3d>
+      <a:camera prst="orthographicFront"/>
+      <a:lightRig rig="threePt" dir="t"/>
+    </dgm:scene3d>
+    <dgm:sp3d/>
+    <dgm:txPr/>
+    <dgm:style>
+      <a:lnRef idx="2">
+        <a:scrgbClr r="0" g="0" b="0"/>
+      </a:lnRef>
+      <a:fillRef idx="1">
+        <a:scrgbClr r="0" g="0" b="0"/>
+      </a:fillRef>
+      <a:effectRef idx="0">
+        <a:scrgbClr r="0" g="0" b="0"/>
+      </a:effectRef>
+      <a:fontRef idx="minor"/>
+    </dgm:style>
+  </dgm:styleLbl>
+  <dgm:styleLbl name="sibTrans2D1">
+    <dgm:scene3d>
+      <a:camera prst="orthographicFront"/>
+      <a:lightRig rig="threePt" dir="t"/>
+    </dgm:scene3d>
+    <dgm:sp3d/>
+    <dgm:txPr/>
+    <dgm:style>
+      <a:lnRef idx="0">
+        <a:scrgbClr r="0" g="0" b="0"/>
+      </a:lnRef>
+      <a:fillRef idx="1">
+        <a:scrgbClr r="0" g="0" b="0"/>
+      </a:fillRef>
+      <a:effectRef idx="0">
+        <a:scrgbClr r="0" g="0" b="0"/>
+      </a:effectRef>
+      <a:fontRef idx="minor">
+        <a:schemeClr val="lt1"/>
+      </a:fontRef>
+    </dgm:style>
+  </dgm:styleLbl>
+  <dgm:styleLbl name="fgSibTrans2D1">
+    <dgm:scene3d>
+      <a:camera prst="orthographicFront"/>
+      <a:lightRig rig="threePt" dir="t"/>
+    </dgm:scene3d>
+    <dgm:sp3d/>
+    <dgm:txPr/>
+    <dgm:style>
+      <a:lnRef idx="0">
+        <a:scrgbClr r="0" g="0" b="0"/>
+      </a:lnRef>
+      <a:fillRef idx="1">
+        <a:scrgbClr r="0" g="0" b="0"/>
+      </a:fillRef>
+      <a:effectRef idx="0">
+        <a:scrgbClr r="0" g="0" b="0"/>
+      </a:effectRef>
+      <a:fontRef idx="minor">
+        <a:schemeClr val="lt1"/>
+      </a:fontRef>
+    </dgm:style>
+  </dgm:styleLbl>
+  <dgm:styleLbl name="bgSibTrans2D1">
+    <dgm:scene3d>
+      <a:camera prst="orthographicFront"/>
+      <a:lightRig rig="threePt" dir="t"/>
+    </dgm:scene3d>
+    <dgm:sp3d/>
+    <dgm:txPr/>
+    <dgm:style>
+      <a:lnRef idx="0">
+        <a:scrgbClr r="0" g="0" b="0"/>
+      </a:lnRef>
+      <a:fillRef idx="1">
+        <a:scrgbClr r="0" g="0" b="0"/>
+      </a:fillRef>
+      <a:effectRef idx="0">
+        <a:scrgbClr r="0" g="0" b="0"/>
+      </a:effectRef>
+      <a:fontRef idx="minor">
+        <a:schemeClr val="lt1"/>
+      </a:fontRef>
+    </dgm:style>
+  </dgm:styleLbl>
+  <dgm:styleLbl name="sibTrans1D1">
+    <dgm:scene3d>
+      <a:camera prst="orthographicFront"/>
+      <a:lightRig rig="threePt" dir="t"/>
+    </dgm:scene3d>
+    <dgm:sp3d/>
+    <dgm:txPr/>
+    <dgm:style>
+      <a:lnRef idx="1">
+        <a:scrgbClr r="0" g="0" b="0"/>
+      </a:lnRef>
+      <a:fillRef idx="0">
+        <a:scrgbClr r="0" g="0" b="0"/>
+      </a:fillRef>
+      <a:effectRef idx="0">
+        <a:scrgbClr r="0" g="0" b="0"/>
+      </a:effectRef>
+      <a:fontRef idx="minor"/>
+    </dgm:style>
+  </dgm:styleLbl>
+  <dgm:styleLbl name="callout">
+    <dgm:scene3d>
+      <a:camera prst="orthographicFront"/>
+      <a:lightRig rig="threePt" dir="t"/>
+    </dgm:scene3d>
+    <dgm:sp3d/>
+    <dgm:txPr/>
+    <dgm:style>
+      <a:lnRef idx="2">
+        <a:scrgbClr r="0" g="0" b="0"/>
+      </a:lnRef>
+      <a:fillRef idx="1">
+        <a:scrgbClr r="0" g="0" b="0"/>
+      </a:fillRef>
+      <a:effectRef idx="0">
+        <a:scrgbClr r="0" g="0" b="0"/>
+      </a:effectRef>
+      <a:fontRef idx="minor"/>
+    </dgm:style>
+  </dgm:styleLbl>
+  <dgm:styleLbl name="asst0">
+    <dgm:scene3d>
+      <a:camera prst="orthographicFront"/>
+      <a:lightRig rig="threePt" dir="t"/>
+    </dgm:scene3d>
+    <dgm:sp3d/>
+    <dgm:txPr/>
+    <dgm:style>
+      <a:lnRef idx="2">
+        <a:scrgbClr r="0" g="0" b="0"/>
+      </a:lnRef>
+      <a:fillRef idx="1">
+        <a:scrgbClr r="0" g="0" b="0"/>
+      </a:fillRef>
+      <a:effectRef idx="0">
+        <a:scrgbClr r="0" g="0" b="0"/>
+      </a:effectRef>
+      <a:fontRef idx="minor">
+        <a:schemeClr val="lt1"/>
+      </a:fontRef>
+    </dgm:style>
+  </dgm:styleLbl>
+  <dgm:styleLbl name="asst1">
+    <dgm:scene3d>
+      <a:camera prst="orthographicFront"/>
+      <a:lightRig rig="threePt" dir="t"/>
+    </dgm:scene3d>
+    <dgm:sp3d/>
+    <dgm:txPr/>
+    <dgm:style>
+      <a:lnRef idx="2">
+        <a:scrgbClr r="0" g="0" b="0"/>
+      </a:lnRef>
+      <a:fillRef idx="1">
+        <a:scrgbClr r="0" g="0" b="0"/>
+      </a:fillRef>
+      <a:effectRef idx="0">
+        <a:scrgbClr r="0" g="0" b="0"/>
+      </a:effectRef>
+      <a:fontRef idx="minor">
+        <a:schemeClr val="lt1"/>
+      </a:fontRef>
+    </dgm:style>
+  </dgm:styleLbl>
+  <dgm:styleLbl name="asst2">
+    <dgm:scene3d>
+      <a:camera prst="orthographicFront"/>
+      <a:lightRig rig="threePt" dir="t"/>
+    </dgm:scene3d>
+    <dgm:sp3d/>
+    <dgm:txPr/>
+    <dgm:style>
+      <a:lnRef idx="2">
+        <a:scrgbClr r="0" g="0" b="0"/>
+      </a:lnRef>
+      <a:fillRef idx="1">
+        <a:scrgbClr r="0" g="0" b="0"/>
+      </a:fillRef>
+      <a:effectRef idx="0">
+        <a:scrgbClr r="0" g="0" b="0"/>
+      </a:effectRef>
+      <a:fontRef idx="minor">
+        <a:schemeClr val="lt1"/>
+      </a:fontRef>
+    </dgm:style>
+  </dgm:styleLbl>
+  <dgm:styleLbl name="asst3">
+    <dgm:scene3d>
+      <a:camera prst="orthographicFront"/>
+      <a:lightRig rig="threePt" dir="t"/>
+    </dgm:scene3d>
+    <dgm:sp3d/>
+    <dgm:txPr/>
+    <dgm:style>
+      <a:lnRef idx="2">
+        <a:scrgbClr r="0" g="0" b="0"/>
+      </a:lnRef>
+      <a:fillRef idx="1">
+        <a:scrgbClr r="0" g="0" b="0"/>
+      </a:fillRef>
+      <a:effectRef idx="0">
+        <a:scrgbClr r="0" g="0" b="0"/>
+      </a:effectRef>
+      <a:fontRef idx="minor">
+        <a:schemeClr val="lt1"/>
+      </a:fontRef>
+    </dgm:style>
+  </dgm:styleLbl>
+  <dgm:styleLbl name="asst4">
+    <dgm:scene3d>
+      <a:camera prst="orthographicFront"/>
+      <a:lightRig rig="threePt" dir="t"/>
+    </dgm:scene3d>
+    <dgm:sp3d/>
+    <dgm:txPr/>
+    <dgm:style>
+      <a:lnRef idx="2">
+        <a:scrgbClr r="0" g="0" b="0"/>
+      </a:lnRef>
+      <a:fillRef idx="1">
+        <a:scrgbClr r="0" g="0" b="0"/>
+      </a:fillRef>
+      <a:effectRef idx="0">
+        <a:scrgbClr r="0" g="0" b="0"/>
+      </a:effectRef>
+      <a:fontRef idx="minor">
+        <a:schemeClr val="lt1"/>
+      </a:fontRef>
+    </dgm:style>
+  </dgm:styleLbl>
+  <dgm:styleLbl name="parChTrans2D1">
+    <dgm:scene3d>
+      <a:camera prst="orthographicFront"/>
+      <a:lightRig rig="threePt" dir="t"/>
+    </dgm:scene3d>
+    <dgm:sp3d/>
+    <dgm:txPr/>
+    <dgm:style>
+      <a:lnRef idx="2">
+        <a:scrgbClr r="0" g="0" b="0"/>
+      </a:lnRef>
+      <a:fillRef idx="1">
+        <a:scrgbClr r="0" g="0" b="0"/>
+      </a:fillRef>
+      <a:effectRef idx="0">
+        <a:scrgbClr r="0" g="0" b="0"/>
+      </a:effectRef>
+      <a:fontRef idx="minor">
+        <a:schemeClr val="lt1"/>
+      </a:fontRef>
+    </dgm:style>
+  </dgm:styleLbl>
+  <dgm:styleLbl name="parChTrans2D2">
+    <dgm:scene3d>
+      <a:camera prst="orthographicFront"/>
+      <a:lightRig rig="threePt" dir="t"/>
+    </dgm:scene3d>
+    <dgm:sp3d/>
+    <dgm:txPr/>
+    <dgm:style>
+      <a:lnRef idx="2">
+        <a:scrgbClr r="0" g="0" b="0"/>
+      </a:lnRef>
+      <a:fillRef idx="1">
+        <a:scrgbClr r="0" g="0" b="0"/>
+      </a:fillRef>
+      <a:effectRef idx="0">
+        <a:scrgbClr r="0" g="0" b="0"/>
+      </a:effectRef>
+      <a:fontRef idx="minor">
+        <a:schemeClr val="lt1"/>
+      </a:fontRef>
+    </dgm:style>
+  </dgm:styleLbl>
+  <dgm:styleLbl name="parChTrans2D3">
+    <dgm:scene3d>
+      <a:camera prst="orthographicFront"/>
+      <a:lightRig rig="threePt" dir="t"/>
+    </dgm:scene3d>
+    <dgm:sp3d/>
+    <dgm:txPr/>
+    <dgm:style>
+      <a:lnRef idx="2">
+        <a:scrgbClr r="0" g="0" b="0"/>
+      </a:lnRef>
+      <a:fillRef idx="1">
+        <a:scrgbClr r="0" g="0" b="0"/>
+      </a:fillRef>
+      <a:effectRef idx="0">
+        <a:scrgbClr r="0" g="0" b="0"/>
+      </a:effectRef>
+      <a:fontRef idx="minor">
+        <a:schemeClr val="lt1"/>
+      </a:fontRef>
+    </dgm:style>
+  </dgm:styleLbl>
+  <dgm:styleLbl name="parChTrans2D4">
+    <dgm:scene3d>
+      <a:camera prst="orthographicFront"/>
+      <a:lightRig rig="threePt" dir="t"/>
+    </dgm:scene3d>
+    <dgm:sp3d/>
+    <dgm:txPr/>
+    <dgm:style>
+      <a:lnRef idx="2">
+        <a:scrgbClr r="0" g="0" b="0"/>
+      </a:lnRef>
+      <a:fillRef idx="1">
+        <a:scrgbClr r="0" g="0" b="0"/>
+      </a:fillRef>
+      <a:effectRef idx="0">
+        <a:scrgbClr r="0" g="0" b="0"/>
+      </a:effectRef>
+      <a:fontRef idx="minor">
+        <a:schemeClr val="lt1"/>
+      </a:fontRef>
+    </dgm:style>
+  </dgm:styleLbl>
+  <dgm:styleLbl name="parChTrans1D1">
+    <dgm:scene3d>
+      <a:camera prst="orthographicFront"/>
+      <a:lightRig rig="threePt" dir="t"/>
+    </dgm:scene3d>
+    <dgm:sp3d/>
+    <dgm:txPr/>
+    <dgm:style>
+      <a:lnRef idx="2">
+        <a:scrgbClr r="0" g="0" b="0"/>
+      </a:lnRef>
+      <a:fillRef idx="0">
+        <a:scrgbClr r="0" g="0" b="0"/>
+      </a:fillRef>
+      <a:effectRef idx="0">
+        <a:scrgbClr r="0" g="0" b="0"/>
+      </a:effectRef>
+      <a:fontRef idx="minor"/>
+    </dgm:style>
+  </dgm:styleLbl>
+  <dgm:styleLbl name="parChTrans1D2">
+    <dgm:scene3d>
+      <a:camera prst="orthographicFront"/>
+      <a:lightRig rig="threePt" dir="t"/>
+    </dgm:scene3d>
+    <dgm:sp3d/>
+    <dgm:txPr/>
+    <dgm:style>
+      <a:lnRef idx="2">
+        <a:scrgbClr r="0" g="0" b="0"/>
+      </a:lnRef>
+      <a:fillRef idx="0">
+        <a:scrgbClr r="0" g="0" b="0"/>
+      </a:fillRef>
+      <a:effectRef idx="0">
+        <a:scrgbClr r="0" g="0" b="0"/>
+      </a:effectRef>
+      <a:fontRef idx="minor"/>
+    </dgm:style>
+  </dgm:styleLbl>
+  <dgm:styleLbl name="parChTrans1D3">
+    <dgm:scene3d>
+      <a:camera prst="orthographicFront"/>
+      <a:lightRig rig="threePt" dir="t"/>
+    </dgm:scene3d>
+    <dgm:sp3d/>
+    <dgm:txPr/>
+    <dgm:style>
+      <a:lnRef idx="2">
+        <a:scrgbClr r="0" g="0" b="0"/>
+      </a:lnRef>
+      <a:fillRef idx="0">
+        <a:scrgbClr r="0" g="0" b="0"/>
+      </a:fillRef>
+      <a:effectRef idx="0">
+        <a:scrgbClr r="0" g="0" b="0"/>
+      </a:effectRef>
+      <a:fontRef idx="minor"/>
+    </dgm:style>
+  </dgm:styleLbl>
+  <dgm:styleLbl name="parChTrans1D4">
+    <dgm:scene3d>
+      <a:camera prst="orthographicFront"/>
+      <a:lightRig rig="threePt" dir="t"/>
+    </dgm:scene3d>
+    <dgm:sp3d/>
+    <dgm:txPr/>
+    <dgm:style>
+      <a:lnRef idx="2">
+        <a:scrgbClr r="0" g="0" b="0"/>
+      </a:lnRef>
+      <a:fillRef idx="0">
+        <a:scrgbClr r="0" g="0" b="0"/>
+      </a:fillRef>
+      <a:effectRef idx="0">
+        <a:scrgbClr r="0" g="0" b="0"/>
+      </a:effectRef>
+      <a:fontRef idx="minor"/>
+    </dgm:style>
+  </dgm:styleLbl>
+  <dgm:styleLbl name="fgAcc1">
+    <dgm:scene3d>
+      <a:camera prst="orthographicFront"/>
+      <a:lightRig rig="threePt" dir="t"/>
+    </dgm:scene3d>
+    <dgm:sp3d/>
+    <dgm:txPr/>
+    <dgm:style>
+      <a:lnRef idx="2">
+        <a:scrgbClr r="0" g="0" b="0"/>
+      </a:lnRef>
+      <a:fillRef idx="1">
+        <a:scrgbClr r="0" g="0" b="0"/>
+      </a:fillRef>
+      <a:effectRef idx="0">
+        <a:scrgbClr r="0" g="0" b="0"/>
+      </a:effectRef>
+      <a:fontRef idx="minor"/>
+    </dgm:style>
+  </dgm:styleLbl>
+  <dgm:styleLbl name="conFgAcc1">
+    <dgm:scene3d>
+      <a:camera prst="orthographicFront"/>
+      <a:lightRig rig="threePt" dir="t"/>
+    </dgm:scene3d>
+    <dgm:sp3d/>
+    <dgm:txPr/>
+    <dgm:style>
+      <a:lnRef idx="2">
+        <a:scrgbClr r="0" g="0" b="0"/>
+      </a:lnRef>
+      <a:fillRef idx="1">
+        <a:scrgbClr r="0" g="0" b="0"/>
+      </a:fillRef>
+      <a:effectRef idx="0">
+        <a:scrgbClr r="0" g="0" b="0"/>
+      </a:effectRef>
+      <a:fontRef idx="minor"/>
+    </dgm:style>
+  </dgm:styleLbl>
+  <dgm:styleLbl name="alignAcc1">
+    <dgm:scene3d>
+      <a:camera prst="orthographicFront"/>
+      <a:lightRig rig="threePt" dir="t"/>
+    </dgm:scene3d>
+    <dgm:sp3d/>
+    <dgm:txPr/>
+    <dgm:style>
+      <a:lnRef idx="2">
+        <a:scrgbClr r="0" g="0" b="0"/>
+      </a:lnRef>
+      <a:fillRef idx="1">
+        <a:scrgbClr r="0" g="0" b="0"/>
+      </a:fillRef>
+      <a:effectRef idx="0">
+        <a:scrgbClr r="0" g="0" b="0"/>
+      </a:effectRef>
+      <a:fontRef idx="minor"/>
+    </dgm:style>
+  </dgm:styleLbl>
+  <dgm:styleLbl name="trAlignAcc1">
+    <dgm:scene3d>
+      <a:camera prst="orthographicFront"/>
+      <a:lightRig rig="threePt" dir="t"/>
+    </dgm:scene3d>
+    <dgm:sp3d/>
+    <dgm:txPr/>
+    <dgm:style>
+      <a:lnRef idx="1">
+        <a:scrgbClr r="0" g="0" b="0"/>
+      </a:lnRef>
+      <a:fillRef idx="1">
+        <a:scrgbClr r="0" g="0" b="0"/>
+      </a:fillRef>
+      <a:effectRef idx="0">
+        <a:scrgbClr r="0" g="0" b="0"/>
+      </a:effectRef>
+      <a:fontRef idx="minor"/>
+    </dgm:style>
+  </dgm:styleLbl>
+  <dgm:styleLbl name="bgAcc1">
+    <dgm:scene3d>
+      <a:camera prst="orthographicFront"/>
+      <a:lightRig rig="threePt" dir="t"/>
+    </dgm:scene3d>
+    <dgm:sp3d/>
+    <dgm:txPr/>
+    <dgm:style>
+      <a:lnRef idx="2">
+        <a:scrgbClr r="0" g="0" b="0"/>
+      </a:lnRef>
+      <a:fillRef idx="1">
+        <a:scrgbClr r="0" g="0" b="0"/>
+      </a:fillRef>
+      <a:effectRef idx="0">
+        <a:scrgbClr r="0" g="0" b="0"/>
+      </a:effectRef>
+      <a:fontRef idx="minor"/>
+    </dgm:style>
+  </dgm:styleLbl>
+  <dgm:styleLbl name="solidFgAcc1">
+    <dgm:scene3d>
+      <a:camera prst="orthographicFront"/>
+      <a:lightRig rig="threePt" dir="t"/>
+    </dgm:scene3d>
+    <dgm:sp3d/>
+    <dgm:txPr/>
+    <dgm:style>
+      <a:lnRef idx="2">
+        <a:scrgbClr r="0" g="0" b="0"/>
+      </a:lnRef>
+      <a:fillRef idx="1">
+        <a:scrgbClr r="0" g="0" b="0"/>
+      </a:fillRef>
+      <a:effectRef idx="0">
+        <a:scrgbClr r="0" g="0" b="0"/>
+      </a:effectRef>
+      <a:fontRef idx="minor"/>
+    </dgm:style>
+  </dgm:styleLbl>
+  <dgm:styleLbl name="solidAlignAcc1">
+    <dgm:scene3d>
+      <a:camera prst="orthographicFront"/>
+      <a:lightRig rig="threePt" dir="t"/>
+    </dgm:scene3d>
+    <dgm:sp3d/>
+    <dgm:txPr/>
+    <dgm:style>
+      <a:lnRef idx="2">
+        <a:scrgbClr r="0" g="0" b="0"/>
+      </a:lnRef>
+      <a:fillRef idx="1">
+        <a:scrgbClr r="0" g="0" b="0"/>
+      </a:fillRef>
+      <a:effectRef idx="0">
+        <a:scrgbClr r="0" g="0" b="0"/>
+      </a:effectRef>
+      <a:fontRef idx="minor"/>
+    </dgm:style>
+  </dgm:styleLbl>
+  <dgm:styleLbl name="solidBgAcc1">
+    <dgm:scene3d>
+      <a:camera prst="orthographicFront"/>
+      <a:lightRig rig="threePt" dir="t"/>
+    </dgm:scene3d>
+    <dgm:sp3d/>
+    <dgm:txPr/>
+    <dgm:style>
+      <a:lnRef idx="2">
+        <a:scrgbClr r="0" g="0" b="0"/>
+      </a:lnRef>
+      <a:fillRef idx="1">
+        <a:scrgbClr r="0" g="0" b="0"/>
+      </a:fillRef>
+      <a:effectRef idx="0">
+        <a:scrgbClr r="0" g="0" b="0"/>
+      </a:effectRef>
+      <a:fontRef idx="minor"/>
+    </dgm:style>
+  </dgm:styleLbl>
+  <dgm:styleLbl name="fgAccFollowNode1">
+    <dgm:scene3d>
+      <a:camera prst="orthographicFront"/>
+      <a:lightRig rig="threePt" dir="t"/>
+    </dgm:scene3d>
+    <dgm:sp3d/>
+    <dgm:txPr/>
+    <dgm:style>
+      <a:lnRef idx="2">
+        <a:scrgbClr r="0" g="0" b="0"/>
+      </a:lnRef>
+      <a:fillRef idx="1">
+        <a:scrgbClr r="0" g="0" b="0"/>
+      </a:fillRef>
+      <a:effectRef idx="0">
+        <a:scrgbClr r="0" g="0" b="0"/>
+      </a:effectRef>
+      <a:fontRef idx="minor"/>
+    </dgm:style>
+  </dgm:styleLbl>
+  <dgm:styleLbl name="alignAccFollowNode1">
+    <dgm:scene3d>
+      <a:camera prst="orthographicFront"/>
+      <a:lightRig rig="threePt" dir="t"/>
+    </dgm:scene3d>
+    <dgm:sp3d/>
+    <dgm:txPr/>
+    <dgm:style>
+      <a:lnRef idx="2">
+        <a:scrgbClr r="0" g="0" b="0"/>
+      </a:lnRef>
+      <a:fillRef idx="1">
+        <a:scrgbClr r="0" g="0" b="0"/>
+      </a:fillRef>
+      <a:effectRef idx="0">
+        <a:scrgbClr r="0" g="0" b="0"/>
+      </a:effectRef>
+      <a:fontRef idx="minor"/>
+    </dgm:style>
+  </dgm:styleLbl>
+  <dgm:styleLbl name="bgAccFollowNode1">
+    <dgm:scene3d>
+      <a:camera prst="orthographicFront"/>
+      <a:lightRig rig="threePt" dir="t"/>
+    </dgm:scene3d>
+    <dgm:sp3d/>
+    <dgm:txPr/>
+    <dgm:style>
+      <a:lnRef idx="2">
+        <a:scrgbClr r="0" g="0" b="0"/>
+      </a:lnRef>
+      <a:fillRef idx="1">
+        <a:scrgbClr r="0" g="0" b="0"/>
+      </a:fillRef>
+      <a:effectRef idx="0">
+        <a:scrgbClr r="0" g="0" b="0"/>
+      </a:effectRef>
+      <a:fontRef idx="minor"/>
+    </dgm:style>
+  </dgm:styleLbl>
+  <dgm:styleLbl name="fgAcc0">
+    <dgm:scene3d>
+      <a:camera prst="orthographicFront"/>
+      <a:lightRig rig="threePt" dir="t"/>
+    </dgm:scene3d>
+    <dgm:sp3d/>
+    <dgm:txPr/>
+    <dgm:style>
+      <a:lnRef idx="2">
+        <a:scrgbClr r="0" g="0" b="0"/>
+      </a:lnRef>
+      <a:fillRef idx="1">
+        <a:scrgbClr r="0" g="0" b="0"/>
+      </a:fillRef>
+      <a:effectRef idx="0">
+        <a:scrgbClr r="0" g="0" b="0"/>
+      </a:effectRef>
+      <a:fontRef idx="minor"/>
+    </dgm:style>
+  </dgm:styleLbl>
+  <dgm:styleLbl name="fgAcc2">
+    <dgm:scene3d>
+      <a:camera prst="orthographicFront"/>
+      <a:lightRig rig="threePt" dir="t"/>
+    </dgm:scene3d>
+    <dgm:sp3d/>
+    <dgm:txPr/>
+    <dgm:style>
+      <a:lnRef idx="2">
+        <a:scrgbClr r="0" g="0" b="0"/>
+      </a:lnRef>
+      <a:fillRef idx="1">
+        <a:scrgbClr r="0" g="0" b="0"/>
+      </a:fillRef>
+      <a:effectRef idx="0">
+        <a:scrgbClr r="0" g="0" b="0"/>
+      </a:effectRef>
+      <a:fontRef idx="minor"/>
+    </dgm:style>
+  </dgm:styleLbl>
+  <dgm:styleLbl name="fgAcc3">
+    <dgm:scene3d>
+      <a:camera prst="orthographicFront"/>
+      <a:lightRig rig="threePt" dir="t"/>
+    </dgm:scene3d>
+    <dgm:sp3d/>
+    <dgm:txPr/>
+    <dgm:style>
+      <a:lnRef idx="2">
+        <a:scrgbClr r="0" g="0" b="0"/>
+      </a:lnRef>
+      <a:fillRef idx="1">
+        <a:scrgbClr r="0" g="0" b="0"/>
+      </a:fillRef>
+      <a:effectRef idx="0">
+        <a:scrgbClr r="0" g="0" b="0"/>
+      </a:effectRef>
+      <a:fontRef idx="minor"/>
+    </dgm:style>
+  </dgm:styleLbl>
+  <dgm:styleLbl name="fgAcc4">
+    <dgm:scene3d>
+      <a:camera prst="orthographicFront"/>
+      <a:lightRig rig="threePt" dir="t"/>
+    </dgm:scene3d>
+    <dgm:sp3d/>
+    <dgm:txPr/>
+    <dgm:style>
+      <a:lnRef idx="2">
+        <a:scrgbClr r="0" g="0" b="0"/>
+      </a:lnRef>
+      <a:fillRef idx="1">
+        <a:scrgbClr r="0" g="0" b="0"/>
+      </a:fillRef>
+      <a:effectRef idx="0">
+        <a:scrgbClr r="0" g="0" b="0"/>
+      </a:effectRef>
+      <a:fontRef idx="minor"/>
+    </dgm:style>
+  </dgm:styleLbl>
+  <dgm:styleLbl name="bgShp">
+    <dgm:scene3d>
+      <a:camera prst="orthographicFront"/>
+      <a:lightRig rig="threePt" dir="t"/>
+    </dgm:scene3d>
+    <dgm:sp3d/>
+    <dgm:txPr/>
+    <dgm:style>
+      <a:lnRef idx="0">
+        <a:scrgbClr r="0" g="0" b="0"/>
+      </a:lnRef>
+      <a:fillRef idx="1">
+        <a:scrgbClr r="0" g="0" b="0"/>
+      </a:fillRef>
+      <a:effectRef idx="0">
+        <a:scrgbClr r="0" g="0" b="0"/>
+      </a:effectRef>
+      <a:fontRef idx="minor"/>
+    </dgm:style>
+  </dgm:styleLbl>
+  <dgm:styleLbl name="dkBgShp">
+    <dgm:scene3d>
+      <a:camera prst="orthographicFront"/>
+      <a:lightRig rig="threePt" dir="t"/>
+    </dgm:scene3d>
+    <dgm:sp3d/>
+    <dgm:txPr/>
+    <dgm:style>
+      <a:lnRef idx="0">
+        <a:scrgbClr r="0" g="0" b="0"/>
+      </a:lnRef>
+      <a:fillRef idx="1">
+        <a:scrgbClr r="0" g="0" b="0"/>
+      </a:fillRef>
+      <a:effectRef idx="0">
+        <a:scrgbClr r="0" g="0" b="0"/>
+      </a:effectRef>
+      <a:fontRef idx="minor"/>
+    </dgm:style>
+  </dgm:styleLbl>
+  <dgm:styleLbl name="trBgShp">
+    <dgm:scene3d>
+      <a:camera prst="orthographicFront"/>
+      <a:lightRig rig="threePt" dir="t"/>
+    </dgm:scene3d>
+    <dgm:sp3d/>
+    <dgm:txPr/>
+    <dgm:style>
+      <a:lnRef idx="0">
+        <a:scrgbClr r="0" g="0" b="0"/>
+      </a:lnRef>
+      <a:fillRef idx="1">
+        <a:scrgbClr r="0" g="0" b="0"/>
+      </a:fillRef>
+      <a:effectRef idx="0">
+        <a:scrgbClr r="0" g="0" b="0"/>
+      </a:effectRef>
+      <a:fontRef idx="minor"/>
+    </dgm:style>
+  </dgm:styleLbl>
+  <dgm:styleLbl name="fgShp">
+    <dgm:scene3d>
+      <a:camera prst="orthographicFront"/>
+      <a:lightRig rig="threePt" dir="t"/>
+    </dgm:scene3d>
+    <dgm:sp3d/>
+    <dgm:txPr/>
+    <dgm:style>
+      <a:lnRef idx="2">
+        <a:scrgbClr r="0" g="0" b="0"/>
+      </a:lnRef>
+      <a:fillRef idx="1">
+        <a:scrgbClr r="0" g="0" b="0"/>
+      </a:fillRef>
+      <a:effectRef idx="0">
+        <a:scrgbClr r="0" g="0" b="0"/>
+      </a:effectRef>
+      <a:fontRef idx="minor"/>
+    </dgm:style>
+  </dgm:styleLbl>
+  <dgm:styleLbl name="revTx">
+    <dgm:scene3d>
+      <a:camera prst="orthographicFront"/>
+      <a:lightRig rig="threePt" dir="t"/>
+    </dgm:scene3d>
+    <dgm:sp3d/>
+    <dgm:txPr/>
+    <dgm:style>
+      <a:lnRef idx="0">
+        <a:scrgbClr r="0" g="0" b="0"/>
+      </a:lnRef>
+      <a:fillRef idx="0">
+        <a:scrgbClr r="0" g="0" b="0"/>
+      </a:fillRef>
+      <a:effectRef idx="0">
+        <a:scrgbClr r="0" g="0" b="0"/>
+      </a:effectRef>
+      <a:fontRef idx="minor"/>
+    </dgm:style>
+  </dgm:styleLbl>
+</dgm:styleDef>
+</file>
+
+<file path=ppt/diagrams/quickStyle4.xml><?xml version="1.0" encoding="utf-8"?>
 <dgm:styleDef xmlns:dgm="http://schemas.openxmlformats.org/drawingml/2006/diagram" xmlns:a="http://schemas.openxmlformats.org/drawingml/2006/main" uniqueId="urn:microsoft.com/office/officeart/2005/8/quickstyle/simple1">
   <dgm:title val=""/>
   <dgm:desc val=""/>
@@ -6531,7 +12849,7 @@
           <a:p>
             <a:fld id="{33C1F835-63EE-450F-B330-51232C804ABE}" type="datetimeFigureOut">
               <a:rPr lang="zh-CN" altLang="en-US" smtClean="0"/>
-              <a:t>2016/7/6</a:t>
+              <a:t>2016/7/8</a:t>
             </a:fld>
             <a:endParaRPr lang="zh-CN" altLang="en-US"/>
           </a:p>
@@ -6799,6 +13117,174 @@
 </p:notesMaster>
 </file>
 
+<file path=ppt/notesSlides/notesSlide1.xml><?xml version="1.0" encoding="utf-8"?>
+<p:notes xmlns:a="http://schemas.openxmlformats.org/drawingml/2006/main" xmlns:r="http://schemas.openxmlformats.org/officeDocument/2006/relationships" xmlns:p="http://schemas.openxmlformats.org/presentationml/2006/main">
+  <p:cSld>
+    <p:spTree>
+      <p:nvGrpSpPr>
+        <p:cNvPr id="1" name=""/>
+        <p:cNvGrpSpPr/>
+        <p:nvPr/>
+      </p:nvGrpSpPr>
+      <p:grpSpPr>
+        <a:xfrm>
+          <a:off x="0" y="0"/>
+          <a:ext cx="0" cy="0"/>
+          <a:chOff x="0" y="0"/>
+          <a:chExt cx="0" cy="0"/>
+        </a:xfrm>
+      </p:grpSpPr>
+      <p:sp>
+        <p:nvSpPr>
+          <p:cNvPr id="2" name="Slide Image Placeholder 1"/>
+          <p:cNvSpPr>
+            <a:spLocks noGrp="1" noRot="1" noChangeAspect="1"/>
+          </p:cNvSpPr>
+          <p:nvPr>
+            <p:ph type="sldImg"/>
+          </p:nvPr>
+        </p:nvSpPr>
+        <p:spPr/>
+      </p:sp>
+      <p:sp>
+        <p:nvSpPr>
+          <p:cNvPr id="3" name="Notes Placeholder 2"/>
+          <p:cNvSpPr>
+            <a:spLocks noGrp="1"/>
+          </p:cNvSpPr>
+          <p:nvPr>
+            <p:ph type="body" idx="1"/>
+          </p:nvPr>
+        </p:nvSpPr>
+        <p:spPr/>
+        <p:txBody>
+          <a:bodyPr/>
+          <a:lstStyle/>
+          <a:p>
+            <a:endParaRPr lang="zh-CN" altLang="en-US" dirty="0"/>
+          </a:p>
+        </p:txBody>
+      </p:sp>
+      <p:sp>
+        <p:nvSpPr>
+          <p:cNvPr id="4" name="Slide Number Placeholder 3"/>
+          <p:cNvSpPr>
+            <a:spLocks noGrp="1"/>
+          </p:cNvSpPr>
+          <p:nvPr>
+            <p:ph type="sldNum" sz="quarter" idx="10"/>
+          </p:nvPr>
+        </p:nvSpPr>
+        <p:spPr/>
+        <p:txBody>
+          <a:bodyPr/>
+          <a:lstStyle/>
+          <a:p>
+            <a:fld id="{7D7E71E9-8AB3-4366-AE9B-546F99CAAB65}" type="slidenum">
+              <a:rPr lang="zh-CN" altLang="en-US" smtClean="0"/>
+              <a:t>24</a:t>
+            </a:fld>
+            <a:endParaRPr lang="zh-CN" altLang="en-US"/>
+          </a:p>
+        </p:txBody>
+      </p:sp>
+    </p:spTree>
+    <p:extLst>
+      <p:ext uri="{BB962C8B-B14F-4D97-AF65-F5344CB8AC3E}">
+        <p14:creationId xmlns:p14="http://schemas.microsoft.com/office/powerpoint/2010/main" val="2562677318"/>
+      </p:ext>
+    </p:extLst>
+  </p:cSld>
+  <p:clrMapOvr>
+    <a:masterClrMapping/>
+  </p:clrMapOvr>
+</p:notes>
+</file>
+
+<file path=ppt/notesSlides/notesSlide2.xml><?xml version="1.0" encoding="utf-8"?>
+<p:notes xmlns:a="http://schemas.openxmlformats.org/drawingml/2006/main" xmlns:r="http://schemas.openxmlformats.org/officeDocument/2006/relationships" xmlns:p="http://schemas.openxmlformats.org/presentationml/2006/main">
+  <p:cSld>
+    <p:spTree>
+      <p:nvGrpSpPr>
+        <p:cNvPr id="1" name=""/>
+        <p:cNvGrpSpPr/>
+        <p:nvPr/>
+      </p:nvGrpSpPr>
+      <p:grpSpPr>
+        <a:xfrm>
+          <a:off x="0" y="0"/>
+          <a:ext cx="0" cy="0"/>
+          <a:chOff x="0" y="0"/>
+          <a:chExt cx="0" cy="0"/>
+        </a:xfrm>
+      </p:grpSpPr>
+      <p:sp>
+        <p:nvSpPr>
+          <p:cNvPr id="2" name="Slide Image Placeholder 1"/>
+          <p:cNvSpPr>
+            <a:spLocks noGrp="1" noRot="1" noChangeAspect="1"/>
+          </p:cNvSpPr>
+          <p:nvPr>
+            <p:ph type="sldImg"/>
+          </p:nvPr>
+        </p:nvSpPr>
+        <p:spPr/>
+      </p:sp>
+      <p:sp>
+        <p:nvSpPr>
+          <p:cNvPr id="3" name="Notes Placeholder 2"/>
+          <p:cNvSpPr>
+            <a:spLocks noGrp="1"/>
+          </p:cNvSpPr>
+          <p:nvPr>
+            <p:ph type="body" idx="1"/>
+          </p:nvPr>
+        </p:nvSpPr>
+        <p:spPr/>
+        <p:txBody>
+          <a:bodyPr/>
+          <a:lstStyle/>
+          <a:p>
+            <a:endParaRPr lang="zh-CN" altLang="en-US" dirty="0"/>
+          </a:p>
+        </p:txBody>
+      </p:sp>
+      <p:sp>
+        <p:nvSpPr>
+          <p:cNvPr id="4" name="Slide Number Placeholder 3"/>
+          <p:cNvSpPr>
+            <a:spLocks noGrp="1"/>
+          </p:cNvSpPr>
+          <p:nvPr>
+            <p:ph type="sldNum" sz="quarter" idx="10"/>
+          </p:nvPr>
+        </p:nvSpPr>
+        <p:spPr/>
+        <p:txBody>
+          <a:bodyPr/>
+          <a:lstStyle/>
+          <a:p>
+            <a:fld id="{7D7E71E9-8AB3-4366-AE9B-546F99CAAB65}" type="slidenum">
+              <a:rPr lang="zh-CN" altLang="en-US" smtClean="0"/>
+              <a:t>25</a:t>
+            </a:fld>
+            <a:endParaRPr lang="zh-CN" altLang="en-US"/>
+          </a:p>
+        </p:txBody>
+      </p:sp>
+    </p:spTree>
+    <p:extLst>
+      <p:ext uri="{BB962C8B-B14F-4D97-AF65-F5344CB8AC3E}">
+        <p14:creationId xmlns:p14="http://schemas.microsoft.com/office/powerpoint/2010/main" val="2562677318"/>
+      </p:ext>
+    </p:extLst>
+  </p:cSld>
+  <p:clrMapOvr>
+    <a:masterClrMapping/>
+  </p:clrMapOvr>
+</p:notes>
+</file>
+
 <file path=ppt/slideLayouts/slideLayout1.xml><?xml version="1.0" encoding="utf-8"?>
 <p:sldLayout xmlns:a="http://schemas.openxmlformats.org/drawingml/2006/main" xmlns:r="http://schemas.openxmlformats.org/officeDocument/2006/relationships" xmlns:p="http://schemas.openxmlformats.org/presentationml/2006/main" type="title" preserve="1">
   <p:cSld name="Title Slide">
@@ -6981,7 +13467,7 @@
             <a:fld id="{1D8BD707-D9CF-40AE-B4C6-C98DA3205C09}" type="datetimeFigureOut">
               <a:rPr lang="en-US" smtClean="0"/>
               <a:pPr/>
-              <a:t>7/6/2016</a:t>
+              <a:t>7/8/2016</a:t>
             </a:fld>
             <a:endParaRPr lang="en-US"/>
           </a:p>
@@ -7148,7 +13634,7 @@
             <a:fld id="{1D8BD707-D9CF-40AE-B4C6-C98DA3205C09}" type="datetimeFigureOut">
               <a:rPr lang="en-US" smtClean="0"/>
               <a:pPr/>
-              <a:t>7/6/2016</a:t>
+              <a:t>7/8/2016</a:t>
             </a:fld>
             <a:endParaRPr lang="en-US"/>
           </a:p>
@@ -7325,7 +13811,7 @@
             <a:fld id="{1D8BD707-D9CF-40AE-B4C6-C98DA3205C09}" type="datetimeFigureOut">
               <a:rPr lang="en-US" smtClean="0"/>
               <a:pPr/>
-              <a:t>7/6/2016</a:t>
+              <a:t>7/8/2016</a:t>
             </a:fld>
             <a:endParaRPr lang="en-US"/>
           </a:p>
@@ -7492,7 +13978,7 @@
             <a:fld id="{1D8BD707-D9CF-40AE-B4C6-C98DA3205C09}" type="datetimeFigureOut">
               <a:rPr lang="en-US" smtClean="0"/>
               <a:pPr/>
-              <a:t>7/6/2016</a:t>
+              <a:t>7/8/2016</a:t>
             </a:fld>
             <a:endParaRPr lang="en-US"/>
           </a:p>
@@ -7735,7 +14221,7 @@
             <a:fld id="{1D8BD707-D9CF-40AE-B4C6-C98DA3205C09}" type="datetimeFigureOut">
               <a:rPr lang="en-US" smtClean="0"/>
               <a:pPr/>
-              <a:t>7/6/2016</a:t>
+              <a:t>7/8/2016</a:t>
             </a:fld>
             <a:endParaRPr lang="en-US"/>
           </a:p>
@@ -8020,7 +14506,7 @@
             <a:fld id="{1D8BD707-D9CF-40AE-B4C6-C98DA3205C09}" type="datetimeFigureOut">
               <a:rPr lang="en-US" smtClean="0"/>
               <a:pPr/>
-              <a:t>7/6/2016</a:t>
+              <a:t>7/8/2016</a:t>
             </a:fld>
             <a:endParaRPr lang="en-US"/>
           </a:p>
@@ -8439,7 +14925,7 @@
             <a:fld id="{1D8BD707-D9CF-40AE-B4C6-C98DA3205C09}" type="datetimeFigureOut">
               <a:rPr lang="en-US" smtClean="0"/>
               <a:pPr/>
-              <a:t>7/6/2016</a:t>
+              <a:t>7/8/2016</a:t>
             </a:fld>
             <a:endParaRPr lang="en-US"/>
           </a:p>
@@ -8554,7 +15040,7 @@
             <a:fld id="{1D8BD707-D9CF-40AE-B4C6-C98DA3205C09}" type="datetimeFigureOut">
               <a:rPr lang="en-US" smtClean="0"/>
               <a:pPr/>
-              <a:t>7/6/2016</a:t>
+              <a:t>7/8/2016</a:t>
             </a:fld>
             <a:endParaRPr lang="en-US"/>
           </a:p>
@@ -8646,7 +15132,7 @@
             <a:fld id="{1D8BD707-D9CF-40AE-B4C6-C98DA3205C09}" type="datetimeFigureOut">
               <a:rPr lang="en-US" smtClean="0"/>
               <a:pPr/>
-              <a:t>7/6/2016</a:t>
+              <a:t>7/8/2016</a:t>
             </a:fld>
             <a:endParaRPr lang="en-US"/>
           </a:p>
@@ -8920,7 +15406,7 @@
             <a:fld id="{1D8BD707-D9CF-40AE-B4C6-C98DA3205C09}" type="datetimeFigureOut">
               <a:rPr lang="en-US" smtClean="0"/>
               <a:pPr/>
-              <a:t>7/6/2016</a:t>
+              <a:t>7/8/2016</a:t>
             </a:fld>
             <a:endParaRPr lang="en-US"/>
           </a:p>
@@ -9170,7 +15656,7 @@
             <a:fld id="{1D8BD707-D9CF-40AE-B4C6-C98DA3205C09}" type="datetimeFigureOut">
               <a:rPr lang="en-US" smtClean="0"/>
               <a:pPr/>
-              <a:t>7/6/2016</a:t>
+              <a:t>7/8/2016</a:t>
             </a:fld>
             <a:endParaRPr lang="en-US"/>
           </a:p>
@@ -9380,7 +15866,7 @@
             <a:fld id="{1D8BD707-D9CF-40AE-B4C6-C98DA3205C09}" type="datetimeFigureOut">
               <a:rPr lang="en-US" smtClean="0"/>
               <a:pPr/>
-              <a:t>7/6/2016</a:t>
+              <a:t>7/8/2016</a:t>
             </a:fld>
             <a:endParaRPr lang="en-US"/>
           </a:p>
@@ -18289,6 +24775,1072 @@
 </file>
 
 <file path=ppt/slides/slide24.xml><?xml version="1.0" encoding="utf-8"?>
+<p:sld xmlns:a="http://schemas.openxmlformats.org/drawingml/2006/main" xmlns:r="http://schemas.openxmlformats.org/officeDocument/2006/relationships" xmlns:p="http://schemas.openxmlformats.org/presentationml/2006/main">
+  <p:cSld>
+    <p:spTree>
+      <p:nvGrpSpPr>
+        <p:cNvPr id="1" name=""/>
+        <p:cNvGrpSpPr/>
+        <p:nvPr/>
+      </p:nvGrpSpPr>
+      <p:grpSpPr>
+        <a:xfrm>
+          <a:off x="0" y="0"/>
+          <a:ext cx="0" cy="0"/>
+          <a:chOff x="0" y="0"/>
+          <a:chExt cx="0" cy="0"/>
+        </a:xfrm>
+      </p:grpSpPr>
+      <p:sp>
+        <p:nvSpPr>
+          <p:cNvPr id="2" name="Title 1"/>
+          <p:cNvSpPr>
+            <a:spLocks noGrp="1"/>
+          </p:cNvSpPr>
+          <p:nvPr>
+            <p:ph type="title"/>
+          </p:nvPr>
+        </p:nvSpPr>
+        <p:spPr/>
+        <p:txBody>
+          <a:bodyPr/>
+          <a:lstStyle/>
+          <a:p>
+            <a:r>
+              <a:rPr lang="en-US" altLang="zh-CN" dirty="0" smtClean="0">
+                <a:solidFill>
+                  <a:srgbClr val="00B050"/>
+                </a:solidFill>
+              </a:rPr>
+              <a:t>Dynamic Load Jars</a:t>
+            </a:r>
+            <a:endParaRPr lang="zh-CN" altLang="en-US" dirty="0">
+              <a:solidFill>
+                <a:srgbClr val="00B050"/>
+              </a:solidFill>
+            </a:endParaRPr>
+          </a:p>
+        </p:txBody>
+      </p:sp>
+      <p:graphicFrame>
+        <p:nvGraphicFramePr>
+          <p:cNvPr id="10" name="Diagram 9"/>
+          <p:cNvGraphicFramePr/>
+          <p:nvPr>
+            <p:extLst>
+              <p:ext uri="{D42A27DB-BD31-4B8C-83A1-F6EECF244321}">
+                <p14:modId xmlns:p14="http://schemas.microsoft.com/office/powerpoint/2010/main" val="1776201439"/>
+              </p:ext>
+            </p:extLst>
+          </p:nvPr>
+        </p:nvGraphicFramePr>
+        <p:xfrm>
+          <a:off x="5105400" y="1583693"/>
+          <a:ext cx="3048000" cy="3023139"/>
+        </p:xfrm>
+        <a:graphic>
+          <a:graphicData uri="http://schemas.openxmlformats.org/drawingml/2006/diagram">
+            <dgm:relIds xmlns:dgm="http://schemas.openxmlformats.org/drawingml/2006/diagram" xmlns:r="http://schemas.openxmlformats.org/officeDocument/2006/relationships" r:dm="rId3" r:lo="rId4" r:qs="rId5" r:cs="rId6"/>
+          </a:graphicData>
+        </a:graphic>
+      </p:graphicFrame>
+      <p:cxnSp>
+        <p:nvCxnSpPr>
+          <p:cNvPr id="13" name="Straight Connector 12"/>
+          <p:cNvCxnSpPr/>
+          <p:nvPr/>
+        </p:nvCxnSpPr>
+        <p:spPr>
+          <a:xfrm flipV="1">
+            <a:off x="6553200" y="2286000"/>
+            <a:ext cx="0" cy="304800"/>
+          </a:xfrm>
+          <a:prstGeom prst="line">
+            <a:avLst/>
+          </a:prstGeom>
+        </p:spPr>
+        <p:style>
+          <a:lnRef idx="1">
+            <a:schemeClr val="accent1"/>
+          </a:lnRef>
+          <a:fillRef idx="0">
+            <a:schemeClr val="accent1"/>
+          </a:fillRef>
+          <a:effectRef idx="0">
+            <a:schemeClr val="accent1"/>
+          </a:effectRef>
+          <a:fontRef idx="minor">
+            <a:schemeClr val="tx1"/>
+          </a:fontRef>
+        </p:style>
+      </p:cxnSp>
+      <p:cxnSp>
+        <p:nvCxnSpPr>
+          <p:cNvPr id="15" name="Straight Connector 14"/>
+          <p:cNvCxnSpPr/>
+          <p:nvPr/>
+        </p:nvCxnSpPr>
+        <p:spPr>
+          <a:xfrm flipH="1">
+            <a:off x="5791200" y="3124200"/>
+            <a:ext cx="381000" cy="0"/>
+          </a:xfrm>
+          <a:prstGeom prst="line">
+            <a:avLst/>
+          </a:prstGeom>
+        </p:spPr>
+        <p:style>
+          <a:lnRef idx="1">
+            <a:schemeClr val="accent1"/>
+          </a:lnRef>
+          <a:fillRef idx="0">
+            <a:schemeClr val="accent1"/>
+          </a:fillRef>
+          <a:effectRef idx="0">
+            <a:schemeClr val="accent1"/>
+          </a:effectRef>
+          <a:fontRef idx="minor">
+            <a:schemeClr val="tx1"/>
+          </a:fontRef>
+        </p:style>
+      </p:cxnSp>
+      <p:cxnSp>
+        <p:nvCxnSpPr>
+          <p:cNvPr id="17" name="Straight Connector 16"/>
+          <p:cNvCxnSpPr/>
+          <p:nvPr/>
+        </p:nvCxnSpPr>
+        <p:spPr>
+          <a:xfrm>
+            <a:off x="6629400" y="3657600"/>
+            <a:ext cx="0" cy="344223"/>
+          </a:xfrm>
+          <a:prstGeom prst="line">
+            <a:avLst/>
+          </a:prstGeom>
+        </p:spPr>
+        <p:style>
+          <a:lnRef idx="1">
+            <a:schemeClr val="accent1"/>
+          </a:lnRef>
+          <a:fillRef idx="0">
+            <a:schemeClr val="accent1"/>
+          </a:fillRef>
+          <a:effectRef idx="0">
+            <a:schemeClr val="accent1"/>
+          </a:effectRef>
+          <a:fontRef idx="minor">
+            <a:schemeClr val="tx1"/>
+          </a:fontRef>
+        </p:style>
+      </p:cxnSp>
+      <p:cxnSp>
+        <p:nvCxnSpPr>
+          <p:cNvPr id="19" name="Straight Connector 18"/>
+          <p:cNvCxnSpPr/>
+          <p:nvPr/>
+        </p:nvCxnSpPr>
+        <p:spPr>
+          <a:xfrm>
+            <a:off x="7162800" y="3124200"/>
+            <a:ext cx="218736" cy="0"/>
+          </a:xfrm>
+          <a:prstGeom prst="line">
+            <a:avLst/>
+          </a:prstGeom>
+        </p:spPr>
+        <p:style>
+          <a:lnRef idx="1">
+            <a:schemeClr val="accent1"/>
+          </a:lnRef>
+          <a:fillRef idx="0">
+            <a:schemeClr val="accent1"/>
+          </a:fillRef>
+          <a:effectRef idx="0">
+            <a:schemeClr val="accent1"/>
+          </a:effectRef>
+          <a:fontRef idx="minor">
+            <a:schemeClr val="tx1"/>
+          </a:fontRef>
+        </p:style>
+      </p:cxnSp>
+      <p:sp>
+        <p:nvSpPr>
+          <p:cNvPr id="20" name="TextBox 19"/>
+          <p:cNvSpPr txBox="1"/>
+          <p:nvPr/>
+        </p:nvSpPr>
+        <p:spPr>
+          <a:xfrm>
+            <a:off x="4343400" y="3552712"/>
+            <a:ext cx="1285091" cy="276999"/>
+          </a:xfrm>
+          <a:prstGeom prst="rect">
+            <a:avLst/>
+          </a:prstGeom>
+          <a:noFill/>
+        </p:spPr>
+        <p:txBody>
+          <a:bodyPr wrap="square" rtlCol="0">
+            <a:spAutoFit/>
+          </a:bodyPr>
+          <a:lstStyle/>
+          <a:p>
+            <a:r>
+              <a:rPr lang="en-US" altLang="zh-CN" sz="1200" b="1" dirty="0" smtClean="0">
+                <a:solidFill>
+                  <a:schemeClr val="bg1">
+                    <a:lumMod val="85000"/>
+                  </a:schemeClr>
+                </a:solidFill>
+              </a:rPr>
+              <a:t>Watch /root/jars</a:t>
+            </a:r>
+            <a:endParaRPr lang="zh-CN" altLang="en-US" sz="1200" b="1" dirty="0">
+              <a:solidFill>
+                <a:schemeClr val="bg1">
+                  <a:lumMod val="85000"/>
+                </a:schemeClr>
+              </a:solidFill>
+            </a:endParaRPr>
+          </a:p>
+        </p:txBody>
+      </p:sp>
+      <p:sp>
+        <p:nvSpPr>
+          <p:cNvPr id="21" name="Explosion 1 20"/>
+          <p:cNvSpPr/>
+          <p:nvPr/>
+        </p:nvSpPr>
+        <p:spPr>
+          <a:xfrm>
+            <a:off x="1981200" y="1211919"/>
+            <a:ext cx="1905000" cy="1797085"/>
+          </a:xfrm>
+          <a:prstGeom prst="irregularSeal1">
+            <a:avLst/>
+          </a:prstGeom>
+        </p:spPr>
+        <p:style>
+          <a:lnRef idx="1">
+            <a:schemeClr val="accent5"/>
+          </a:lnRef>
+          <a:fillRef idx="2">
+            <a:schemeClr val="accent5"/>
+          </a:fillRef>
+          <a:effectRef idx="1">
+            <a:schemeClr val="accent5"/>
+          </a:effectRef>
+          <a:fontRef idx="minor">
+            <a:schemeClr val="dk1"/>
+          </a:fontRef>
+        </p:style>
+        <p:txBody>
+          <a:bodyPr rtlCol="0" anchor="ctr"/>
+          <a:lstStyle/>
+          <a:p>
+            <a:pPr algn="ctr"/>
+            <a:endParaRPr lang="zh-CN" altLang="en-US"/>
+          </a:p>
+        </p:txBody>
+      </p:sp>
+      <p:cxnSp>
+        <p:nvCxnSpPr>
+          <p:cNvPr id="23" name="Straight Arrow Connector 22"/>
+          <p:cNvCxnSpPr/>
+          <p:nvPr/>
+        </p:nvCxnSpPr>
+        <p:spPr>
+          <a:xfrm flipV="1">
+            <a:off x="914400" y="2590800"/>
+            <a:ext cx="5791200" cy="838200"/>
+          </a:xfrm>
+          <a:prstGeom prst="straightConnector1">
+            <a:avLst/>
+          </a:prstGeom>
+          <a:ln>
+            <a:tailEnd type="arrow"/>
+          </a:ln>
+        </p:spPr>
+        <p:style>
+          <a:lnRef idx="1">
+            <a:schemeClr val="accent1"/>
+          </a:lnRef>
+          <a:fillRef idx="0">
+            <a:schemeClr val="accent1"/>
+          </a:fillRef>
+          <a:effectRef idx="0">
+            <a:schemeClr val="accent1"/>
+          </a:effectRef>
+          <a:fontRef idx="minor">
+            <a:schemeClr val="tx1"/>
+          </a:fontRef>
+        </p:style>
+      </p:cxnSp>
+      <p:sp>
+        <p:nvSpPr>
+          <p:cNvPr id="24" name="TextBox 23"/>
+          <p:cNvSpPr txBox="1"/>
+          <p:nvPr/>
+        </p:nvSpPr>
+        <p:spPr>
+          <a:xfrm>
+            <a:off x="1447800" y="3827939"/>
+            <a:ext cx="2057400" cy="307777"/>
+          </a:xfrm>
+          <a:prstGeom prst="rect">
+            <a:avLst/>
+          </a:prstGeom>
+          <a:noFill/>
+        </p:spPr>
+        <p:txBody>
+          <a:bodyPr wrap="square" rtlCol="0">
+            <a:spAutoFit/>
+          </a:bodyPr>
+          <a:lstStyle/>
+          <a:p>
+            <a:r>
+              <a:rPr lang="en-US" altLang="zh-CN" sz="1400" b="1" dirty="0" smtClean="0"/>
+              <a:t>Upload jars to cluster</a:t>
+            </a:r>
+            <a:endParaRPr lang="zh-CN" altLang="en-US" sz="1400" b="1" dirty="0"/>
+          </a:p>
+        </p:txBody>
+      </p:sp>
+      <p:sp>
+        <p:nvSpPr>
+          <p:cNvPr id="25" name="Oval 24"/>
+          <p:cNvSpPr/>
+          <p:nvPr/>
+        </p:nvSpPr>
+        <p:spPr>
+          <a:xfrm>
+            <a:off x="152400" y="3009004"/>
+            <a:ext cx="838200" cy="820707"/>
+          </a:xfrm>
+          <a:prstGeom prst="ellipse">
+            <a:avLst/>
+          </a:prstGeom>
+        </p:spPr>
+        <p:style>
+          <a:lnRef idx="3">
+            <a:schemeClr val="lt1"/>
+          </a:lnRef>
+          <a:fillRef idx="1">
+            <a:schemeClr val="accent2"/>
+          </a:fillRef>
+          <a:effectRef idx="1">
+            <a:schemeClr val="accent2"/>
+          </a:effectRef>
+          <a:fontRef idx="minor">
+            <a:schemeClr val="lt1"/>
+          </a:fontRef>
+        </p:style>
+        <p:txBody>
+          <a:bodyPr rtlCol="0" anchor="ctr"/>
+          <a:lstStyle/>
+          <a:p>
+            <a:pPr algn="ctr"/>
+            <a:r>
+              <a:rPr lang="en-US" altLang="zh-CN" sz="1000" b="1" dirty="0" smtClean="0"/>
+              <a:t>Client</a:t>
+            </a:r>
+            <a:endParaRPr lang="zh-CN" altLang="en-US" sz="1000" b="1" dirty="0"/>
+          </a:p>
+        </p:txBody>
+      </p:sp>
+    </p:spTree>
+    <p:extLst>
+      <p:ext uri="{BB962C8B-B14F-4D97-AF65-F5344CB8AC3E}">
+        <p14:creationId xmlns:p14="http://schemas.microsoft.com/office/powerpoint/2010/main" val="1020702624"/>
+      </p:ext>
+    </p:extLst>
+  </p:cSld>
+  <p:clrMapOvr>
+    <a:masterClrMapping/>
+  </p:clrMapOvr>
+</p:sld>
+</file>
+
+<file path=ppt/slides/slide25.xml><?xml version="1.0" encoding="utf-8"?>
+<p:sld xmlns:a="http://schemas.openxmlformats.org/drawingml/2006/main" xmlns:r="http://schemas.openxmlformats.org/officeDocument/2006/relationships" xmlns:p="http://schemas.openxmlformats.org/presentationml/2006/main">
+  <p:cSld>
+    <p:spTree>
+      <p:nvGrpSpPr>
+        <p:cNvPr id="1" name=""/>
+        <p:cNvGrpSpPr/>
+        <p:nvPr/>
+      </p:nvGrpSpPr>
+      <p:grpSpPr>
+        <a:xfrm>
+          <a:off x="0" y="0"/>
+          <a:ext cx="0" cy="0"/>
+          <a:chOff x="0" y="0"/>
+          <a:chExt cx="0" cy="0"/>
+        </a:xfrm>
+      </p:grpSpPr>
+      <p:sp>
+        <p:nvSpPr>
+          <p:cNvPr id="2" name="Title 1"/>
+          <p:cNvSpPr>
+            <a:spLocks noGrp="1"/>
+          </p:cNvSpPr>
+          <p:nvPr>
+            <p:ph type="title"/>
+          </p:nvPr>
+        </p:nvSpPr>
+        <p:spPr/>
+        <p:txBody>
+          <a:bodyPr/>
+          <a:lstStyle/>
+          <a:p>
+            <a:r>
+              <a:rPr lang="en-US" altLang="zh-CN" dirty="0" smtClean="0">
+                <a:solidFill>
+                  <a:srgbClr val="00B050"/>
+                </a:solidFill>
+              </a:rPr>
+              <a:t>Dynamic Load Jars</a:t>
+            </a:r>
+            <a:endParaRPr lang="zh-CN" altLang="en-US" dirty="0">
+              <a:solidFill>
+                <a:srgbClr val="00B050"/>
+              </a:solidFill>
+            </a:endParaRPr>
+          </a:p>
+        </p:txBody>
+      </p:sp>
+      <p:sp>
+        <p:nvSpPr>
+          <p:cNvPr id="4" name="Rectangle 3"/>
+          <p:cNvSpPr/>
+          <p:nvPr/>
+        </p:nvSpPr>
+        <p:spPr>
+          <a:xfrm>
+            <a:off x="6400800" y="3827939"/>
+            <a:ext cx="2743200" cy="1524000"/>
+          </a:xfrm>
+          <a:prstGeom prst="rect">
+            <a:avLst/>
+          </a:prstGeom>
+        </p:spPr>
+        <p:style>
+          <a:lnRef idx="1">
+            <a:schemeClr val="accent4"/>
+          </a:lnRef>
+          <a:fillRef idx="2">
+            <a:schemeClr val="accent4"/>
+          </a:fillRef>
+          <a:effectRef idx="1">
+            <a:schemeClr val="accent4"/>
+          </a:effectRef>
+          <a:fontRef idx="minor">
+            <a:schemeClr val="dk1"/>
+          </a:fontRef>
+        </p:style>
+        <p:txBody>
+          <a:bodyPr rtlCol="0" anchor="ctr"/>
+          <a:lstStyle/>
+          <a:p>
+            <a:pPr algn="ctr"/>
+            <a:endParaRPr lang="zh-CN" altLang="en-US"/>
+          </a:p>
+        </p:txBody>
+      </p:sp>
+      <p:sp>
+        <p:nvSpPr>
+          <p:cNvPr id="5" name="Rectangle 4"/>
+          <p:cNvSpPr/>
+          <p:nvPr/>
+        </p:nvSpPr>
+        <p:spPr>
+          <a:xfrm>
+            <a:off x="6629400" y="4001823"/>
+            <a:ext cx="914401" cy="233662"/>
+          </a:xfrm>
+          <a:prstGeom prst="rect">
+            <a:avLst/>
+          </a:prstGeom>
+          <a:solidFill>
+            <a:srgbClr val="00B050">
+              <a:alpha val="30000"/>
+            </a:srgbClr>
+          </a:solidFill>
+          <a:ln>
+            <a:noFill/>
+          </a:ln>
+        </p:spPr>
+        <p:style>
+          <a:lnRef idx="2">
+            <a:schemeClr val="accent1">
+              <a:shade val="50000"/>
+            </a:schemeClr>
+          </a:lnRef>
+          <a:fillRef idx="1">
+            <a:schemeClr val="accent1"/>
+          </a:fillRef>
+          <a:effectRef idx="0">
+            <a:schemeClr val="accent1"/>
+          </a:effectRef>
+          <a:fontRef idx="minor">
+            <a:schemeClr val="lt1"/>
+          </a:fontRef>
+        </p:style>
+        <p:txBody>
+          <a:bodyPr rtlCol="0" anchor="ctr"/>
+          <a:lstStyle/>
+          <a:p>
+            <a:pPr algn="ctr"/>
+            <a:r>
+              <a:rPr lang="en-US" altLang="zh-CN" sz="800" b="1" dirty="0" smtClean="0">
+                <a:solidFill>
+                  <a:srgbClr val="FF0000"/>
+                </a:solidFill>
+              </a:rPr>
+              <a:t>/</a:t>
+            </a:r>
+            <a:r>
+              <a:rPr lang="en-US" altLang="zh-CN" sz="800" b="1" dirty="0" smtClean="0">
+                <a:solidFill>
+                  <a:srgbClr val="FF0000"/>
+                </a:solidFill>
+              </a:rPr>
+              <a:t>root/</a:t>
+            </a:r>
+            <a:r>
+              <a:rPr lang="en-US" altLang="zh-CN" sz="800" b="1" dirty="0" err="1" smtClean="0">
+                <a:solidFill>
+                  <a:srgbClr val="FF0000"/>
+                </a:solidFill>
+              </a:rPr>
+              <a:t>akka</a:t>
+            </a:r>
+            <a:endParaRPr lang="zh-CN" altLang="en-US" sz="800" b="1" dirty="0">
+              <a:solidFill>
+                <a:srgbClr val="FF0000"/>
+              </a:solidFill>
+            </a:endParaRPr>
+          </a:p>
+        </p:txBody>
+      </p:sp>
+      <p:sp>
+        <p:nvSpPr>
+          <p:cNvPr id="6" name="Rectangle 5"/>
+          <p:cNvSpPr/>
+          <p:nvPr/>
+        </p:nvSpPr>
+        <p:spPr>
+          <a:xfrm>
+            <a:off x="6671534" y="4359116"/>
+            <a:ext cx="2396266" cy="188278"/>
+          </a:xfrm>
+          <a:prstGeom prst="rect">
+            <a:avLst/>
+          </a:prstGeom>
+          <a:solidFill>
+            <a:srgbClr val="00B050">
+              <a:alpha val="30000"/>
+            </a:srgbClr>
+          </a:solidFill>
+          <a:ln>
+            <a:noFill/>
+          </a:ln>
+        </p:spPr>
+        <p:style>
+          <a:lnRef idx="2">
+            <a:schemeClr val="accent1">
+              <a:shade val="50000"/>
+            </a:schemeClr>
+          </a:lnRef>
+          <a:fillRef idx="1">
+            <a:schemeClr val="accent1"/>
+          </a:fillRef>
+          <a:effectRef idx="0">
+            <a:schemeClr val="accent1"/>
+          </a:effectRef>
+          <a:fontRef idx="minor">
+            <a:schemeClr val="lt1"/>
+          </a:fontRef>
+        </p:style>
+        <p:txBody>
+          <a:bodyPr rtlCol="0" anchor="ctr"/>
+          <a:lstStyle/>
+          <a:p>
+            <a:pPr algn="ctr"/>
+            <a:r>
+              <a:rPr lang="en-US" altLang="zh-CN" sz="800" b="1" dirty="0" smtClean="0">
+                <a:solidFill>
+                  <a:srgbClr val="FF0000"/>
+                </a:solidFill>
+              </a:rPr>
+              <a:t>actorSystem_host_port_actorName1</a:t>
+            </a:r>
+            <a:endParaRPr lang="zh-CN" altLang="en-US" sz="800" b="1" dirty="0">
+              <a:solidFill>
+                <a:srgbClr val="FF0000"/>
+              </a:solidFill>
+            </a:endParaRPr>
+          </a:p>
+        </p:txBody>
+      </p:sp>
+      <p:graphicFrame>
+        <p:nvGraphicFramePr>
+          <p:cNvPr id="10" name="Diagram 9"/>
+          <p:cNvGraphicFramePr/>
+          <p:nvPr>
+            <p:extLst>
+              <p:ext uri="{D42A27DB-BD31-4B8C-83A1-F6EECF244321}">
+                <p14:modId xmlns:p14="http://schemas.microsoft.com/office/powerpoint/2010/main" val="2131790455"/>
+              </p:ext>
+            </p:extLst>
+          </p:nvPr>
+        </p:nvGraphicFramePr>
+        <p:xfrm>
+          <a:off x="4953000" y="1212346"/>
+          <a:ext cx="3048000" cy="3023139"/>
+        </p:xfrm>
+        <a:graphic>
+          <a:graphicData uri="http://schemas.openxmlformats.org/drawingml/2006/diagram">
+            <dgm:relIds xmlns:dgm="http://schemas.openxmlformats.org/drawingml/2006/diagram" xmlns:r="http://schemas.openxmlformats.org/officeDocument/2006/relationships" r:dm="rId3" r:lo="rId4" r:qs="rId5" r:cs="rId6"/>
+          </a:graphicData>
+        </a:graphic>
+      </p:graphicFrame>
+      <p:cxnSp>
+        <p:nvCxnSpPr>
+          <p:cNvPr id="13" name="Straight Connector 12"/>
+          <p:cNvCxnSpPr/>
+          <p:nvPr/>
+        </p:nvCxnSpPr>
+        <p:spPr>
+          <a:xfrm flipV="1">
+            <a:off x="6553200" y="2286000"/>
+            <a:ext cx="0" cy="304800"/>
+          </a:xfrm>
+          <a:prstGeom prst="line">
+            <a:avLst/>
+          </a:prstGeom>
+        </p:spPr>
+        <p:style>
+          <a:lnRef idx="1">
+            <a:schemeClr val="accent1"/>
+          </a:lnRef>
+          <a:fillRef idx="0">
+            <a:schemeClr val="accent1"/>
+          </a:fillRef>
+          <a:effectRef idx="0">
+            <a:schemeClr val="accent1"/>
+          </a:effectRef>
+          <a:fontRef idx="minor">
+            <a:schemeClr val="tx1"/>
+          </a:fontRef>
+        </p:style>
+      </p:cxnSp>
+      <p:cxnSp>
+        <p:nvCxnSpPr>
+          <p:cNvPr id="15" name="Straight Connector 14"/>
+          <p:cNvCxnSpPr/>
+          <p:nvPr/>
+        </p:nvCxnSpPr>
+        <p:spPr>
+          <a:xfrm flipH="1">
+            <a:off x="5791200" y="3124200"/>
+            <a:ext cx="381000" cy="0"/>
+          </a:xfrm>
+          <a:prstGeom prst="line">
+            <a:avLst/>
+          </a:prstGeom>
+        </p:spPr>
+        <p:style>
+          <a:lnRef idx="1">
+            <a:schemeClr val="accent1"/>
+          </a:lnRef>
+          <a:fillRef idx="0">
+            <a:schemeClr val="accent1"/>
+          </a:fillRef>
+          <a:effectRef idx="0">
+            <a:schemeClr val="accent1"/>
+          </a:effectRef>
+          <a:fontRef idx="minor">
+            <a:schemeClr val="tx1"/>
+          </a:fontRef>
+        </p:style>
+      </p:cxnSp>
+      <p:cxnSp>
+        <p:nvCxnSpPr>
+          <p:cNvPr id="17" name="Straight Connector 16"/>
+          <p:cNvCxnSpPr/>
+          <p:nvPr/>
+        </p:nvCxnSpPr>
+        <p:spPr>
+          <a:xfrm>
+            <a:off x="6629400" y="3657600"/>
+            <a:ext cx="0" cy="344223"/>
+          </a:xfrm>
+          <a:prstGeom prst="line">
+            <a:avLst/>
+          </a:prstGeom>
+        </p:spPr>
+        <p:style>
+          <a:lnRef idx="1">
+            <a:schemeClr val="accent1"/>
+          </a:lnRef>
+          <a:fillRef idx="0">
+            <a:schemeClr val="accent1"/>
+          </a:fillRef>
+          <a:effectRef idx="0">
+            <a:schemeClr val="accent1"/>
+          </a:effectRef>
+          <a:fontRef idx="minor">
+            <a:schemeClr val="tx1"/>
+          </a:fontRef>
+        </p:style>
+      </p:cxnSp>
+      <p:cxnSp>
+        <p:nvCxnSpPr>
+          <p:cNvPr id="19" name="Straight Connector 18"/>
+          <p:cNvCxnSpPr/>
+          <p:nvPr/>
+        </p:nvCxnSpPr>
+        <p:spPr>
+          <a:xfrm>
+            <a:off x="7162800" y="3124200"/>
+            <a:ext cx="218736" cy="0"/>
+          </a:xfrm>
+          <a:prstGeom prst="line">
+            <a:avLst/>
+          </a:prstGeom>
+        </p:spPr>
+        <p:style>
+          <a:lnRef idx="1">
+            <a:schemeClr val="accent1"/>
+          </a:lnRef>
+          <a:fillRef idx="0">
+            <a:schemeClr val="accent1"/>
+          </a:fillRef>
+          <a:effectRef idx="0">
+            <a:schemeClr val="accent1"/>
+          </a:effectRef>
+          <a:fontRef idx="minor">
+            <a:schemeClr val="tx1"/>
+          </a:fontRef>
+        </p:style>
+      </p:cxnSp>
+      <p:sp>
+        <p:nvSpPr>
+          <p:cNvPr id="21" name="Explosion 1 20"/>
+          <p:cNvSpPr/>
+          <p:nvPr/>
+        </p:nvSpPr>
+        <p:spPr>
+          <a:xfrm>
+            <a:off x="1981200" y="1211919"/>
+            <a:ext cx="1905000" cy="1797085"/>
+          </a:xfrm>
+          <a:prstGeom prst="irregularSeal1">
+            <a:avLst/>
+          </a:prstGeom>
+        </p:spPr>
+        <p:style>
+          <a:lnRef idx="1">
+            <a:schemeClr val="accent5"/>
+          </a:lnRef>
+          <a:fillRef idx="2">
+            <a:schemeClr val="accent5"/>
+          </a:fillRef>
+          <a:effectRef idx="1">
+            <a:schemeClr val="accent5"/>
+          </a:effectRef>
+          <a:fontRef idx="minor">
+            <a:schemeClr val="dk1"/>
+          </a:fontRef>
+        </p:style>
+        <p:txBody>
+          <a:bodyPr rtlCol="0" anchor="ctr"/>
+          <a:lstStyle/>
+          <a:p>
+            <a:pPr algn="ctr"/>
+            <a:endParaRPr lang="zh-CN" altLang="en-US"/>
+          </a:p>
+        </p:txBody>
+      </p:sp>
+      <p:cxnSp>
+        <p:nvCxnSpPr>
+          <p:cNvPr id="23" name="Straight Arrow Connector 22"/>
+          <p:cNvCxnSpPr/>
+          <p:nvPr/>
+        </p:nvCxnSpPr>
+        <p:spPr>
+          <a:xfrm flipV="1">
+            <a:off x="914400" y="2590800"/>
+            <a:ext cx="5791200" cy="838200"/>
+          </a:xfrm>
+          <a:prstGeom prst="straightConnector1">
+            <a:avLst/>
+          </a:prstGeom>
+          <a:ln>
+            <a:tailEnd type="arrow"/>
+          </a:ln>
+        </p:spPr>
+        <p:style>
+          <a:lnRef idx="1">
+            <a:schemeClr val="accent1"/>
+          </a:lnRef>
+          <a:fillRef idx="0">
+            <a:schemeClr val="accent1"/>
+          </a:fillRef>
+          <a:effectRef idx="0">
+            <a:schemeClr val="accent1"/>
+          </a:effectRef>
+          <a:fontRef idx="minor">
+            <a:schemeClr val="tx1"/>
+          </a:fontRef>
+        </p:style>
+      </p:cxnSp>
+      <p:sp>
+        <p:nvSpPr>
+          <p:cNvPr id="24" name="TextBox 23"/>
+          <p:cNvSpPr txBox="1"/>
+          <p:nvPr/>
+        </p:nvSpPr>
+        <p:spPr>
+          <a:xfrm>
+            <a:off x="1447800" y="3827939"/>
+            <a:ext cx="2057400" cy="307777"/>
+          </a:xfrm>
+          <a:prstGeom prst="rect">
+            <a:avLst/>
+          </a:prstGeom>
+          <a:noFill/>
+        </p:spPr>
+        <p:txBody>
+          <a:bodyPr wrap="square" rtlCol="0">
+            <a:spAutoFit/>
+          </a:bodyPr>
+          <a:lstStyle/>
+          <a:p>
+            <a:r>
+              <a:rPr lang="en-US" altLang="zh-CN" sz="1400" b="1" dirty="0" smtClean="0"/>
+              <a:t>Upload jars to cluster</a:t>
+            </a:r>
+            <a:endParaRPr lang="zh-CN" altLang="en-US" sz="1400" b="1" dirty="0"/>
+          </a:p>
+        </p:txBody>
+      </p:sp>
+      <p:sp>
+        <p:nvSpPr>
+          <p:cNvPr id="25" name="Oval 24"/>
+          <p:cNvSpPr/>
+          <p:nvPr/>
+        </p:nvSpPr>
+        <p:spPr>
+          <a:xfrm>
+            <a:off x="152400" y="3009004"/>
+            <a:ext cx="838200" cy="820707"/>
+          </a:xfrm>
+          <a:prstGeom prst="ellipse">
+            <a:avLst/>
+          </a:prstGeom>
+        </p:spPr>
+        <p:style>
+          <a:lnRef idx="3">
+            <a:schemeClr val="lt1"/>
+          </a:lnRef>
+          <a:fillRef idx="1">
+            <a:schemeClr val="accent2"/>
+          </a:fillRef>
+          <a:effectRef idx="1">
+            <a:schemeClr val="accent2"/>
+          </a:effectRef>
+          <a:fontRef idx="minor">
+            <a:schemeClr val="lt1"/>
+          </a:fontRef>
+        </p:style>
+        <p:txBody>
+          <a:bodyPr rtlCol="0" anchor="ctr"/>
+          <a:lstStyle/>
+          <a:p>
+            <a:pPr algn="ctr"/>
+            <a:r>
+              <a:rPr lang="en-US" altLang="zh-CN" sz="1000" b="1" dirty="0" smtClean="0"/>
+              <a:t>Client</a:t>
+            </a:r>
+            <a:endParaRPr lang="zh-CN" altLang="en-US" sz="1000" b="1" dirty="0"/>
+          </a:p>
+        </p:txBody>
+      </p:sp>
+      <p:sp>
+        <p:nvSpPr>
+          <p:cNvPr id="18" name="Rectangle 17"/>
+          <p:cNvSpPr/>
+          <p:nvPr/>
+        </p:nvSpPr>
+        <p:spPr>
+          <a:xfrm>
+            <a:off x="6671534" y="4724400"/>
+            <a:ext cx="2396266" cy="188278"/>
+          </a:xfrm>
+          <a:prstGeom prst="rect">
+            <a:avLst/>
+          </a:prstGeom>
+          <a:solidFill>
+            <a:srgbClr val="00B050">
+              <a:alpha val="30000"/>
+            </a:srgbClr>
+          </a:solidFill>
+          <a:ln>
+            <a:noFill/>
+          </a:ln>
+        </p:spPr>
+        <p:style>
+          <a:lnRef idx="2">
+            <a:schemeClr val="accent1">
+              <a:shade val="50000"/>
+            </a:schemeClr>
+          </a:lnRef>
+          <a:fillRef idx="1">
+            <a:schemeClr val="accent1"/>
+          </a:fillRef>
+          <a:effectRef idx="0">
+            <a:schemeClr val="accent1"/>
+          </a:effectRef>
+          <a:fontRef idx="minor">
+            <a:schemeClr val="lt1"/>
+          </a:fontRef>
+        </p:style>
+        <p:txBody>
+          <a:bodyPr rtlCol="0" anchor="ctr"/>
+          <a:lstStyle/>
+          <a:p>
+            <a:pPr algn="ctr"/>
+            <a:r>
+              <a:rPr lang="en-US" altLang="zh-CN" sz="800" b="1" dirty="0" smtClean="0">
+                <a:solidFill>
+                  <a:srgbClr val="FF0000"/>
+                </a:solidFill>
+              </a:rPr>
+              <a:t>actorSystem_host_port_actorName2</a:t>
+            </a:r>
+            <a:endParaRPr lang="zh-CN" altLang="en-US" sz="800" b="1" dirty="0">
+              <a:solidFill>
+                <a:srgbClr val="FF0000"/>
+              </a:solidFill>
+            </a:endParaRPr>
+          </a:p>
+        </p:txBody>
+      </p:sp>
+      <p:sp>
+        <p:nvSpPr>
+          <p:cNvPr id="22" name="Rectangle 21"/>
+          <p:cNvSpPr/>
+          <p:nvPr/>
+        </p:nvSpPr>
+        <p:spPr>
+          <a:xfrm>
+            <a:off x="6671534" y="5029200"/>
+            <a:ext cx="2396266" cy="188278"/>
+          </a:xfrm>
+          <a:prstGeom prst="rect">
+            <a:avLst/>
+          </a:prstGeom>
+          <a:solidFill>
+            <a:srgbClr val="00B050">
+              <a:alpha val="30000"/>
+            </a:srgbClr>
+          </a:solidFill>
+          <a:ln>
+            <a:noFill/>
+          </a:ln>
+        </p:spPr>
+        <p:style>
+          <a:lnRef idx="2">
+            <a:schemeClr val="accent1">
+              <a:shade val="50000"/>
+            </a:schemeClr>
+          </a:lnRef>
+          <a:fillRef idx="1">
+            <a:schemeClr val="accent1"/>
+          </a:fillRef>
+          <a:effectRef idx="0">
+            <a:schemeClr val="accent1"/>
+          </a:effectRef>
+          <a:fontRef idx="minor">
+            <a:schemeClr val="lt1"/>
+          </a:fontRef>
+        </p:style>
+        <p:txBody>
+          <a:bodyPr rtlCol="0" anchor="ctr"/>
+          <a:lstStyle/>
+          <a:p>
+            <a:pPr algn="ctr"/>
+            <a:r>
+              <a:rPr lang="en-US" altLang="zh-CN" sz="800" b="1" dirty="0" smtClean="0">
+                <a:solidFill>
+                  <a:srgbClr val="FF0000"/>
+                </a:solidFill>
+              </a:rPr>
+              <a:t>actorSystem_host_port_actorName3</a:t>
+            </a:r>
+            <a:endParaRPr lang="zh-CN" altLang="en-US" sz="800" b="1" dirty="0">
+              <a:solidFill>
+                <a:srgbClr val="FF0000"/>
+              </a:solidFill>
+            </a:endParaRPr>
+          </a:p>
+        </p:txBody>
+      </p:sp>
+      <p:sp>
+        <p:nvSpPr>
+          <p:cNvPr id="3" name="TextBox 2"/>
+          <p:cNvSpPr txBox="1"/>
+          <p:nvPr/>
+        </p:nvSpPr>
+        <p:spPr>
+          <a:xfrm>
+            <a:off x="7162800" y="1295400"/>
+            <a:ext cx="1905000" cy="369332"/>
+          </a:xfrm>
+          <a:prstGeom prst="rect">
+            <a:avLst/>
+          </a:prstGeom>
+          <a:noFill/>
+        </p:spPr>
+        <p:txBody>
+          <a:bodyPr wrap="square" rtlCol="0">
+            <a:spAutoFit/>
+          </a:bodyPr>
+          <a:lstStyle/>
+          <a:p>
+            <a:r>
+              <a:rPr lang="en-US" altLang="zh-CN" b="1" dirty="0" err="1" smtClean="0"/>
+              <a:t>Akka</a:t>
+            </a:r>
+            <a:r>
+              <a:rPr lang="en-US" altLang="zh-CN" b="1" dirty="0" smtClean="0"/>
+              <a:t> + </a:t>
+            </a:r>
+            <a:r>
+              <a:rPr lang="en-US" altLang="zh-CN" b="1" dirty="0" err="1" smtClean="0"/>
+              <a:t>Netty</a:t>
+            </a:r>
+            <a:endParaRPr lang="zh-CN" altLang="en-US" b="1" dirty="0"/>
+          </a:p>
+        </p:txBody>
+      </p:sp>
+    </p:spTree>
+    <p:extLst>
+      <p:ext uri="{BB962C8B-B14F-4D97-AF65-F5344CB8AC3E}">
+        <p14:creationId xmlns:p14="http://schemas.microsoft.com/office/powerpoint/2010/main" val="1061421185"/>
+      </p:ext>
+    </p:extLst>
+  </p:cSld>
+  <p:clrMapOvr>
+    <a:masterClrMapping/>
+  </p:clrMapOvr>
+</p:sld>
+</file>
+
+<file path=ppt/slides/slide26.xml><?xml version="1.0" encoding="utf-8"?>
 <p:sld xmlns:a="http://schemas.openxmlformats.org/drawingml/2006/main" xmlns:r="http://schemas.openxmlformats.org/officeDocument/2006/relationships" xmlns:p="http://schemas.openxmlformats.org/presentationml/2006/main">
   <p:cSld>
     <p:spTree>
